--- a/src/Self_Efficacy/Stimuli/Instructions.pptx
+++ b/src/Self_Efficacy/Stimuli/Instructions.pptx
@@ -31,18 +31,25 @@
     <p:sldId id="291" r:id="rId25"/>
     <p:sldId id="292" r:id="rId26"/>
     <p:sldId id="283" r:id="rId27"/>
-    <p:sldId id="293" r:id="rId28"/>
-    <p:sldId id="294" r:id="rId29"/>
-    <p:sldId id="296" r:id="rId30"/>
-    <p:sldId id="297" r:id="rId31"/>
-    <p:sldId id="298" r:id="rId32"/>
-    <p:sldId id="299" r:id="rId33"/>
-    <p:sldId id="303" r:id="rId34"/>
-    <p:sldId id="301" r:id="rId35"/>
-    <p:sldId id="300" r:id="rId36"/>
-    <p:sldId id="304" r:id="rId37"/>
-    <p:sldId id="306" r:id="rId38"/>
-    <p:sldId id="267" r:id="rId39"/>
+    <p:sldId id="307" r:id="rId28"/>
+    <p:sldId id="308" r:id="rId29"/>
+    <p:sldId id="309" r:id="rId30"/>
+    <p:sldId id="310" r:id="rId31"/>
+    <p:sldId id="311" r:id="rId32"/>
+    <p:sldId id="312" r:id="rId33"/>
+    <p:sldId id="313" r:id="rId34"/>
+    <p:sldId id="293" r:id="rId35"/>
+    <p:sldId id="294" r:id="rId36"/>
+    <p:sldId id="296" r:id="rId37"/>
+    <p:sldId id="297" r:id="rId38"/>
+    <p:sldId id="298" r:id="rId39"/>
+    <p:sldId id="299" r:id="rId40"/>
+    <p:sldId id="303" r:id="rId41"/>
+    <p:sldId id="301" r:id="rId42"/>
+    <p:sldId id="300" r:id="rId43"/>
+    <p:sldId id="304" r:id="rId44"/>
+    <p:sldId id="306" r:id="rId45"/>
+    <p:sldId id="267" r:id="rId46"/>
   </p:sldIdLst>
   <p:sldSz cx="12192000" cy="6858000"/>
   <p:notesSz cx="6858000" cy="9144000"/>
@@ -8808,35 +8815,6 @@
           </a:p>
         </p:txBody>
       </p:sp>
-      <p:pic>
-        <p:nvPicPr>
-          <p:cNvPr id="3" name="Picture 2">
-            <a:extLst>
-              <a:ext uri="{FF2B5EF4-FFF2-40B4-BE49-F238E27FC236}">
-                <a16:creationId xmlns:a16="http://schemas.microsoft.com/office/drawing/2014/main" id="{6AE7F709-8749-44C3-A592-B7B36BCC25C3}"/>
-              </a:ext>
-            </a:extLst>
-          </p:cNvPr>
-          <p:cNvPicPr>
-            <a:picLocks noChangeAspect="1"/>
-          </p:cNvPicPr>
-          <p:nvPr/>
-        </p:nvPicPr>
-        <p:blipFill rotWithShape="1">
-          <a:blip r:embed="rId2"/>
-          <a:srcRect l="22652" t="12263" r="22859" b="6534"/>
-          <a:stretch/>
-        </p:blipFill>
-        <p:spPr>
-          <a:xfrm>
-            <a:off x="4907280" y="3429000"/>
-            <a:ext cx="2377440" cy="2362011"/>
-          </a:xfrm>
-          <a:prstGeom prst="rect">
-            <a:avLst/>
-          </a:prstGeom>
-        </p:spPr>
-      </p:pic>
       <p:sp>
         <p:nvSpPr>
           <p:cNvPr id="10" name="Rectangle 9">
@@ -8892,6 +8870,35 @@
           </a:p>
         </p:txBody>
       </p:sp>
+      <p:pic>
+        <p:nvPicPr>
+          <p:cNvPr id="2" name="Picture 1">
+            <a:extLst>
+              <a:ext uri="{FF2B5EF4-FFF2-40B4-BE49-F238E27FC236}">
+                <a16:creationId xmlns:a16="http://schemas.microsoft.com/office/drawing/2014/main" id="{4D57D0B7-5D12-4339-9C13-03FECEAAFF7D}"/>
+              </a:ext>
+            </a:extLst>
+          </p:cNvPr>
+          <p:cNvPicPr>
+            <a:picLocks noChangeAspect="1"/>
+          </p:cNvPicPr>
+          <p:nvPr/>
+        </p:nvPicPr>
+        <p:blipFill rotWithShape="1">
+          <a:blip r:embed="rId2"/>
+          <a:srcRect l="22830" t="12263" r="22948" b="6800"/>
+          <a:stretch/>
+        </p:blipFill>
+        <p:spPr>
+          <a:xfrm>
+            <a:off x="4907280" y="3429000"/>
+            <a:ext cx="2377440" cy="2365832"/>
+          </a:xfrm>
+          <a:prstGeom prst="rect">
+            <a:avLst/>
+          </a:prstGeom>
+        </p:spPr>
+      </p:pic>
     </p:spTree>
     <p:extLst>
       <p:ext uri="{BB962C8B-B14F-4D97-AF65-F5344CB8AC3E}">
@@ -8974,8 +8981,8 @@
         </p:nvSpPr>
         <p:spPr>
           <a:xfrm>
-            <a:off x="755905" y="1099125"/>
-            <a:ext cx="10680191" cy="1800493"/>
+            <a:off x="1874195" y="1137597"/>
+            <a:ext cx="8443609" cy="1723549"/>
           </a:xfrm>
           <a:prstGeom prst="rect">
             <a:avLst/>
@@ -9003,142 +9010,110 @@
             </a:r>
             <a:r>
               <a:rPr lang="en-GB" sz="2400" dirty="0"/>
-              <a:t> phase, </a:t>
+              <a:t> phase, les </a:t>
+            </a:r>
+            <a:r>
+              <a:rPr lang="en-GB" sz="2400" dirty="0" err="1"/>
+              <a:t>paires</a:t>
+            </a:r>
+            <a:r>
+              <a:rPr lang="en-GB" sz="2400" dirty="0"/>
+              <a:t> de </a:t>
+            </a:r>
+            <a:r>
+              <a:rPr lang="en-GB" sz="2400" dirty="0" err="1"/>
+              <a:t>nombres</a:t>
+            </a:r>
+            <a:r>
+              <a:rPr lang="en-GB" sz="2400" dirty="0"/>
+              <a:t> </a:t>
             </a:r>
             <a:r>
               <a:rPr lang="en-GB" sz="2400" b="1" dirty="0" err="1"/>
-              <a:t>vous</a:t>
-            </a:r>
-            <a:r>
-              <a:rPr lang="en-GB" sz="2400" b="1" dirty="0"/>
-              <a:t> </a:t>
-            </a:r>
-            <a:r>
-              <a:rPr lang="en-GB" sz="2400" b="1" dirty="0" err="1"/>
-              <a:t>pouvez</a:t>
-            </a:r>
-            <a:r>
-              <a:rPr lang="en-GB" sz="2400" b="1" dirty="0"/>
-              <a:t> </a:t>
-            </a:r>
-            <a:r>
-              <a:rPr lang="en-GB" sz="2400" b="1" dirty="0" err="1"/>
-              <a:t>choisir</a:t>
-            </a:r>
-            <a:r>
-              <a:rPr lang="en-GB" sz="2400" b="1" dirty="0"/>
-              <a:t> </a:t>
-            </a:r>
-            <a:r>
-              <a:rPr lang="en-GB" sz="2400" dirty="0"/>
-              <a:t>de </a:t>
-            </a:r>
-            <a:r>
-              <a:rPr lang="en-GB" sz="2400" dirty="0" err="1"/>
-              <a:t>voir</a:t>
-            </a:r>
-            <a:r>
-              <a:rPr lang="en-GB" sz="2400" dirty="0"/>
-              <a:t> les emplacements des </a:t>
-            </a:r>
-            <a:r>
-              <a:rPr lang="en-GB" sz="2400" dirty="0" err="1"/>
-              <a:t>paires</a:t>
-            </a:r>
-            <a:r>
-              <a:rPr lang="en-GB" sz="2400" dirty="0"/>
-              <a:t> </a:t>
-            </a:r>
-            <a:r>
-              <a:rPr lang="en-GB" sz="2400" dirty="0" err="1"/>
-              <a:t>autant</a:t>
-            </a:r>
-            <a:r>
-              <a:rPr lang="en-GB" sz="2400" dirty="0"/>
-              <a:t> de </a:t>
-            </a:r>
-            <a:r>
-              <a:rPr lang="en-GB" sz="2400" dirty="0" err="1"/>
-              <a:t>fois</a:t>
-            </a:r>
-            <a:r>
-              <a:rPr lang="en-GB" sz="2400" dirty="0"/>
-              <a:t> que </a:t>
-            </a:r>
-            <a:r>
-              <a:rPr lang="en-GB" sz="2400" b="1" dirty="0" err="1"/>
-              <a:t>vous</a:t>
-            </a:r>
-            <a:r>
-              <a:rPr lang="en-GB" sz="2400" b="1" dirty="0"/>
-              <a:t> le </a:t>
-            </a:r>
-            <a:r>
-              <a:rPr lang="en-GB" sz="2400" b="1" dirty="0" err="1"/>
-              <a:t>souhaitez</a:t>
-            </a:r>
-            <a:endParaRPr lang="en-GB" sz="2400" b="1" dirty="0"/>
+              <a:t>apparaîtront</a:t>
+            </a:r>
+            <a:r>
+              <a:rPr lang="en-GB" sz="2400" dirty="0"/>
+              <a:t> </a:t>
+            </a:r>
+            <a:r>
+              <a:rPr lang="en-GB" sz="2400" dirty="0" err="1"/>
+              <a:t>comme</a:t>
+            </a:r>
+            <a:r>
+              <a:rPr lang="en-GB" sz="2400" dirty="0"/>
+              <a:t> dessous:</a:t>
+            </a:r>
           </a:p>
           <a:p>
             <a:pPr algn="ctr">
               <a:spcAft>
-                <a:spcPts val="600"/>
+                <a:spcPts val="1200"/>
               </a:spcAft>
             </a:pPr>
             <a:r>
-              <a:rPr lang="en-GB" sz="2400" dirty="0"/>
-              <a:t>Pour </a:t>
-            </a:r>
-            <a:r>
-              <a:rPr lang="en-GB" sz="2400" dirty="0" err="1"/>
-              <a:t>ce</a:t>
-            </a:r>
-            <a:r>
-              <a:rPr lang="en-GB" sz="2400" dirty="0"/>
-              <a:t> faire, </a:t>
-            </a:r>
-            <a:r>
-              <a:rPr lang="en-GB" sz="2400" dirty="0" err="1"/>
-              <a:t>simplement</a:t>
-            </a:r>
-            <a:r>
-              <a:rPr lang="en-GB" sz="2400" dirty="0"/>
-              <a:t> </a:t>
-            </a:r>
-            <a:r>
-              <a:rPr lang="en-GB" sz="2400" dirty="0" err="1"/>
-              <a:t>cliquer</a:t>
-            </a:r>
-            <a:r>
-              <a:rPr lang="en-GB" sz="2400" dirty="0"/>
-              <a:t> sur </a:t>
-            </a:r>
-            <a:r>
-              <a:rPr lang="fr-FR" sz="2400" b="1" dirty="0"/>
-              <a:t>le bouton « Oui »</a:t>
-            </a:r>
-          </a:p>
-          <a:p>
-            <a:pPr algn="ctr">
-              <a:spcAft>
-                <a:spcPts val="600"/>
-              </a:spcAft>
-            </a:pPr>
+              <a:rPr lang="en-GB" sz="2400" dirty="0" err="1"/>
+              <a:t>Ils</a:t>
+            </a:r>
+            <a:r>
+              <a:rPr lang="en-GB" sz="2400" dirty="0"/>
+              <a:t> </a:t>
+            </a:r>
+            <a:r>
+              <a:rPr lang="en-GB" sz="2400" dirty="0" err="1"/>
+              <a:t>changeront</a:t>
+            </a:r>
+            <a:r>
+              <a:rPr lang="en-GB" sz="2400" dirty="0"/>
+              <a:t> </a:t>
+            </a:r>
+            <a:r>
+              <a:rPr lang="en-GB" sz="2400" b="1" dirty="0" err="1"/>
+              <a:t>chaque</a:t>
+            </a:r>
+            <a:r>
+              <a:rPr lang="en-GB" sz="2400" b="1" dirty="0"/>
+              <a:t> </a:t>
+            </a:r>
+            <a:r>
+              <a:rPr lang="en-GB" sz="2400" b="1" dirty="0" err="1"/>
+              <a:t>seconde</a:t>
+            </a:r>
+            <a:r>
+              <a:rPr lang="en-GB" sz="2400" dirty="0"/>
+              <a:t> et </a:t>
+            </a:r>
+            <a:r>
+              <a:rPr lang="en-GB" sz="2400" dirty="0" err="1"/>
+              <a:t>apparaîtront</a:t>
+            </a:r>
+            <a:r>
+              <a:rPr lang="en-GB" sz="2400" dirty="0"/>
+              <a:t> dans</a:t>
+            </a:r>
+            <a:r>
+              <a:rPr lang="en-GB" sz="2400" b="1" dirty="0"/>
+              <a:t> </a:t>
+            </a:r>
+            <a:r>
+              <a:rPr lang="en-GB" sz="2400" b="1" dirty="0" err="1"/>
+              <a:t>l’ordre</a:t>
+            </a:r>
+            <a:r>
+              <a:rPr lang="en-GB" sz="2400" b="1" dirty="0"/>
+              <a:t> croissant</a:t>
+            </a:r>
+            <a:r>
+              <a:rPr lang="en-GB" sz="2400" dirty="0"/>
+              <a:t> (de 1 </a:t>
+            </a:r>
             <a:r>
               <a:rPr lang="fr-FR" sz="2400" dirty="0"/>
-              <a:t>Sinon, vous pourrez cliquer sur le bouton </a:t>
-            </a:r>
-            <a:r>
-              <a:rPr lang="fr-FR" sz="2400" b="1" dirty="0"/>
-              <a:t>« Non »</a:t>
-            </a:r>
-            <a:r>
-              <a:rPr lang="fr-FR" sz="2400" dirty="0"/>
-              <a:t> pour procéder à</a:t>
-            </a:r>
-            <a:r>
-              <a:rPr lang="en-GB" sz="2400" dirty="0"/>
-              <a:t> la phase de test.</a:t>
+              <a:t>à</a:t>
+            </a:r>
+            <a:r>
+              <a:rPr lang="en-GB" sz="2400" dirty="0"/>
+              <a:t> 8)</a:t>
             </a:r>
           </a:p>
         </p:txBody>
@@ -9252,10 +9227,10 @@
       </p:sp>
       <p:pic>
         <p:nvPicPr>
-          <p:cNvPr id="2" name="Picture 1">
+          <p:cNvPr id="4" name="Picture 3">
             <a:extLst>
               <a:ext uri="{FF2B5EF4-FFF2-40B4-BE49-F238E27FC236}">
-                <a16:creationId xmlns:a16="http://schemas.microsoft.com/office/drawing/2014/main" id="{0BB677F4-C94A-4443-B094-1CFC75EE73B7}"/>
+                <a16:creationId xmlns:a16="http://schemas.microsoft.com/office/drawing/2014/main" id="{58A4500C-5F4A-4047-919E-B45EC7026935}"/>
               </a:ext>
             </a:extLst>
           </p:cNvPr>
@@ -9266,13 +9241,13 @@
         </p:nvPicPr>
         <p:blipFill rotWithShape="1">
           <a:blip r:embed="rId2"/>
-          <a:srcRect l="39719" t="42933" r="39659" b="37321"/>
+          <a:srcRect l="22759" t="12269" r="22703" b="6416"/>
           <a:stretch/>
         </p:blipFill>
         <p:spPr>
           <a:xfrm>
-            <a:off x="4811268" y="3770518"/>
-            <a:ext cx="2569464" cy="1640237"/>
+            <a:off x="4907280" y="3438849"/>
+            <a:ext cx="2377440" cy="2363129"/>
           </a:xfrm>
           <a:prstGeom prst="rect">
             <a:avLst/>
@@ -9282,7 +9257,7 @@
     </p:spTree>
     <p:extLst>
       <p:ext uri="{BB962C8B-B14F-4D97-AF65-F5344CB8AC3E}">
-        <p14:creationId xmlns:p14="http://schemas.microsoft.com/office/powerpoint/2010/main" val="1138958507"/>
+        <p14:creationId xmlns:p14="http://schemas.microsoft.com/office/powerpoint/2010/main" val="811144289"/>
       </p:ext>
     </p:extLst>
   </p:cSld>
@@ -9361,8 +9336,8 @@
         </p:nvSpPr>
         <p:spPr>
           <a:xfrm>
-            <a:off x="1481328" y="1022181"/>
-            <a:ext cx="9052559" cy="1877437"/>
+            <a:off x="1874195" y="1137597"/>
+            <a:ext cx="8443609" cy="1723549"/>
           </a:xfrm>
           <a:prstGeom prst="rect">
             <a:avLst/>
@@ -9381,8 +9356,48 @@
               </a:spcAft>
             </a:pPr>
             <a:r>
-              <a:rPr lang="en-GB" sz="2400" b="1" dirty="0"/>
-              <a:t>Attention!</a:t>
+              <a:rPr lang="en-GB" sz="2400" dirty="0"/>
+              <a:t>Durant </a:t>
+            </a:r>
+            <a:r>
+              <a:rPr lang="en-GB" sz="2400" dirty="0" err="1"/>
+              <a:t>cette</a:t>
+            </a:r>
+            <a:r>
+              <a:rPr lang="en-GB" sz="2400" dirty="0"/>
+              <a:t> phase, les </a:t>
+            </a:r>
+            <a:r>
+              <a:rPr lang="en-GB" sz="2400" dirty="0" err="1"/>
+              <a:t>paires</a:t>
+            </a:r>
+            <a:r>
+              <a:rPr lang="en-GB" sz="2400" dirty="0"/>
+              <a:t> de </a:t>
+            </a:r>
+            <a:r>
+              <a:rPr lang="en-GB" sz="2400" dirty="0" err="1"/>
+              <a:t>nombres</a:t>
+            </a:r>
+            <a:r>
+              <a:rPr lang="en-GB" sz="2400" dirty="0"/>
+              <a:t> </a:t>
+            </a:r>
+            <a:r>
+              <a:rPr lang="en-GB" sz="2400" b="1" dirty="0" err="1"/>
+              <a:t>apparaîtront</a:t>
+            </a:r>
+            <a:r>
+              <a:rPr lang="en-GB" sz="2400" dirty="0"/>
+              <a:t> </a:t>
+            </a:r>
+            <a:r>
+              <a:rPr lang="en-GB" sz="2400" dirty="0" err="1"/>
+              <a:t>comme</a:t>
+            </a:r>
+            <a:r>
+              <a:rPr lang="en-GB" sz="2400" dirty="0"/>
+              <a:t> dessous:</a:t>
             </a:r>
           </a:p>
           <a:p>
@@ -9393,51 +9408,59 @@
             </a:pPr>
             <a:r>
               <a:rPr lang="en-GB" sz="2400" dirty="0" err="1"/>
-              <a:t>Vous</a:t>
-            </a:r>
-            <a:r>
-              <a:rPr lang="en-GB" sz="2400" dirty="0"/>
-              <a:t> </a:t>
-            </a:r>
-            <a:r>
-              <a:rPr lang="en-GB" sz="2400" dirty="0" err="1"/>
-              <a:t>aurez</a:t>
-            </a:r>
-            <a:r>
-              <a:rPr lang="en-GB" sz="2400" dirty="0"/>
-              <a:t> </a:t>
-            </a:r>
-            <a:r>
-              <a:rPr lang="en-GB" sz="2400" dirty="0" err="1"/>
-              <a:t>seulement</a:t>
-            </a:r>
-            <a:r>
-              <a:rPr lang="en-GB" sz="2400" dirty="0"/>
-              <a:t> </a:t>
+              <a:t>Ils</a:t>
+            </a:r>
+            <a:r>
+              <a:rPr lang="en-GB" sz="2400" dirty="0"/>
+              <a:t> </a:t>
+            </a:r>
+            <a:r>
+              <a:rPr lang="en-GB" sz="2400" dirty="0" err="1"/>
+              <a:t>changeront</a:t>
+            </a:r>
+            <a:r>
+              <a:rPr lang="en-GB" sz="2400" dirty="0"/>
+              <a:t> </a:t>
+            </a:r>
+            <a:r>
+              <a:rPr lang="en-GB" sz="2400" b="1" dirty="0" err="1"/>
+              <a:t>chaque</a:t>
             </a:r>
             <a:r>
               <a:rPr lang="en-GB" sz="2400" b="1" dirty="0"/>
-              <a:t>5 </a:t>
+              <a:t> </a:t>
             </a:r>
             <a:r>
               <a:rPr lang="en-GB" sz="2400" b="1" dirty="0" err="1"/>
-              <a:t>secondes</a:t>
+              <a:t>seconde</a:t>
+            </a:r>
+            <a:r>
+              <a:rPr lang="en-GB" sz="2400" dirty="0"/>
+              <a:t> et </a:t>
+            </a:r>
+            <a:r>
+              <a:rPr lang="en-GB" sz="2400" dirty="0" err="1"/>
+              <a:t>apparaîtront</a:t>
+            </a:r>
+            <a:r>
+              <a:rPr lang="en-GB" sz="2400" dirty="0"/>
+              <a:t> dans</a:t>
             </a:r>
             <a:r>
               <a:rPr lang="en-GB" sz="2400" b="1" dirty="0"/>
               <a:t> </a:t>
             </a:r>
             <a:r>
-              <a:rPr lang="en-GB" sz="2400" dirty="0"/>
-              <a:t>pour </a:t>
-            </a:r>
-            <a:r>
-              <a:rPr lang="en-GB" sz="2400" dirty="0" err="1"/>
-              <a:t>répondre</a:t>
-            </a:r>
-            <a:r>
-              <a:rPr lang="en-GB" sz="2400" dirty="0"/>
-              <a:t> </a:t>
+              <a:rPr lang="en-GB" sz="2400" b="1" dirty="0" err="1"/>
+              <a:t>l’ordre</a:t>
+            </a:r>
+            <a:r>
+              <a:rPr lang="en-GB" sz="2400" b="1" dirty="0"/>
+              <a:t> croissant</a:t>
+            </a:r>
+            <a:r>
+              <a:rPr lang="en-GB" sz="2400" dirty="0"/>
+              <a:t> (de 1 </a:t>
             </a:r>
             <a:r>
               <a:rPr lang="fr-FR" sz="2400" dirty="0"/>
@@ -9445,72 +9468,8 @@
             </a:r>
             <a:r>
               <a:rPr lang="en-GB" sz="2400" dirty="0"/>
-              <a:t> </a:t>
-            </a:r>
-            <a:r>
-              <a:rPr lang="en-GB" sz="2400" dirty="0" err="1"/>
-              <a:t>cette</a:t>
-            </a:r>
-            <a:r>
-              <a:rPr lang="en-GB" sz="2400" dirty="0"/>
-              <a:t> question!</a:t>
-            </a:r>
-          </a:p>
-          <a:p>
-            <a:pPr algn="ctr">
-              <a:spcAft>
-                <a:spcPts val="1200"/>
-              </a:spcAft>
-            </a:pPr>
-            <a:r>
-              <a:rPr lang="en-GB" sz="2400" dirty="0"/>
-              <a:t>Si </a:t>
-            </a:r>
-            <a:r>
-              <a:rPr lang="en-GB" sz="2400" dirty="0" err="1"/>
-              <a:t>vous</a:t>
-            </a:r>
-            <a:r>
-              <a:rPr lang="en-GB" sz="2400" dirty="0"/>
-              <a:t> ne </a:t>
-            </a:r>
-            <a:r>
-              <a:rPr lang="en-GB" sz="2400" dirty="0" err="1"/>
-              <a:t>repondez</a:t>
-            </a:r>
-            <a:r>
-              <a:rPr lang="en-GB" sz="2400" dirty="0"/>
-              <a:t> pas, </a:t>
-            </a:r>
-            <a:r>
-              <a:rPr lang="en-GB" sz="2400" b="1" dirty="0" err="1"/>
-              <a:t>l’essai</a:t>
-            </a:r>
-            <a:r>
-              <a:rPr lang="en-GB" sz="2400" b="1" dirty="0"/>
-              <a:t> </a:t>
-            </a:r>
-            <a:r>
-              <a:rPr lang="en-GB" sz="2400" b="1" dirty="0" err="1"/>
-              <a:t>passera</a:t>
-            </a:r>
-            <a:r>
-              <a:rPr lang="en-GB" sz="2400" b="1" dirty="0"/>
-              <a:t> </a:t>
-            </a:r>
-            <a:r>
-              <a:rPr lang="fr-FR" sz="2400" b="1" dirty="0"/>
-              <a:t>à</a:t>
-            </a:r>
-            <a:r>
-              <a:rPr lang="en-GB" sz="2400" b="1" dirty="0"/>
-              <a:t> la phase de test </a:t>
-            </a:r>
-            <a:r>
-              <a:rPr lang="en-GB" sz="2400" dirty="0" err="1"/>
-              <a:t>automatiquement</a:t>
-            </a:r>
-            <a:endParaRPr lang="en-GB" sz="2400" b="1" dirty="0"/>
+              <a:t> 8)</a:t>
+            </a:r>
           </a:p>
         </p:txBody>
       </p:sp>
@@ -9623,10 +9582,10 @@
       </p:sp>
       <p:pic>
         <p:nvPicPr>
-          <p:cNvPr id="2" name="Picture 1">
+          <p:cNvPr id="6" name="Picture 5">
             <a:extLst>
               <a:ext uri="{FF2B5EF4-FFF2-40B4-BE49-F238E27FC236}">
-                <a16:creationId xmlns:a16="http://schemas.microsoft.com/office/drawing/2014/main" id="{0BB677F4-C94A-4443-B094-1CFC75EE73B7}"/>
+                <a16:creationId xmlns:a16="http://schemas.microsoft.com/office/drawing/2014/main" id="{6442719D-4A45-44C3-8EB0-ACC165216251}"/>
               </a:ext>
             </a:extLst>
           </p:cNvPr>
@@ -9637,13 +9596,13 @@
         </p:nvPicPr>
         <p:blipFill rotWithShape="1">
           <a:blip r:embed="rId2"/>
-          <a:srcRect l="39719" t="42933" r="39659" b="37321"/>
+          <a:srcRect l="23066" t="12499" r="22889" b="6434"/>
           <a:stretch/>
         </p:blipFill>
         <p:spPr>
           <a:xfrm>
-            <a:off x="4811268" y="3770518"/>
-            <a:ext cx="2569464" cy="1640237"/>
+            <a:off x="4907280" y="3429000"/>
+            <a:ext cx="2377440" cy="2377440"/>
           </a:xfrm>
           <a:prstGeom prst="rect">
             <a:avLst/>
@@ -9653,7 +9612,7 @@
     </p:spTree>
     <p:extLst>
       <p:ext uri="{BB962C8B-B14F-4D97-AF65-F5344CB8AC3E}">
-        <p14:creationId xmlns:p14="http://schemas.microsoft.com/office/powerpoint/2010/main" val="2890649823"/>
+        <p14:creationId xmlns:p14="http://schemas.microsoft.com/office/powerpoint/2010/main" val="675680248"/>
       </p:ext>
     </p:extLst>
   </p:cSld>
@@ -9719,7 +9678,152 @@
                   <a:srgbClr val="0070C0"/>
                 </a:solidFill>
               </a:rPr>
-              <a:t>4. LA PHASE DE TEST</a:t>
+              <a:t>3. LA PHASE DE MEMORISATION</a:t>
+            </a:r>
+          </a:p>
+        </p:txBody>
+      </p:sp>
+      <p:sp>
+        <p:nvSpPr>
+          <p:cNvPr id="7" name="ZoneTexte 6"/>
+          <p:cNvSpPr txBox="1"/>
+          <p:nvPr/>
+        </p:nvSpPr>
+        <p:spPr>
+          <a:xfrm>
+            <a:off x="1874195" y="1137597"/>
+            <a:ext cx="8443609" cy="1723549"/>
+          </a:xfrm>
+          <a:prstGeom prst="rect">
+            <a:avLst/>
+          </a:prstGeom>
+          <a:noFill/>
+        </p:spPr>
+        <p:txBody>
+          <a:bodyPr wrap="square" rtlCol="0">
+            <a:spAutoFit/>
+          </a:bodyPr>
+          <a:lstStyle/>
+          <a:p>
+            <a:pPr algn="ctr">
+              <a:spcAft>
+                <a:spcPts val="1200"/>
+              </a:spcAft>
+            </a:pPr>
+            <a:r>
+              <a:rPr lang="en-GB" sz="2400" dirty="0"/>
+              <a:t>Durant </a:t>
+            </a:r>
+            <a:r>
+              <a:rPr lang="en-GB" sz="2400" dirty="0" err="1"/>
+              <a:t>cette</a:t>
+            </a:r>
+            <a:r>
+              <a:rPr lang="en-GB" sz="2400" dirty="0"/>
+              <a:t> phase, les </a:t>
+            </a:r>
+            <a:r>
+              <a:rPr lang="en-GB" sz="2400" dirty="0" err="1"/>
+              <a:t>paires</a:t>
+            </a:r>
+            <a:r>
+              <a:rPr lang="en-GB" sz="2400" dirty="0"/>
+              <a:t> de </a:t>
+            </a:r>
+            <a:r>
+              <a:rPr lang="en-GB" sz="2400" dirty="0" err="1"/>
+              <a:t>nombres</a:t>
+            </a:r>
+            <a:r>
+              <a:rPr lang="en-GB" sz="2400" dirty="0"/>
+              <a:t> </a:t>
+            </a:r>
+            <a:r>
+              <a:rPr lang="en-GB" sz="2400" b="1" dirty="0" err="1"/>
+              <a:t>apparaîtront</a:t>
+            </a:r>
+            <a:r>
+              <a:rPr lang="en-GB" sz="2400" dirty="0"/>
+              <a:t> </a:t>
+            </a:r>
+            <a:r>
+              <a:rPr lang="en-GB" sz="2400" dirty="0" err="1"/>
+              <a:t>comme</a:t>
+            </a:r>
+            <a:r>
+              <a:rPr lang="en-GB" sz="2400" dirty="0"/>
+              <a:t> dessous:</a:t>
+            </a:r>
+          </a:p>
+          <a:p>
+            <a:pPr algn="ctr">
+              <a:spcAft>
+                <a:spcPts val="1200"/>
+              </a:spcAft>
+            </a:pPr>
+            <a:r>
+              <a:rPr lang="en-GB" sz="2400" dirty="0" err="1"/>
+              <a:t>Ils</a:t>
+            </a:r>
+            <a:r>
+              <a:rPr lang="en-GB" sz="2400" dirty="0"/>
+              <a:t> </a:t>
+            </a:r>
+            <a:r>
+              <a:rPr lang="en-GB" sz="2400" dirty="0" err="1"/>
+              <a:t>changeront</a:t>
+            </a:r>
+            <a:r>
+              <a:rPr lang="en-GB" sz="2400" dirty="0"/>
+              <a:t> </a:t>
+            </a:r>
+            <a:r>
+              <a:rPr lang="en-GB" sz="2400" b="1" dirty="0" err="1"/>
+              <a:t>chaque</a:t>
+            </a:r>
+            <a:r>
+              <a:rPr lang="en-GB" sz="2400" b="1" dirty="0"/>
+              <a:t> </a:t>
+            </a:r>
+            <a:r>
+              <a:rPr lang="en-GB" sz="2400" b="1" dirty="0" err="1"/>
+              <a:t>seconde</a:t>
+            </a:r>
+            <a:r>
+              <a:rPr lang="en-GB" sz="2400" dirty="0"/>
+              <a:t> et </a:t>
+            </a:r>
+            <a:r>
+              <a:rPr lang="en-GB" sz="2400" dirty="0" err="1"/>
+              <a:t>apparaîtront</a:t>
+            </a:r>
+            <a:r>
+              <a:rPr lang="en-GB" sz="2400" dirty="0"/>
+              <a:t> dans</a:t>
+            </a:r>
+            <a:r>
+              <a:rPr lang="en-GB" sz="2400" b="1" dirty="0"/>
+              <a:t> </a:t>
+            </a:r>
+            <a:r>
+              <a:rPr lang="en-GB" sz="2400" b="1" dirty="0" err="1"/>
+              <a:t>l’ordre</a:t>
+            </a:r>
+            <a:r>
+              <a:rPr lang="en-GB" sz="2400" b="1" dirty="0"/>
+              <a:t> croissant</a:t>
+            </a:r>
+            <a:r>
+              <a:rPr lang="en-GB" sz="2400" dirty="0"/>
+              <a:t> (de 1 </a:t>
+            </a:r>
+            <a:r>
+              <a:rPr lang="fr-FR" sz="2400" dirty="0"/>
+              <a:t>à</a:t>
+            </a:r>
+            <a:r>
+              <a:rPr lang="en-GB" sz="2400" dirty="0"/>
+              <a:t> 8)</a:t>
             </a:r>
           </a:p>
         </p:txBody>
@@ -9778,168 +9882,65 @@
       </p:sp>
       <p:sp>
         <p:nvSpPr>
-          <p:cNvPr id="8" name="ZoneTexte 7"/>
-          <p:cNvSpPr txBox="1"/>
-          <p:nvPr/>
-        </p:nvSpPr>
-        <p:spPr>
-          <a:xfrm>
-            <a:off x="1874195" y="1099125"/>
-            <a:ext cx="8443609" cy="1723549"/>
-          </a:xfrm>
-          <a:prstGeom prst="rect">
-            <a:avLst/>
-          </a:prstGeom>
-          <a:noFill/>
-        </p:spPr>
-        <p:txBody>
-          <a:bodyPr wrap="square" rtlCol="0">
+          <p:cNvPr id="10" name="Rectangle 9">
+            <a:extLst>
+              <a:ext uri="{FF2B5EF4-FFF2-40B4-BE49-F238E27FC236}">
+                <a16:creationId xmlns:a16="http://schemas.microsoft.com/office/drawing/2014/main" id="{3AA6DE88-E1CA-4798-A76A-C14E357E5404}"/>
+              </a:ext>
+            </a:extLst>
+          </p:cNvPr>
+          <p:cNvSpPr/>
+          <p:nvPr/>
+        </p:nvSpPr>
+        <p:spPr>
+          <a:xfrm>
+            <a:off x="4027165" y="6483648"/>
+            <a:ext cx="4137671" cy="369332"/>
+          </a:xfrm>
+          <a:prstGeom prst="rect">
+            <a:avLst/>
+          </a:prstGeom>
+        </p:spPr>
+        <p:txBody>
+          <a:bodyPr wrap="none">
             <a:spAutoFit/>
           </a:bodyPr>
           <a:lstStyle/>
           <a:p>
-            <a:pPr algn="ctr">
-              <a:spcAft>
-                <a:spcPts val="1200"/>
-              </a:spcAft>
-            </a:pPr>
-            <a:r>
-              <a:rPr lang="en-GB" sz="2400" dirty="0"/>
-              <a:t>Durant la phase de test, </a:t>
-            </a:r>
-            <a:r>
-              <a:rPr lang="en-GB" sz="2400" dirty="0" err="1"/>
-              <a:t>l’un</a:t>
-            </a:r>
-            <a:r>
-              <a:rPr lang="en-GB" sz="2400" dirty="0"/>
-              <a:t> de </a:t>
-            </a:r>
-            <a:r>
-              <a:rPr lang="en-GB" sz="2400" dirty="0" err="1"/>
-              <a:t>numéro</a:t>
-            </a:r>
-            <a:r>
-              <a:rPr lang="en-GB" sz="2400" dirty="0"/>
-              <a:t> de </a:t>
-            </a:r>
-            <a:r>
-              <a:rPr lang="en-GB" sz="2400" dirty="0" err="1"/>
-              <a:t>chaque</a:t>
-            </a:r>
-            <a:r>
-              <a:rPr lang="en-GB" sz="2400" dirty="0"/>
-              <a:t> </a:t>
-            </a:r>
-            <a:r>
-              <a:rPr lang="en-GB" sz="2400" dirty="0" err="1"/>
-              <a:t>paire</a:t>
-            </a:r>
-            <a:r>
-              <a:rPr lang="en-GB" sz="2400" dirty="0"/>
-              <a:t> </a:t>
-            </a:r>
-            <a:r>
-              <a:rPr lang="en-GB" sz="2400" dirty="0" err="1"/>
-              <a:t>apparaîtront</a:t>
-            </a:r>
-            <a:r>
-              <a:rPr lang="en-GB" sz="2400" dirty="0"/>
-              <a:t> sur la grille (</a:t>
-            </a:r>
-            <a:r>
-              <a:rPr lang="en-GB" sz="2400" dirty="0" err="1"/>
-              <a:t>comme</a:t>
-            </a:r>
-            <a:r>
-              <a:rPr lang="en-GB" sz="2400" dirty="0"/>
-              <a:t> </a:t>
-            </a:r>
-            <a:r>
-              <a:rPr lang="en-GB" sz="2400" dirty="0" err="1"/>
-              <a:t>dessous</a:t>
-            </a:r>
-            <a:r>
-              <a:rPr lang="en-GB" sz="2400" dirty="0"/>
-              <a:t>)</a:t>
-            </a:r>
-          </a:p>
-          <a:p>
-            <a:pPr algn="ctr">
-              <a:spcAft>
-                <a:spcPts val="1200"/>
-              </a:spcAft>
-            </a:pPr>
-            <a:r>
-              <a:rPr lang="en-GB" sz="2400" dirty="0" err="1"/>
-              <a:t>Vous</a:t>
-            </a:r>
-            <a:r>
-              <a:rPr lang="en-GB" sz="2400" dirty="0"/>
-              <a:t> </a:t>
-            </a:r>
-            <a:r>
-              <a:rPr lang="en-GB" sz="2400" dirty="0" err="1"/>
-              <a:t>devrez</a:t>
-            </a:r>
-            <a:r>
-              <a:rPr lang="en-GB" sz="2400" dirty="0"/>
-              <a:t>: </a:t>
-            </a:r>
-            <a:r>
-              <a:rPr lang="en-GB" sz="2400" b="1" dirty="0" err="1"/>
-              <a:t>Cliquez</a:t>
-            </a:r>
-            <a:r>
-              <a:rPr lang="en-GB" sz="2400" b="1" dirty="0"/>
-              <a:t> sur </a:t>
-            </a:r>
-            <a:r>
-              <a:rPr lang="en-GB" sz="2400" b="1" dirty="0" err="1"/>
-              <a:t>l’emplacement</a:t>
-            </a:r>
-            <a:r>
-              <a:rPr lang="en-GB" sz="2400" b="1" dirty="0"/>
-              <a:t> de </a:t>
-            </a:r>
-            <a:r>
-              <a:rPr lang="en-GB" sz="2400" b="1" dirty="0" err="1"/>
-              <a:t>l’autre</a:t>
-            </a:r>
-            <a:r>
-              <a:rPr lang="en-GB" sz="2400" b="1" dirty="0"/>
-              <a:t> </a:t>
-            </a:r>
-            <a:r>
-              <a:rPr lang="en-GB" sz="2400" b="1" dirty="0" err="1"/>
-              <a:t>numéro</a:t>
-            </a:r>
-            <a:r>
-              <a:rPr lang="en-GB" sz="2400" b="1" dirty="0"/>
-              <a:t> de </a:t>
-            </a:r>
-            <a:r>
-              <a:rPr lang="en-GB" sz="2400" b="1" dirty="0" err="1"/>
-              <a:t>cette</a:t>
-            </a:r>
-            <a:r>
-              <a:rPr lang="en-GB" sz="2400" b="1" dirty="0"/>
-              <a:t> </a:t>
-            </a:r>
-            <a:r>
-              <a:rPr lang="en-GB" sz="2400" b="1" dirty="0" err="1"/>
-              <a:t>paire</a:t>
-            </a:r>
-            <a:endParaRPr lang="en-GB" sz="2400" b="1" dirty="0"/>
+            <a:pPr algn="ctr"/>
+            <a:r>
+              <a:rPr lang="en-GB" dirty="0" err="1"/>
+              <a:t>Appuyez</a:t>
+            </a:r>
+            <a:r>
+              <a:rPr lang="en-GB" dirty="0"/>
+              <a:t> sur la </a:t>
+            </a:r>
+            <a:r>
+              <a:rPr lang="en-GB" dirty="0" err="1"/>
+              <a:t>fl</a:t>
+            </a:r>
+            <a:r>
+              <a:rPr lang="fr-FR" dirty="0"/>
+              <a:t>è</a:t>
+            </a:r>
+            <a:r>
+              <a:rPr lang="en-GB" dirty="0" err="1"/>
+              <a:t>che</a:t>
+            </a:r>
+            <a:r>
+              <a:rPr lang="en-GB" dirty="0"/>
+              <a:t> droit pour continuer</a:t>
+            </a:r>
           </a:p>
         </p:txBody>
       </p:sp>
       <p:pic>
         <p:nvPicPr>
-          <p:cNvPr id="2" name="Picture 1">
+          <p:cNvPr id="8" name="Picture 7">
             <a:extLst>
               <a:ext uri="{FF2B5EF4-FFF2-40B4-BE49-F238E27FC236}">
-                <a16:creationId xmlns:a16="http://schemas.microsoft.com/office/drawing/2014/main" id="{88F87B56-3A1F-46ED-B0F7-1E813590C499}"/>
+                <a16:creationId xmlns:a16="http://schemas.microsoft.com/office/drawing/2014/main" id="{DDAB1A48-F2D2-485F-9FD2-629DED970561}"/>
               </a:ext>
             </a:extLst>
           </p:cNvPr>
@@ -9950,78 +9951,23 @@
         </p:nvPicPr>
         <p:blipFill rotWithShape="1">
           <a:blip r:embed="rId2"/>
-          <a:srcRect l="25294" t="16027" r="25294" b="12133"/>
+          <a:srcRect l="22977" t="12177" r="22978" b="6504"/>
           <a:stretch/>
         </p:blipFill>
         <p:spPr>
           <a:xfrm>
-            <a:off x="4807226" y="3310126"/>
-            <a:ext cx="2553693" cy="2475203"/>
+            <a:off x="4907281" y="3429000"/>
+            <a:ext cx="2377440" cy="2384799"/>
           </a:xfrm>
           <a:prstGeom prst="rect">
             <a:avLst/>
           </a:prstGeom>
         </p:spPr>
       </p:pic>
-      <p:sp>
-        <p:nvSpPr>
-          <p:cNvPr id="7" name="Rectangle 6">
-            <a:extLst>
-              <a:ext uri="{FF2B5EF4-FFF2-40B4-BE49-F238E27FC236}">
-                <a16:creationId xmlns:a16="http://schemas.microsoft.com/office/drawing/2014/main" id="{19A7C829-C7C7-4DC3-8533-FD48A2174859}"/>
-              </a:ext>
-            </a:extLst>
-          </p:cNvPr>
-          <p:cNvSpPr/>
-          <p:nvPr/>
-        </p:nvSpPr>
-        <p:spPr>
-          <a:xfrm>
-            <a:off x="4027165" y="6483648"/>
-            <a:ext cx="4137671" cy="369332"/>
-          </a:xfrm>
-          <a:prstGeom prst="rect">
-            <a:avLst/>
-          </a:prstGeom>
-        </p:spPr>
-        <p:txBody>
-          <a:bodyPr wrap="none">
-            <a:spAutoFit/>
-          </a:bodyPr>
-          <a:lstStyle/>
-          <a:p>
-            <a:pPr algn="ctr"/>
-            <a:r>
-              <a:rPr lang="en-GB" dirty="0" err="1"/>
-              <a:t>Appuyez</a:t>
-            </a:r>
-            <a:r>
-              <a:rPr lang="en-GB" dirty="0"/>
-              <a:t> sur la </a:t>
-            </a:r>
-            <a:r>
-              <a:rPr lang="en-GB" dirty="0" err="1"/>
-              <a:t>fl</a:t>
-            </a:r>
-            <a:r>
-              <a:rPr lang="fr-FR" dirty="0"/>
-              <a:t>è</a:t>
-            </a:r>
-            <a:r>
-              <a:rPr lang="en-GB" dirty="0" err="1"/>
-              <a:t>che</a:t>
-            </a:r>
-            <a:r>
-              <a:rPr lang="en-GB" dirty="0"/>
-              <a:t> droit pour continuer</a:t>
-            </a:r>
-          </a:p>
-        </p:txBody>
-      </p:sp>
     </p:spTree>
     <p:extLst>
       <p:ext uri="{BB962C8B-B14F-4D97-AF65-F5344CB8AC3E}">
-        <p14:creationId xmlns:p14="http://schemas.microsoft.com/office/powerpoint/2010/main" val="3242117861"/>
+        <p14:creationId xmlns:p14="http://schemas.microsoft.com/office/powerpoint/2010/main" val="2835191172"/>
       </p:ext>
     </p:extLst>
   </p:cSld>
@@ -10346,6 +10292,2552 @@
                   <a:srgbClr val="0070C0"/>
                 </a:solidFill>
               </a:rPr>
+              <a:t>3. LA PHASE DE MEMORISATION</a:t>
+            </a:r>
+          </a:p>
+        </p:txBody>
+      </p:sp>
+      <p:sp>
+        <p:nvSpPr>
+          <p:cNvPr id="7" name="ZoneTexte 6"/>
+          <p:cNvSpPr txBox="1"/>
+          <p:nvPr/>
+        </p:nvSpPr>
+        <p:spPr>
+          <a:xfrm>
+            <a:off x="1874195" y="1137597"/>
+            <a:ext cx="8443609" cy="1723549"/>
+          </a:xfrm>
+          <a:prstGeom prst="rect">
+            <a:avLst/>
+          </a:prstGeom>
+          <a:noFill/>
+        </p:spPr>
+        <p:txBody>
+          <a:bodyPr wrap="square" rtlCol="0">
+            <a:spAutoFit/>
+          </a:bodyPr>
+          <a:lstStyle/>
+          <a:p>
+            <a:pPr algn="ctr">
+              <a:spcAft>
+                <a:spcPts val="1200"/>
+              </a:spcAft>
+            </a:pPr>
+            <a:r>
+              <a:rPr lang="en-GB" sz="2400" dirty="0"/>
+              <a:t>Durant </a:t>
+            </a:r>
+            <a:r>
+              <a:rPr lang="en-GB" sz="2400" dirty="0" err="1"/>
+              <a:t>cette</a:t>
+            </a:r>
+            <a:r>
+              <a:rPr lang="en-GB" sz="2400" dirty="0"/>
+              <a:t> phase, les </a:t>
+            </a:r>
+            <a:r>
+              <a:rPr lang="en-GB" sz="2400" dirty="0" err="1"/>
+              <a:t>paires</a:t>
+            </a:r>
+            <a:r>
+              <a:rPr lang="en-GB" sz="2400" dirty="0"/>
+              <a:t> de </a:t>
+            </a:r>
+            <a:r>
+              <a:rPr lang="en-GB" sz="2400" dirty="0" err="1"/>
+              <a:t>nombres</a:t>
+            </a:r>
+            <a:r>
+              <a:rPr lang="en-GB" sz="2400" dirty="0"/>
+              <a:t> </a:t>
+            </a:r>
+            <a:r>
+              <a:rPr lang="en-GB" sz="2400" b="1" dirty="0" err="1"/>
+              <a:t>apparaîtront</a:t>
+            </a:r>
+            <a:r>
+              <a:rPr lang="en-GB" sz="2400" dirty="0"/>
+              <a:t> </a:t>
+            </a:r>
+            <a:r>
+              <a:rPr lang="en-GB" sz="2400" dirty="0" err="1"/>
+              <a:t>comme</a:t>
+            </a:r>
+            <a:r>
+              <a:rPr lang="en-GB" sz="2400" dirty="0"/>
+              <a:t> dessous:</a:t>
+            </a:r>
+          </a:p>
+          <a:p>
+            <a:pPr algn="ctr">
+              <a:spcAft>
+                <a:spcPts val="1200"/>
+              </a:spcAft>
+            </a:pPr>
+            <a:r>
+              <a:rPr lang="en-GB" sz="2400" dirty="0" err="1"/>
+              <a:t>Ils</a:t>
+            </a:r>
+            <a:r>
+              <a:rPr lang="en-GB" sz="2400" dirty="0"/>
+              <a:t> </a:t>
+            </a:r>
+            <a:r>
+              <a:rPr lang="en-GB" sz="2400" dirty="0" err="1"/>
+              <a:t>changeront</a:t>
+            </a:r>
+            <a:r>
+              <a:rPr lang="en-GB" sz="2400" dirty="0"/>
+              <a:t> </a:t>
+            </a:r>
+            <a:r>
+              <a:rPr lang="en-GB" sz="2400" b="1" dirty="0" err="1"/>
+              <a:t>chaque</a:t>
+            </a:r>
+            <a:r>
+              <a:rPr lang="en-GB" sz="2400" b="1" dirty="0"/>
+              <a:t> </a:t>
+            </a:r>
+            <a:r>
+              <a:rPr lang="en-GB" sz="2400" b="1" dirty="0" err="1"/>
+              <a:t>seconde</a:t>
+            </a:r>
+            <a:r>
+              <a:rPr lang="en-GB" sz="2400" dirty="0"/>
+              <a:t> et </a:t>
+            </a:r>
+            <a:r>
+              <a:rPr lang="en-GB" sz="2400" dirty="0" err="1"/>
+              <a:t>apparaîtront</a:t>
+            </a:r>
+            <a:r>
+              <a:rPr lang="en-GB" sz="2400" dirty="0"/>
+              <a:t> dans</a:t>
+            </a:r>
+            <a:r>
+              <a:rPr lang="en-GB" sz="2400" b="1" dirty="0"/>
+              <a:t> </a:t>
+            </a:r>
+            <a:r>
+              <a:rPr lang="en-GB" sz="2400" b="1" dirty="0" err="1"/>
+              <a:t>l’ordre</a:t>
+            </a:r>
+            <a:r>
+              <a:rPr lang="en-GB" sz="2400" b="1" dirty="0"/>
+              <a:t> croissant</a:t>
+            </a:r>
+            <a:r>
+              <a:rPr lang="en-GB" sz="2400" dirty="0"/>
+              <a:t> (de 1 </a:t>
+            </a:r>
+            <a:r>
+              <a:rPr lang="fr-FR" sz="2400" dirty="0"/>
+              <a:t>à</a:t>
+            </a:r>
+            <a:r>
+              <a:rPr lang="en-GB" sz="2400" dirty="0"/>
+              <a:t> 8)</a:t>
+            </a:r>
+          </a:p>
+        </p:txBody>
+      </p:sp>
+      <p:sp>
+        <p:nvSpPr>
+          <p:cNvPr id="9" name="Rectangle 8"/>
+          <p:cNvSpPr/>
+          <p:nvPr/>
+        </p:nvSpPr>
+        <p:spPr>
+          <a:xfrm>
+            <a:off x="3554499" y="3080749"/>
+            <a:ext cx="5083002" cy="3026364"/>
+          </a:xfrm>
+          <a:prstGeom prst="rect">
+            <a:avLst/>
+          </a:prstGeom>
+          <a:noFill/>
+          <a:ln w="76200">
+            <a:solidFill>
+              <a:schemeClr val="bg1">
+                <a:lumMod val="65000"/>
+              </a:schemeClr>
+            </a:solidFill>
+          </a:ln>
+        </p:spPr>
+        <p:style>
+          <a:lnRef idx="2">
+            <a:schemeClr val="accent1">
+              <a:shade val="50000"/>
+            </a:schemeClr>
+          </a:lnRef>
+          <a:fillRef idx="1">
+            <a:schemeClr val="accent1"/>
+          </a:fillRef>
+          <a:effectRef idx="0">
+            <a:schemeClr val="accent1"/>
+          </a:effectRef>
+          <a:fontRef idx="minor">
+            <a:schemeClr val="lt1"/>
+          </a:fontRef>
+        </p:style>
+        <p:txBody>
+          <a:bodyPr rtlCol="0" anchor="ctr"/>
+          <a:lstStyle/>
+          <a:p>
+            <a:pPr algn="ctr"/>
+            <a:endParaRPr lang="en-GB">
+              <a:solidFill>
+                <a:schemeClr val="tx1"/>
+              </a:solidFill>
+            </a:endParaRPr>
+          </a:p>
+        </p:txBody>
+      </p:sp>
+      <p:sp>
+        <p:nvSpPr>
+          <p:cNvPr id="10" name="Rectangle 9">
+            <a:extLst>
+              <a:ext uri="{FF2B5EF4-FFF2-40B4-BE49-F238E27FC236}">
+                <a16:creationId xmlns:a16="http://schemas.microsoft.com/office/drawing/2014/main" id="{3AA6DE88-E1CA-4798-A76A-C14E357E5404}"/>
+              </a:ext>
+            </a:extLst>
+          </p:cNvPr>
+          <p:cNvSpPr/>
+          <p:nvPr/>
+        </p:nvSpPr>
+        <p:spPr>
+          <a:xfrm>
+            <a:off x="4027165" y="6483648"/>
+            <a:ext cx="4137671" cy="369332"/>
+          </a:xfrm>
+          <a:prstGeom prst="rect">
+            <a:avLst/>
+          </a:prstGeom>
+        </p:spPr>
+        <p:txBody>
+          <a:bodyPr wrap="none">
+            <a:spAutoFit/>
+          </a:bodyPr>
+          <a:lstStyle/>
+          <a:p>
+            <a:pPr algn="ctr"/>
+            <a:r>
+              <a:rPr lang="en-GB" dirty="0" err="1"/>
+              <a:t>Appuyez</a:t>
+            </a:r>
+            <a:r>
+              <a:rPr lang="en-GB" dirty="0"/>
+              <a:t> sur la </a:t>
+            </a:r>
+            <a:r>
+              <a:rPr lang="en-GB" dirty="0" err="1"/>
+              <a:t>fl</a:t>
+            </a:r>
+            <a:r>
+              <a:rPr lang="fr-FR" dirty="0"/>
+              <a:t>è</a:t>
+            </a:r>
+            <a:r>
+              <a:rPr lang="en-GB" dirty="0" err="1"/>
+              <a:t>che</a:t>
+            </a:r>
+            <a:r>
+              <a:rPr lang="en-GB" dirty="0"/>
+              <a:t> droit pour continuer</a:t>
+            </a:r>
+          </a:p>
+        </p:txBody>
+      </p:sp>
+      <p:pic>
+        <p:nvPicPr>
+          <p:cNvPr id="11" name="Picture 10">
+            <a:extLst>
+              <a:ext uri="{FF2B5EF4-FFF2-40B4-BE49-F238E27FC236}">
+                <a16:creationId xmlns:a16="http://schemas.microsoft.com/office/drawing/2014/main" id="{7B49C4B9-034E-470D-8820-D2BAE3E1FA17}"/>
+              </a:ext>
+            </a:extLst>
+          </p:cNvPr>
+          <p:cNvPicPr>
+            <a:picLocks noChangeAspect="1"/>
+          </p:cNvPicPr>
+          <p:nvPr/>
+        </p:nvPicPr>
+        <p:blipFill rotWithShape="1">
+          <a:blip r:embed="rId2"/>
+          <a:srcRect l="22859" t="12264" r="22918" b="6755"/>
+          <a:stretch/>
+        </p:blipFill>
+        <p:spPr>
+          <a:xfrm>
+            <a:off x="4907280" y="3429000"/>
+            <a:ext cx="2377440" cy="2367131"/>
+          </a:xfrm>
+          <a:prstGeom prst="rect">
+            <a:avLst/>
+          </a:prstGeom>
+        </p:spPr>
+      </p:pic>
+    </p:spTree>
+    <p:extLst>
+      <p:ext uri="{BB962C8B-B14F-4D97-AF65-F5344CB8AC3E}">
+        <p14:creationId xmlns:p14="http://schemas.microsoft.com/office/powerpoint/2010/main" val="4148477482"/>
+      </p:ext>
+    </p:extLst>
+  </p:cSld>
+  <p:clrMapOvr>
+    <a:masterClrMapping/>
+  </p:clrMapOvr>
+</p:sld>
+</file>
+
+<file path=ppt/slides/slide31.xml><?xml version="1.0" encoding="utf-8"?>
+<p:sld xmlns:a="http://schemas.openxmlformats.org/drawingml/2006/main" xmlns:r="http://schemas.openxmlformats.org/officeDocument/2006/relationships" xmlns:p="http://schemas.openxmlformats.org/presentationml/2006/main">
+  <p:cSld>
+    <p:spTree>
+      <p:nvGrpSpPr>
+        <p:cNvPr id="1" name=""/>
+        <p:cNvGrpSpPr/>
+        <p:nvPr/>
+      </p:nvGrpSpPr>
+      <p:grpSpPr>
+        <a:xfrm>
+          <a:off x="0" y="0"/>
+          <a:ext cx="0" cy="0"/>
+          <a:chOff x="0" y="0"/>
+          <a:chExt cx="0" cy="0"/>
+        </a:xfrm>
+      </p:grpSpPr>
+      <p:sp>
+        <p:nvSpPr>
+          <p:cNvPr id="5" name="ZoneTexte 4"/>
+          <p:cNvSpPr txBox="1"/>
+          <p:nvPr/>
+        </p:nvSpPr>
+        <p:spPr>
+          <a:xfrm>
+            <a:off x="3878093" y="379385"/>
+            <a:ext cx="4435815" cy="461665"/>
+          </a:xfrm>
+          <a:prstGeom prst="rect">
+            <a:avLst/>
+          </a:prstGeom>
+          <a:noFill/>
+          <a:ln>
+            <a:noFill/>
+          </a:ln>
+        </p:spPr>
+        <p:txBody>
+          <a:bodyPr wrap="square" rtlCol="0" anchor="ctr">
+            <a:spAutoFit/>
+          </a:bodyPr>
+          <a:lstStyle/>
+          <a:p>
+            <a:pPr algn="ctr">
+              <a:spcBef>
+                <a:spcPts val="1800"/>
+              </a:spcBef>
+              <a:spcAft>
+                <a:spcPts val="1800"/>
+              </a:spcAft>
+            </a:pPr>
+            <a:r>
+              <a:rPr lang="en-GB" sz="2400" b="1" dirty="0">
+                <a:solidFill>
+                  <a:srgbClr val="0070C0"/>
+                </a:solidFill>
+              </a:rPr>
+              <a:t>3. LA PHASE DE MEMORISATION</a:t>
+            </a:r>
+          </a:p>
+        </p:txBody>
+      </p:sp>
+      <p:sp>
+        <p:nvSpPr>
+          <p:cNvPr id="7" name="ZoneTexte 6"/>
+          <p:cNvSpPr txBox="1"/>
+          <p:nvPr/>
+        </p:nvSpPr>
+        <p:spPr>
+          <a:xfrm>
+            <a:off x="1874195" y="1137597"/>
+            <a:ext cx="8443609" cy="1723549"/>
+          </a:xfrm>
+          <a:prstGeom prst="rect">
+            <a:avLst/>
+          </a:prstGeom>
+          <a:noFill/>
+        </p:spPr>
+        <p:txBody>
+          <a:bodyPr wrap="square" rtlCol="0">
+            <a:spAutoFit/>
+          </a:bodyPr>
+          <a:lstStyle/>
+          <a:p>
+            <a:pPr algn="ctr">
+              <a:spcAft>
+                <a:spcPts val="1200"/>
+              </a:spcAft>
+            </a:pPr>
+            <a:r>
+              <a:rPr lang="en-GB" sz="2400" dirty="0"/>
+              <a:t>Durant </a:t>
+            </a:r>
+            <a:r>
+              <a:rPr lang="en-GB" sz="2400" dirty="0" err="1"/>
+              <a:t>cette</a:t>
+            </a:r>
+            <a:r>
+              <a:rPr lang="en-GB" sz="2400" dirty="0"/>
+              <a:t> phase, les </a:t>
+            </a:r>
+            <a:r>
+              <a:rPr lang="en-GB" sz="2400" dirty="0" err="1"/>
+              <a:t>paires</a:t>
+            </a:r>
+            <a:r>
+              <a:rPr lang="en-GB" sz="2400" dirty="0"/>
+              <a:t> de </a:t>
+            </a:r>
+            <a:r>
+              <a:rPr lang="en-GB" sz="2400" dirty="0" err="1"/>
+              <a:t>nombres</a:t>
+            </a:r>
+            <a:r>
+              <a:rPr lang="en-GB" sz="2400" dirty="0"/>
+              <a:t> </a:t>
+            </a:r>
+            <a:r>
+              <a:rPr lang="en-GB" sz="2400" b="1" dirty="0" err="1"/>
+              <a:t>apparaîtront</a:t>
+            </a:r>
+            <a:r>
+              <a:rPr lang="en-GB" sz="2400" dirty="0"/>
+              <a:t> </a:t>
+            </a:r>
+            <a:r>
+              <a:rPr lang="en-GB" sz="2400" dirty="0" err="1"/>
+              <a:t>comme</a:t>
+            </a:r>
+            <a:r>
+              <a:rPr lang="en-GB" sz="2400" dirty="0"/>
+              <a:t> dessous:</a:t>
+            </a:r>
+          </a:p>
+          <a:p>
+            <a:pPr algn="ctr">
+              <a:spcAft>
+                <a:spcPts val="1200"/>
+              </a:spcAft>
+            </a:pPr>
+            <a:r>
+              <a:rPr lang="en-GB" sz="2400" dirty="0" err="1"/>
+              <a:t>Ils</a:t>
+            </a:r>
+            <a:r>
+              <a:rPr lang="en-GB" sz="2400" dirty="0"/>
+              <a:t> </a:t>
+            </a:r>
+            <a:r>
+              <a:rPr lang="en-GB" sz="2400" dirty="0" err="1"/>
+              <a:t>changeront</a:t>
+            </a:r>
+            <a:r>
+              <a:rPr lang="en-GB" sz="2400" dirty="0"/>
+              <a:t> </a:t>
+            </a:r>
+            <a:r>
+              <a:rPr lang="en-GB" sz="2400" b="1" dirty="0" err="1"/>
+              <a:t>chaque</a:t>
+            </a:r>
+            <a:r>
+              <a:rPr lang="en-GB" sz="2400" b="1" dirty="0"/>
+              <a:t> </a:t>
+            </a:r>
+            <a:r>
+              <a:rPr lang="en-GB" sz="2400" b="1" dirty="0" err="1"/>
+              <a:t>seconde</a:t>
+            </a:r>
+            <a:r>
+              <a:rPr lang="en-GB" sz="2400" dirty="0"/>
+              <a:t> et </a:t>
+            </a:r>
+            <a:r>
+              <a:rPr lang="en-GB" sz="2400" dirty="0" err="1"/>
+              <a:t>apparaîtront</a:t>
+            </a:r>
+            <a:r>
+              <a:rPr lang="en-GB" sz="2400" dirty="0"/>
+              <a:t> dans</a:t>
+            </a:r>
+            <a:r>
+              <a:rPr lang="en-GB" sz="2400" b="1" dirty="0"/>
+              <a:t> </a:t>
+            </a:r>
+            <a:r>
+              <a:rPr lang="en-GB" sz="2400" b="1" dirty="0" err="1"/>
+              <a:t>l’ordre</a:t>
+            </a:r>
+            <a:r>
+              <a:rPr lang="en-GB" sz="2400" b="1" dirty="0"/>
+              <a:t> croissant</a:t>
+            </a:r>
+            <a:r>
+              <a:rPr lang="en-GB" sz="2400" dirty="0"/>
+              <a:t> (de 1 </a:t>
+            </a:r>
+            <a:r>
+              <a:rPr lang="fr-FR" sz="2400" dirty="0"/>
+              <a:t>à</a:t>
+            </a:r>
+            <a:r>
+              <a:rPr lang="en-GB" sz="2400" dirty="0"/>
+              <a:t> 8)</a:t>
+            </a:r>
+          </a:p>
+        </p:txBody>
+      </p:sp>
+      <p:sp>
+        <p:nvSpPr>
+          <p:cNvPr id="9" name="Rectangle 8"/>
+          <p:cNvSpPr/>
+          <p:nvPr/>
+        </p:nvSpPr>
+        <p:spPr>
+          <a:xfrm>
+            <a:off x="3554499" y="3080749"/>
+            <a:ext cx="5083002" cy="3026364"/>
+          </a:xfrm>
+          <a:prstGeom prst="rect">
+            <a:avLst/>
+          </a:prstGeom>
+          <a:noFill/>
+          <a:ln w="76200">
+            <a:solidFill>
+              <a:schemeClr val="bg1">
+                <a:lumMod val="65000"/>
+              </a:schemeClr>
+            </a:solidFill>
+          </a:ln>
+        </p:spPr>
+        <p:style>
+          <a:lnRef idx="2">
+            <a:schemeClr val="accent1">
+              <a:shade val="50000"/>
+            </a:schemeClr>
+          </a:lnRef>
+          <a:fillRef idx="1">
+            <a:schemeClr val="accent1"/>
+          </a:fillRef>
+          <a:effectRef idx="0">
+            <a:schemeClr val="accent1"/>
+          </a:effectRef>
+          <a:fontRef idx="minor">
+            <a:schemeClr val="lt1"/>
+          </a:fontRef>
+        </p:style>
+        <p:txBody>
+          <a:bodyPr rtlCol="0" anchor="ctr"/>
+          <a:lstStyle/>
+          <a:p>
+            <a:pPr algn="ctr"/>
+            <a:endParaRPr lang="en-GB">
+              <a:solidFill>
+                <a:schemeClr val="tx1"/>
+              </a:solidFill>
+            </a:endParaRPr>
+          </a:p>
+        </p:txBody>
+      </p:sp>
+      <p:sp>
+        <p:nvSpPr>
+          <p:cNvPr id="10" name="Rectangle 9">
+            <a:extLst>
+              <a:ext uri="{FF2B5EF4-FFF2-40B4-BE49-F238E27FC236}">
+                <a16:creationId xmlns:a16="http://schemas.microsoft.com/office/drawing/2014/main" id="{3AA6DE88-E1CA-4798-A76A-C14E357E5404}"/>
+              </a:ext>
+            </a:extLst>
+          </p:cNvPr>
+          <p:cNvSpPr/>
+          <p:nvPr/>
+        </p:nvSpPr>
+        <p:spPr>
+          <a:xfrm>
+            <a:off x="4027165" y="6483648"/>
+            <a:ext cx="4137671" cy="369332"/>
+          </a:xfrm>
+          <a:prstGeom prst="rect">
+            <a:avLst/>
+          </a:prstGeom>
+        </p:spPr>
+        <p:txBody>
+          <a:bodyPr wrap="none">
+            <a:spAutoFit/>
+          </a:bodyPr>
+          <a:lstStyle/>
+          <a:p>
+            <a:pPr algn="ctr"/>
+            <a:r>
+              <a:rPr lang="en-GB" dirty="0" err="1"/>
+              <a:t>Appuyez</a:t>
+            </a:r>
+            <a:r>
+              <a:rPr lang="en-GB" dirty="0"/>
+              <a:t> sur la </a:t>
+            </a:r>
+            <a:r>
+              <a:rPr lang="en-GB" dirty="0" err="1"/>
+              <a:t>fl</a:t>
+            </a:r>
+            <a:r>
+              <a:rPr lang="fr-FR" dirty="0"/>
+              <a:t>è</a:t>
+            </a:r>
+            <a:r>
+              <a:rPr lang="en-GB" dirty="0" err="1"/>
+              <a:t>che</a:t>
+            </a:r>
+            <a:r>
+              <a:rPr lang="en-GB" dirty="0"/>
+              <a:t> droit pour continuer</a:t>
+            </a:r>
+          </a:p>
+        </p:txBody>
+      </p:sp>
+      <p:pic>
+        <p:nvPicPr>
+          <p:cNvPr id="12" name="Picture 11">
+            <a:extLst>
+              <a:ext uri="{FF2B5EF4-FFF2-40B4-BE49-F238E27FC236}">
+                <a16:creationId xmlns:a16="http://schemas.microsoft.com/office/drawing/2014/main" id="{B2AD0B42-0F03-41BC-8BEE-FD871E5F4FDF}"/>
+              </a:ext>
+            </a:extLst>
+          </p:cNvPr>
+          <p:cNvPicPr>
+            <a:picLocks noChangeAspect="1"/>
+          </p:cNvPicPr>
+          <p:nvPr/>
+        </p:nvPicPr>
+        <p:blipFill rotWithShape="1">
+          <a:blip r:embed="rId2"/>
+          <a:srcRect l="22888" t="12089" r="22889" b="6788"/>
+          <a:stretch/>
+        </p:blipFill>
+        <p:spPr>
+          <a:xfrm>
+            <a:off x="4907280" y="3429001"/>
+            <a:ext cx="2377440" cy="2371276"/>
+          </a:xfrm>
+          <a:prstGeom prst="rect">
+            <a:avLst/>
+          </a:prstGeom>
+        </p:spPr>
+      </p:pic>
+    </p:spTree>
+    <p:extLst>
+      <p:ext uri="{BB962C8B-B14F-4D97-AF65-F5344CB8AC3E}">
+        <p14:creationId xmlns:p14="http://schemas.microsoft.com/office/powerpoint/2010/main" val="886666391"/>
+      </p:ext>
+    </p:extLst>
+  </p:cSld>
+  <p:clrMapOvr>
+    <a:masterClrMapping/>
+  </p:clrMapOvr>
+</p:sld>
+</file>
+
+<file path=ppt/slides/slide32.xml><?xml version="1.0" encoding="utf-8"?>
+<p:sld xmlns:a="http://schemas.openxmlformats.org/drawingml/2006/main" xmlns:r="http://schemas.openxmlformats.org/officeDocument/2006/relationships" xmlns:p="http://schemas.openxmlformats.org/presentationml/2006/main">
+  <p:cSld>
+    <p:spTree>
+      <p:nvGrpSpPr>
+        <p:cNvPr id="1" name=""/>
+        <p:cNvGrpSpPr/>
+        <p:nvPr/>
+      </p:nvGrpSpPr>
+      <p:grpSpPr>
+        <a:xfrm>
+          <a:off x="0" y="0"/>
+          <a:ext cx="0" cy="0"/>
+          <a:chOff x="0" y="0"/>
+          <a:chExt cx="0" cy="0"/>
+        </a:xfrm>
+      </p:grpSpPr>
+      <p:sp>
+        <p:nvSpPr>
+          <p:cNvPr id="5" name="ZoneTexte 4"/>
+          <p:cNvSpPr txBox="1"/>
+          <p:nvPr/>
+        </p:nvSpPr>
+        <p:spPr>
+          <a:xfrm>
+            <a:off x="3878093" y="379385"/>
+            <a:ext cx="4435815" cy="461665"/>
+          </a:xfrm>
+          <a:prstGeom prst="rect">
+            <a:avLst/>
+          </a:prstGeom>
+          <a:noFill/>
+          <a:ln>
+            <a:noFill/>
+          </a:ln>
+        </p:spPr>
+        <p:txBody>
+          <a:bodyPr wrap="square" rtlCol="0" anchor="ctr">
+            <a:spAutoFit/>
+          </a:bodyPr>
+          <a:lstStyle/>
+          <a:p>
+            <a:pPr algn="ctr">
+              <a:spcBef>
+                <a:spcPts val="1800"/>
+              </a:spcBef>
+              <a:spcAft>
+                <a:spcPts val="1800"/>
+              </a:spcAft>
+            </a:pPr>
+            <a:r>
+              <a:rPr lang="en-GB" sz="2400" b="1" dirty="0">
+                <a:solidFill>
+                  <a:srgbClr val="0070C0"/>
+                </a:solidFill>
+              </a:rPr>
+              <a:t>3. LA PHASE DE MEMORISATION</a:t>
+            </a:r>
+          </a:p>
+        </p:txBody>
+      </p:sp>
+      <p:sp>
+        <p:nvSpPr>
+          <p:cNvPr id="7" name="ZoneTexte 6"/>
+          <p:cNvSpPr txBox="1"/>
+          <p:nvPr/>
+        </p:nvSpPr>
+        <p:spPr>
+          <a:xfrm>
+            <a:off x="1874195" y="1137597"/>
+            <a:ext cx="8443609" cy="1723549"/>
+          </a:xfrm>
+          <a:prstGeom prst="rect">
+            <a:avLst/>
+          </a:prstGeom>
+          <a:noFill/>
+        </p:spPr>
+        <p:txBody>
+          <a:bodyPr wrap="square" rtlCol="0">
+            <a:spAutoFit/>
+          </a:bodyPr>
+          <a:lstStyle/>
+          <a:p>
+            <a:pPr algn="ctr">
+              <a:spcAft>
+                <a:spcPts val="1200"/>
+              </a:spcAft>
+            </a:pPr>
+            <a:r>
+              <a:rPr lang="en-GB" sz="2400" dirty="0"/>
+              <a:t>Durant </a:t>
+            </a:r>
+            <a:r>
+              <a:rPr lang="en-GB" sz="2400" dirty="0" err="1"/>
+              <a:t>cette</a:t>
+            </a:r>
+            <a:r>
+              <a:rPr lang="en-GB" sz="2400" dirty="0"/>
+              <a:t> phase, les </a:t>
+            </a:r>
+            <a:r>
+              <a:rPr lang="en-GB" sz="2400" dirty="0" err="1"/>
+              <a:t>paires</a:t>
+            </a:r>
+            <a:r>
+              <a:rPr lang="en-GB" sz="2400" dirty="0"/>
+              <a:t> de </a:t>
+            </a:r>
+            <a:r>
+              <a:rPr lang="en-GB" sz="2400" dirty="0" err="1"/>
+              <a:t>nombres</a:t>
+            </a:r>
+            <a:r>
+              <a:rPr lang="en-GB" sz="2400" dirty="0"/>
+              <a:t> </a:t>
+            </a:r>
+            <a:r>
+              <a:rPr lang="en-GB" sz="2400" b="1" dirty="0" err="1"/>
+              <a:t>apparaîtront</a:t>
+            </a:r>
+            <a:r>
+              <a:rPr lang="en-GB" sz="2400" dirty="0"/>
+              <a:t> </a:t>
+            </a:r>
+            <a:r>
+              <a:rPr lang="en-GB" sz="2400" dirty="0" err="1"/>
+              <a:t>comme</a:t>
+            </a:r>
+            <a:r>
+              <a:rPr lang="en-GB" sz="2400" dirty="0"/>
+              <a:t> dessous:</a:t>
+            </a:r>
+          </a:p>
+          <a:p>
+            <a:pPr algn="ctr">
+              <a:spcAft>
+                <a:spcPts val="1200"/>
+              </a:spcAft>
+            </a:pPr>
+            <a:r>
+              <a:rPr lang="en-GB" sz="2400" dirty="0" err="1"/>
+              <a:t>Ils</a:t>
+            </a:r>
+            <a:r>
+              <a:rPr lang="en-GB" sz="2400" dirty="0"/>
+              <a:t> </a:t>
+            </a:r>
+            <a:r>
+              <a:rPr lang="en-GB" sz="2400" dirty="0" err="1"/>
+              <a:t>changeront</a:t>
+            </a:r>
+            <a:r>
+              <a:rPr lang="en-GB" sz="2400" dirty="0"/>
+              <a:t> </a:t>
+            </a:r>
+            <a:r>
+              <a:rPr lang="en-GB" sz="2400" b="1" dirty="0" err="1"/>
+              <a:t>chaque</a:t>
+            </a:r>
+            <a:r>
+              <a:rPr lang="en-GB" sz="2400" b="1" dirty="0"/>
+              <a:t> </a:t>
+            </a:r>
+            <a:r>
+              <a:rPr lang="en-GB" sz="2400" b="1" dirty="0" err="1"/>
+              <a:t>seconde</a:t>
+            </a:r>
+            <a:r>
+              <a:rPr lang="en-GB" sz="2400" dirty="0"/>
+              <a:t> et </a:t>
+            </a:r>
+            <a:r>
+              <a:rPr lang="en-GB" sz="2400" dirty="0" err="1"/>
+              <a:t>apparaîtront</a:t>
+            </a:r>
+            <a:r>
+              <a:rPr lang="en-GB" sz="2400" dirty="0"/>
+              <a:t> dans</a:t>
+            </a:r>
+            <a:r>
+              <a:rPr lang="en-GB" sz="2400" b="1" dirty="0"/>
+              <a:t> </a:t>
+            </a:r>
+            <a:r>
+              <a:rPr lang="en-GB" sz="2400" b="1" dirty="0" err="1"/>
+              <a:t>l’ordre</a:t>
+            </a:r>
+            <a:r>
+              <a:rPr lang="en-GB" sz="2400" b="1" dirty="0"/>
+              <a:t> croissant</a:t>
+            </a:r>
+            <a:r>
+              <a:rPr lang="en-GB" sz="2400" dirty="0"/>
+              <a:t> (de 1 </a:t>
+            </a:r>
+            <a:r>
+              <a:rPr lang="fr-FR" sz="2400" dirty="0"/>
+              <a:t>à</a:t>
+            </a:r>
+            <a:r>
+              <a:rPr lang="en-GB" sz="2400" dirty="0"/>
+              <a:t> 8)</a:t>
+            </a:r>
+          </a:p>
+        </p:txBody>
+      </p:sp>
+      <p:sp>
+        <p:nvSpPr>
+          <p:cNvPr id="9" name="Rectangle 8"/>
+          <p:cNvSpPr/>
+          <p:nvPr/>
+        </p:nvSpPr>
+        <p:spPr>
+          <a:xfrm>
+            <a:off x="3554499" y="3080749"/>
+            <a:ext cx="5083002" cy="3026364"/>
+          </a:xfrm>
+          <a:prstGeom prst="rect">
+            <a:avLst/>
+          </a:prstGeom>
+          <a:noFill/>
+          <a:ln w="76200">
+            <a:solidFill>
+              <a:schemeClr val="bg1">
+                <a:lumMod val="65000"/>
+              </a:schemeClr>
+            </a:solidFill>
+          </a:ln>
+        </p:spPr>
+        <p:style>
+          <a:lnRef idx="2">
+            <a:schemeClr val="accent1">
+              <a:shade val="50000"/>
+            </a:schemeClr>
+          </a:lnRef>
+          <a:fillRef idx="1">
+            <a:schemeClr val="accent1"/>
+          </a:fillRef>
+          <a:effectRef idx="0">
+            <a:schemeClr val="accent1"/>
+          </a:effectRef>
+          <a:fontRef idx="minor">
+            <a:schemeClr val="lt1"/>
+          </a:fontRef>
+        </p:style>
+        <p:txBody>
+          <a:bodyPr rtlCol="0" anchor="ctr"/>
+          <a:lstStyle/>
+          <a:p>
+            <a:pPr algn="ctr"/>
+            <a:endParaRPr lang="en-GB">
+              <a:solidFill>
+                <a:schemeClr val="tx1"/>
+              </a:solidFill>
+            </a:endParaRPr>
+          </a:p>
+        </p:txBody>
+      </p:sp>
+      <p:sp>
+        <p:nvSpPr>
+          <p:cNvPr id="10" name="Rectangle 9">
+            <a:extLst>
+              <a:ext uri="{FF2B5EF4-FFF2-40B4-BE49-F238E27FC236}">
+                <a16:creationId xmlns:a16="http://schemas.microsoft.com/office/drawing/2014/main" id="{3AA6DE88-E1CA-4798-A76A-C14E357E5404}"/>
+              </a:ext>
+            </a:extLst>
+          </p:cNvPr>
+          <p:cNvSpPr/>
+          <p:nvPr/>
+        </p:nvSpPr>
+        <p:spPr>
+          <a:xfrm>
+            <a:off x="4027165" y="6483648"/>
+            <a:ext cx="4137671" cy="369332"/>
+          </a:xfrm>
+          <a:prstGeom prst="rect">
+            <a:avLst/>
+          </a:prstGeom>
+        </p:spPr>
+        <p:txBody>
+          <a:bodyPr wrap="none">
+            <a:spAutoFit/>
+          </a:bodyPr>
+          <a:lstStyle/>
+          <a:p>
+            <a:pPr algn="ctr"/>
+            <a:r>
+              <a:rPr lang="en-GB" dirty="0" err="1"/>
+              <a:t>Appuyez</a:t>
+            </a:r>
+            <a:r>
+              <a:rPr lang="en-GB" dirty="0"/>
+              <a:t> sur la </a:t>
+            </a:r>
+            <a:r>
+              <a:rPr lang="en-GB" dirty="0" err="1"/>
+              <a:t>fl</a:t>
+            </a:r>
+            <a:r>
+              <a:rPr lang="fr-FR" dirty="0"/>
+              <a:t>è</a:t>
+            </a:r>
+            <a:r>
+              <a:rPr lang="en-GB" dirty="0" err="1"/>
+              <a:t>che</a:t>
+            </a:r>
+            <a:r>
+              <a:rPr lang="en-GB" dirty="0"/>
+              <a:t> droit pour continuer</a:t>
+            </a:r>
+          </a:p>
+        </p:txBody>
+      </p:sp>
+      <p:pic>
+        <p:nvPicPr>
+          <p:cNvPr id="13" name="Picture 12">
+            <a:extLst>
+              <a:ext uri="{FF2B5EF4-FFF2-40B4-BE49-F238E27FC236}">
+                <a16:creationId xmlns:a16="http://schemas.microsoft.com/office/drawing/2014/main" id="{6112DCF4-5343-4697-915D-3F46C67EA001}"/>
+              </a:ext>
+            </a:extLst>
+          </p:cNvPr>
+          <p:cNvPicPr>
+            <a:picLocks noChangeAspect="1"/>
+          </p:cNvPicPr>
+          <p:nvPr/>
+        </p:nvPicPr>
+        <p:blipFill rotWithShape="1">
+          <a:blip r:embed="rId2"/>
+          <a:srcRect l="23096" t="12000" r="22770" b="6787"/>
+          <a:stretch/>
+        </p:blipFill>
+        <p:spPr>
+          <a:xfrm>
+            <a:off x="4907280" y="3429000"/>
+            <a:ext cx="2361633" cy="2362011"/>
+          </a:xfrm>
+          <a:prstGeom prst="rect">
+            <a:avLst/>
+          </a:prstGeom>
+        </p:spPr>
+      </p:pic>
+    </p:spTree>
+    <p:extLst>
+      <p:ext uri="{BB962C8B-B14F-4D97-AF65-F5344CB8AC3E}">
+        <p14:creationId xmlns:p14="http://schemas.microsoft.com/office/powerpoint/2010/main" val="3575612489"/>
+      </p:ext>
+    </p:extLst>
+  </p:cSld>
+  <p:clrMapOvr>
+    <a:masterClrMapping/>
+  </p:clrMapOvr>
+</p:sld>
+</file>
+
+<file path=ppt/slides/slide33.xml><?xml version="1.0" encoding="utf-8"?>
+<p:sld xmlns:a="http://schemas.openxmlformats.org/drawingml/2006/main" xmlns:r="http://schemas.openxmlformats.org/officeDocument/2006/relationships" xmlns:p="http://schemas.openxmlformats.org/presentationml/2006/main">
+  <p:cSld>
+    <p:spTree>
+      <p:nvGrpSpPr>
+        <p:cNvPr id="1" name=""/>
+        <p:cNvGrpSpPr/>
+        <p:nvPr/>
+      </p:nvGrpSpPr>
+      <p:grpSpPr>
+        <a:xfrm>
+          <a:off x="0" y="0"/>
+          <a:ext cx="0" cy="0"/>
+          <a:chOff x="0" y="0"/>
+          <a:chExt cx="0" cy="0"/>
+        </a:xfrm>
+      </p:grpSpPr>
+      <p:sp>
+        <p:nvSpPr>
+          <p:cNvPr id="5" name="ZoneTexte 4"/>
+          <p:cNvSpPr txBox="1"/>
+          <p:nvPr/>
+        </p:nvSpPr>
+        <p:spPr>
+          <a:xfrm>
+            <a:off x="3878093" y="379385"/>
+            <a:ext cx="4435815" cy="461665"/>
+          </a:xfrm>
+          <a:prstGeom prst="rect">
+            <a:avLst/>
+          </a:prstGeom>
+          <a:noFill/>
+          <a:ln>
+            <a:noFill/>
+          </a:ln>
+        </p:spPr>
+        <p:txBody>
+          <a:bodyPr wrap="square" rtlCol="0" anchor="ctr">
+            <a:spAutoFit/>
+          </a:bodyPr>
+          <a:lstStyle/>
+          <a:p>
+            <a:pPr algn="ctr">
+              <a:spcBef>
+                <a:spcPts val="1800"/>
+              </a:spcBef>
+              <a:spcAft>
+                <a:spcPts val="1800"/>
+              </a:spcAft>
+            </a:pPr>
+            <a:r>
+              <a:rPr lang="en-GB" sz="2400" b="1" dirty="0">
+                <a:solidFill>
+                  <a:srgbClr val="0070C0"/>
+                </a:solidFill>
+              </a:rPr>
+              <a:t>3. LA PHASE DE MEMORISATION</a:t>
+            </a:r>
+          </a:p>
+        </p:txBody>
+      </p:sp>
+      <p:sp>
+        <p:nvSpPr>
+          <p:cNvPr id="7" name="ZoneTexte 6"/>
+          <p:cNvSpPr txBox="1"/>
+          <p:nvPr/>
+        </p:nvSpPr>
+        <p:spPr>
+          <a:xfrm>
+            <a:off x="1874195" y="1137597"/>
+            <a:ext cx="8443609" cy="1723549"/>
+          </a:xfrm>
+          <a:prstGeom prst="rect">
+            <a:avLst/>
+          </a:prstGeom>
+          <a:noFill/>
+        </p:spPr>
+        <p:txBody>
+          <a:bodyPr wrap="square" rtlCol="0">
+            <a:spAutoFit/>
+          </a:bodyPr>
+          <a:lstStyle/>
+          <a:p>
+            <a:pPr algn="ctr">
+              <a:spcAft>
+                <a:spcPts val="1200"/>
+              </a:spcAft>
+            </a:pPr>
+            <a:r>
+              <a:rPr lang="en-GB" sz="2400" dirty="0"/>
+              <a:t>Durant </a:t>
+            </a:r>
+            <a:r>
+              <a:rPr lang="en-GB" sz="2400" dirty="0" err="1"/>
+              <a:t>cette</a:t>
+            </a:r>
+            <a:r>
+              <a:rPr lang="en-GB" sz="2400" dirty="0"/>
+              <a:t> phase, les </a:t>
+            </a:r>
+            <a:r>
+              <a:rPr lang="en-GB" sz="2400" dirty="0" err="1"/>
+              <a:t>paires</a:t>
+            </a:r>
+            <a:r>
+              <a:rPr lang="en-GB" sz="2400" dirty="0"/>
+              <a:t> de </a:t>
+            </a:r>
+            <a:r>
+              <a:rPr lang="en-GB" sz="2400" dirty="0" err="1"/>
+              <a:t>nombres</a:t>
+            </a:r>
+            <a:r>
+              <a:rPr lang="en-GB" sz="2400" dirty="0"/>
+              <a:t> </a:t>
+            </a:r>
+            <a:r>
+              <a:rPr lang="en-GB" sz="2400" b="1" dirty="0" err="1"/>
+              <a:t>apparaîtront</a:t>
+            </a:r>
+            <a:r>
+              <a:rPr lang="en-GB" sz="2400" dirty="0"/>
+              <a:t> </a:t>
+            </a:r>
+            <a:r>
+              <a:rPr lang="en-GB" sz="2400" dirty="0" err="1"/>
+              <a:t>comme</a:t>
+            </a:r>
+            <a:r>
+              <a:rPr lang="en-GB" sz="2400" dirty="0"/>
+              <a:t> dessous:</a:t>
+            </a:r>
+          </a:p>
+          <a:p>
+            <a:pPr algn="ctr">
+              <a:spcAft>
+                <a:spcPts val="1200"/>
+              </a:spcAft>
+            </a:pPr>
+            <a:r>
+              <a:rPr lang="en-GB" sz="2400" dirty="0" err="1"/>
+              <a:t>Ils</a:t>
+            </a:r>
+            <a:r>
+              <a:rPr lang="en-GB" sz="2400" dirty="0"/>
+              <a:t> </a:t>
+            </a:r>
+            <a:r>
+              <a:rPr lang="en-GB" sz="2400" dirty="0" err="1"/>
+              <a:t>changeront</a:t>
+            </a:r>
+            <a:r>
+              <a:rPr lang="en-GB" sz="2400" dirty="0"/>
+              <a:t> </a:t>
+            </a:r>
+            <a:r>
+              <a:rPr lang="en-GB" sz="2400" b="1" dirty="0" err="1"/>
+              <a:t>chaque</a:t>
+            </a:r>
+            <a:r>
+              <a:rPr lang="en-GB" sz="2400" b="1" dirty="0"/>
+              <a:t> </a:t>
+            </a:r>
+            <a:r>
+              <a:rPr lang="en-GB" sz="2400" b="1" dirty="0" err="1"/>
+              <a:t>seconde</a:t>
+            </a:r>
+            <a:r>
+              <a:rPr lang="en-GB" sz="2400" dirty="0"/>
+              <a:t> et </a:t>
+            </a:r>
+            <a:r>
+              <a:rPr lang="en-GB" sz="2400" dirty="0" err="1"/>
+              <a:t>apparaîtront</a:t>
+            </a:r>
+            <a:r>
+              <a:rPr lang="en-GB" sz="2400" dirty="0"/>
+              <a:t> dans</a:t>
+            </a:r>
+            <a:r>
+              <a:rPr lang="en-GB" sz="2400" b="1" dirty="0"/>
+              <a:t> </a:t>
+            </a:r>
+            <a:r>
+              <a:rPr lang="en-GB" sz="2400" b="1" dirty="0" err="1"/>
+              <a:t>l’ordre</a:t>
+            </a:r>
+            <a:r>
+              <a:rPr lang="en-GB" sz="2400" b="1" dirty="0"/>
+              <a:t> croissant</a:t>
+            </a:r>
+            <a:r>
+              <a:rPr lang="en-GB" sz="2400" dirty="0"/>
+              <a:t> (de 1 </a:t>
+            </a:r>
+            <a:r>
+              <a:rPr lang="fr-FR" sz="2400" dirty="0"/>
+              <a:t>à</a:t>
+            </a:r>
+            <a:r>
+              <a:rPr lang="en-GB" sz="2400" dirty="0"/>
+              <a:t> 8)</a:t>
+            </a:r>
+          </a:p>
+        </p:txBody>
+      </p:sp>
+      <p:sp>
+        <p:nvSpPr>
+          <p:cNvPr id="9" name="Rectangle 8"/>
+          <p:cNvSpPr/>
+          <p:nvPr/>
+        </p:nvSpPr>
+        <p:spPr>
+          <a:xfrm>
+            <a:off x="3554499" y="3080749"/>
+            <a:ext cx="5083002" cy="3026364"/>
+          </a:xfrm>
+          <a:prstGeom prst="rect">
+            <a:avLst/>
+          </a:prstGeom>
+          <a:noFill/>
+          <a:ln w="76200">
+            <a:solidFill>
+              <a:schemeClr val="bg1">
+                <a:lumMod val="65000"/>
+              </a:schemeClr>
+            </a:solidFill>
+          </a:ln>
+        </p:spPr>
+        <p:style>
+          <a:lnRef idx="2">
+            <a:schemeClr val="accent1">
+              <a:shade val="50000"/>
+            </a:schemeClr>
+          </a:lnRef>
+          <a:fillRef idx="1">
+            <a:schemeClr val="accent1"/>
+          </a:fillRef>
+          <a:effectRef idx="0">
+            <a:schemeClr val="accent1"/>
+          </a:effectRef>
+          <a:fontRef idx="minor">
+            <a:schemeClr val="lt1"/>
+          </a:fontRef>
+        </p:style>
+        <p:txBody>
+          <a:bodyPr rtlCol="0" anchor="ctr"/>
+          <a:lstStyle/>
+          <a:p>
+            <a:pPr algn="ctr"/>
+            <a:endParaRPr lang="en-GB">
+              <a:solidFill>
+                <a:schemeClr val="tx1"/>
+              </a:solidFill>
+            </a:endParaRPr>
+          </a:p>
+        </p:txBody>
+      </p:sp>
+      <p:sp>
+        <p:nvSpPr>
+          <p:cNvPr id="10" name="Rectangle 9">
+            <a:extLst>
+              <a:ext uri="{FF2B5EF4-FFF2-40B4-BE49-F238E27FC236}">
+                <a16:creationId xmlns:a16="http://schemas.microsoft.com/office/drawing/2014/main" id="{3AA6DE88-E1CA-4798-A76A-C14E357E5404}"/>
+              </a:ext>
+            </a:extLst>
+          </p:cNvPr>
+          <p:cNvSpPr/>
+          <p:nvPr/>
+        </p:nvSpPr>
+        <p:spPr>
+          <a:xfrm>
+            <a:off x="4027165" y="6483648"/>
+            <a:ext cx="4137671" cy="369332"/>
+          </a:xfrm>
+          <a:prstGeom prst="rect">
+            <a:avLst/>
+          </a:prstGeom>
+        </p:spPr>
+        <p:txBody>
+          <a:bodyPr wrap="none">
+            <a:spAutoFit/>
+          </a:bodyPr>
+          <a:lstStyle/>
+          <a:p>
+            <a:pPr algn="ctr"/>
+            <a:r>
+              <a:rPr lang="en-GB" dirty="0" err="1"/>
+              <a:t>Appuyez</a:t>
+            </a:r>
+            <a:r>
+              <a:rPr lang="en-GB" dirty="0"/>
+              <a:t> sur la </a:t>
+            </a:r>
+            <a:r>
+              <a:rPr lang="en-GB" dirty="0" err="1"/>
+              <a:t>fl</a:t>
+            </a:r>
+            <a:r>
+              <a:rPr lang="fr-FR" dirty="0"/>
+              <a:t>è</a:t>
+            </a:r>
+            <a:r>
+              <a:rPr lang="en-GB" dirty="0" err="1"/>
+              <a:t>che</a:t>
+            </a:r>
+            <a:r>
+              <a:rPr lang="en-GB" dirty="0"/>
+              <a:t> droit pour continuer</a:t>
+            </a:r>
+          </a:p>
+        </p:txBody>
+      </p:sp>
+      <p:pic>
+        <p:nvPicPr>
+          <p:cNvPr id="14" name="Picture 13">
+            <a:extLst>
+              <a:ext uri="{FF2B5EF4-FFF2-40B4-BE49-F238E27FC236}">
+                <a16:creationId xmlns:a16="http://schemas.microsoft.com/office/drawing/2014/main" id="{8072D3E4-BF4B-4B42-994F-17256A9606C0}"/>
+              </a:ext>
+            </a:extLst>
+          </p:cNvPr>
+          <p:cNvPicPr>
+            <a:picLocks noChangeAspect="1"/>
+          </p:cNvPicPr>
+          <p:nvPr/>
+        </p:nvPicPr>
+        <p:blipFill rotWithShape="1">
+          <a:blip r:embed="rId2"/>
+          <a:srcRect l="22948" t="12177" r="23007" b="6667"/>
+          <a:stretch/>
+        </p:blipFill>
+        <p:spPr>
+          <a:xfrm>
+            <a:off x="4907280" y="3429000"/>
+            <a:ext cx="2377440" cy="2380047"/>
+          </a:xfrm>
+          <a:prstGeom prst="rect">
+            <a:avLst/>
+          </a:prstGeom>
+        </p:spPr>
+      </p:pic>
+    </p:spTree>
+    <p:extLst>
+      <p:ext uri="{BB962C8B-B14F-4D97-AF65-F5344CB8AC3E}">
+        <p14:creationId xmlns:p14="http://schemas.microsoft.com/office/powerpoint/2010/main" val="743382578"/>
+      </p:ext>
+    </p:extLst>
+  </p:cSld>
+  <p:clrMapOvr>
+    <a:masterClrMapping/>
+  </p:clrMapOvr>
+</p:sld>
+</file>
+
+<file path=ppt/slides/slide34.xml><?xml version="1.0" encoding="utf-8"?>
+<p:sld xmlns:a="http://schemas.openxmlformats.org/drawingml/2006/main" xmlns:r="http://schemas.openxmlformats.org/officeDocument/2006/relationships" xmlns:p="http://schemas.openxmlformats.org/presentationml/2006/main">
+  <p:cSld>
+    <p:spTree>
+      <p:nvGrpSpPr>
+        <p:cNvPr id="1" name=""/>
+        <p:cNvGrpSpPr/>
+        <p:nvPr/>
+      </p:nvGrpSpPr>
+      <p:grpSpPr>
+        <a:xfrm>
+          <a:off x="0" y="0"/>
+          <a:ext cx="0" cy="0"/>
+          <a:chOff x="0" y="0"/>
+          <a:chExt cx="0" cy="0"/>
+        </a:xfrm>
+      </p:grpSpPr>
+      <p:sp>
+        <p:nvSpPr>
+          <p:cNvPr id="5" name="ZoneTexte 4"/>
+          <p:cNvSpPr txBox="1"/>
+          <p:nvPr/>
+        </p:nvSpPr>
+        <p:spPr>
+          <a:xfrm>
+            <a:off x="3878093" y="379385"/>
+            <a:ext cx="4435815" cy="461665"/>
+          </a:xfrm>
+          <a:prstGeom prst="rect">
+            <a:avLst/>
+          </a:prstGeom>
+          <a:noFill/>
+          <a:ln>
+            <a:noFill/>
+          </a:ln>
+        </p:spPr>
+        <p:txBody>
+          <a:bodyPr wrap="square" rtlCol="0" anchor="ctr">
+            <a:spAutoFit/>
+          </a:bodyPr>
+          <a:lstStyle/>
+          <a:p>
+            <a:pPr algn="ctr">
+              <a:spcBef>
+                <a:spcPts val="1800"/>
+              </a:spcBef>
+              <a:spcAft>
+                <a:spcPts val="1800"/>
+              </a:spcAft>
+            </a:pPr>
+            <a:r>
+              <a:rPr lang="en-GB" sz="2400" b="1" dirty="0">
+                <a:solidFill>
+                  <a:srgbClr val="0070C0"/>
+                </a:solidFill>
+              </a:rPr>
+              <a:t>3. LA PHASE DE MEMORISATION</a:t>
+            </a:r>
+          </a:p>
+        </p:txBody>
+      </p:sp>
+      <p:sp>
+        <p:nvSpPr>
+          <p:cNvPr id="7" name="ZoneTexte 6"/>
+          <p:cNvSpPr txBox="1"/>
+          <p:nvPr/>
+        </p:nvSpPr>
+        <p:spPr>
+          <a:xfrm>
+            <a:off x="755905" y="1099125"/>
+            <a:ext cx="10680191" cy="1800493"/>
+          </a:xfrm>
+          <a:prstGeom prst="rect">
+            <a:avLst/>
+          </a:prstGeom>
+          <a:noFill/>
+        </p:spPr>
+        <p:txBody>
+          <a:bodyPr wrap="square" rtlCol="0">
+            <a:spAutoFit/>
+          </a:bodyPr>
+          <a:lstStyle/>
+          <a:p>
+            <a:pPr algn="ctr">
+              <a:spcAft>
+                <a:spcPts val="1200"/>
+              </a:spcAft>
+            </a:pPr>
+            <a:r>
+              <a:rPr lang="en-GB" sz="2400" dirty="0"/>
+              <a:t>Durant </a:t>
+            </a:r>
+            <a:r>
+              <a:rPr lang="en-GB" sz="2400" dirty="0" err="1"/>
+              <a:t>cette</a:t>
+            </a:r>
+            <a:r>
+              <a:rPr lang="en-GB" sz="2400" dirty="0"/>
+              <a:t> phase, </a:t>
+            </a:r>
+            <a:r>
+              <a:rPr lang="en-GB" sz="2400" b="1" dirty="0" err="1"/>
+              <a:t>vous</a:t>
+            </a:r>
+            <a:r>
+              <a:rPr lang="en-GB" sz="2400" b="1" dirty="0"/>
+              <a:t> </a:t>
+            </a:r>
+            <a:r>
+              <a:rPr lang="en-GB" sz="2400" b="1" dirty="0" err="1"/>
+              <a:t>pouvez</a:t>
+            </a:r>
+            <a:r>
+              <a:rPr lang="en-GB" sz="2400" b="1" dirty="0"/>
+              <a:t> </a:t>
+            </a:r>
+            <a:r>
+              <a:rPr lang="en-GB" sz="2400" b="1" dirty="0" err="1"/>
+              <a:t>choisir</a:t>
+            </a:r>
+            <a:r>
+              <a:rPr lang="en-GB" sz="2400" b="1" dirty="0"/>
+              <a:t> </a:t>
+            </a:r>
+            <a:r>
+              <a:rPr lang="en-GB" sz="2400" dirty="0"/>
+              <a:t>de </a:t>
+            </a:r>
+            <a:r>
+              <a:rPr lang="en-GB" sz="2400" dirty="0" err="1"/>
+              <a:t>voir</a:t>
+            </a:r>
+            <a:r>
+              <a:rPr lang="en-GB" sz="2400" dirty="0"/>
+              <a:t> les emplacements des </a:t>
+            </a:r>
+            <a:r>
+              <a:rPr lang="en-GB" sz="2400" dirty="0" err="1"/>
+              <a:t>paires</a:t>
+            </a:r>
+            <a:r>
+              <a:rPr lang="en-GB" sz="2400" dirty="0"/>
+              <a:t> </a:t>
+            </a:r>
+            <a:r>
+              <a:rPr lang="en-GB" sz="2400" dirty="0" err="1"/>
+              <a:t>autant</a:t>
+            </a:r>
+            <a:r>
+              <a:rPr lang="en-GB" sz="2400" dirty="0"/>
+              <a:t> de </a:t>
+            </a:r>
+            <a:r>
+              <a:rPr lang="en-GB" sz="2400" dirty="0" err="1"/>
+              <a:t>fois</a:t>
+            </a:r>
+            <a:r>
+              <a:rPr lang="en-GB" sz="2400" dirty="0"/>
+              <a:t> que </a:t>
+            </a:r>
+            <a:r>
+              <a:rPr lang="en-GB" sz="2400" b="1" dirty="0" err="1"/>
+              <a:t>vous</a:t>
+            </a:r>
+            <a:r>
+              <a:rPr lang="en-GB" sz="2400" b="1" dirty="0"/>
+              <a:t> le </a:t>
+            </a:r>
+            <a:r>
+              <a:rPr lang="en-GB" sz="2400" b="1" dirty="0" err="1"/>
+              <a:t>souhaitez</a:t>
+            </a:r>
+            <a:endParaRPr lang="en-GB" sz="2400" b="1" dirty="0"/>
+          </a:p>
+          <a:p>
+            <a:pPr algn="ctr">
+              <a:spcAft>
+                <a:spcPts val="600"/>
+              </a:spcAft>
+            </a:pPr>
+            <a:r>
+              <a:rPr lang="en-GB" sz="2400" dirty="0"/>
+              <a:t>Pour </a:t>
+            </a:r>
+            <a:r>
+              <a:rPr lang="en-GB" sz="2400" dirty="0" err="1"/>
+              <a:t>ce</a:t>
+            </a:r>
+            <a:r>
+              <a:rPr lang="en-GB" sz="2400" dirty="0"/>
+              <a:t> faire, </a:t>
+            </a:r>
+            <a:r>
+              <a:rPr lang="en-GB" sz="2400" dirty="0" err="1"/>
+              <a:t>simplement</a:t>
+            </a:r>
+            <a:r>
+              <a:rPr lang="en-GB" sz="2400" dirty="0"/>
+              <a:t> </a:t>
+            </a:r>
+            <a:r>
+              <a:rPr lang="en-GB" sz="2400" dirty="0" err="1"/>
+              <a:t>cliquer</a:t>
+            </a:r>
+            <a:r>
+              <a:rPr lang="en-GB" sz="2400" dirty="0"/>
+              <a:t> sur </a:t>
+            </a:r>
+            <a:r>
+              <a:rPr lang="fr-FR" sz="2400" b="1" dirty="0"/>
+              <a:t>le bouton « Oui »</a:t>
+            </a:r>
+          </a:p>
+          <a:p>
+            <a:pPr algn="ctr">
+              <a:spcAft>
+                <a:spcPts val="600"/>
+              </a:spcAft>
+            </a:pPr>
+            <a:r>
+              <a:rPr lang="fr-FR" sz="2400" dirty="0"/>
+              <a:t>Sinon, vous pourrez cliquer sur le bouton </a:t>
+            </a:r>
+            <a:r>
+              <a:rPr lang="fr-FR" sz="2400" b="1" dirty="0"/>
+              <a:t>« Non »</a:t>
+            </a:r>
+            <a:r>
+              <a:rPr lang="fr-FR" sz="2400" dirty="0"/>
+              <a:t> pour procéder à</a:t>
+            </a:r>
+            <a:r>
+              <a:rPr lang="en-GB" sz="2400" dirty="0"/>
+              <a:t> la phase de test.</a:t>
+            </a:r>
+          </a:p>
+        </p:txBody>
+      </p:sp>
+      <p:sp>
+        <p:nvSpPr>
+          <p:cNvPr id="9" name="Rectangle 8"/>
+          <p:cNvSpPr/>
+          <p:nvPr/>
+        </p:nvSpPr>
+        <p:spPr>
+          <a:xfrm>
+            <a:off x="3554499" y="3080749"/>
+            <a:ext cx="5083002" cy="3026364"/>
+          </a:xfrm>
+          <a:prstGeom prst="rect">
+            <a:avLst/>
+          </a:prstGeom>
+          <a:noFill/>
+          <a:ln w="76200">
+            <a:solidFill>
+              <a:schemeClr val="bg1">
+                <a:lumMod val="65000"/>
+              </a:schemeClr>
+            </a:solidFill>
+          </a:ln>
+        </p:spPr>
+        <p:style>
+          <a:lnRef idx="2">
+            <a:schemeClr val="accent1">
+              <a:shade val="50000"/>
+            </a:schemeClr>
+          </a:lnRef>
+          <a:fillRef idx="1">
+            <a:schemeClr val="accent1"/>
+          </a:fillRef>
+          <a:effectRef idx="0">
+            <a:schemeClr val="accent1"/>
+          </a:effectRef>
+          <a:fontRef idx="minor">
+            <a:schemeClr val="lt1"/>
+          </a:fontRef>
+        </p:style>
+        <p:txBody>
+          <a:bodyPr rtlCol="0" anchor="ctr"/>
+          <a:lstStyle/>
+          <a:p>
+            <a:pPr algn="ctr"/>
+            <a:endParaRPr lang="en-GB">
+              <a:solidFill>
+                <a:schemeClr val="tx1"/>
+              </a:solidFill>
+            </a:endParaRPr>
+          </a:p>
+        </p:txBody>
+      </p:sp>
+      <p:sp>
+        <p:nvSpPr>
+          <p:cNvPr id="10" name="Rectangle 9">
+            <a:extLst>
+              <a:ext uri="{FF2B5EF4-FFF2-40B4-BE49-F238E27FC236}">
+                <a16:creationId xmlns:a16="http://schemas.microsoft.com/office/drawing/2014/main" id="{3AA6DE88-E1CA-4798-A76A-C14E357E5404}"/>
+              </a:ext>
+            </a:extLst>
+          </p:cNvPr>
+          <p:cNvSpPr/>
+          <p:nvPr/>
+        </p:nvSpPr>
+        <p:spPr>
+          <a:xfrm>
+            <a:off x="4027165" y="6483648"/>
+            <a:ext cx="4137671" cy="369332"/>
+          </a:xfrm>
+          <a:prstGeom prst="rect">
+            <a:avLst/>
+          </a:prstGeom>
+        </p:spPr>
+        <p:txBody>
+          <a:bodyPr wrap="none">
+            <a:spAutoFit/>
+          </a:bodyPr>
+          <a:lstStyle/>
+          <a:p>
+            <a:pPr algn="ctr"/>
+            <a:r>
+              <a:rPr lang="en-GB" dirty="0" err="1"/>
+              <a:t>Appuyez</a:t>
+            </a:r>
+            <a:r>
+              <a:rPr lang="en-GB" dirty="0"/>
+              <a:t> sur la </a:t>
+            </a:r>
+            <a:r>
+              <a:rPr lang="en-GB" dirty="0" err="1"/>
+              <a:t>fl</a:t>
+            </a:r>
+            <a:r>
+              <a:rPr lang="fr-FR" dirty="0"/>
+              <a:t>è</a:t>
+            </a:r>
+            <a:r>
+              <a:rPr lang="en-GB" dirty="0" err="1"/>
+              <a:t>che</a:t>
+            </a:r>
+            <a:r>
+              <a:rPr lang="en-GB" dirty="0"/>
+              <a:t> droit pour continuer</a:t>
+            </a:r>
+          </a:p>
+        </p:txBody>
+      </p:sp>
+      <p:pic>
+        <p:nvPicPr>
+          <p:cNvPr id="2" name="Picture 1">
+            <a:extLst>
+              <a:ext uri="{FF2B5EF4-FFF2-40B4-BE49-F238E27FC236}">
+                <a16:creationId xmlns:a16="http://schemas.microsoft.com/office/drawing/2014/main" id="{0BB677F4-C94A-4443-B094-1CFC75EE73B7}"/>
+              </a:ext>
+            </a:extLst>
+          </p:cNvPr>
+          <p:cNvPicPr>
+            <a:picLocks noChangeAspect="1"/>
+          </p:cNvPicPr>
+          <p:nvPr/>
+        </p:nvPicPr>
+        <p:blipFill rotWithShape="1">
+          <a:blip r:embed="rId2"/>
+          <a:srcRect l="39719" t="42933" r="39659" b="37321"/>
+          <a:stretch/>
+        </p:blipFill>
+        <p:spPr>
+          <a:xfrm>
+            <a:off x="4811268" y="3770518"/>
+            <a:ext cx="2569464" cy="1640237"/>
+          </a:xfrm>
+          <a:prstGeom prst="rect">
+            <a:avLst/>
+          </a:prstGeom>
+        </p:spPr>
+      </p:pic>
+    </p:spTree>
+    <p:extLst>
+      <p:ext uri="{BB962C8B-B14F-4D97-AF65-F5344CB8AC3E}">
+        <p14:creationId xmlns:p14="http://schemas.microsoft.com/office/powerpoint/2010/main" val="1138958507"/>
+      </p:ext>
+    </p:extLst>
+  </p:cSld>
+  <p:clrMapOvr>
+    <a:masterClrMapping/>
+  </p:clrMapOvr>
+</p:sld>
+</file>
+
+<file path=ppt/slides/slide35.xml><?xml version="1.0" encoding="utf-8"?>
+<p:sld xmlns:a="http://schemas.openxmlformats.org/drawingml/2006/main" xmlns:r="http://schemas.openxmlformats.org/officeDocument/2006/relationships" xmlns:p="http://schemas.openxmlformats.org/presentationml/2006/main">
+  <p:cSld>
+    <p:spTree>
+      <p:nvGrpSpPr>
+        <p:cNvPr id="1" name=""/>
+        <p:cNvGrpSpPr/>
+        <p:nvPr/>
+      </p:nvGrpSpPr>
+      <p:grpSpPr>
+        <a:xfrm>
+          <a:off x="0" y="0"/>
+          <a:ext cx="0" cy="0"/>
+          <a:chOff x="0" y="0"/>
+          <a:chExt cx="0" cy="0"/>
+        </a:xfrm>
+      </p:grpSpPr>
+      <p:sp>
+        <p:nvSpPr>
+          <p:cNvPr id="5" name="ZoneTexte 4"/>
+          <p:cNvSpPr txBox="1"/>
+          <p:nvPr/>
+        </p:nvSpPr>
+        <p:spPr>
+          <a:xfrm>
+            <a:off x="3878093" y="379385"/>
+            <a:ext cx="4435815" cy="461665"/>
+          </a:xfrm>
+          <a:prstGeom prst="rect">
+            <a:avLst/>
+          </a:prstGeom>
+          <a:noFill/>
+          <a:ln>
+            <a:noFill/>
+          </a:ln>
+        </p:spPr>
+        <p:txBody>
+          <a:bodyPr wrap="square" rtlCol="0" anchor="ctr">
+            <a:spAutoFit/>
+          </a:bodyPr>
+          <a:lstStyle/>
+          <a:p>
+            <a:pPr algn="ctr">
+              <a:spcBef>
+                <a:spcPts val="1800"/>
+              </a:spcBef>
+              <a:spcAft>
+                <a:spcPts val="1800"/>
+              </a:spcAft>
+            </a:pPr>
+            <a:r>
+              <a:rPr lang="en-GB" sz="2400" b="1" dirty="0">
+                <a:solidFill>
+                  <a:srgbClr val="0070C0"/>
+                </a:solidFill>
+              </a:rPr>
+              <a:t>3. LA PHASE DE MEMORISATION</a:t>
+            </a:r>
+          </a:p>
+        </p:txBody>
+      </p:sp>
+      <p:sp>
+        <p:nvSpPr>
+          <p:cNvPr id="7" name="ZoneTexte 6"/>
+          <p:cNvSpPr txBox="1"/>
+          <p:nvPr/>
+        </p:nvSpPr>
+        <p:spPr>
+          <a:xfrm>
+            <a:off x="1481328" y="1022181"/>
+            <a:ext cx="9052559" cy="1877437"/>
+          </a:xfrm>
+          <a:prstGeom prst="rect">
+            <a:avLst/>
+          </a:prstGeom>
+          <a:noFill/>
+        </p:spPr>
+        <p:txBody>
+          <a:bodyPr wrap="square" rtlCol="0">
+            <a:spAutoFit/>
+          </a:bodyPr>
+          <a:lstStyle/>
+          <a:p>
+            <a:pPr algn="ctr">
+              <a:spcAft>
+                <a:spcPts val="1200"/>
+              </a:spcAft>
+            </a:pPr>
+            <a:r>
+              <a:rPr lang="en-GB" sz="2400" b="1" dirty="0"/>
+              <a:t>Attention!</a:t>
+            </a:r>
+          </a:p>
+          <a:p>
+            <a:pPr algn="ctr">
+              <a:spcAft>
+                <a:spcPts val="1200"/>
+              </a:spcAft>
+            </a:pPr>
+            <a:r>
+              <a:rPr lang="en-GB" sz="2400" dirty="0" err="1"/>
+              <a:t>Vous</a:t>
+            </a:r>
+            <a:r>
+              <a:rPr lang="en-GB" sz="2400" dirty="0"/>
+              <a:t> </a:t>
+            </a:r>
+            <a:r>
+              <a:rPr lang="en-GB" sz="2400" dirty="0" err="1"/>
+              <a:t>aurez</a:t>
+            </a:r>
+            <a:r>
+              <a:rPr lang="en-GB" sz="2400" dirty="0"/>
+              <a:t> </a:t>
+            </a:r>
+            <a:r>
+              <a:rPr lang="en-GB" sz="2400" dirty="0" err="1"/>
+              <a:t>seulement</a:t>
+            </a:r>
+            <a:r>
+              <a:rPr lang="en-GB" sz="2400" dirty="0"/>
+              <a:t> </a:t>
+            </a:r>
+            <a:r>
+              <a:rPr lang="en-GB" sz="2400" b="1" dirty="0"/>
+              <a:t>5 </a:t>
+            </a:r>
+            <a:r>
+              <a:rPr lang="en-GB" sz="2400" b="1" dirty="0" err="1"/>
+              <a:t>secondes</a:t>
+            </a:r>
+            <a:r>
+              <a:rPr lang="en-GB" sz="2400" b="1" dirty="0"/>
+              <a:t> </a:t>
+            </a:r>
+            <a:r>
+              <a:rPr lang="en-GB" sz="2400" dirty="0"/>
+              <a:t>pour </a:t>
+            </a:r>
+            <a:r>
+              <a:rPr lang="en-GB" sz="2400" dirty="0" err="1"/>
+              <a:t>répondre</a:t>
+            </a:r>
+            <a:r>
+              <a:rPr lang="en-GB" sz="2400" dirty="0"/>
+              <a:t> </a:t>
+            </a:r>
+            <a:r>
+              <a:rPr lang="fr-FR" sz="2400" dirty="0"/>
+              <a:t>à</a:t>
+            </a:r>
+            <a:r>
+              <a:rPr lang="en-GB" sz="2400" dirty="0"/>
+              <a:t> </a:t>
+            </a:r>
+            <a:r>
+              <a:rPr lang="en-GB" sz="2400" dirty="0" err="1"/>
+              <a:t>cette</a:t>
+            </a:r>
+            <a:r>
+              <a:rPr lang="en-GB" sz="2400" dirty="0"/>
+              <a:t> question!</a:t>
+            </a:r>
+          </a:p>
+          <a:p>
+            <a:pPr algn="ctr">
+              <a:spcAft>
+                <a:spcPts val="1200"/>
+              </a:spcAft>
+            </a:pPr>
+            <a:r>
+              <a:rPr lang="en-GB" sz="2400" dirty="0"/>
+              <a:t>Si </a:t>
+            </a:r>
+            <a:r>
+              <a:rPr lang="en-GB" sz="2400" dirty="0" err="1"/>
+              <a:t>vous</a:t>
+            </a:r>
+            <a:r>
+              <a:rPr lang="en-GB" sz="2400" dirty="0"/>
+              <a:t> ne </a:t>
+            </a:r>
+            <a:r>
+              <a:rPr lang="en-GB" sz="2400" dirty="0" err="1"/>
+              <a:t>repondez</a:t>
+            </a:r>
+            <a:r>
+              <a:rPr lang="en-GB" sz="2400" dirty="0"/>
+              <a:t> pas, </a:t>
+            </a:r>
+            <a:r>
+              <a:rPr lang="en-GB" sz="2400" b="1" dirty="0" err="1"/>
+              <a:t>l’essai</a:t>
+            </a:r>
+            <a:r>
+              <a:rPr lang="en-GB" sz="2400" b="1" dirty="0"/>
+              <a:t> </a:t>
+            </a:r>
+            <a:r>
+              <a:rPr lang="en-GB" sz="2400" b="1" dirty="0" err="1"/>
+              <a:t>passera</a:t>
+            </a:r>
+            <a:r>
+              <a:rPr lang="en-GB" sz="2400" b="1" dirty="0"/>
+              <a:t> </a:t>
+            </a:r>
+            <a:r>
+              <a:rPr lang="fr-FR" sz="2400" b="1" dirty="0"/>
+              <a:t>à</a:t>
+            </a:r>
+            <a:r>
+              <a:rPr lang="en-GB" sz="2400" b="1" dirty="0"/>
+              <a:t> la phase de test </a:t>
+            </a:r>
+            <a:r>
+              <a:rPr lang="en-GB" sz="2400" dirty="0" err="1"/>
+              <a:t>automatiquement</a:t>
+            </a:r>
+            <a:endParaRPr lang="en-GB" sz="2400" b="1" dirty="0"/>
+          </a:p>
+        </p:txBody>
+      </p:sp>
+      <p:sp>
+        <p:nvSpPr>
+          <p:cNvPr id="9" name="Rectangle 8"/>
+          <p:cNvSpPr/>
+          <p:nvPr/>
+        </p:nvSpPr>
+        <p:spPr>
+          <a:xfrm>
+            <a:off x="3554499" y="3080749"/>
+            <a:ext cx="5083002" cy="3026364"/>
+          </a:xfrm>
+          <a:prstGeom prst="rect">
+            <a:avLst/>
+          </a:prstGeom>
+          <a:noFill/>
+          <a:ln w="76200">
+            <a:solidFill>
+              <a:schemeClr val="bg1">
+                <a:lumMod val="65000"/>
+              </a:schemeClr>
+            </a:solidFill>
+          </a:ln>
+        </p:spPr>
+        <p:style>
+          <a:lnRef idx="2">
+            <a:schemeClr val="accent1">
+              <a:shade val="50000"/>
+            </a:schemeClr>
+          </a:lnRef>
+          <a:fillRef idx="1">
+            <a:schemeClr val="accent1"/>
+          </a:fillRef>
+          <a:effectRef idx="0">
+            <a:schemeClr val="accent1"/>
+          </a:effectRef>
+          <a:fontRef idx="minor">
+            <a:schemeClr val="lt1"/>
+          </a:fontRef>
+        </p:style>
+        <p:txBody>
+          <a:bodyPr rtlCol="0" anchor="ctr"/>
+          <a:lstStyle/>
+          <a:p>
+            <a:pPr algn="ctr"/>
+            <a:endParaRPr lang="en-GB">
+              <a:solidFill>
+                <a:schemeClr val="tx1"/>
+              </a:solidFill>
+            </a:endParaRPr>
+          </a:p>
+        </p:txBody>
+      </p:sp>
+      <p:sp>
+        <p:nvSpPr>
+          <p:cNvPr id="10" name="Rectangle 9">
+            <a:extLst>
+              <a:ext uri="{FF2B5EF4-FFF2-40B4-BE49-F238E27FC236}">
+                <a16:creationId xmlns:a16="http://schemas.microsoft.com/office/drawing/2014/main" id="{3AA6DE88-E1CA-4798-A76A-C14E357E5404}"/>
+              </a:ext>
+            </a:extLst>
+          </p:cNvPr>
+          <p:cNvSpPr/>
+          <p:nvPr/>
+        </p:nvSpPr>
+        <p:spPr>
+          <a:xfrm>
+            <a:off x="4027165" y="6483648"/>
+            <a:ext cx="4137671" cy="369332"/>
+          </a:xfrm>
+          <a:prstGeom prst="rect">
+            <a:avLst/>
+          </a:prstGeom>
+        </p:spPr>
+        <p:txBody>
+          <a:bodyPr wrap="none">
+            <a:spAutoFit/>
+          </a:bodyPr>
+          <a:lstStyle/>
+          <a:p>
+            <a:pPr algn="ctr"/>
+            <a:r>
+              <a:rPr lang="en-GB" dirty="0" err="1"/>
+              <a:t>Appuyez</a:t>
+            </a:r>
+            <a:r>
+              <a:rPr lang="en-GB" dirty="0"/>
+              <a:t> sur la </a:t>
+            </a:r>
+            <a:r>
+              <a:rPr lang="en-GB" dirty="0" err="1"/>
+              <a:t>fl</a:t>
+            </a:r>
+            <a:r>
+              <a:rPr lang="fr-FR" dirty="0"/>
+              <a:t>è</a:t>
+            </a:r>
+            <a:r>
+              <a:rPr lang="en-GB" dirty="0" err="1"/>
+              <a:t>che</a:t>
+            </a:r>
+            <a:r>
+              <a:rPr lang="en-GB" dirty="0"/>
+              <a:t> droit pour continuer</a:t>
+            </a:r>
+          </a:p>
+        </p:txBody>
+      </p:sp>
+      <p:pic>
+        <p:nvPicPr>
+          <p:cNvPr id="2" name="Picture 1">
+            <a:extLst>
+              <a:ext uri="{FF2B5EF4-FFF2-40B4-BE49-F238E27FC236}">
+                <a16:creationId xmlns:a16="http://schemas.microsoft.com/office/drawing/2014/main" id="{0BB677F4-C94A-4443-B094-1CFC75EE73B7}"/>
+              </a:ext>
+            </a:extLst>
+          </p:cNvPr>
+          <p:cNvPicPr>
+            <a:picLocks noChangeAspect="1"/>
+          </p:cNvPicPr>
+          <p:nvPr/>
+        </p:nvPicPr>
+        <p:blipFill rotWithShape="1">
+          <a:blip r:embed="rId2"/>
+          <a:srcRect l="39719" t="42933" r="39659" b="37321"/>
+          <a:stretch/>
+        </p:blipFill>
+        <p:spPr>
+          <a:xfrm>
+            <a:off x="4811268" y="3770518"/>
+            <a:ext cx="2569464" cy="1640237"/>
+          </a:xfrm>
+          <a:prstGeom prst="rect">
+            <a:avLst/>
+          </a:prstGeom>
+        </p:spPr>
+      </p:pic>
+    </p:spTree>
+    <p:extLst>
+      <p:ext uri="{BB962C8B-B14F-4D97-AF65-F5344CB8AC3E}">
+        <p14:creationId xmlns:p14="http://schemas.microsoft.com/office/powerpoint/2010/main" val="2890649823"/>
+      </p:ext>
+    </p:extLst>
+  </p:cSld>
+  <p:clrMapOvr>
+    <a:masterClrMapping/>
+  </p:clrMapOvr>
+</p:sld>
+</file>
+
+<file path=ppt/slides/slide36.xml><?xml version="1.0" encoding="utf-8"?>
+<p:sld xmlns:a="http://schemas.openxmlformats.org/drawingml/2006/main" xmlns:r="http://schemas.openxmlformats.org/officeDocument/2006/relationships" xmlns:p="http://schemas.openxmlformats.org/presentationml/2006/main">
+  <p:cSld>
+    <p:spTree>
+      <p:nvGrpSpPr>
+        <p:cNvPr id="1" name=""/>
+        <p:cNvGrpSpPr/>
+        <p:nvPr/>
+      </p:nvGrpSpPr>
+      <p:grpSpPr>
+        <a:xfrm>
+          <a:off x="0" y="0"/>
+          <a:ext cx="0" cy="0"/>
+          <a:chOff x="0" y="0"/>
+          <a:chExt cx="0" cy="0"/>
+        </a:xfrm>
+      </p:grpSpPr>
+      <p:sp>
+        <p:nvSpPr>
+          <p:cNvPr id="5" name="ZoneTexte 4"/>
+          <p:cNvSpPr txBox="1"/>
+          <p:nvPr/>
+        </p:nvSpPr>
+        <p:spPr>
+          <a:xfrm>
+            <a:off x="3878093" y="379385"/>
+            <a:ext cx="4435815" cy="461665"/>
+          </a:xfrm>
+          <a:prstGeom prst="rect">
+            <a:avLst/>
+          </a:prstGeom>
+          <a:noFill/>
+          <a:ln>
+            <a:noFill/>
+          </a:ln>
+        </p:spPr>
+        <p:txBody>
+          <a:bodyPr wrap="square" rtlCol="0" anchor="ctr">
+            <a:spAutoFit/>
+          </a:bodyPr>
+          <a:lstStyle/>
+          <a:p>
+            <a:pPr algn="ctr">
+              <a:spcBef>
+                <a:spcPts val="1800"/>
+              </a:spcBef>
+              <a:spcAft>
+                <a:spcPts val="1800"/>
+              </a:spcAft>
+            </a:pPr>
+            <a:r>
+              <a:rPr lang="en-GB" sz="2400" b="1" dirty="0">
+                <a:solidFill>
+                  <a:srgbClr val="0070C0"/>
+                </a:solidFill>
+              </a:rPr>
+              <a:t>4. LA PHASE DE TEST</a:t>
+            </a:r>
+          </a:p>
+        </p:txBody>
+      </p:sp>
+      <p:sp>
+        <p:nvSpPr>
+          <p:cNvPr id="9" name="Rectangle 8"/>
+          <p:cNvSpPr/>
+          <p:nvPr/>
+        </p:nvSpPr>
+        <p:spPr>
+          <a:xfrm>
+            <a:off x="3554499" y="3080749"/>
+            <a:ext cx="5083002" cy="3026364"/>
+          </a:xfrm>
+          <a:prstGeom prst="rect">
+            <a:avLst/>
+          </a:prstGeom>
+          <a:noFill/>
+          <a:ln w="76200">
+            <a:solidFill>
+              <a:schemeClr val="bg1">
+                <a:lumMod val="65000"/>
+              </a:schemeClr>
+            </a:solidFill>
+          </a:ln>
+        </p:spPr>
+        <p:style>
+          <a:lnRef idx="2">
+            <a:schemeClr val="accent1">
+              <a:shade val="50000"/>
+            </a:schemeClr>
+          </a:lnRef>
+          <a:fillRef idx="1">
+            <a:schemeClr val="accent1"/>
+          </a:fillRef>
+          <a:effectRef idx="0">
+            <a:schemeClr val="accent1"/>
+          </a:effectRef>
+          <a:fontRef idx="minor">
+            <a:schemeClr val="lt1"/>
+          </a:fontRef>
+        </p:style>
+        <p:txBody>
+          <a:bodyPr rtlCol="0" anchor="ctr"/>
+          <a:lstStyle/>
+          <a:p>
+            <a:pPr algn="ctr"/>
+            <a:endParaRPr lang="en-GB">
+              <a:solidFill>
+                <a:schemeClr val="tx1"/>
+              </a:solidFill>
+            </a:endParaRPr>
+          </a:p>
+        </p:txBody>
+      </p:sp>
+      <p:sp>
+        <p:nvSpPr>
+          <p:cNvPr id="8" name="ZoneTexte 7"/>
+          <p:cNvSpPr txBox="1"/>
+          <p:nvPr/>
+        </p:nvSpPr>
+        <p:spPr>
+          <a:xfrm>
+            <a:off x="1874195" y="1099125"/>
+            <a:ext cx="8443609" cy="1723549"/>
+          </a:xfrm>
+          <a:prstGeom prst="rect">
+            <a:avLst/>
+          </a:prstGeom>
+          <a:noFill/>
+        </p:spPr>
+        <p:txBody>
+          <a:bodyPr wrap="square" rtlCol="0">
+            <a:spAutoFit/>
+          </a:bodyPr>
+          <a:lstStyle/>
+          <a:p>
+            <a:pPr algn="ctr">
+              <a:spcAft>
+                <a:spcPts val="1200"/>
+              </a:spcAft>
+            </a:pPr>
+            <a:r>
+              <a:rPr lang="en-GB" sz="2400" dirty="0"/>
+              <a:t>Durant la phase de test, </a:t>
+            </a:r>
+            <a:r>
+              <a:rPr lang="en-GB" sz="2400" dirty="0" err="1"/>
+              <a:t>l’un</a:t>
+            </a:r>
+            <a:r>
+              <a:rPr lang="en-GB" sz="2400" dirty="0"/>
+              <a:t> de </a:t>
+            </a:r>
+            <a:r>
+              <a:rPr lang="en-GB" sz="2400" dirty="0" err="1"/>
+              <a:t>numéro</a:t>
+            </a:r>
+            <a:r>
+              <a:rPr lang="en-GB" sz="2400" dirty="0"/>
+              <a:t> de </a:t>
+            </a:r>
+            <a:r>
+              <a:rPr lang="en-GB" sz="2400" dirty="0" err="1"/>
+              <a:t>chaque</a:t>
+            </a:r>
+            <a:r>
+              <a:rPr lang="en-GB" sz="2400" dirty="0"/>
+              <a:t> </a:t>
+            </a:r>
+            <a:r>
+              <a:rPr lang="en-GB" sz="2400" dirty="0" err="1"/>
+              <a:t>paire</a:t>
+            </a:r>
+            <a:r>
+              <a:rPr lang="en-GB" sz="2400" dirty="0"/>
+              <a:t> </a:t>
+            </a:r>
+            <a:r>
+              <a:rPr lang="en-GB" sz="2400" dirty="0" err="1"/>
+              <a:t>apparaîtront</a:t>
+            </a:r>
+            <a:r>
+              <a:rPr lang="en-GB" sz="2400" dirty="0"/>
+              <a:t> sur la grille (</a:t>
+            </a:r>
+            <a:r>
+              <a:rPr lang="en-GB" sz="2400" dirty="0" err="1"/>
+              <a:t>comme</a:t>
+            </a:r>
+            <a:r>
+              <a:rPr lang="en-GB" sz="2400" dirty="0"/>
+              <a:t> </a:t>
+            </a:r>
+            <a:r>
+              <a:rPr lang="en-GB" sz="2400" dirty="0" err="1"/>
+              <a:t>dessous</a:t>
+            </a:r>
+            <a:r>
+              <a:rPr lang="en-GB" sz="2400" dirty="0"/>
+              <a:t>)</a:t>
+            </a:r>
+          </a:p>
+          <a:p>
+            <a:pPr algn="ctr">
+              <a:spcAft>
+                <a:spcPts val="1200"/>
+              </a:spcAft>
+            </a:pPr>
+            <a:r>
+              <a:rPr lang="en-GB" sz="2400" dirty="0" err="1"/>
+              <a:t>Vous</a:t>
+            </a:r>
+            <a:r>
+              <a:rPr lang="en-GB" sz="2400" dirty="0"/>
+              <a:t> </a:t>
+            </a:r>
+            <a:r>
+              <a:rPr lang="en-GB" sz="2400" dirty="0" err="1"/>
+              <a:t>devrez</a:t>
+            </a:r>
+            <a:r>
+              <a:rPr lang="en-GB" sz="2400" dirty="0"/>
+              <a:t>: </a:t>
+            </a:r>
+            <a:r>
+              <a:rPr lang="en-GB" sz="2400" b="1" dirty="0" err="1"/>
+              <a:t>Cliquez</a:t>
+            </a:r>
+            <a:r>
+              <a:rPr lang="en-GB" sz="2400" b="1" dirty="0"/>
+              <a:t> sur </a:t>
+            </a:r>
+            <a:r>
+              <a:rPr lang="en-GB" sz="2400" b="1" dirty="0" err="1"/>
+              <a:t>l’emplacement</a:t>
+            </a:r>
+            <a:r>
+              <a:rPr lang="en-GB" sz="2400" b="1" dirty="0"/>
+              <a:t> de </a:t>
+            </a:r>
+            <a:r>
+              <a:rPr lang="en-GB" sz="2400" b="1" dirty="0" err="1"/>
+              <a:t>l’autre</a:t>
+            </a:r>
+            <a:r>
+              <a:rPr lang="en-GB" sz="2400" b="1" dirty="0"/>
+              <a:t> </a:t>
+            </a:r>
+            <a:r>
+              <a:rPr lang="en-GB" sz="2400" b="1" dirty="0" err="1"/>
+              <a:t>numéro</a:t>
+            </a:r>
+            <a:r>
+              <a:rPr lang="en-GB" sz="2400" b="1" dirty="0"/>
+              <a:t> de </a:t>
+            </a:r>
+            <a:r>
+              <a:rPr lang="en-GB" sz="2400" b="1" dirty="0" err="1"/>
+              <a:t>cette</a:t>
+            </a:r>
+            <a:r>
+              <a:rPr lang="en-GB" sz="2400" b="1" dirty="0"/>
+              <a:t> </a:t>
+            </a:r>
+            <a:r>
+              <a:rPr lang="en-GB" sz="2400" b="1" dirty="0" err="1"/>
+              <a:t>paire</a:t>
+            </a:r>
+            <a:endParaRPr lang="en-GB" sz="2400" b="1" dirty="0"/>
+          </a:p>
+        </p:txBody>
+      </p:sp>
+      <p:pic>
+        <p:nvPicPr>
+          <p:cNvPr id="2" name="Picture 1">
+            <a:extLst>
+              <a:ext uri="{FF2B5EF4-FFF2-40B4-BE49-F238E27FC236}">
+                <a16:creationId xmlns:a16="http://schemas.microsoft.com/office/drawing/2014/main" id="{88F87B56-3A1F-46ED-B0F7-1E813590C499}"/>
+              </a:ext>
+            </a:extLst>
+          </p:cNvPr>
+          <p:cNvPicPr>
+            <a:picLocks noChangeAspect="1"/>
+          </p:cNvPicPr>
+          <p:nvPr/>
+        </p:nvPicPr>
+        <p:blipFill rotWithShape="1">
+          <a:blip r:embed="rId2"/>
+          <a:srcRect l="25294" t="16027" r="25294" b="12133"/>
+          <a:stretch/>
+        </p:blipFill>
+        <p:spPr>
+          <a:xfrm>
+            <a:off x="4807226" y="3310126"/>
+            <a:ext cx="2553693" cy="2475203"/>
+          </a:xfrm>
+          <a:prstGeom prst="rect">
+            <a:avLst/>
+          </a:prstGeom>
+        </p:spPr>
+      </p:pic>
+      <p:sp>
+        <p:nvSpPr>
+          <p:cNvPr id="7" name="Rectangle 6">
+            <a:extLst>
+              <a:ext uri="{FF2B5EF4-FFF2-40B4-BE49-F238E27FC236}">
+                <a16:creationId xmlns:a16="http://schemas.microsoft.com/office/drawing/2014/main" id="{19A7C829-C7C7-4DC3-8533-FD48A2174859}"/>
+              </a:ext>
+            </a:extLst>
+          </p:cNvPr>
+          <p:cNvSpPr/>
+          <p:nvPr/>
+        </p:nvSpPr>
+        <p:spPr>
+          <a:xfrm>
+            <a:off x="4027165" y="6483648"/>
+            <a:ext cx="4137671" cy="369332"/>
+          </a:xfrm>
+          <a:prstGeom prst="rect">
+            <a:avLst/>
+          </a:prstGeom>
+        </p:spPr>
+        <p:txBody>
+          <a:bodyPr wrap="none">
+            <a:spAutoFit/>
+          </a:bodyPr>
+          <a:lstStyle/>
+          <a:p>
+            <a:pPr algn="ctr"/>
+            <a:r>
+              <a:rPr lang="en-GB" dirty="0" err="1"/>
+              <a:t>Appuyez</a:t>
+            </a:r>
+            <a:r>
+              <a:rPr lang="en-GB" dirty="0"/>
+              <a:t> sur la </a:t>
+            </a:r>
+            <a:r>
+              <a:rPr lang="en-GB" dirty="0" err="1"/>
+              <a:t>fl</a:t>
+            </a:r>
+            <a:r>
+              <a:rPr lang="fr-FR" dirty="0"/>
+              <a:t>è</a:t>
+            </a:r>
+            <a:r>
+              <a:rPr lang="en-GB" dirty="0" err="1"/>
+              <a:t>che</a:t>
+            </a:r>
+            <a:r>
+              <a:rPr lang="en-GB" dirty="0"/>
+              <a:t> droit pour continuer</a:t>
+            </a:r>
+          </a:p>
+        </p:txBody>
+      </p:sp>
+    </p:spTree>
+    <p:extLst>
+      <p:ext uri="{BB962C8B-B14F-4D97-AF65-F5344CB8AC3E}">
+        <p14:creationId xmlns:p14="http://schemas.microsoft.com/office/powerpoint/2010/main" val="3242117861"/>
+      </p:ext>
+    </p:extLst>
+  </p:cSld>
+  <p:clrMapOvr>
+    <a:masterClrMapping/>
+  </p:clrMapOvr>
+</p:sld>
+</file>
+
+<file path=ppt/slides/slide37.xml><?xml version="1.0" encoding="utf-8"?>
+<p:sld xmlns:a="http://schemas.openxmlformats.org/drawingml/2006/main" xmlns:r="http://schemas.openxmlformats.org/officeDocument/2006/relationships" xmlns:p="http://schemas.openxmlformats.org/presentationml/2006/main">
+  <p:cSld>
+    <p:spTree>
+      <p:nvGrpSpPr>
+        <p:cNvPr id="1" name=""/>
+        <p:cNvGrpSpPr/>
+        <p:nvPr/>
+      </p:nvGrpSpPr>
+      <p:grpSpPr>
+        <a:xfrm>
+          <a:off x="0" y="0"/>
+          <a:ext cx="0" cy="0"/>
+          <a:chOff x="0" y="0"/>
+          <a:chExt cx="0" cy="0"/>
+        </a:xfrm>
+      </p:grpSpPr>
+      <p:sp>
+        <p:nvSpPr>
+          <p:cNvPr id="5" name="ZoneTexte 4"/>
+          <p:cNvSpPr txBox="1"/>
+          <p:nvPr/>
+        </p:nvSpPr>
+        <p:spPr>
+          <a:xfrm>
+            <a:off x="3878093" y="379385"/>
+            <a:ext cx="4435815" cy="461665"/>
+          </a:xfrm>
+          <a:prstGeom prst="rect">
+            <a:avLst/>
+          </a:prstGeom>
+          <a:noFill/>
+          <a:ln>
+            <a:noFill/>
+          </a:ln>
+        </p:spPr>
+        <p:txBody>
+          <a:bodyPr wrap="square" rtlCol="0" anchor="ctr">
+            <a:spAutoFit/>
+          </a:bodyPr>
+          <a:lstStyle/>
+          <a:p>
+            <a:pPr algn="ctr">
+              <a:spcBef>
+                <a:spcPts val="1800"/>
+              </a:spcBef>
+              <a:spcAft>
+                <a:spcPts val="1800"/>
+              </a:spcAft>
+            </a:pPr>
+            <a:r>
+              <a:rPr lang="en-GB" sz="2400" b="1" dirty="0">
+                <a:solidFill>
+                  <a:srgbClr val="0070C0"/>
+                </a:solidFill>
+              </a:rPr>
               <a:t>4. LA PHASE DE TEST</a:t>
             </a:r>
           </a:p>
@@ -10669,7 +13161,7 @@
 </p:sld>
 </file>
 
-<file path=ppt/slides/slide31.xml><?xml version="1.0" encoding="utf-8"?>
+<file path=ppt/slides/slide38.xml><?xml version="1.0" encoding="utf-8"?>
 <p:sld xmlns:a="http://schemas.openxmlformats.org/drawingml/2006/main" xmlns:r="http://schemas.openxmlformats.org/officeDocument/2006/relationships" xmlns:p="http://schemas.openxmlformats.org/presentationml/2006/main">
   <p:cSld>
     <p:spTree>
@@ -11042,7 +13534,7 @@
 </p:sld>
 </file>
 
-<file path=ppt/slides/slide32.xml><?xml version="1.0" encoding="utf-8"?>
+<file path=ppt/slides/slide39.xml><?xml version="1.0" encoding="utf-8"?>
 <p:sld xmlns:a="http://schemas.openxmlformats.org/drawingml/2006/main" xmlns:r="http://schemas.openxmlformats.org/officeDocument/2006/relationships" xmlns:p="http://schemas.openxmlformats.org/presentationml/2006/main">
   <p:cSld>
     <p:spTree>
@@ -11383,7 +13875,333 @@
 </p:sld>
 </file>
 
-<file path=ppt/slides/slide33.xml><?xml version="1.0" encoding="utf-8"?>
+<file path=ppt/slides/slide4.xml><?xml version="1.0" encoding="utf-8"?>
+<p:sld xmlns:a="http://schemas.openxmlformats.org/drawingml/2006/main" xmlns:r="http://schemas.openxmlformats.org/officeDocument/2006/relationships" xmlns:p="http://schemas.openxmlformats.org/presentationml/2006/main">
+  <p:cSld>
+    <p:spTree>
+      <p:nvGrpSpPr>
+        <p:cNvPr id="1" name=""/>
+        <p:cNvGrpSpPr/>
+        <p:nvPr/>
+      </p:nvGrpSpPr>
+      <p:grpSpPr>
+        <a:xfrm>
+          <a:off x="0" y="0"/>
+          <a:ext cx="0" cy="0"/>
+          <a:chOff x="0" y="0"/>
+          <a:chExt cx="0" cy="0"/>
+        </a:xfrm>
+      </p:grpSpPr>
+      <p:sp>
+        <p:nvSpPr>
+          <p:cNvPr id="5" name="ZoneTexte 4"/>
+          <p:cNvSpPr txBox="1"/>
+          <p:nvPr/>
+        </p:nvSpPr>
+        <p:spPr>
+          <a:xfrm>
+            <a:off x="3878093" y="379385"/>
+            <a:ext cx="4435815" cy="461665"/>
+          </a:xfrm>
+          <a:prstGeom prst="rect">
+            <a:avLst/>
+          </a:prstGeom>
+          <a:noFill/>
+          <a:ln>
+            <a:noFill/>
+          </a:ln>
+        </p:spPr>
+        <p:txBody>
+          <a:bodyPr wrap="square" rtlCol="0" anchor="ctr">
+            <a:spAutoFit/>
+          </a:bodyPr>
+          <a:lstStyle/>
+          <a:p>
+            <a:pPr algn="ctr">
+              <a:spcBef>
+                <a:spcPts val="1800"/>
+              </a:spcBef>
+              <a:spcAft>
+                <a:spcPts val="1800"/>
+              </a:spcAft>
+            </a:pPr>
+            <a:r>
+              <a:rPr lang="en-GB" sz="2400" b="1" dirty="0">
+                <a:solidFill>
+                  <a:srgbClr val="0070C0"/>
+                </a:solidFill>
+              </a:rPr>
+              <a:t>PRINCIPE DE L’EXPERIENCE</a:t>
+            </a:r>
+          </a:p>
+        </p:txBody>
+      </p:sp>
+      <p:sp>
+        <p:nvSpPr>
+          <p:cNvPr id="7" name="ZoneTexte 6"/>
+          <p:cNvSpPr txBox="1"/>
+          <p:nvPr/>
+        </p:nvSpPr>
+        <p:spPr>
+          <a:xfrm>
+            <a:off x="1874195" y="1137597"/>
+            <a:ext cx="8443609" cy="1646605"/>
+          </a:xfrm>
+          <a:prstGeom prst="rect">
+            <a:avLst/>
+          </a:prstGeom>
+          <a:noFill/>
+        </p:spPr>
+        <p:txBody>
+          <a:bodyPr wrap="square" rtlCol="0">
+            <a:spAutoFit/>
+          </a:bodyPr>
+          <a:lstStyle/>
+          <a:p>
+            <a:pPr algn="ctr">
+              <a:spcAft>
+                <a:spcPts val="600"/>
+              </a:spcAft>
+            </a:pPr>
+            <a:r>
+              <a:rPr lang="en-GB" sz="2400" dirty="0"/>
+              <a:t>Le but </a:t>
+            </a:r>
+            <a:r>
+              <a:rPr lang="en-GB" sz="2400" dirty="0" err="1"/>
+              <a:t>est</a:t>
+            </a:r>
+            <a:r>
+              <a:rPr lang="en-GB" sz="2400" dirty="0"/>
+              <a:t>:</a:t>
+            </a:r>
+          </a:p>
+          <a:p>
+            <a:pPr algn="ctr"/>
+            <a:r>
+              <a:rPr lang="en-GB" sz="2400" b="1" dirty="0" err="1"/>
+              <a:t>Rappelez-vous</a:t>
+            </a:r>
+            <a:r>
+              <a:rPr lang="en-GB" sz="2400" b="1" dirty="0"/>
+              <a:t> les emplacements des </a:t>
+            </a:r>
+            <a:r>
+              <a:rPr lang="en-GB" sz="2400" b="1" dirty="0" err="1"/>
+              <a:t>paires</a:t>
+            </a:r>
+            <a:r>
+              <a:rPr lang="en-GB" sz="2400" b="1" dirty="0"/>
+              <a:t> de </a:t>
+            </a:r>
+            <a:r>
+              <a:rPr lang="en-GB" sz="2400" b="1" dirty="0" err="1"/>
+              <a:t>nombres</a:t>
+            </a:r>
+            <a:r>
+              <a:rPr lang="en-GB" sz="2400" b="1" dirty="0"/>
+              <a:t> sur la grille</a:t>
+            </a:r>
+          </a:p>
+          <a:p>
+            <a:pPr algn="ctr"/>
+            <a:r>
+              <a:rPr lang="en-GB" sz="2400" dirty="0"/>
+              <a:t>Les </a:t>
+            </a:r>
+            <a:r>
+              <a:rPr lang="en-GB" sz="2400" dirty="0" err="1"/>
+              <a:t>paires</a:t>
+            </a:r>
+            <a:r>
+              <a:rPr lang="en-GB" sz="2400" dirty="0"/>
+              <a:t> de </a:t>
+            </a:r>
+            <a:r>
+              <a:rPr lang="en-GB" sz="2400" dirty="0" err="1"/>
+              <a:t>nombres</a:t>
+            </a:r>
+            <a:r>
+              <a:rPr lang="en-GB" sz="2400" dirty="0"/>
+              <a:t> </a:t>
+            </a:r>
+            <a:r>
+              <a:rPr lang="en-GB" sz="2400" dirty="0" err="1"/>
+              <a:t>apparaîtront</a:t>
+            </a:r>
+            <a:r>
+              <a:rPr lang="en-GB" sz="2400" dirty="0"/>
+              <a:t> </a:t>
+            </a:r>
+            <a:r>
+              <a:rPr lang="en-GB" sz="2400" dirty="0" err="1"/>
+              <a:t>comme</a:t>
+            </a:r>
+            <a:r>
+              <a:rPr lang="en-GB" sz="2400" dirty="0"/>
+              <a:t> </a:t>
+            </a:r>
+            <a:r>
+              <a:rPr lang="en-GB" sz="2400" dirty="0" err="1"/>
+              <a:t>dessous</a:t>
+            </a:r>
+            <a:r>
+              <a:rPr lang="en-GB" sz="2400" dirty="0"/>
+              <a:t>:</a:t>
+            </a:r>
+          </a:p>
+        </p:txBody>
+      </p:sp>
+      <p:sp>
+        <p:nvSpPr>
+          <p:cNvPr id="9" name="Rectangle 8"/>
+          <p:cNvSpPr/>
+          <p:nvPr/>
+        </p:nvSpPr>
+        <p:spPr>
+          <a:xfrm>
+            <a:off x="3554499" y="3080749"/>
+            <a:ext cx="5083002" cy="3026364"/>
+          </a:xfrm>
+          <a:prstGeom prst="rect">
+            <a:avLst/>
+          </a:prstGeom>
+          <a:noFill/>
+          <a:ln w="76200">
+            <a:solidFill>
+              <a:schemeClr val="bg1">
+                <a:lumMod val="65000"/>
+              </a:schemeClr>
+            </a:solidFill>
+          </a:ln>
+        </p:spPr>
+        <p:style>
+          <a:lnRef idx="2">
+            <a:schemeClr val="accent1">
+              <a:shade val="50000"/>
+            </a:schemeClr>
+          </a:lnRef>
+          <a:fillRef idx="1">
+            <a:schemeClr val="accent1"/>
+          </a:fillRef>
+          <a:effectRef idx="0">
+            <a:schemeClr val="accent1"/>
+          </a:effectRef>
+          <a:fontRef idx="minor">
+            <a:schemeClr val="lt1"/>
+          </a:fontRef>
+        </p:style>
+        <p:txBody>
+          <a:bodyPr rtlCol="0" anchor="ctr"/>
+          <a:lstStyle/>
+          <a:p>
+            <a:pPr algn="ctr"/>
+            <a:endParaRPr lang="en-GB">
+              <a:solidFill>
+                <a:schemeClr val="tx1"/>
+              </a:solidFill>
+            </a:endParaRPr>
+          </a:p>
+        </p:txBody>
+      </p:sp>
+      <p:pic>
+        <p:nvPicPr>
+          <p:cNvPr id="3" name="Picture 2">
+            <a:extLst>
+              <a:ext uri="{FF2B5EF4-FFF2-40B4-BE49-F238E27FC236}">
+                <a16:creationId xmlns:a16="http://schemas.microsoft.com/office/drawing/2014/main" id="{29E43C80-B2F8-4F8A-A6F9-784BCA9F1D5D}"/>
+              </a:ext>
+            </a:extLst>
+          </p:cNvPr>
+          <p:cNvPicPr>
+            <a:picLocks noChangeAspect="1"/>
+          </p:cNvPicPr>
+          <p:nvPr/>
+        </p:nvPicPr>
+        <p:blipFill rotWithShape="1">
+          <a:blip r:embed="rId2"/>
+          <a:srcRect l="22192" t="10460" r="22213" b="5868"/>
+          <a:stretch/>
+        </p:blipFill>
+        <p:spPr>
+          <a:xfrm>
+            <a:off x="4859273" y="3291839"/>
+            <a:ext cx="2473453" cy="2489729"/>
+          </a:xfrm>
+          <a:prstGeom prst="rect">
+            <a:avLst/>
+          </a:prstGeom>
+        </p:spPr>
+      </p:pic>
+      <p:sp>
+        <p:nvSpPr>
+          <p:cNvPr id="10" name="Rectangle 9">
+            <a:extLst>
+              <a:ext uri="{FF2B5EF4-FFF2-40B4-BE49-F238E27FC236}">
+                <a16:creationId xmlns:a16="http://schemas.microsoft.com/office/drawing/2014/main" id="{0E7E6996-3F2B-4A1A-9E33-0B9F184DC5DA}"/>
+              </a:ext>
+            </a:extLst>
+          </p:cNvPr>
+          <p:cNvSpPr/>
+          <p:nvPr/>
+        </p:nvSpPr>
+        <p:spPr>
+          <a:xfrm>
+            <a:off x="4027165" y="6483648"/>
+            <a:ext cx="4137671" cy="369332"/>
+          </a:xfrm>
+          <a:prstGeom prst="rect">
+            <a:avLst/>
+          </a:prstGeom>
+        </p:spPr>
+        <p:txBody>
+          <a:bodyPr wrap="none">
+            <a:spAutoFit/>
+          </a:bodyPr>
+          <a:lstStyle/>
+          <a:p>
+            <a:pPr algn="ctr"/>
+            <a:r>
+              <a:rPr lang="en-GB" dirty="0" err="1"/>
+              <a:t>Appuyez</a:t>
+            </a:r>
+            <a:r>
+              <a:rPr lang="en-GB" dirty="0"/>
+              <a:t> sur la </a:t>
+            </a:r>
+            <a:r>
+              <a:rPr lang="en-GB" dirty="0" err="1"/>
+              <a:t>fl</a:t>
+            </a:r>
+            <a:r>
+              <a:rPr lang="fr-FR" dirty="0"/>
+              <a:t>è</a:t>
+            </a:r>
+            <a:r>
+              <a:rPr lang="en-GB" dirty="0" err="1"/>
+              <a:t>che</a:t>
+            </a:r>
+            <a:r>
+              <a:rPr lang="en-GB" dirty="0"/>
+              <a:t> droit pour continuer</a:t>
+            </a:r>
+          </a:p>
+        </p:txBody>
+      </p:sp>
+    </p:spTree>
+    <p:extLst>
+      <p:ext uri="{BB962C8B-B14F-4D97-AF65-F5344CB8AC3E}">
+        <p14:creationId xmlns:p14="http://schemas.microsoft.com/office/powerpoint/2010/main" val="1917199260"/>
+      </p:ext>
+    </p:extLst>
+  </p:cSld>
+  <p:clrMapOvr>
+    <a:masterClrMapping/>
+  </p:clrMapOvr>
+</p:sld>
+</file>
+
+<file path=ppt/slides/slide40.xml><?xml version="1.0" encoding="utf-8"?>
 <p:sld xmlns:a="http://schemas.openxmlformats.org/drawingml/2006/main" xmlns:r="http://schemas.openxmlformats.org/officeDocument/2006/relationships" xmlns:p="http://schemas.openxmlformats.org/presentationml/2006/main">
   <p:cSld>
     <p:spTree>
@@ -11800,7 +14618,7 @@
 </p:sld>
 </file>
 
-<file path=ppt/slides/slide34.xml><?xml version="1.0" encoding="utf-8"?>
+<file path=ppt/slides/slide41.xml><?xml version="1.0" encoding="utf-8"?>
 <p:sld xmlns:a="http://schemas.openxmlformats.org/drawingml/2006/main" xmlns:r="http://schemas.openxmlformats.org/officeDocument/2006/relationships" xmlns:p="http://schemas.openxmlformats.org/presentationml/2006/main">
   <p:cSld>
     <p:spTree>
@@ -12154,7 +14972,7 @@
 </p:sld>
 </file>
 
-<file path=ppt/slides/slide35.xml><?xml version="1.0" encoding="utf-8"?>
+<file path=ppt/slides/slide42.xml><?xml version="1.0" encoding="utf-8"?>
 <p:sld xmlns:a="http://schemas.openxmlformats.org/drawingml/2006/main" xmlns:r="http://schemas.openxmlformats.org/officeDocument/2006/relationships" xmlns:p="http://schemas.openxmlformats.org/presentationml/2006/main">
   <p:cSld>
     <p:spTree>
@@ -12500,7 +15318,7 @@
 </p:sld>
 </file>
 
-<file path=ppt/slides/slide36.xml><?xml version="1.0" encoding="utf-8"?>
+<file path=ppt/slides/slide43.xml><?xml version="1.0" encoding="utf-8"?>
 <p:sld xmlns:a="http://schemas.openxmlformats.org/drawingml/2006/main" xmlns:r="http://schemas.openxmlformats.org/officeDocument/2006/relationships" xmlns:p="http://schemas.openxmlformats.org/presentationml/2006/main">
   <p:cSld>
     <p:spTree>
@@ -12829,7 +15647,7 @@
 </p:sld>
 </file>
 
-<file path=ppt/slides/slide37.xml><?xml version="1.0" encoding="utf-8"?>
+<file path=ppt/slides/slide44.xml><?xml version="1.0" encoding="utf-8"?>
 <p:sld xmlns:a="http://schemas.openxmlformats.org/drawingml/2006/main" xmlns:r="http://schemas.openxmlformats.org/officeDocument/2006/relationships" xmlns:p="http://schemas.openxmlformats.org/presentationml/2006/main">
   <p:cSld>
     <p:spTree>
@@ -13230,7 +16048,7 @@
 </p:sld>
 </file>
 
-<file path=ppt/slides/slide38.xml><?xml version="1.0" encoding="utf-8"?>
+<file path=ppt/slides/slide45.xml><?xml version="1.0" encoding="utf-8"?>
 <p:sld xmlns:a="http://schemas.openxmlformats.org/drawingml/2006/main" xmlns:r="http://schemas.openxmlformats.org/officeDocument/2006/relationships" xmlns:p="http://schemas.openxmlformats.org/presentationml/2006/main">
   <p:cSld>
     <p:spTree>
@@ -13526,332 +16344,6 @@
     <p:extLst>
       <p:ext uri="{BB962C8B-B14F-4D97-AF65-F5344CB8AC3E}">
         <p14:creationId xmlns:p14="http://schemas.microsoft.com/office/powerpoint/2010/main" val="2686243724"/>
-      </p:ext>
-    </p:extLst>
-  </p:cSld>
-  <p:clrMapOvr>
-    <a:masterClrMapping/>
-  </p:clrMapOvr>
-</p:sld>
-</file>
-
-<file path=ppt/slides/slide4.xml><?xml version="1.0" encoding="utf-8"?>
-<p:sld xmlns:a="http://schemas.openxmlformats.org/drawingml/2006/main" xmlns:r="http://schemas.openxmlformats.org/officeDocument/2006/relationships" xmlns:p="http://schemas.openxmlformats.org/presentationml/2006/main">
-  <p:cSld>
-    <p:spTree>
-      <p:nvGrpSpPr>
-        <p:cNvPr id="1" name=""/>
-        <p:cNvGrpSpPr/>
-        <p:nvPr/>
-      </p:nvGrpSpPr>
-      <p:grpSpPr>
-        <a:xfrm>
-          <a:off x="0" y="0"/>
-          <a:ext cx="0" cy="0"/>
-          <a:chOff x="0" y="0"/>
-          <a:chExt cx="0" cy="0"/>
-        </a:xfrm>
-      </p:grpSpPr>
-      <p:sp>
-        <p:nvSpPr>
-          <p:cNvPr id="5" name="ZoneTexte 4"/>
-          <p:cNvSpPr txBox="1"/>
-          <p:nvPr/>
-        </p:nvSpPr>
-        <p:spPr>
-          <a:xfrm>
-            <a:off x="3878093" y="379385"/>
-            <a:ext cx="4435815" cy="461665"/>
-          </a:xfrm>
-          <a:prstGeom prst="rect">
-            <a:avLst/>
-          </a:prstGeom>
-          <a:noFill/>
-          <a:ln>
-            <a:noFill/>
-          </a:ln>
-        </p:spPr>
-        <p:txBody>
-          <a:bodyPr wrap="square" rtlCol="0" anchor="ctr">
-            <a:spAutoFit/>
-          </a:bodyPr>
-          <a:lstStyle/>
-          <a:p>
-            <a:pPr algn="ctr">
-              <a:spcBef>
-                <a:spcPts val="1800"/>
-              </a:spcBef>
-              <a:spcAft>
-                <a:spcPts val="1800"/>
-              </a:spcAft>
-            </a:pPr>
-            <a:r>
-              <a:rPr lang="en-GB" sz="2400" b="1" dirty="0">
-                <a:solidFill>
-                  <a:srgbClr val="0070C0"/>
-                </a:solidFill>
-              </a:rPr>
-              <a:t>PRINCIPE DE L’EXPERIENCE</a:t>
-            </a:r>
-          </a:p>
-        </p:txBody>
-      </p:sp>
-      <p:sp>
-        <p:nvSpPr>
-          <p:cNvPr id="7" name="ZoneTexte 6"/>
-          <p:cNvSpPr txBox="1"/>
-          <p:nvPr/>
-        </p:nvSpPr>
-        <p:spPr>
-          <a:xfrm>
-            <a:off x="1874195" y="1137597"/>
-            <a:ext cx="8443609" cy="1646605"/>
-          </a:xfrm>
-          <a:prstGeom prst="rect">
-            <a:avLst/>
-          </a:prstGeom>
-          <a:noFill/>
-        </p:spPr>
-        <p:txBody>
-          <a:bodyPr wrap="square" rtlCol="0">
-            <a:spAutoFit/>
-          </a:bodyPr>
-          <a:lstStyle/>
-          <a:p>
-            <a:pPr algn="ctr">
-              <a:spcAft>
-                <a:spcPts val="600"/>
-              </a:spcAft>
-            </a:pPr>
-            <a:r>
-              <a:rPr lang="en-GB" sz="2400" dirty="0"/>
-              <a:t>Le but </a:t>
-            </a:r>
-            <a:r>
-              <a:rPr lang="en-GB" sz="2400" dirty="0" err="1"/>
-              <a:t>est</a:t>
-            </a:r>
-            <a:r>
-              <a:rPr lang="en-GB" sz="2400" dirty="0"/>
-              <a:t>:</a:t>
-            </a:r>
-          </a:p>
-          <a:p>
-            <a:pPr algn="ctr"/>
-            <a:r>
-              <a:rPr lang="en-GB" sz="2400" b="1" dirty="0" err="1"/>
-              <a:t>Rappelez-vous</a:t>
-            </a:r>
-            <a:r>
-              <a:rPr lang="en-GB" sz="2400" b="1" dirty="0"/>
-              <a:t> les emplacements des </a:t>
-            </a:r>
-            <a:r>
-              <a:rPr lang="en-GB" sz="2400" b="1" dirty="0" err="1"/>
-              <a:t>paires</a:t>
-            </a:r>
-            <a:r>
-              <a:rPr lang="en-GB" sz="2400" b="1" dirty="0"/>
-              <a:t> de </a:t>
-            </a:r>
-            <a:r>
-              <a:rPr lang="en-GB" sz="2400" b="1" dirty="0" err="1"/>
-              <a:t>nombres</a:t>
-            </a:r>
-            <a:r>
-              <a:rPr lang="en-GB" sz="2400" b="1" dirty="0"/>
-              <a:t> sur la grille</a:t>
-            </a:r>
-          </a:p>
-          <a:p>
-            <a:pPr algn="ctr"/>
-            <a:r>
-              <a:rPr lang="en-GB" sz="2400" dirty="0"/>
-              <a:t>Les </a:t>
-            </a:r>
-            <a:r>
-              <a:rPr lang="en-GB" sz="2400" dirty="0" err="1"/>
-              <a:t>paires</a:t>
-            </a:r>
-            <a:r>
-              <a:rPr lang="en-GB" sz="2400" dirty="0"/>
-              <a:t> de </a:t>
-            </a:r>
-            <a:r>
-              <a:rPr lang="en-GB" sz="2400" dirty="0" err="1"/>
-              <a:t>nombres</a:t>
-            </a:r>
-            <a:r>
-              <a:rPr lang="en-GB" sz="2400" dirty="0"/>
-              <a:t> </a:t>
-            </a:r>
-            <a:r>
-              <a:rPr lang="en-GB" sz="2400" dirty="0" err="1"/>
-              <a:t>apparaîtront</a:t>
-            </a:r>
-            <a:r>
-              <a:rPr lang="en-GB" sz="2400" dirty="0"/>
-              <a:t> </a:t>
-            </a:r>
-            <a:r>
-              <a:rPr lang="en-GB" sz="2400" dirty="0" err="1"/>
-              <a:t>comme</a:t>
-            </a:r>
-            <a:r>
-              <a:rPr lang="en-GB" sz="2400" dirty="0"/>
-              <a:t> </a:t>
-            </a:r>
-            <a:r>
-              <a:rPr lang="en-GB" sz="2400" dirty="0" err="1"/>
-              <a:t>dessous</a:t>
-            </a:r>
-            <a:r>
-              <a:rPr lang="en-GB" sz="2400" dirty="0"/>
-              <a:t>:</a:t>
-            </a:r>
-          </a:p>
-        </p:txBody>
-      </p:sp>
-      <p:sp>
-        <p:nvSpPr>
-          <p:cNvPr id="9" name="Rectangle 8"/>
-          <p:cNvSpPr/>
-          <p:nvPr/>
-        </p:nvSpPr>
-        <p:spPr>
-          <a:xfrm>
-            <a:off x="3554499" y="3080749"/>
-            <a:ext cx="5083002" cy="3026364"/>
-          </a:xfrm>
-          <a:prstGeom prst="rect">
-            <a:avLst/>
-          </a:prstGeom>
-          <a:noFill/>
-          <a:ln w="76200">
-            <a:solidFill>
-              <a:schemeClr val="bg1">
-                <a:lumMod val="65000"/>
-              </a:schemeClr>
-            </a:solidFill>
-          </a:ln>
-        </p:spPr>
-        <p:style>
-          <a:lnRef idx="2">
-            <a:schemeClr val="accent1">
-              <a:shade val="50000"/>
-            </a:schemeClr>
-          </a:lnRef>
-          <a:fillRef idx="1">
-            <a:schemeClr val="accent1"/>
-          </a:fillRef>
-          <a:effectRef idx="0">
-            <a:schemeClr val="accent1"/>
-          </a:effectRef>
-          <a:fontRef idx="minor">
-            <a:schemeClr val="lt1"/>
-          </a:fontRef>
-        </p:style>
-        <p:txBody>
-          <a:bodyPr rtlCol="0" anchor="ctr"/>
-          <a:lstStyle/>
-          <a:p>
-            <a:pPr algn="ctr"/>
-            <a:endParaRPr lang="en-GB">
-              <a:solidFill>
-                <a:schemeClr val="tx1"/>
-              </a:solidFill>
-            </a:endParaRPr>
-          </a:p>
-        </p:txBody>
-      </p:sp>
-      <p:pic>
-        <p:nvPicPr>
-          <p:cNvPr id="3" name="Picture 2">
-            <a:extLst>
-              <a:ext uri="{FF2B5EF4-FFF2-40B4-BE49-F238E27FC236}">
-                <a16:creationId xmlns:a16="http://schemas.microsoft.com/office/drawing/2014/main" id="{29E43C80-B2F8-4F8A-A6F9-784BCA9F1D5D}"/>
-              </a:ext>
-            </a:extLst>
-          </p:cNvPr>
-          <p:cNvPicPr>
-            <a:picLocks noChangeAspect="1"/>
-          </p:cNvPicPr>
-          <p:nvPr/>
-        </p:nvPicPr>
-        <p:blipFill rotWithShape="1">
-          <a:blip r:embed="rId2"/>
-          <a:srcRect l="22192" t="10460" r="22213" b="5868"/>
-          <a:stretch/>
-        </p:blipFill>
-        <p:spPr>
-          <a:xfrm>
-            <a:off x="4859273" y="3291839"/>
-            <a:ext cx="2473453" cy="2489729"/>
-          </a:xfrm>
-          <a:prstGeom prst="rect">
-            <a:avLst/>
-          </a:prstGeom>
-        </p:spPr>
-      </p:pic>
-      <p:sp>
-        <p:nvSpPr>
-          <p:cNvPr id="10" name="Rectangle 9">
-            <a:extLst>
-              <a:ext uri="{FF2B5EF4-FFF2-40B4-BE49-F238E27FC236}">
-                <a16:creationId xmlns:a16="http://schemas.microsoft.com/office/drawing/2014/main" id="{0E7E6996-3F2B-4A1A-9E33-0B9F184DC5DA}"/>
-              </a:ext>
-            </a:extLst>
-          </p:cNvPr>
-          <p:cNvSpPr/>
-          <p:nvPr/>
-        </p:nvSpPr>
-        <p:spPr>
-          <a:xfrm>
-            <a:off x="4027165" y="6483648"/>
-            <a:ext cx="4137671" cy="369332"/>
-          </a:xfrm>
-          <a:prstGeom prst="rect">
-            <a:avLst/>
-          </a:prstGeom>
-        </p:spPr>
-        <p:txBody>
-          <a:bodyPr wrap="none">
-            <a:spAutoFit/>
-          </a:bodyPr>
-          <a:lstStyle/>
-          <a:p>
-            <a:pPr algn="ctr"/>
-            <a:r>
-              <a:rPr lang="en-GB" dirty="0" err="1"/>
-              <a:t>Appuyez</a:t>
-            </a:r>
-            <a:r>
-              <a:rPr lang="en-GB" dirty="0"/>
-              <a:t> sur la </a:t>
-            </a:r>
-            <a:r>
-              <a:rPr lang="en-GB" dirty="0" err="1"/>
-              <a:t>fl</a:t>
-            </a:r>
-            <a:r>
-              <a:rPr lang="fr-FR" dirty="0"/>
-              <a:t>è</a:t>
-            </a:r>
-            <a:r>
-              <a:rPr lang="en-GB" dirty="0" err="1"/>
-              <a:t>che</a:t>
-            </a:r>
-            <a:r>
-              <a:rPr lang="en-GB" dirty="0"/>
-              <a:t> droit pour continuer</a:t>
-            </a:r>
-          </a:p>
-        </p:txBody>
-      </p:sp>
-    </p:spTree>
-    <p:extLst>
-      <p:ext uri="{BB962C8B-B14F-4D97-AF65-F5344CB8AC3E}">
-        <p14:creationId xmlns:p14="http://schemas.microsoft.com/office/powerpoint/2010/main" val="1917199260"/>
       </p:ext>
     </p:extLst>
   </p:cSld>

--- a/src/Self_Efficacy/Stimuli/Instructions.pptx
+++ b/src/Self_Efficacy/Stimuli/Instructions.pptx
@@ -287,7 +287,7 @@
           <a:p>
             <a:fld id="{1C2A38D2-D57A-4E64-B95F-0826012D069A}" type="datetimeFigureOut">
               <a:rPr lang="en-GB" smtClean="0"/>
-              <a:t>10/05/2020</a:t>
+              <a:t>11/05/2020</a:t>
             </a:fld>
             <a:endParaRPr lang="en-GB" dirty="0"/>
           </a:p>
@@ -457,7 +457,7 @@
           <a:p>
             <a:fld id="{1C2A38D2-D57A-4E64-B95F-0826012D069A}" type="datetimeFigureOut">
               <a:rPr lang="en-GB" smtClean="0"/>
-              <a:t>10/05/2020</a:t>
+              <a:t>11/05/2020</a:t>
             </a:fld>
             <a:endParaRPr lang="en-GB" dirty="0"/>
           </a:p>
@@ -637,7 +637,7 @@
           <a:p>
             <a:fld id="{1C2A38D2-D57A-4E64-B95F-0826012D069A}" type="datetimeFigureOut">
               <a:rPr lang="en-GB" smtClean="0"/>
-              <a:t>10/05/2020</a:t>
+              <a:t>11/05/2020</a:t>
             </a:fld>
             <a:endParaRPr lang="en-GB" dirty="0"/>
           </a:p>
@@ -807,7 +807,7 @@
           <a:p>
             <a:fld id="{1C2A38D2-D57A-4E64-B95F-0826012D069A}" type="datetimeFigureOut">
               <a:rPr lang="en-GB" smtClean="0"/>
-              <a:t>10/05/2020</a:t>
+              <a:t>11/05/2020</a:t>
             </a:fld>
             <a:endParaRPr lang="en-GB" dirty="0"/>
           </a:p>
@@ -1053,7 +1053,7 @@
           <a:p>
             <a:fld id="{1C2A38D2-D57A-4E64-B95F-0826012D069A}" type="datetimeFigureOut">
               <a:rPr lang="en-GB" smtClean="0"/>
-              <a:t>10/05/2020</a:t>
+              <a:t>11/05/2020</a:t>
             </a:fld>
             <a:endParaRPr lang="en-GB" dirty="0"/>
           </a:p>
@@ -1285,7 +1285,7 @@
           <a:p>
             <a:fld id="{1C2A38D2-D57A-4E64-B95F-0826012D069A}" type="datetimeFigureOut">
               <a:rPr lang="en-GB" smtClean="0"/>
-              <a:t>10/05/2020</a:t>
+              <a:t>11/05/2020</a:t>
             </a:fld>
             <a:endParaRPr lang="en-GB" dirty="0"/>
           </a:p>
@@ -1652,7 +1652,7 @@
           <a:p>
             <a:fld id="{1C2A38D2-D57A-4E64-B95F-0826012D069A}" type="datetimeFigureOut">
               <a:rPr lang="en-GB" smtClean="0"/>
-              <a:t>10/05/2020</a:t>
+              <a:t>11/05/2020</a:t>
             </a:fld>
             <a:endParaRPr lang="en-GB" dirty="0"/>
           </a:p>
@@ -1770,7 +1770,7 @@
           <a:p>
             <a:fld id="{1C2A38D2-D57A-4E64-B95F-0826012D069A}" type="datetimeFigureOut">
               <a:rPr lang="en-GB" smtClean="0"/>
-              <a:t>10/05/2020</a:t>
+              <a:t>11/05/2020</a:t>
             </a:fld>
             <a:endParaRPr lang="en-GB" dirty="0"/>
           </a:p>
@@ -1865,7 +1865,7 @@
           <a:p>
             <a:fld id="{1C2A38D2-D57A-4E64-B95F-0826012D069A}" type="datetimeFigureOut">
               <a:rPr lang="en-GB" smtClean="0"/>
-              <a:t>10/05/2020</a:t>
+              <a:t>11/05/2020</a:t>
             </a:fld>
             <a:endParaRPr lang="en-GB" dirty="0"/>
           </a:p>
@@ -2142,7 +2142,7 @@
           <a:p>
             <a:fld id="{1C2A38D2-D57A-4E64-B95F-0826012D069A}" type="datetimeFigureOut">
               <a:rPr lang="en-GB" smtClean="0"/>
-              <a:t>10/05/2020</a:t>
+              <a:t>11/05/2020</a:t>
             </a:fld>
             <a:endParaRPr lang="en-GB" dirty="0"/>
           </a:p>
@@ -2395,7 +2395,7 @@
           <a:p>
             <a:fld id="{1C2A38D2-D57A-4E64-B95F-0826012D069A}" type="datetimeFigureOut">
               <a:rPr lang="en-GB" smtClean="0"/>
-              <a:t>10/05/2020</a:t>
+              <a:t>11/05/2020</a:t>
             </a:fld>
             <a:endParaRPr lang="en-GB" dirty="0"/>
           </a:p>
@@ -2608,7 +2608,7 @@
           <a:p>
             <a:fld id="{1C2A38D2-D57A-4E64-B95F-0826012D069A}" type="datetimeFigureOut">
               <a:rPr lang="en-GB" smtClean="0"/>
-              <a:t>10/05/2020</a:t>
+              <a:t>11/05/2020</a:t>
             </a:fld>
             <a:endParaRPr lang="en-GB" dirty="0"/>
           </a:p>
@@ -8029,7 +8029,15 @@
             </a:r>
             <a:r>
               <a:rPr lang="fr-FR" sz="2400" b="1" dirty="0"/>
-              <a:t>qu’il pense pouvoir atteindre le score cible avec 8 OU  9 OU 10 OU 11 présentations </a:t>
+              <a:t>qu’il pense pouvoir atteindre le score cible avec 8 </a:t>
+            </a:r>
+            <a:r>
+              <a:rPr lang="fr-FR" sz="2400" b="1"/>
+              <a:t>OU 9 </a:t>
+            </a:r>
+            <a:r>
+              <a:rPr lang="fr-FR" sz="2400" b="1" dirty="0"/>
+              <a:t>OU 10 OU 11 présentations </a:t>
             </a:r>
             <a:r>
               <a:rPr lang="fr-FR" sz="2400" dirty="0"/>

--- a/src/Self_Efficacy/Stimuli/Instructions.pptx
+++ b/src/Self_Efficacy/Stimuli/Instructions.pptx
@@ -287,7 +287,7 @@
           <a:p>
             <a:fld id="{1C2A38D2-D57A-4E64-B95F-0826012D069A}" type="datetimeFigureOut">
               <a:rPr lang="en-GB" smtClean="0"/>
-              <a:t>11/05/2020</a:t>
+              <a:t>29/05/2020</a:t>
             </a:fld>
             <a:endParaRPr lang="en-GB" dirty="0"/>
           </a:p>
@@ -457,7 +457,7 @@
           <a:p>
             <a:fld id="{1C2A38D2-D57A-4E64-B95F-0826012D069A}" type="datetimeFigureOut">
               <a:rPr lang="en-GB" smtClean="0"/>
-              <a:t>11/05/2020</a:t>
+              <a:t>29/05/2020</a:t>
             </a:fld>
             <a:endParaRPr lang="en-GB" dirty="0"/>
           </a:p>
@@ -637,7 +637,7 @@
           <a:p>
             <a:fld id="{1C2A38D2-D57A-4E64-B95F-0826012D069A}" type="datetimeFigureOut">
               <a:rPr lang="en-GB" smtClean="0"/>
-              <a:t>11/05/2020</a:t>
+              <a:t>29/05/2020</a:t>
             </a:fld>
             <a:endParaRPr lang="en-GB" dirty="0"/>
           </a:p>
@@ -807,7 +807,7 @@
           <a:p>
             <a:fld id="{1C2A38D2-D57A-4E64-B95F-0826012D069A}" type="datetimeFigureOut">
               <a:rPr lang="en-GB" smtClean="0"/>
-              <a:t>11/05/2020</a:t>
+              <a:t>29/05/2020</a:t>
             </a:fld>
             <a:endParaRPr lang="en-GB" dirty="0"/>
           </a:p>
@@ -1053,7 +1053,7 @@
           <a:p>
             <a:fld id="{1C2A38D2-D57A-4E64-B95F-0826012D069A}" type="datetimeFigureOut">
               <a:rPr lang="en-GB" smtClean="0"/>
-              <a:t>11/05/2020</a:t>
+              <a:t>29/05/2020</a:t>
             </a:fld>
             <a:endParaRPr lang="en-GB" dirty="0"/>
           </a:p>
@@ -1285,7 +1285,7 @@
           <a:p>
             <a:fld id="{1C2A38D2-D57A-4E64-B95F-0826012D069A}" type="datetimeFigureOut">
               <a:rPr lang="en-GB" smtClean="0"/>
-              <a:t>11/05/2020</a:t>
+              <a:t>29/05/2020</a:t>
             </a:fld>
             <a:endParaRPr lang="en-GB" dirty="0"/>
           </a:p>
@@ -1652,7 +1652,7 @@
           <a:p>
             <a:fld id="{1C2A38D2-D57A-4E64-B95F-0826012D069A}" type="datetimeFigureOut">
               <a:rPr lang="en-GB" smtClean="0"/>
-              <a:t>11/05/2020</a:t>
+              <a:t>29/05/2020</a:t>
             </a:fld>
             <a:endParaRPr lang="en-GB" dirty="0"/>
           </a:p>
@@ -1770,7 +1770,7 @@
           <a:p>
             <a:fld id="{1C2A38D2-D57A-4E64-B95F-0826012D069A}" type="datetimeFigureOut">
               <a:rPr lang="en-GB" smtClean="0"/>
-              <a:t>11/05/2020</a:t>
+              <a:t>29/05/2020</a:t>
             </a:fld>
             <a:endParaRPr lang="en-GB" dirty="0"/>
           </a:p>
@@ -1865,7 +1865,7 @@
           <a:p>
             <a:fld id="{1C2A38D2-D57A-4E64-B95F-0826012D069A}" type="datetimeFigureOut">
               <a:rPr lang="en-GB" smtClean="0"/>
-              <a:t>11/05/2020</a:t>
+              <a:t>29/05/2020</a:t>
             </a:fld>
             <a:endParaRPr lang="en-GB" dirty="0"/>
           </a:p>
@@ -2142,7 +2142,7 @@
           <a:p>
             <a:fld id="{1C2A38D2-D57A-4E64-B95F-0826012D069A}" type="datetimeFigureOut">
               <a:rPr lang="en-GB" smtClean="0"/>
-              <a:t>11/05/2020</a:t>
+              <a:t>29/05/2020</a:t>
             </a:fld>
             <a:endParaRPr lang="en-GB" dirty="0"/>
           </a:p>
@@ -2395,7 +2395,7 @@
           <a:p>
             <a:fld id="{1C2A38D2-D57A-4E64-B95F-0826012D069A}" type="datetimeFigureOut">
               <a:rPr lang="en-GB" smtClean="0"/>
-              <a:t>11/05/2020</a:t>
+              <a:t>29/05/2020</a:t>
             </a:fld>
             <a:endParaRPr lang="en-GB" dirty="0"/>
           </a:p>
@@ -2608,7 +2608,7 @@
           <a:p>
             <a:fld id="{1C2A38D2-D57A-4E64-B95F-0826012D069A}" type="datetimeFigureOut">
               <a:rPr lang="en-GB" smtClean="0"/>
-              <a:t>11/05/2020</a:t>
+              <a:t>29/05/2020</a:t>
             </a:fld>
             <a:endParaRPr lang="en-GB" dirty="0"/>
           </a:p>
@@ -3086,8 +3086,13 @@
             </a:r>
             <a:r>
               <a:rPr lang="en-GB" sz="2400" dirty="0"/>
-              <a:t> experience</a:t>
-            </a:r>
+              <a:t> </a:t>
+            </a:r>
+            <a:r>
+              <a:rPr lang="en-GB" sz="2400" dirty="0" err="1"/>
+              <a:t>expérience</a:t>
+            </a:r>
+            <a:endParaRPr lang="en-GB" sz="2400" dirty="0"/>
           </a:p>
           <a:p>
             <a:pPr algn="ctr"/>
@@ -3105,23 +3110,7 @@
             <a:pPr algn="ctr"/>
             <a:r>
               <a:rPr lang="en-GB" sz="2400" dirty="0"/>
-              <a:t>Avant de commencer, </a:t>
-            </a:r>
-            <a:r>
-              <a:rPr lang="en-GB" sz="2400" dirty="0" err="1"/>
-              <a:t>merci</a:t>
-            </a:r>
-            <a:r>
-              <a:rPr lang="en-GB" sz="2400" dirty="0"/>
-              <a:t> de </a:t>
-            </a:r>
-            <a:r>
-              <a:rPr lang="en-GB" sz="2400" dirty="0" err="1"/>
-              <a:t>bien</a:t>
-            </a:r>
-            <a:r>
-              <a:rPr lang="en-GB" sz="2400" dirty="0"/>
-              <a:t> </a:t>
+              <a:t>Avant de commencer, merci de bien </a:t>
             </a:r>
             <a:r>
               <a:rPr lang="en-GB" sz="2400" dirty="0" err="1"/>
@@ -3145,7 +3134,15 @@
             </a:r>
             <a:r>
               <a:rPr lang="en-GB" sz="2400" dirty="0"/>
-              <a:t> telephone portable</a:t>
+              <a:t> </a:t>
+            </a:r>
+            <a:r>
+              <a:rPr lang="en-GB" sz="2400" dirty="0" err="1"/>
+              <a:t>téléphone</a:t>
+            </a:r>
+            <a:r>
+              <a:rPr lang="en-GB" sz="2400" dirty="0"/>
+              <a:t> portable</a:t>
             </a:r>
             <a:endParaRPr lang="en-GB" sz="1600" dirty="0"/>
           </a:p>
@@ -3153,10 +3150,10 @@
       </p:sp>
       <p:sp>
         <p:nvSpPr>
-          <p:cNvPr id="4" name="Rectangle 3">
+          <p:cNvPr id="5" name="Rectangle 4">
             <a:extLst>
               <a:ext uri="{FF2B5EF4-FFF2-40B4-BE49-F238E27FC236}">
-                <a16:creationId xmlns:a16="http://schemas.microsoft.com/office/drawing/2014/main" id="{B833C301-3903-454E-9541-FE80E44520E9}"/>
+                <a16:creationId xmlns:a16="http://schemas.microsoft.com/office/drawing/2014/main" id="{377DC1F5-A4F9-4C9B-92D0-EF5626A052D2}"/>
               </a:ext>
             </a:extLst>
           </p:cNvPr>
@@ -3165,8 +3162,8 @@
         </p:nvSpPr>
         <p:spPr>
           <a:xfrm>
-            <a:off x="4027165" y="6483648"/>
-            <a:ext cx="4137671" cy="369332"/>
+            <a:off x="3825636" y="6483648"/>
+            <a:ext cx="4540731" cy="369332"/>
           </a:xfrm>
           <a:prstGeom prst="rect">
             <a:avLst/>
@@ -3201,7 +3198,7 @@
             </a:r>
             <a:r>
               <a:rPr lang="en-GB" dirty="0"/>
-              <a:t> droit pour continuer</a:t>
+              <a:t> de droite pour continuer</a:t>
             </a:r>
           </a:p>
         </p:txBody>
@@ -3278,31 +3275,31 @@
             </a:r>
             <a:r>
               <a:rPr lang="en-GB" sz="2000" dirty="0"/>
-              <a:t> de </a:t>
+              <a:t> </a:t>
             </a:r>
             <a:r>
               <a:rPr lang="en-GB" sz="2000" b="1" dirty="0"/>
-              <a:t>la </a:t>
+              <a:t>du </a:t>
             </a:r>
             <a:r>
               <a:rPr lang="en-GB" sz="2000" b="1" dirty="0" err="1"/>
-              <a:t>numero</a:t>
+              <a:t>nombre</a:t>
             </a:r>
             <a:r>
               <a:rPr lang="en-GB" sz="2000" b="1" dirty="0"/>
-              <a:t> de </a:t>
+              <a:t> </a:t>
             </a:r>
             <a:r>
               <a:rPr lang="en-GB" sz="2000" b="1" dirty="0" err="1"/>
-              <a:t>l’essai</a:t>
+              <a:t>d’essai</a:t>
             </a:r>
             <a:r>
               <a:rPr lang="en-GB" sz="2000" dirty="0"/>
-              <a:t> et de </a:t>
+              <a:t> et </a:t>
             </a:r>
             <a:r>
               <a:rPr lang="en-GB" sz="2000" b="1" dirty="0"/>
-              <a:t>le score </a:t>
+              <a:t>du score </a:t>
             </a:r>
             <a:r>
               <a:rPr lang="en-GB" sz="2000" b="1" dirty="0" err="1"/>
@@ -3343,8 +3340,12 @@
               <a:t>Un </a:t>
             </a:r>
             <a:r>
+              <a:rPr lang="en-GB" sz="2000" b="1" dirty="0" err="1"/>
+              <a:t>jugement</a:t>
+            </a:r>
+            <a:r>
               <a:rPr lang="en-GB" sz="2000" b="1" dirty="0"/>
-              <a:t>judgement </a:t>
+              <a:t> </a:t>
             </a:r>
             <a:r>
               <a:rPr lang="en-GB" sz="2000" b="1" dirty="0" err="1"/>
@@ -3420,10 +3421,10 @@
       </p:sp>
       <p:sp>
         <p:nvSpPr>
-          <p:cNvPr id="5" name="Rectangle 4">
+          <p:cNvPr id="6" name="Rectangle 5">
             <a:extLst>
               <a:ext uri="{FF2B5EF4-FFF2-40B4-BE49-F238E27FC236}">
-                <a16:creationId xmlns:a16="http://schemas.microsoft.com/office/drawing/2014/main" id="{D9E25DC2-F4BF-4FD6-AF0D-5C64BD583CD9}"/>
+                <a16:creationId xmlns:a16="http://schemas.microsoft.com/office/drawing/2014/main" id="{50A82328-20D9-4106-9F02-4E9093E00076}"/>
               </a:ext>
             </a:extLst>
           </p:cNvPr>
@@ -3432,8 +3433,8 @@
         </p:nvSpPr>
         <p:spPr>
           <a:xfrm>
-            <a:off x="4027165" y="6483648"/>
-            <a:ext cx="4137671" cy="369332"/>
+            <a:off x="3825636" y="6483648"/>
+            <a:ext cx="4540731" cy="369332"/>
           </a:xfrm>
           <a:prstGeom prst="rect">
             <a:avLst/>
@@ -3468,7 +3469,7 @@
             </a:r>
             <a:r>
               <a:rPr lang="en-GB" dirty="0"/>
-              <a:t> droit pour continuer</a:t>
+              <a:t> de droite pour continuer</a:t>
             </a:r>
           </a:p>
         </p:txBody>
@@ -3589,31 +3590,31 @@
             </a:r>
             <a:r>
               <a:rPr lang="en-GB" sz="2000" dirty="0"/>
-              <a:t> de </a:t>
+              <a:t> </a:t>
             </a:r>
             <a:r>
               <a:rPr lang="en-GB" sz="2000" b="1" dirty="0"/>
-              <a:t>la </a:t>
+              <a:t>du </a:t>
             </a:r>
             <a:r>
               <a:rPr lang="en-GB" sz="2000" b="1" dirty="0" err="1"/>
-              <a:t>numero</a:t>
+              <a:t>nombre</a:t>
             </a:r>
             <a:r>
               <a:rPr lang="en-GB" sz="2000" b="1" dirty="0"/>
-              <a:t> de </a:t>
+              <a:t> </a:t>
             </a:r>
             <a:r>
               <a:rPr lang="en-GB" sz="2000" b="1" dirty="0" err="1"/>
-              <a:t>l’essai</a:t>
+              <a:t>d’essai</a:t>
             </a:r>
             <a:r>
               <a:rPr lang="en-GB" sz="2000" dirty="0"/>
-              <a:t> et de </a:t>
+              <a:t> et </a:t>
             </a:r>
             <a:r>
               <a:rPr lang="en-GB" sz="2000" b="1" dirty="0"/>
-              <a:t>le score </a:t>
+              <a:t>du score </a:t>
             </a:r>
             <a:r>
               <a:rPr lang="en-GB" sz="2000" b="1" dirty="0" err="1"/>
@@ -3654,8 +3655,12 @@
               <a:t>Un </a:t>
             </a:r>
             <a:r>
+              <a:rPr lang="en-GB" sz="2000" b="1" dirty="0" err="1"/>
+              <a:t>jugement</a:t>
+            </a:r>
+            <a:r>
               <a:rPr lang="en-GB" sz="2000" b="1" dirty="0"/>
-              <a:t>judgement </a:t>
+              <a:t> </a:t>
             </a:r>
             <a:r>
               <a:rPr lang="en-GB" sz="2000" b="1" dirty="0" err="1"/>
@@ -3695,10 +3700,10 @@
       </p:sp>
       <p:sp>
         <p:nvSpPr>
-          <p:cNvPr id="6" name="Rectangle 5">
+          <p:cNvPr id="8" name="Rectangle 7">
             <a:extLst>
               <a:ext uri="{FF2B5EF4-FFF2-40B4-BE49-F238E27FC236}">
-                <a16:creationId xmlns:a16="http://schemas.microsoft.com/office/drawing/2014/main" id="{BA47318A-0C2F-4647-AF7C-1B0532D777E7}"/>
+                <a16:creationId xmlns:a16="http://schemas.microsoft.com/office/drawing/2014/main" id="{C2212ABD-304E-4B74-80C1-361065590007}"/>
               </a:ext>
             </a:extLst>
           </p:cNvPr>
@@ -3707,8 +3712,8 @@
         </p:nvSpPr>
         <p:spPr>
           <a:xfrm>
-            <a:off x="4027165" y="6483648"/>
-            <a:ext cx="4137671" cy="369332"/>
+            <a:off x="3825636" y="6483648"/>
+            <a:ext cx="4540731" cy="369332"/>
           </a:xfrm>
           <a:prstGeom prst="rect">
             <a:avLst/>
@@ -3743,7 +3748,7 @@
             </a:r>
             <a:r>
               <a:rPr lang="en-GB" dirty="0"/>
-              <a:t> droit pour continuer</a:t>
+              <a:t> de droite pour continuer</a:t>
             </a:r>
           </a:p>
         </p:txBody>
@@ -3864,31 +3869,31 @@
             </a:r>
             <a:r>
               <a:rPr lang="en-GB" sz="2000" dirty="0"/>
-              <a:t> de </a:t>
+              <a:t> </a:t>
             </a:r>
             <a:r>
               <a:rPr lang="en-GB" sz="2000" b="1" dirty="0"/>
-              <a:t>la </a:t>
+              <a:t>du </a:t>
             </a:r>
             <a:r>
               <a:rPr lang="en-GB" sz="2000" b="1" dirty="0" err="1"/>
-              <a:t>numero</a:t>
+              <a:t>nombre</a:t>
             </a:r>
             <a:r>
               <a:rPr lang="en-GB" sz="2000" b="1" dirty="0"/>
-              <a:t> de </a:t>
+              <a:t> </a:t>
             </a:r>
             <a:r>
               <a:rPr lang="en-GB" sz="2000" b="1" dirty="0" err="1"/>
-              <a:t>l’essai</a:t>
+              <a:t>d’essai</a:t>
             </a:r>
             <a:r>
               <a:rPr lang="en-GB" sz="2000" dirty="0"/>
-              <a:t> et de </a:t>
+              <a:t> et </a:t>
             </a:r>
             <a:r>
               <a:rPr lang="en-GB" sz="2000" b="1" dirty="0"/>
-              <a:t>le score </a:t>
+              <a:t>du score </a:t>
             </a:r>
             <a:r>
               <a:rPr lang="en-GB" sz="2000" b="1" dirty="0" err="1"/>
@@ -3929,8 +3934,12 @@
               <a:t>Un </a:t>
             </a:r>
             <a:r>
+              <a:rPr lang="en-GB" sz="2000" b="1" dirty="0" err="1"/>
+              <a:t>jugement</a:t>
+            </a:r>
+            <a:r>
               <a:rPr lang="en-GB" sz="2000" b="1" dirty="0"/>
-              <a:t>judgement </a:t>
+              <a:t> </a:t>
             </a:r>
             <a:r>
               <a:rPr lang="en-GB" sz="2000" b="1" dirty="0" err="1"/>
@@ -3973,11 +3982,15 @@
             </a:pPr>
             <a:r>
               <a:rPr lang="en-GB" sz="2000" dirty="0"/>
-              <a:t>͏Un j</a:t>
+              <a:t>͏Un </a:t>
+            </a:r>
+            <a:r>
+              <a:rPr lang="en-GB" sz="2000" b="1" dirty="0" err="1"/>
+              <a:t>jugement</a:t>
             </a:r>
             <a:r>
               <a:rPr lang="en-GB" sz="2000" b="1" dirty="0"/>
-              <a:t>udgement de </a:t>
+              <a:t> de </a:t>
             </a:r>
             <a:r>
               <a:rPr lang="en-GB" sz="2000" b="1" dirty="0" err="1"/>
@@ -4012,10 +4025,10 @@
       </p:sp>
       <p:sp>
         <p:nvSpPr>
-          <p:cNvPr id="6" name="Rectangle 5">
+          <p:cNvPr id="8" name="Rectangle 7">
             <a:extLst>
               <a:ext uri="{FF2B5EF4-FFF2-40B4-BE49-F238E27FC236}">
-                <a16:creationId xmlns:a16="http://schemas.microsoft.com/office/drawing/2014/main" id="{55E107BB-6E9E-4F6E-BDC1-EE2C33D2F744}"/>
+                <a16:creationId xmlns:a16="http://schemas.microsoft.com/office/drawing/2014/main" id="{0CDB5954-6752-4C21-9BAF-3A2D8962D6C4}"/>
               </a:ext>
             </a:extLst>
           </p:cNvPr>
@@ -4024,8 +4037,8 @@
         </p:nvSpPr>
         <p:spPr>
           <a:xfrm>
-            <a:off x="4027165" y="6483648"/>
-            <a:ext cx="4137671" cy="369332"/>
+            <a:off x="3825636" y="6483648"/>
+            <a:ext cx="4540731" cy="369332"/>
           </a:xfrm>
           <a:prstGeom prst="rect">
             <a:avLst/>
@@ -4060,7 +4073,7 @@
             </a:r>
             <a:r>
               <a:rPr lang="en-GB" dirty="0"/>
-              <a:t> droit pour continuer</a:t>
+              <a:t> de droite pour continuer</a:t>
             </a:r>
           </a:p>
         </p:txBody>
@@ -4181,31 +4194,35 @@
             </a:r>
             <a:r>
               <a:rPr lang="en-GB" sz="2000" dirty="0"/>
-              <a:t> de </a:t>
+              <a:t> </a:t>
             </a:r>
             <a:r>
               <a:rPr lang="en-GB" sz="2000" b="1" dirty="0"/>
-              <a:t>la </a:t>
+              <a:t>du</a:t>
+            </a:r>
+            <a:r>
+              <a:rPr lang="en-GB" sz="2000" dirty="0"/>
+              <a:t> </a:t>
             </a:r>
             <a:r>
               <a:rPr lang="en-GB" sz="2000" b="1" dirty="0" err="1"/>
-              <a:t>numero</a:t>
+              <a:t>nombre</a:t>
             </a:r>
             <a:r>
               <a:rPr lang="en-GB" sz="2000" b="1" dirty="0"/>
-              <a:t> de </a:t>
+              <a:t> </a:t>
             </a:r>
             <a:r>
               <a:rPr lang="en-GB" sz="2000" b="1" dirty="0" err="1"/>
-              <a:t>l’essai</a:t>
+              <a:t>d’essai</a:t>
             </a:r>
             <a:r>
               <a:rPr lang="en-GB" sz="2000" dirty="0"/>
-              <a:t> et de </a:t>
+              <a:t> et </a:t>
             </a:r>
             <a:r>
               <a:rPr lang="en-GB" sz="2000" b="1" dirty="0"/>
-              <a:t>le score </a:t>
+              <a:t>du score </a:t>
             </a:r>
             <a:r>
               <a:rPr lang="en-GB" sz="2000" b="1" dirty="0" err="1"/>
@@ -4246,8 +4263,12 @@
               <a:t>Un </a:t>
             </a:r>
             <a:r>
+              <a:rPr lang="en-GB" sz="2000" b="1" dirty="0" err="1"/>
+              <a:t>jugement</a:t>
+            </a:r>
+            <a:r>
               <a:rPr lang="en-GB" sz="2000" b="1" dirty="0"/>
-              <a:t>judgement </a:t>
+              <a:t> </a:t>
             </a:r>
             <a:r>
               <a:rPr lang="en-GB" sz="2000" b="1" dirty="0" err="1"/>
@@ -4290,11 +4311,15 @@
             </a:pPr>
             <a:r>
               <a:rPr lang="en-GB" sz="2000" dirty="0"/>
-              <a:t>͏Un j</a:t>
+              <a:t>͏Un </a:t>
+            </a:r>
+            <a:r>
+              <a:rPr lang="en-GB" sz="2000" b="1" dirty="0" err="1"/>
+              <a:t>jugement</a:t>
             </a:r>
             <a:r>
               <a:rPr lang="en-GB" sz="2000" b="1" dirty="0"/>
-              <a:t>udgement de </a:t>
+              <a:t> de </a:t>
             </a:r>
             <a:r>
               <a:rPr lang="en-GB" sz="2000" b="1" dirty="0" err="1"/>
@@ -4355,10 +4380,10 @@
       </p:sp>
       <p:sp>
         <p:nvSpPr>
-          <p:cNvPr id="6" name="Rectangle 5">
+          <p:cNvPr id="8" name="Rectangle 7">
             <a:extLst>
               <a:ext uri="{FF2B5EF4-FFF2-40B4-BE49-F238E27FC236}">
-                <a16:creationId xmlns:a16="http://schemas.microsoft.com/office/drawing/2014/main" id="{D6D45C36-E7E3-4792-B552-658D2AD3B616}"/>
+                <a16:creationId xmlns:a16="http://schemas.microsoft.com/office/drawing/2014/main" id="{80F6A908-6ADE-4665-8F66-F3850D1C1945}"/>
               </a:ext>
             </a:extLst>
           </p:cNvPr>
@@ -4367,8 +4392,8 @@
         </p:nvSpPr>
         <p:spPr>
           <a:xfrm>
-            <a:off x="4027165" y="6483648"/>
-            <a:ext cx="4137671" cy="369332"/>
+            <a:off x="3825636" y="6483648"/>
+            <a:ext cx="4540731" cy="369332"/>
           </a:xfrm>
           <a:prstGeom prst="rect">
             <a:avLst/>
@@ -4403,7 +4428,7 @@
             </a:r>
             <a:r>
               <a:rPr lang="en-GB" dirty="0"/>
-              <a:t> droit pour continuer</a:t>
+              <a:t> de droite pour continuer</a:t>
             </a:r>
           </a:p>
         </p:txBody>
@@ -4477,7 +4502,7 @@
                   <a:srgbClr val="0070C0"/>
                 </a:solidFill>
               </a:rPr>
-              <a:t>1. AFFICHAGE DE LA NUMERO D’ESSAI ET DE LE SCORE CIBLE</a:t>
+              <a:t>1. AFFICHAGE DU NOMBRE D’ESSAI ET DU SCORE CIBLE</a:t>
             </a:r>
           </a:p>
         </p:txBody>
@@ -4511,7 +4536,7 @@
             </a:pPr>
             <a:r>
               <a:rPr lang="en-GB" sz="2400" dirty="0" err="1"/>
-              <a:t>L’experience</a:t>
+              <a:t>L’expérience</a:t>
             </a:r>
             <a:r>
               <a:rPr lang="en-GB" sz="2400" dirty="0"/>
@@ -4638,15 +4663,7 @@
             </a:r>
             <a:r>
               <a:rPr lang="fr-FR" sz="2400" dirty="0"/>
-              <a:t>de </a:t>
-            </a:r>
-            <a:r>
-              <a:rPr lang="fr-FR" sz="2400" dirty="0" err="1"/>
-              <a:t>decider</a:t>
-            </a:r>
-            <a:r>
-              <a:rPr lang="fr-FR" sz="2400" dirty="0"/>
-              <a:t> quand commencer chaque essai</a:t>
+              <a:t>de décider quand commencer chaque essai</a:t>
             </a:r>
             <a:endParaRPr lang="en-GB" sz="2400" dirty="0"/>
           </a:p>
@@ -4758,10 +4775,10 @@
       </p:sp>
       <p:sp>
         <p:nvSpPr>
-          <p:cNvPr id="10" name="Rectangle 9">
+          <p:cNvPr id="8" name="Rectangle 7">
             <a:extLst>
               <a:ext uri="{FF2B5EF4-FFF2-40B4-BE49-F238E27FC236}">
-                <a16:creationId xmlns:a16="http://schemas.microsoft.com/office/drawing/2014/main" id="{CCB81052-3AB1-422A-9C56-50E59F0777CC}"/>
+                <a16:creationId xmlns:a16="http://schemas.microsoft.com/office/drawing/2014/main" id="{7A38DD69-FEC0-4156-B93F-4678CD83D4AE}"/>
               </a:ext>
             </a:extLst>
           </p:cNvPr>
@@ -4770,8 +4787,8 @@
         </p:nvSpPr>
         <p:spPr>
           <a:xfrm>
-            <a:off x="4027165" y="6483648"/>
-            <a:ext cx="4137671" cy="369332"/>
+            <a:off x="3825636" y="6483648"/>
+            <a:ext cx="4540731" cy="369332"/>
           </a:xfrm>
           <a:prstGeom prst="rect">
             <a:avLst/>
@@ -4806,7 +4823,7 @@
             </a:r>
             <a:r>
               <a:rPr lang="en-GB" dirty="0"/>
-              <a:t> droit pour continuer</a:t>
+              <a:t> de droite pour continuer</a:t>
             </a:r>
           </a:p>
         </p:txBody>
@@ -4880,7 +4897,7 @@
                   <a:srgbClr val="0070C0"/>
                 </a:solidFill>
               </a:rPr>
-              <a:t>1. AFFICHAGE DE LA NUMERO D’ESSAI ET DE LE SCORE CIBLE</a:t>
+              <a:t>1. AFFICHAGE DU NOMBRE D’ESSAI ET DU SCORE CIBLE</a:t>
             </a:r>
           </a:p>
         </p:txBody>
@@ -4982,7 +4999,7 @@
             </a:r>
             <a:r>
               <a:rPr lang="en-GB" sz="2400" dirty="0"/>
-              <a:t>essayer </a:t>
+              <a:t>essayer de </a:t>
             </a:r>
             <a:r>
               <a:rPr lang="en-GB" sz="2400" dirty="0" err="1"/>
@@ -5193,10 +5210,10 @@
       </p:sp>
       <p:sp>
         <p:nvSpPr>
-          <p:cNvPr id="10" name="Rectangle 9">
+          <p:cNvPr id="8" name="Rectangle 7">
             <a:extLst>
               <a:ext uri="{FF2B5EF4-FFF2-40B4-BE49-F238E27FC236}">
-                <a16:creationId xmlns:a16="http://schemas.microsoft.com/office/drawing/2014/main" id="{D33493DB-D6E5-49E9-B302-DEAFB37E4247}"/>
+                <a16:creationId xmlns:a16="http://schemas.microsoft.com/office/drawing/2014/main" id="{35652286-6629-4221-853E-4F2F98ACD803}"/>
               </a:ext>
             </a:extLst>
           </p:cNvPr>
@@ -5205,8 +5222,8 @@
         </p:nvSpPr>
         <p:spPr>
           <a:xfrm>
-            <a:off x="4027165" y="6483648"/>
-            <a:ext cx="4137671" cy="369332"/>
+            <a:off x="3825636" y="6483648"/>
+            <a:ext cx="4540731" cy="369332"/>
           </a:xfrm>
           <a:prstGeom prst="rect">
             <a:avLst/>
@@ -5241,7 +5258,7 @@
             </a:r>
             <a:r>
               <a:rPr lang="en-GB" dirty="0"/>
-              <a:t> droit pour continuer</a:t>
+              <a:t> de droite pour continuer</a:t>
             </a:r>
           </a:p>
         </p:txBody>
@@ -5315,7 +5332,7 @@
                   <a:srgbClr val="0070C0"/>
                 </a:solidFill>
               </a:rPr>
-              <a:t>1. AFFICHAGE DE LA NUMERO D’ESSAI ET DE LE SCORE CIBLE</a:t>
+              <a:t>1. AFFICHAGE DU NOMBRE D’ESSAI ET DU SCORE CIBLE</a:t>
             </a:r>
           </a:p>
         </p:txBody>
@@ -5485,10 +5502,10 @@
       </p:sp>
       <p:sp>
         <p:nvSpPr>
-          <p:cNvPr id="12" name="Rectangle 11">
+          <p:cNvPr id="8" name="Rectangle 7">
             <a:extLst>
               <a:ext uri="{FF2B5EF4-FFF2-40B4-BE49-F238E27FC236}">
-                <a16:creationId xmlns:a16="http://schemas.microsoft.com/office/drawing/2014/main" id="{61265007-9956-4E25-B00D-706BA626A4D3}"/>
+                <a16:creationId xmlns:a16="http://schemas.microsoft.com/office/drawing/2014/main" id="{57A2DAC8-958B-4F69-95B0-3B492595D419}"/>
               </a:ext>
             </a:extLst>
           </p:cNvPr>
@@ -5497,8 +5514,8 @@
         </p:nvSpPr>
         <p:spPr>
           <a:xfrm>
-            <a:off x="4027165" y="6483648"/>
-            <a:ext cx="4137671" cy="369332"/>
+            <a:off x="3825636" y="6483648"/>
+            <a:ext cx="4540731" cy="369332"/>
           </a:xfrm>
           <a:prstGeom prst="rect">
             <a:avLst/>
@@ -5533,7 +5550,7 @@
             </a:r>
             <a:r>
               <a:rPr lang="en-GB" dirty="0"/>
-              <a:t> droit pour continuer</a:t>
+              <a:t> de droite pour continuer</a:t>
             </a:r>
           </a:p>
         </p:txBody>
@@ -5607,7 +5624,7 @@
                   <a:srgbClr val="0070C0"/>
                 </a:solidFill>
               </a:rPr>
-              <a:t>2. UN JUDGEMENT D’AUTO-EFFICACITE</a:t>
+              <a:t>2. UN JUGEMENT D’AUTO-EFFICACITE</a:t>
             </a:r>
             <a:endParaRPr lang="en-GB" sz="2400" b="1" dirty="0">
               <a:solidFill>
@@ -5626,7 +5643,7 @@
         <p:spPr>
           <a:xfrm>
             <a:off x="1874194" y="1413064"/>
-            <a:ext cx="8443609" cy="4031873"/>
+            <a:ext cx="8443609" cy="4555093"/>
           </a:xfrm>
           <a:prstGeom prst="rect">
             <a:avLst/>
@@ -5690,7 +5707,7 @@
             </a:pPr>
             <a:r>
               <a:rPr lang="fr-FR" sz="2400" dirty="0"/>
-              <a:t>Le sentiment d’auto-efficacité constitue la croyance qu’a </a:t>
+              <a:t>Le sentiment d’auto-efficacité est l’impression qu’a </a:t>
             </a:r>
             <a:r>
               <a:rPr lang="fr-FR" sz="2400" dirty="0" err="1"/>
@@ -5706,7 +5723,7 @@
             </a:r>
             <a:r>
               <a:rPr lang="fr-FR" sz="2400" dirty="0"/>
-              <a:t> en sa capacité de réaliser une tâche</a:t>
+              <a:t> de sa capacité à réaliser une tâche</a:t>
             </a:r>
           </a:p>
           <a:p>
@@ -5753,11 +5770,19 @@
             </a:r>
             <a:r>
               <a:rPr lang="en-GB" sz="2400" dirty="0"/>
-              <a:t> question par rapport au </a:t>
-            </a:r>
-            <a:r>
-              <a:rPr lang="en-GB" sz="2400" dirty="0" err="1"/>
-              <a:t>affichage</a:t>
+              <a:t> question par rapport </a:t>
+            </a:r>
+            <a:r>
+              <a:rPr lang="fr-FR" sz="2400" dirty="0"/>
+              <a:t>à</a:t>
+            </a:r>
+            <a:r>
+              <a:rPr lang="en-GB" sz="2400" dirty="0"/>
+              <a:t> </a:t>
+            </a:r>
+            <a:r>
+              <a:rPr lang="en-GB" sz="2400" dirty="0" err="1"/>
+              <a:t>l’affichage</a:t>
             </a:r>
             <a:r>
               <a:rPr lang="en-GB" sz="2400" dirty="0"/>
@@ -5781,7 +5806,7 @@
             </a:r>
             <a:r>
               <a:rPr lang="en-GB" sz="2400" dirty="0" err="1"/>
-              <a:t>voyerez</a:t>
+              <a:t>verrez</a:t>
             </a:r>
             <a:r>
               <a:rPr lang="en-GB" sz="2400" dirty="0"/>
@@ -5789,7 +5814,7 @@
             </a:r>
             <a:r>
               <a:rPr lang="en-GB" sz="2400" dirty="0" err="1"/>
-              <a:t>l’experience</a:t>
+              <a:t>l’expérience</a:t>
             </a:r>
             <a:endParaRPr lang="en-GB" sz="2400" dirty="0"/>
           </a:p>
@@ -5841,16 +5866,39 @@
             </a:r>
             <a:r>
               <a:rPr lang="en-GB" sz="2400" dirty="0"/>
-              <a:t> </a:t>
-            </a:r>
-            <a:r>
-              <a:rPr lang="en-GB" sz="2400" dirty="0" err="1"/>
-              <a:t>c’est</a:t>
-            </a:r>
-            <a:r>
-              <a:rPr lang="en-GB" sz="2400" dirty="0"/>
-              <a:t> pas grave – </a:t>
-            </a:r>
+              <a:t> ne </a:t>
+            </a:r>
+            <a:r>
+              <a:rPr lang="en-GB" sz="2400" dirty="0" err="1"/>
+              <a:t>vous</a:t>
+            </a:r>
+            <a:r>
+              <a:rPr lang="en-GB" sz="2400" dirty="0"/>
+              <a:t> </a:t>
+            </a:r>
+            <a:r>
+              <a:rPr lang="en-GB" sz="2400" dirty="0" err="1"/>
+              <a:t>inqui</a:t>
+            </a:r>
+            <a:r>
+              <a:rPr lang="fr-FR" sz="2400" dirty="0"/>
+              <a:t>é</a:t>
+            </a:r>
+            <a:r>
+              <a:rPr lang="en-GB" sz="2400" dirty="0" err="1"/>
+              <a:t>tez</a:t>
+            </a:r>
+            <a:r>
+              <a:rPr lang="en-GB" sz="2400" dirty="0"/>
+              <a:t> pas</a:t>
+            </a:r>
+          </a:p>
+          <a:p>
+            <a:pPr algn="ctr">
+              <a:spcAft>
+                <a:spcPts val="1200"/>
+              </a:spcAft>
+            </a:pPr>
             <a:r>
               <a:rPr lang="en-GB" sz="2400" b="1" dirty="0" err="1"/>
               <a:t>Essayez</a:t>
@@ -5901,10 +5949,10 @@
       </p:sp>
       <p:sp>
         <p:nvSpPr>
-          <p:cNvPr id="6" name="Rectangle 5">
+          <p:cNvPr id="9" name="Rectangle 8">
             <a:extLst>
               <a:ext uri="{FF2B5EF4-FFF2-40B4-BE49-F238E27FC236}">
-                <a16:creationId xmlns:a16="http://schemas.microsoft.com/office/drawing/2014/main" id="{859EB4CA-4BAB-4780-BB55-E755BED3DC60}"/>
+                <a16:creationId xmlns:a16="http://schemas.microsoft.com/office/drawing/2014/main" id="{D685EC41-696B-4CA0-8317-E01640E8BA9E}"/>
               </a:ext>
             </a:extLst>
           </p:cNvPr>
@@ -5913,8 +5961,8 @@
         </p:nvSpPr>
         <p:spPr>
           <a:xfrm>
-            <a:off x="4027165" y="6483648"/>
-            <a:ext cx="4137671" cy="369332"/>
+            <a:off x="3825636" y="6483648"/>
+            <a:ext cx="4540731" cy="369332"/>
           </a:xfrm>
           <a:prstGeom prst="rect">
             <a:avLst/>
@@ -5949,7 +5997,7 @@
             </a:r>
             <a:r>
               <a:rPr lang="en-GB" dirty="0"/>
-              <a:t> droit pour continuer</a:t>
+              <a:t> de droite pour continuer</a:t>
             </a:r>
           </a:p>
         </p:txBody>
@@ -6088,7 +6136,15 @@
             </a:r>
             <a:r>
               <a:rPr lang="en-GB" sz="2400" b="1" dirty="0"/>
-              <a:t> de pairs </a:t>
+              <a:t> de </a:t>
+            </a:r>
+            <a:r>
+              <a:rPr lang="en-GB" sz="2400" b="1" dirty="0" err="1"/>
+              <a:t>paires</a:t>
+            </a:r>
+            <a:r>
+              <a:rPr lang="en-GB" sz="2400" b="1" dirty="0"/>
+              <a:t> </a:t>
             </a:r>
             <a:r>
               <a:rPr lang="en-GB" sz="2400" b="1" dirty="0" err="1"/>
@@ -6150,7 +6206,7 @@
                   <a:srgbClr val="0070C0"/>
                 </a:solidFill>
               </a:rPr>
-              <a:t>2. UN JUDGEMENT D’AUTO-EFFICACITE</a:t>
+              <a:t>2. UN JUGEMENT D’AUTO-EFFICACITE</a:t>
             </a:r>
             <a:endParaRPr lang="en-GB" sz="2400" b="1" dirty="0">
               <a:solidFill>
@@ -6162,10 +6218,10 @@
       </p:sp>
       <p:sp>
         <p:nvSpPr>
-          <p:cNvPr id="10" name="Rectangle 9">
+          <p:cNvPr id="5" name="Rectangle 4">
             <a:extLst>
               <a:ext uri="{FF2B5EF4-FFF2-40B4-BE49-F238E27FC236}">
-                <a16:creationId xmlns:a16="http://schemas.microsoft.com/office/drawing/2014/main" id="{1E8D171B-DFF4-4ADF-B7AA-4ACBDF1D899C}"/>
+                <a16:creationId xmlns:a16="http://schemas.microsoft.com/office/drawing/2014/main" id="{36B707BF-D57E-49F4-9C95-25CCDC0A6A72}"/>
               </a:ext>
             </a:extLst>
           </p:cNvPr>
@@ -6174,8 +6230,8 @@
         </p:nvSpPr>
         <p:spPr>
           <a:xfrm>
-            <a:off x="4027165" y="6483648"/>
-            <a:ext cx="4137671" cy="369332"/>
+            <a:off x="3825636" y="6483648"/>
+            <a:ext cx="4540731" cy="369332"/>
           </a:xfrm>
           <a:prstGeom prst="rect">
             <a:avLst/>
@@ -6210,7 +6266,7 @@
             </a:r>
             <a:r>
               <a:rPr lang="en-GB" dirty="0"/>
-              <a:t> droit pour continuer</a:t>
+              <a:t> de droite pour continuer</a:t>
             </a:r>
           </a:p>
         </p:txBody>
@@ -6347,7 +6403,7 @@
                   <a:srgbClr val="0070C0"/>
                 </a:solidFill>
               </a:rPr>
-              <a:t>2. UN JUDGEMENT D’AUTO-EFFICACITE</a:t>
+              <a:t>2. UN JUGEMENT D’AUTO-EFFICACITE</a:t>
             </a:r>
             <a:endParaRPr lang="en-GB" sz="2400" b="1" dirty="0">
               <a:solidFill>
@@ -6446,10 +6502,10 @@
       </p:pic>
       <p:sp>
         <p:nvSpPr>
-          <p:cNvPr id="9" name="Rectangle 8">
+          <p:cNvPr id="8" name="Rectangle 7">
             <a:extLst>
               <a:ext uri="{FF2B5EF4-FFF2-40B4-BE49-F238E27FC236}">
-                <a16:creationId xmlns:a16="http://schemas.microsoft.com/office/drawing/2014/main" id="{0E86F059-C811-4670-8C72-2E40424328A2}"/>
+                <a16:creationId xmlns:a16="http://schemas.microsoft.com/office/drawing/2014/main" id="{29BA51A2-F986-414C-8D50-E6227BE356BA}"/>
               </a:ext>
             </a:extLst>
           </p:cNvPr>
@@ -6458,8 +6514,8 @@
         </p:nvSpPr>
         <p:spPr>
           <a:xfrm>
-            <a:off x="4027165" y="6483648"/>
-            <a:ext cx="4137671" cy="369332"/>
+            <a:off x="3825636" y="6483648"/>
+            <a:ext cx="4540731" cy="369332"/>
           </a:xfrm>
           <a:prstGeom prst="rect">
             <a:avLst/>
@@ -6494,7 +6550,7 @@
             </a:r>
             <a:r>
               <a:rPr lang="en-GB" dirty="0"/>
-              <a:t> droit pour continuer</a:t>
+              <a:t> de droite pour continuer</a:t>
             </a:r>
           </a:p>
         </p:txBody>
@@ -6566,7 +6622,7 @@
             </a:r>
             <a:r>
               <a:rPr lang="en-GB" sz="2400" dirty="0" err="1"/>
-              <a:t>l’experience</a:t>
+              <a:t>l’expérience</a:t>
             </a:r>
             <a:r>
               <a:rPr lang="en-GB" sz="2400" dirty="0"/>
@@ -6637,7 +6693,7 @@
             </a:r>
             <a:r>
               <a:rPr lang="en-GB" sz="2400" dirty="0" err="1"/>
-              <a:t>l’experience</a:t>
+              <a:t>l’expérience</a:t>
             </a:r>
             <a:r>
               <a:rPr lang="en-GB" sz="2400" dirty="0"/>
@@ -6716,10 +6772,10 @@
       </p:sp>
       <p:sp>
         <p:nvSpPr>
-          <p:cNvPr id="6" name="Rectangle 5">
+          <p:cNvPr id="4" name="Rectangle 3">
             <a:extLst>
               <a:ext uri="{FF2B5EF4-FFF2-40B4-BE49-F238E27FC236}">
-                <a16:creationId xmlns:a16="http://schemas.microsoft.com/office/drawing/2014/main" id="{C071CEDF-5FF7-44E3-B931-B2D7A9D10D34}"/>
+                <a16:creationId xmlns:a16="http://schemas.microsoft.com/office/drawing/2014/main" id="{8F4ABEF8-8208-4B07-AE38-3EAA098A65F7}"/>
               </a:ext>
             </a:extLst>
           </p:cNvPr>
@@ -6728,8 +6784,8 @@
         </p:nvSpPr>
         <p:spPr>
           <a:xfrm>
-            <a:off x="4027165" y="6483648"/>
-            <a:ext cx="4137671" cy="369332"/>
+            <a:off x="3825636" y="6483648"/>
+            <a:ext cx="4540731" cy="369332"/>
           </a:xfrm>
           <a:prstGeom prst="rect">
             <a:avLst/>
@@ -6764,7 +6820,7 @@
             </a:r>
             <a:r>
               <a:rPr lang="en-GB" dirty="0"/>
-              <a:t> droit pour continuer</a:t>
+              <a:t> de droite pour continuer</a:t>
             </a:r>
           </a:p>
         </p:txBody>
@@ -6832,11 +6888,11 @@
             </a:r>
             <a:r>
               <a:rPr lang="fr-FR" sz="2400" b="1" dirty="0"/>
-              <a:t>en utilisant respectivement les flèches gauche et droite </a:t>
+              <a:t>en utilisant respectivement les flèches de gauche et de droite </a:t>
             </a:r>
             <a:r>
               <a:rPr lang="fr-FR" sz="2400" dirty="0"/>
-              <a:t>(comme dessous)</a:t>
+              <a:t>(comme ci-dessous)</a:t>
             </a:r>
             <a:endParaRPr lang="fr-FR" sz="2400" b="1" dirty="0"/>
           </a:p>
@@ -6887,7 +6943,7 @@
                   <a:srgbClr val="0070C0"/>
                 </a:solidFill>
               </a:rPr>
-              <a:t>2. UN JUDGEMENT D’AUTO-EFFICACITE</a:t>
+              <a:t>2. UN JUGEMENT D’AUTO-EFFICACITE</a:t>
             </a:r>
             <a:endParaRPr lang="en-GB" sz="2400" b="1" dirty="0">
               <a:solidFill>
@@ -6986,10 +7042,10 @@
       </p:pic>
       <p:sp>
         <p:nvSpPr>
-          <p:cNvPr id="10" name="Rectangle 9">
+          <p:cNvPr id="8" name="Rectangle 7">
             <a:extLst>
               <a:ext uri="{FF2B5EF4-FFF2-40B4-BE49-F238E27FC236}">
-                <a16:creationId xmlns:a16="http://schemas.microsoft.com/office/drawing/2014/main" id="{9F1FAC56-39C6-4468-BB96-1474CB25B8B8}"/>
+                <a16:creationId xmlns:a16="http://schemas.microsoft.com/office/drawing/2014/main" id="{1D81B03B-7C52-4333-9F85-C131973FE659}"/>
               </a:ext>
             </a:extLst>
           </p:cNvPr>
@@ -6998,8 +7054,8 @@
         </p:nvSpPr>
         <p:spPr>
           <a:xfrm>
-            <a:off x="4027165" y="6483648"/>
-            <a:ext cx="4137671" cy="369332"/>
+            <a:off x="3825636" y="6483648"/>
+            <a:ext cx="4540731" cy="369332"/>
           </a:xfrm>
           <a:prstGeom prst="rect">
             <a:avLst/>
@@ -7034,7 +7090,7 @@
             </a:r>
             <a:r>
               <a:rPr lang="en-GB" dirty="0"/>
-              <a:t> droit pour continuer</a:t>
+              <a:t> de droite pour continuer</a:t>
             </a:r>
           </a:p>
         </p:txBody>
@@ -7138,7 +7194,7 @@
             </a:r>
             <a:r>
               <a:rPr lang="en-US" sz="2400" dirty="0"/>
-              <a:t> dessous)</a:t>
+              <a:t> ci-dessous)</a:t>
             </a:r>
             <a:endParaRPr lang="fr-FR" sz="2400" b="1" dirty="0"/>
           </a:p>
@@ -7189,7 +7245,7 @@
                   <a:srgbClr val="0070C0"/>
                 </a:solidFill>
               </a:rPr>
-              <a:t>2. UN JUDGEMENT D’AUTO-EFFICACITE</a:t>
+              <a:t>2. UN JUGEMENT D’AUTO-EFFICACITE</a:t>
             </a:r>
             <a:endParaRPr lang="en-GB" sz="2400" b="1" dirty="0">
               <a:solidFill>
@@ -7317,10 +7373,10 @@
       </p:pic>
       <p:sp>
         <p:nvSpPr>
-          <p:cNvPr id="9" name="Rectangle 8">
+          <p:cNvPr id="8" name="Rectangle 7">
             <a:extLst>
               <a:ext uri="{FF2B5EF4-FFF2-40B4-BE49-F238E27FC236}">
-                <a16:creationId xmlns:a16="http://schemas.microsoft.com/office/drawing/2014/main" id="{C1537600-5D12-47E7-A43A-646BC30BD4EE}"/>
+                <a16:creationId xmlns:a16="http://schemas.microsoft.com/office/drawing/2014/main" id="{B18CB0F4-26FA-44DD-ABDD-784239EE15F3}"/>
               </a:ext>
             </a:extLst>
           </p:cNvPr>
@@ -7329,8 +7385,8 @@
         </p:nvSpPr>
         <p:spPr>
           <a:xfrm>
-            <a:off x="4027165" y="6483648"/>
-            <a:ext cx="4137671" cy="369332"/>
+            <a:off x="3825636" y="6483648"/>
+            <a:ext cx="4540731" cy="369332"/>
           </a:xfrm>
           <a:prstGeom prst="rect">
             <a:avLst/>
@@ -7365,7 +7421,7 @@
             </a:r>
             <a:r>
               <a:rPr lang="en-GB" dirty="0"/>
-              <a:t> droit pour continuer</a:t>
+              <a:t> de droite pour continuer</a:t>
             </a:r>
           </a:p>
         </p:txBody>
@@ -7445,7 +7501,7 @@
             </a:r>
             <a:r>
               <a:rPr lang="fr-FR" sz="2400" dirty="0"/>
-              <a:t>(comme dessous)</a:t>
+              <a:t>(comme ci-dessous)</a:t>
             </a:r>
             <a:endParaRPr lang="fr-FR" sz="2400" b="1" dirty="0"/>
           </a:p>
@@ -7496,7 +7552,7 @@
                   <a:srgbClr val="0070C0"/>
                 </a:solidFill>
               </a:rPr>
-              <a:t>2. UN JUDGEMENT D’AUTO-EFFICACITE</a:t>
+              <a:t>2. UN JUGEMENT D’AUTO-EFFICACITE</a:t>
             </a:r>
             <a:endParaRPr lang="en-GB" sz="2400" b="1" dirty="0">
               <a:solidFill>
@@ -7636,8 +7692,8 @@
         </p:nvSpPr>
         <p:spPr>
           <a:xfrm>
-            <a:off x="4027165" y="6483648"/>
-            <a:ext cx="4137671" cy="369332"/>
+            <a:off x="3825636" y="6483648"/>
+            <a:ext cx="4540731" cy="369332"/>
           </a:xfrm>
           <a:prstGeom prst="rect">
             <a:avLst/>
@@ -7672,7 +7728,7 @@
             </a:r>
             <a:r>
               <a:rPr lang="en-GB" dirty="0"/>
-              <a:t> droit pour continuer</a:t>
+              <a:t> de droite pour continuer</a:t>
             </a:r>
           </a:p>
         </p:txBody>
@@ -7814,7 +7870,7 @@
                   <a:srgbClr val="0070C0"/>
                 </a:solidFill>
               </a:rPr>
-              <a:t>2. UN JUDGEMENT D’AUTO-EFFICACITE</a:t>
+              <a:t>2. UN JUGEMENT D’AUTO-EFFICACITE</a:t>
             </a:r>
             <a:endParaRPr lang="en-GB" sz="2400" b="1" dirty="0">
               <a:solidFill>
@@ -7913,10 +7969,10 @@
       </p:pic>
       <p:sp>
         <p:nvSpPr>
-          <p:cNvPr id="11" name="Rectangle 10">
+          <p:cNvPr id="8" name="Rectangle 7">
             <a:extLst>
               <a:ext uri="{FF2B5EF4-FFF2-40B4-BE49-F238E27FC236}">
-                <a16:creationId xmlns:a16="http://schemas.microsoft.com/office/drawing/2014/main" id="{894940FE-667A-4056-A015-C9B2D1E588CA}"/>
+                <a16:creationId xmlns:a16="http://schemas.microsoft.com/office/drawing/2014/main" id="{41B67186-3339-4ABA-928D-1D46B2C6E9AC}"/>
               </a:ext>
             </a:extLst>
           </p:cNvPr>
@@ -7925,8 +7981,8 @@
         </p:nvSpPr>
         <p:spPr>
           <a:xfrm>
-            <a:off x="4027165" y="6483648"/>
-            <a:ext cx="4137671" cy="369332"/>
+            <a:off x="3825636" y="6483648"/>
+            <a:ext cx="4540731" cy="369332"/>
           </a:xfrm>
           <a:prstGeom prst="rect">
             <a:avLst/>
@@ -7961,7 +8017,7 @@
             </a:r>
             <a:r>
               <a:rPr lang="en-GB" dirty="0"/>
-              <a:t> droit pour continuer</a:t>
+              <a:t> de droite pour continuer</a:t>
             </a:r>
           </a:p>
         </p:txBody>
@@ -8005,7 +8061,7 @@
         <p:spPr>
           <a:xfrm>
             <a:off x="1874192" y="1426388"/>
-            <a:ext cx="8443609" cy="1200329"/>
+            <a:ext cx="8443609" cy="830997"/>
           </a:xfrm>
           <a:prstGeom prst="rect">
             <a:avLst/>
@@ -8029,15 +8085,7 @@
             </a:r>
             <a:r>
               <a:rPr lang="fr-FR" sz="2400" b="1" dirty="0"/>
-              <a:t>qu’il pense pouvoir atteindre le score cible avec 8 </a:t>
-            </a:r>
-            <a:r>
-              <a:rPr lang="fr-FR" sz="2400" b="1"/>
-              <a:t>OU 9 </a:t>
-            </a:r>
-            <a:r>
-              <a:rPr lang="fr-FR" sz="2400" b="1" dirty="0"/>
-              <a:t>OU 10 OU 11 présentations </a:t>
+              <a:t>qu’il pense pouvoir atteindre le score cible avec 8 à 11 présentations </a:t>
             </a:r>
             <a:r>
               <a:rPr lang="fr-FR" sz="2400" dirty="0"/>
@@ -8092,7 +8140,7 @@
                   <a:srgbClr val="0070C0"/>
                 </a:solidFill>
               </a:rPr>
-              <a:t>2. UN JUDGEMENT D’AUTO-EFFICACITE</a:t>
+              <a:t>2. UN JUGEMENT D’AUTO-EFFICACITE</a:t>
             </a:r>
             <a:endParaRPr lang="en-GB" sz="2400" b="1" dirty="0">
               <a:solidFill>
@@ -8191,10 +8239,10 @@
       </p:pic>
       <p:sp>
         <p:nvSpPr>
-          <p:cNvPr id="9" name="Rectangle 8">
+          <p:cNvPr id="11" name="Rectangle 10">
             <a:extLst>
               <a:ext uri="{FF2B5EF4-FFF2-40B4-BE49-F238E27FC236}">
-                <a16:creationId xmlns:a16="http://schemas.microsoft.com/office/drawing/2014/main" id="{BFA8E93A-E4F5-4FF9-AB83-CA68DAA56DAF}"/>
+                <a16:creationId xmlns:a16="http://schemas.microsoft.com/office/drawing/2014/main" id="{E82E1443-CEA0-488B-9775-584088283756}"/>
               </a:ext>
             </a:extLst>
           </p:cNvPr>
@@ -8203,8 +8251,8 @@
         </p:nvSpPr>
         <p:spPr>
           <a:xfrm>
-            <a:off x="4027165" y="6483648"/>
-            <a:ext cx="4137671" cy="369332"/>
+            <a:off x="3825636" y="6483648"/>
+            <a:ext cx="4540731" cy="369332"/>
           </a:xfrm>
           <a:prstGeom prst="rect">
             <a:avLst/>
@@ -8239,7 +8287,7 @@
             </a:r>
             <a:r>
               <a:rPr lang="en-GB" dirty="0"/>
-              <a:t> droit pour continuer</a:t>
+              <a:t> de droite pour continuer</a:t>
             </a:r>
           </a:p>
         </p:txBody>
@@ -8303,13 +8351,16 @@
             </a:pPr>
             <a:r>
               <a:rPr lang="fr-FR" sz="2400" dirty="0"/>
-              <a:t>Quand vous avez fait votre choix, appuyez sur </a:t>
-            </a:r>
-            <a:r>
-              <a:rPr lang="fr-FR" sz="2400" b="1" dirty="0" err="1"/>
-              <a:t>Éntrée</a:t>
-            </a:r>
-            <a:endParaRPr lang="fr-FR" sz="2400" b="1" dirty="0"/>
+              <a:t>Quand vous avez fait votre choix, appuyez sur « </a:t>
+            </a:r>
+            <a:r>
+              <a:rPr lang="fr-FR" sz="2400" b="1" dirty="0"/>
+              <a:t>Entrée </a:t>
+            </a:r>
+            <a:r>
+              <a:rPr lang="fr-FR" sz="2400" dirty="0"/>
+              <a:t>»</a:t>
+            </a:r>
           </a:p>
           <a:p>
             <a:pPr algn="ctr">
@@ -8327,7 +8378,7 @@
             </a:r>
             <a:r>
               <a:rPr lang="fr-FR" sz="2400" dirty="0"/>
-              <a:t>de</a:t>
+              <a:t>pour</a:t>
             </a:r>
             <a:r>
               <a:rPr lang="en-GB" sz="2400" dirty="0"/>
@@ -8343,11 +8394,11 @@
             </a:r>
             <a:r>
               <a:rPr lang="fr-FR" sz="2400" dirty="0"/>
-              <a:t>à cette question avant </a:t>
+              <a:t>à cette question avant que </a:t>
             </a:r>
             <a:r>
               <a:rPr lang="fr-FR" sz="2400" b="1" dirty="0"/>
-              <a:t>l’essai passera automatiquement</a:t>
+              <a:t>l’essai ne passe automatiquement</a:t>
             </a:r>
             <a:r>
               <a:rPr lang="fr-FR" sz="2400" dirty="0"/>
@@ -8358,55 +8409,6 @@
               <a:t> la phase de memorisation</a:t>
             </a:r>
             <a:endParaRPr lang="fr-FR" sz="2400" dirty="0"/>
-          </a:p>
-        </p:txBody>
-      </p:sp>
-      <p:sp>
-        <p:nvSpPr>
-          <p:cNvPr id="8" name="Rectangle 7"/>
-          <p:cNvSpPr/>
-          <p:nvPr/>
-        </p:nvSpPr>
-        <p:spPr>
-          <a:xfrm>
-            <a:off x="4027165" y="6483648"/>
-            <a:ext cx="4137671" cy="369332"/>
-          </a:xfrm>
-          <a:prstGeom prst="rect">
-            <a:avLst/>
-          </a:prstGeom>
-        </p:spPr>
-        <p:txBody>
-          <a:bodyPr wrap="none">
-            <a:spAutoFit/>
-          </a:bodyPr>
-          <a:lstStyle/>
-          <a:p>
-            <a:pPr algn="ctr"/>
-            <a:r>
-              <a:rPr lang="en-GB" dirty="0" err="1"/>
-              <a:t>Appuyez</a:t>
-            </a:r>
-            <a:r>
-              <a:rPr lang="en-GB" dirty="0"/>
-              <a:t> sur la </a:t>
-            </a:r>
-            <a:r>
-              <a:rPr lang="en-GB" dirty="0" err="1"/>
-              <a:t>fl</a:t>
-            </a:r>
-            <a:r>
-              <a:rPr lang="fr-FR" dirty="0"/>
-              <a:t>è</a:t>
-            </a:r>
-            <a:r>
-              <a:rPr lang="en-GB" dirty="0" err="1"/>
-              <a:t>che</a:t>
-            </a:r>
-            <a:r>
-              <a:rPr lang="en-GB" dirty="0"/>
-              <a:t> droit pour continuer</a:t>
-            </a:r>
           </a:p>
         </p:txBody>
       </p:sp>
@@ -8552,6 +8554,61 @@
           </a:prstGeom>
         </p:spPr>
       </p:pic>
+      <p:sp>
+        <p:nvSpPr>
+          <p:cNvPr id="9" name="Rectangle 8">
+            <a:extLst>
+              <a:ext uri="{FF2B5EF4-FFF2-40B4-BE49-F238E27FC236}">
+                <a16:creationId xmlns:a16="http://schemas.microsoft.com/office/drawing/2014/main" id="{CB566E97-3981-4746-92D2-E7AEAEDC39FD}"/>
+              </a:ext>
+            </a:extLst>
+          </p:cNvPr>
+          <p:cNvSpPr/>
+          <p:nvPr/>
+        </p:nvSpPr>
+        <p:spPr>
+          <a:xfrm>
+            <a:off x="3825636" y="6483648"/>
+            <a:ext cx="4540731" cy="369332"/>
+          </a:xfrm>
+          <a:prstGeom prst="rect">
+            <a:avLst/>
+          </a:prstGeom>
+        </p:spPr>
+        <p:txBody>
+          <a:bodyPr wrap="none">
+            <a:spAutoFit/>
+          </a:bodyPr>
+          <a:lstStyle/>
+          <a:p>
+            <a:pPr algn="ctr"/>
+            <a:r>
+              <a:rPr lang="en-GB" dirty="0" err="1"/>
+              <a:t>Appuyez</a:t>
+            </a:r>
+            <a:r>
+              <a:rPr lang="en-GB" dirty="0"/>
+              <a:t> sur la </a:t>
+            </a:r>
+            <a:r>
+              <a:rPr lang="en-GB" dirty="0" err="1"/>
+              <a:t>fl</a:t>
+            </a:r>
+            <a:r>
+              <a:rPr lang="fr-FR" dirty="0"/>
+              <a:t>è</a:t>
+            </a:r>
+            <a:r>
+              <a:rPr lang="en-GB" dirty="0" err="1"/>
+              <a:t>che</a:t>
+            </a:r>
+            <a:r>
+              <a:rPr lang="en-GB" dirty="0"/>
+              <a:t> de droite pour continuer</a:t>
+            </a:r>
+          </a:p>
+        </p:txBody>
+      </p:sp>
     </p:spTree>
     <p:extLst>
       <p:ext uri="{BB962C8B-B14F-4D97-AF65-F5344CB8AC3E}">
@@ -8628,151 +8685,6 @@
       </p:sp>
       <p:sp>
         <p:nvSpPr>
-          <p:cNvPr id="7" name="ZoneTexte 6"/>
-          <p:cNvSpPr txBox="1"/>
-          <p:nvPr/>
-        </p:nvSpPr>
-        <p:spPr>
-          <a:xfrm>
-            <a:off x="1874195" y="1137597"/>
-            <a:ext cx="8443609" cy="1723549"/>
-          </a:xfrm>
-          <a:prstGeom prst="rect">
-            <a:avLst/>
-          </a:prstGeom>
-          <a:noFill/>
-        </p:spPr>
-        <p:txBody>
-          <a:bodyPr wrap="square" rtlCol="0">
-            <a:spAutoFit/>
-          </a:bodyPr>
-          <a:lstStyle/>
-          <a:p>
-            <a:pPr algn="ctr">
-              <a:spcAft>
-                <a:spcPts val="1200"/>
-              </a:spcAft>
-            </a:pPr>
-            <a:r>
-              <a:rPr lang="en-GB" sz="2400" dirty="0"/>
-              <a:t>Durant </a:t>
-            </a:r>
-            <a:r>
-              <a:rPr lang="en-GB" sz="2400" dirty="0" err="1"/>
-              <a:t>cette</a:t>
-            </a:r>
-            <a:r>
-              <a:rPr lang="en-GB" sz="2400" dirty="0"/>
-              <a:t> phase, les </a:t>
-            </a:r>
-            <a:r>
-              <a:rPr lang="en-GB" sz="2400" dirty="0" err="1"/>
-              <a:t>paires</a:t>
-            </a:r>
-            <a:r>
-              <a:rPr lang="en-GB" sz="2400" dirty="0"/>
-              <a:t> de </a:t>
-            </a:r>
-            <a:r>
-              <a:rPr lang="en-GB" sz="2400" dirty="0" err="1"/>
-              <a:t>nombres</a:t>
-            </a:r>
-            <a:r>
-              <a:rPr lang="en-GB" sz="2400" dirty="0"/>
-              <a:t> </a:t>
-            </a:r>
-            <a:r>
-              <a:rPr lang="en-GB" sz="2400" b="1" dirty="0" err="1"/>
-              <a:t>apparaîtront</a:t>
-            </a:r>
-            <a:r>
-              <a:rPr lang="en-GB" sz="2400" dirty="0"/>
-              <a:t> </a:t>
-            </a:r>
-            <a:r>
-              <a:rPr lang="en-GB" sz="2400" dirty="0" err="1"/>
-              <a:t>comme</a:t>
-            </a:r>
-            <a:r>
-              <a:rPr lang="en-GB" sz="2400" dirty="0"/>
-              <a:t> dessous:</a:t>
-            </a:r>
-          </a:p>
-          <a:p>
-            <a:pPr algn="ctr">
-              <a:spcAft>
-                <a:spcPts val="1200"/>
-              </a:spcAft>
-            </a:pPr>
-            <a:r>
-              <a:rPr lang="en-GB" sz="2400" dirty="0" err="1"/>
-              <a:t>Ils</a:t>
-            </a:r>
-            <a:r>
-              <a:rPr lang="en-GB" sz="2400" dirty="0"/>
-              <a:t> </a:t>
-            </a:r>
-            <a:r>
-              <a:rPr lang="en-GB" sz="2400" dirty="0" err="1"/>
-              <a:t>changeront</a:t>
-            </a:r>
-            <a:r>
-              <a:rPr lang="en-GB" sz="2400" dirty="0"/>
-              <a:t> </a:t>
-            </a:r>
-            <a:r>
-              <a:rPr lang="en-GB" sz="2400" b="1" dirty="0" err="1"/>
-              <a:t>chaque</a:t>
-            </a:r>
-            <a:r>
-              <a:rPr lang="en-GB" sz="2400" b="1" dirty="0"/>
-              <a:t> </a:t>
-            </a:r>
-            <a:r>
-              <a:rPr lang="en-GB" sz="2400" b="1" dirty="0" err="1"/>
-              <a:t>seconde</a:t>
-            </a:r>
-            <a:r>
-              <a:rPr lang="en-GB" sz="2400" dirty="0"/>
-              <a:t> et </a:t>
-            </a:r>
-            <a:r>
-              <a:rPr lang="en-GB" sz="2400" dirty="0" err="1"/>
-              <a:t>apparaîtront</a:t>
-            </a:r>
-            <a:r>
-              <a:rPr lang="en-GB" sz="2400" dirty="0"/>
-              <a:t> dans</a:t>
-            </a:r>
-            <a:r>
-              <a:rPr lang="en-GB" sz="2400" b="1" dirty="0"/>
-              <a:t> </a:t>
-            </a:r>
-            <a:r>
-              <a:rPr lang="en-GB" sz="2400" b="1" dirty="0" err="1"/>
-              <a:t>l’ordre</a:t>
-            </a:r>
-            <a:r>
-              <a:rPr lang="en-GB" sz="2400" b="1" dirty="0"/>
-              <a:t> croissant</a:t>
-            </a:r>
-            <a:r>
-              <a:rPr lang="en-GB" sz="2400" dirty="0"/>
-              <a:t> (de 1 </a:t>
-            </a:r>
-            <a:r>
-              <a:rPr lang="fr-FR" sz="2400" dirty="0"/>
-              <a:t>à</a:t>
-            </a:r>
-            <a:r>
-              <a:rPr lang="en-GB" sz="2400" dirty="0"/>
-              <a:t> 8)</a:t>
-            </a:r>
-          </a:p>
-        </p:txBody>
-      </p:sp>
-      <p:sp>
-        <p:nvSpPr>
           <p:cNvPr id="9" name="Rectangle 8"/>
           <p:cNvSpPr/>
           <p:nvPr/>
@@ -8823,61 +8735,6 @@
           </a:p>
         </p:txBody>
       </p:sp>
-      <p:sp>
-        <p:nvSpPr>
-          <p:cNvPr id="10" name="Rectangle 9">
-            <a:extLst>
-              <a:ext uri="{FF2B5EF4-FFF2-40B4-BE49-F238E27FC236}">
-                <a16:creationId xmlns:a16="http://schemas.microsoft.com/office/drawing/2014/main" id="{3AA6DE88-E1CA-4798-A76A-C14E357E5404}"/>
-              </a:ext>
-            </a:extLst>
-          </p:cNvPr>
-          <p:cNvSpPr/>
-          <p:nvPr/>
-        </p:nvSpPr>
-        <p:spPr>
-          <a:xfrm>
-            <a:off x="4027165" y="6483648"/>
-            <a:ext cx="4137671" cy="369332"/>
-          </a:xfrm>
-          <a:prstGeom prst="rect">
-            <a:avLst/>
-          </a:prstGeom>
-        </p:spPr>
-        <p:txBody>
-          <a:bodyPr wrap="none">
-            <a:spAutoFit/>
-          </a:bodyPr>
-          <a:lstStyle/>
-          <a:p>
-            <a:pPr algn="ctr"/>
-            <a:r>
-              <a:rPr lang="en-GB" dirty="0" err="1"/>
-              <a:t>Appuyez</a:t>
-            </a:r>
-            <a:r>
-              <a:rPr lang="en-GB" dirty="0"/>
-              <a:t> sur la </a:t>
-            </a:r>
-            <a:r>
-              <a:rPr lang="en-GB" dirty="0" err="1"/>
-              <a:t>fl</a:t>
-            </a:r>
-            <a:r>
-              <a:rPr lang="fr-FR" dirty="0"/>
-              <a:t>è</a:t>
-            </a:r>
-            <a:r>
-              <a:rPr lang="en-GB" dirty="0" err="1"/>
-              <a:t>che</a:t>
-            </a:r>
-            <a:r>
-              <a:rPr lang="en-GB" dirty="0"/>
-              <a:t> droit pour continuer</a:t>
-            </a:r>
-          </a:p>
-        </p:txBody>
-      </p:sp>
       <p:pic>
         <p:nvPicPr>
           <p:cNvPr id="2" name="Picture 1">
@@ -8907,6 +8764,212 @@
           </a:prstGeom>
         </p:spPr>
       </p:pic>
+      <p:sp>
+        <p:nvSpPr>
+          <p:cNvPr id="8" name="ZoneTexte 6">
+            <a:extLst>
+              <a:ext uri="{FF2B5EF4-FFF2-40B4-BE49-F238E27FC236}">
+                <a16:creationId xmlns:a16="http://schemas.microsoft.com/office/drawing/2014/main" id="{05F791CE-5960-44D1-B7A4-2D84F414F5FA}"/>
+              </a:ext>
+            </a:extLst>
+          </p:cNvPr>
+          <p:cNvSpPr txBox="1"/>
+          <p:nvPr/>
+        </p:nvSpPr>
+        <p:spPr>
+          <a:xfrm>
+            <a:off x="1908438" y="1137597"/>
+            <a:ext cx="8375124" cy="1723549"/>
+          </a:xfrm>
+          <a:prstGeom prst="rect">
+            <a:avLst/>
+          </a:prstGeom>
+          <a:noFill/>
+        </p:spPr>
+        <p:txBody>
+          <a:bodyPr wrap="square" rtlCol="0">
+            <a:spAutoFit/>
+          </a:bodyPr>
+          <a:lstStyle/>
+          <a:p>
+            <a:pPr algn="ctr">
+              <a:spcAft>
+                <a:spcPts val="1200"/>
+              </a:spcAft>
+            </a:pPr>
+            <a:r>
+              <a:rPr lang="en-GB" sz="2400" dirty="0"/>
+              <a:t>Durant </a:t>
+            </a:r>
+            <a:r>
+              <a:rPr lang="en-GB" sz="2400" dirty="0" err="1"/>
+              <a:t>cette</a:t>
+            </a:r>
+            <a:r>
+              <a:rPr lang="en-GB" sz="2400" dirty="0"/>
+              <a:t> phase, les </a:t>
+            </a:r>
+            <a:r>
+              <a:rPr lang="en-GB" sz="2400" dirty="0" err="1"/>
+              <a:t>paires</a:t>
+            </a:r>
+            <a:r>
+              <a:rPr lang="en-GB" sz="2400" dirty="0"/>
+              <a:t> de </a:t>
+            </a:r>
+            <a:r>
+              <a:rPr lang="en-GB" sz="2400" dirty="0" err="1"/>
+              <a:t>nombres</a:t>
+            </a:r>
+            <a:r>
+              <a:rPr lang="en-GB" sz="2400" dirty="0"/>
+              <a:t> </a:t>
+            </a:r>
+            <a:r>
+              <a:rPr lang="en-GB" sz="2400" b="1" dirty="0" err="1"/>
+              <a:t>apparaîtront</a:t>
+            </a:r>
+            <a:r>
+              <a:rPr lang="en-GB" sz="2400" dirty="0"/>
+              <a:t> </a:t>
+            </a:r>
+            <a:r>
+              <a:rPr lang="en-GB" sz="2400" dirty="0" err="1"/>
+              <a:t>comme</a:t>
+            </a:r>
+            <a:r>
+              <a:rPr lang="en-GB" sz="2400" dirty="0"/>
+              <a:t> ci-dessous:</a:t>
+            </a:r>
+          </a:p>
+          <a:p>
+            <a:pPr algn="ctr">
+              <a:spcAft>
+                <a:spcPts val="1200"/>
+              </a:spcAft>
+            </a:pPr>
+            <a:r>
+              <a:rPr lang="en-GB" sz="2400" dirty="0" err="1"/>
+              <a:t>Ils</a:t>
+            </a:r>
+            <a:r>
+              <a:rPr lang="en-GB" sz="2400" dirty="0"/>
+              <a:t> </a:t>
+            </a:r>
+            <a:r>
+              <a:rPr lang="en-GB" sz="2400" dirty="0" err="1"/>
+              <a:t>changeront</a:t>
+            </a:r>
+            <a:r>
+              <a:rPr lang="en-GB" sz="2400" dirty="0"/>
+              <a:t> </a:t>
+            </a:r>
+            <a:r>
+              <a:rPr lang="en-GB" sz="2400" b="1" dirty="0" err="1"/>
+              <a:t>chaque</a:t>
+            </a:r>
+            <a:r>
+              <a:rPr lang="en-GB" sz="2400" b="1" dirty="0"/>
+              <a:t> </a:t>
+            </a:r>
+            <a:r>
+              <a:rPr lang="en-GB" sz="2400" b="1" dirty="0" err="1"/>
+              <a:t>seconde</a:t>
+            </a:r>
+            <a:r>
+              <a:rPr lang="en-GB" sz="2400" dirty="0"/>
+              <a:t> et </a:t>
+            </a:r>
+            <a:r>
+              <a:rPr lang="en-GB" sz="2400" dirty="0" err="1"/>
+              <a:t>apparaîtront</a:t>
+            </a:r>
+            <a:r>
+              <a:rPr lang="en-GB" sz="2400" dirty="0"/>
+              <a:t> dans</a:t>
+            </a:r>
+            <a:r>
+              <a:rPr lang="en-GB" sz="2400" b="1" dirty="0"/>
+              <a:t> </a:t>
+            </a:r>
+            <a:r>
+              <a:rPr lang="en-GB" sz="2400" b="1" dirty="0" err="1"/>
+              <a:t>l’ordre</a:t>
+            </a:r>
+            <a:r>
+              <a:rPr lang="en-GB" sz="2400" b="1" dirty="0"/>
+              <a:t> croissant</a:t>
+            </a:r>
+            <a:r>
+              <a:rPr lang="en-GB" sz="2400" dirty="0"/>
+              <a:t> (de 1 </a:t>
+            </a:r>
+            <a:r>
+              <a:rPr lang="fr-FR" sz="2400" dirty="0"/>
+              <a:t>à</a:t>
+            </a:r>
+            <a:r>
+              <a:rPr lang="en-GB" sz="2400" dirty="0"/>
+              <a:t> 8)</a:t>
+            </a:r>
+          </a:p>
+        </p:txBody>
+      </p:sp>
+      <p:sp>
+        <p:nvSpPr>
+          <p:cNvPr id="11" name="Rectangle 10">
+            <a:extLst>
+              <a:ext uri="{FF2B5EF4-FFF2-40B4-BE49-F238E27FC236}">
+                <a16:creationId xmlns:a16="http://schemas.microsoft.com/office/drawing/2014/main" id="{150C1531-2755-4996-A937-9D5DCCC5F7F3}"/>
+              </a:ext>
+            </a:extLst>
+          </p:cNvPr>
+          <p:cNvSpPr/>
+          <p:nvPr/>
+        </p:nvSpPr>
+        <p:spPr>
+          <a:xfrm>
+            <a:off x="3825636" y="6483648"/>
+            <a:ext cx="4540731" cy="369332"/>
+          </a:xfrm>
+          <a:prstGeom prst="rect">
+            <a:avLst/>
+          </a:prstGeom>
+        </p:spPr>
+        <p:txBody>
+          <a:bodyPr wrap="none">
+            <a:spAutoFit/>
+          </a:bodyPr>
+          <a:lstStyle/>
+          <a:p>
+            <a:pPr algn="ctr"/>
+            <a:r>
+              <a:rPr lang="en-GB" dirty="0" err="1"/>
+              <a:t>Appuyez</a:t>
+            </a:r>
+            <a:r>
+              <a:rPr lang="en-GB" dirty="0"/>
+              <a:t> sur la </a:t>
+            </a:r>
+            <a:r>
+              <a:rPr lang="en-GB" dirty="0" err="1"/>
+              <a:t>fl</a:t>
+            </a:r>
+            <a:r>
+              <a:rPr lang="fr-FR" dirty="0"/>
+              <a:t>è</a:t>
+            </a:r>
+            <a:r>
+              <a:rPr lang="en-GB" dirty="0" err="1"/>
+              <a:t>che</a:t>
+            </a:r>
+            <a:r>
+              <a:rPr lang="en-GB" dirty="0"/>
+              <a:t> de droite pour continuer</a:t>
+            </a:r>
+          </a:p>
+        </p:txBody>
+      </p:sp>
     </p:spTree>
     <p:extLst>
       <p:ext uri="{BB962C8B-B14F-4D97-AF65-F5344CB8AC3E}">
@@ -8983,151 +9046,6 @@
       </p:sp>
       <p:sp>
         <p:nvSpPr>
-          <p:cNvPr id="7" name="ZoneTexte 6"/>
-          <p:cNvSpPr txBox="1"/>
-          <p:nvPr/>
-        </p:nvSpPr>
-        <p:spPr>
-          <a:xfrm>
-            <a:off x="1874195" y="1137597"/>
-            <a:ext cx="8443609" cy="1723549"/>
-          </a:xfrm>
-          <a:prstGeom prst="rect">
-            <a:avLst/>
-          </a:prstGeom>
-          <a:noFill/>
-        </p:spPr>
-        <p:txBody>
-          <a:bodyPr wrap="square" rtlCol="0">
-            <a:spAutoFit/>
-          </a:bodyPr>
-          <a:lstStyle/>
-          <a:p>
-            <a:pPr algn="ctr">
-              <a:spcAft>
-                <a:spcPts val="1200"/>
-              </a:spcAft>
-            </a:pPr>
-            <a:r>
-              <a:rPr lang="en-GB" sz="2400" dirty="0"/>
-              <a:t>Durant </a:t>
-            </a:r>
-            <a:r>
-              <a:rPr lang="en-GB" sz="2400" dirty="0" err="1"/>
-              <a:t>cette</a:t>
-            </a:r>
-            <a:r>
-              <a:rPr lang="en-GB" sz="2400" dirty="0"/>
-              <a:t> phase, les </a:t>
-            </a:r>
-            <a:r>
-              <a:rPr lang="en-GB" sz="2400" dirty="0" err="1"/>
-              <a:t>paires</a:t>
-            </a:r>
-            <a:r>
-              <a:rPr lang="en-GB" sz="2400" dirty="0"/>
-              <a:t> de </a:t>
-            </a:r>
-            <a:r>
-              <a:rPr lang="en-GB" sz="2400" dirty="0" err="1"/>
-              <a:t>nombres</a:t>
-            </a:r>
-            <a:r>
-              <a:rPr lang="en-GB" sz="2400" dirty="0"/>
-              <a:t> </a:t>
-            </a:r>
-            <a:r>
-              <a:rPr lang="en-GB" sz="2400" b="1" dirty="0" err="1"/>
-              <a:t>apparaîtront</a:t>
-            </a:r>
-            <a:r>
-              <a:rPr lang="en-GB" sz="2400" dirty="0"/>
-              <a:t> </a:t>
-            </a:r>
-            <a:r>
-              <a:rPr lang="en-GB" sz="2400" dirty="0" err="1"/>
-              <a:t>comme</a:t>
-            </a:r>
-            <a:r>
-              <a:rPr lang="en-GB" sz="2400" dirty="0"/>
-              <a:t> dessous:</a:t>
-            </a:r>
-          </a:p>
-          <a:p>
-            <a:pPr algn="ctr">
-              <a:spcAft>
-                <a:spcPts val="1200"/>
-              </a:spcAft>
-            </a:pPr>
-            <a:r>
-              <a:rPr lang="en-GB" sz="2400" dirty="0" err="1"/>
-              <a:t>Ils</a:t>
-            </a:r>
-            <a:r>
-              <a:rPr lang="en-GB" sz="2400" dirty="0"/>
-              <a:t> </a:t>
-            </a:r>
-            <a:r>
-              <a:rPr lang="en-GB" sz="2400" dirty="0" err="1"/>
-              <a:t>changeront</a:t>
-            </a:r>
-            <a:r>
-              <a:rPr lang="en-GB" sz="2400" dirty="0"/>
-              <a:t> </a:t>
-            </a:r>
-            <a:r>
-              <a:rPr lang="en-GB" sz="2400" b="1" dirty="0" err="1"/>
-              <a:t>chaque</a:t>
-            </a:r>
-            <a:r>
-              <a:rPr lang="en-GB" sz="2400" b="1" dirty="0"/>
-              <a:t> </a:t>
-            </a:r>
-            <a:r>
-              <a:rPr lang="en-GB" sz="2400" b="1" dirty="0" err="1"/>
-              <a:t>seconde</a:t>
-            </a:r>
-            <a:r>
-              <a:rPr lang="en-GB" sz="2400" dirty="0"/>
-              <a:t> et </a:t>
-            </a:r>
-            <a:r>
-              <a:rPr lang="en-GB" sz="2400" dirty="0" err="1"/>
-              <a:t>apparaîtront</a:t>
-            </a:r>
-            <a:r>
-              <a:rPr lang="en-GB" sz="2400" dirty="0"/>
-              <a:t> dans</a:t>
-            </a:r>
-            <a:r>
-              <a:rPr lang="en-GB" sz="2400" b="1" dirty="0"/>
-              <a:t> </a:t>
-            </a:r>
-            <a:r>
-              <a:rPr lang="en-GB" sz="2400" b="1" dirty="0" err="1"/>
-              <a:t>l’ordre</a:t>
-            </a:r>
-            <a:r>
-              <a:rPr lang="en-GB" sz="2400" b="1" dirty="0"/>
-              <a:t> croissant</a:t>
-            </a:r>
-            <a:r>
-              <a:rPr lang="en-GB" sz="2400" dirty="0"/>
-              <a:t> (de 1 </a:t>
-            </a:r>
-            <a:r>
-              <a:rPr lang="fr-FR" sz="2400" dirty="0"/>
-              <a:t>à</a:t>
-            </a:r>
-            <a:r>
-              <a:rPr lang="en-GB" sz="2400" dirty="0"/>
-              <a:t> 8)</a:t>
-            </a:r>
-          </a:p>
-        </p:txBody>
-      </p:sp>
-      <p:sp>
-        <p:nvSpPr>
           <p:cNvPr id="9" name="Rectangle 8"/>
           <p:cNvSpPr/>
           <p:nvPr/>
@@ -9178,61 +9096,6 @@
           </a:p>
         </p:txBody>
       </p:sp>
-      <p:sp>
-        <p:nvSpPr>
-          <p:cNvPr id="10" name="Rectangle 9">
-            <a:extLst>
-              <a:ext uri="{FF2B5EF4-FFF2-40B4-BE49-F238E27FC236}">
-                <a16:creationId xmlns:a16="http://schemas.microsoft.com/office/drawing/2014/main" id="{3AA6DE88-E1CA-4798-A76A-C14E357E5404}"/>
-              </a:ext>
-            </a:extLst>
-          </p:cNvPr>
-          <p:cNvSpPr/>
-          <p:nvPr/>
-        </p:nvSpPr>
-        <p:spPr>
-          <a:xfrm>
-            <a:off x="4027165" y="6483648"/>
-            <a:ext cx="4137671" cy="369332"/>
-          </a:xfrm>
-          <a:prstGeom prst="rect">
-            <a:avLst/>
-          </a:prstGeom>
-        </p:spPr>
-        <p:txBody>
-          <a:bodyPr wrap="none">
-            <a:spAutoFit/>
-          </a:bodyPr>
-          <a:lstStyle/>
-          <a:p>
-            <a:pPr algn="ctr"/>
-            <a:r>
-              <a:rPr lang="en-GB" dirty="0" err="1"/>
-              <a:t>Appuyez</a:t>
-            </a:r>
-            <a:r>
-              <a:rPr lang="en-GB" dirty="0"/>
-              <a:t> sur la </a:t>
-            </a:r>
-            <a:r>
-              <a:rPr lang="en-GB" dirty="0" err="1"/>
-              <a:t>fl</a:t>
-            </a:r>
-            <a:r>
-              <a:rPr lang="fr-FR" dirty="0"/>
-              <a:t>è</a:t>
-            </a:r>
-            <a:r>
-              <a:rPr lang="en-GB" dirty="0" err="1"/>
-              <a:t>che</a:t>
-            </a:r>
-            <a:r>
-              <a:rPr lang="en-GB" dirty="0"/>
-              <a:t> droit pour continuer</a:t>
-            </a:r>
-          </a:p>
-        </p:txBody>
-      </p:sp>
       <p:pic>
         <p:nvPicPr>
           <p:cNvPr id="4" name="Picture 3">
@@ -9262,6 +9125,212 @@
           </a:prstGeom>
         </p:spPr>
       </p:pic>
+      <p:sp>
+        <p:nvSpPr>
+          <p:cNvPr id="8" name="ZoneTexte 6">
+            <a:extLst>
+              <a:ext uri="{FF2B5EF4-FFF2-40B4-BE49-F238E27FC236}">
+                <a16:creationId xmlns:a16="http://schemas.microsoft.com/office/drawing/2014/main" id="{F4D699C4-0AFC-4B09-AB6F-C43C3BE18390}"/>
+              </a:ext>
+            </a:extLst>
+          </p:cNvPr>
+          <p:cNvSpPr txBox="1"/>
+          <p:nvPr/>
+        </p:nvSpPr>
+        <p:spPr>
+          <a:xfrm>
+            <a:off x="1908438" y="1137597"/>
+            <a:ext cx="8375124" cy="1723549"/>
+          </a:xfrm>
+          <a:prstGeom prst="rect">
+            <a:avLst/>
+          </a:prstGeom>
+          <a:noFill/>
+        </p:spPr>
+        <p:txBody>
+          <a:bodyPr wrap="square" rtlCol="0">
+            <a:spAutoFit/>
+          </a:bodyPr>
+          <a:lstStyle/>
+          <a:p>
+            <a:pPr algn="ctr">
+              <a:spcAft>
+                <a:spcPts val="1200"/>
+              </a:spcAft>
+            </a:pPr>
+            <a:r>
+              <a:rPr lang="en-GB" sz="2400" dirty="0"/>
+              <a:t>Durant </a:t>
+            </a:r>
+            <a:r>
+              <a:rPr lang="en-GB" sz="2400" dirty="0" err="1"/>
+              <a:t>cette</a:t>
+            </a:r>
+            <a:r>
+              <a:rPr lang="en-GB" sz="2400" dirty="0"/>
+              <a:t> phase, les </a:t>
+            </a:r>
+            <a:r>
+              <a:rPr lang="en-GB" sz="2400" dirty="0" err="1"/>
+              <a:t>paires</a:t>
+            </a:r>
+            <a:r>
+              <a:rPr lang="en-GB" sz="2400" dirty="0"/>
+              <a:t> de </a:t>
+            </a:r>
+            <a:r>
+              <a:rPr lang="en-GB" sz="2400" dirty="0" err="1"/>
+              <a:t>nombres</a:t>
+            </a:r>
+            <a:r>
+              <a:rPr lang="en-GB" sz="2400" dirty="0"/>
+              <a:t> </a:t>
+            </a:r>
+            <a:r>
+              <a:rPr lang="en-GB" sz="2400" b="1" dirty="0" err="1"/>
+              <a:t>apparaîtront</a:t>
+            </a:r>
+            <a:r>
+              <a:rPr lang="en-GB" sz="2400" dirty="0"/>
+              <a:t> </a:t>
+            </a:r>
+            <a:r>
+              <a:rPr lang="en-GB" sz="2400" dirty="0" err="1"/>
+              <a:t>comme</a:t>
+            </a:r>
+            <a:r>
+              <a:rPr lang="en-GB" sz="2400" dirty="0"/>
+              <a:t> ci-dessous:</a:t>
+            </a:r>
+          </a:p>
+          <a:p>
+            <a:pPr algn="ctr">
+              <a:spcAft>
+                <a:spcPts val="1200"/>
+              </a:spcAft>
+            </a:pPr>
+            <a:r>
+              <a:rPr lang="en-GB" sz="2400" dirty="0" err="1"/>
+              <a:t>Ils</a:t>
+            </a:r>
+            <a:r>
+              <a:rPr lang="en-GB" sz="2400" dirty="0"/>
+              <a:t> </a:t>
+            </a:r>
+            <a:r>
+              <a:rPr lang="en-GB" sz="2400" dirty="0" err="1"/>
+              <a:t>changeront</a:t>
+            </a:r>
+            <a:r>
+              <a:rPr lang="en-GB" sz="2400" dirty="0"/>
+              <a:t> </a:t>
+            </a:r>
+            <a:r>
+              <a:rPr lang="en-GB" sz="2400" b="1" dirty="0" err="1"/>
+              <a:t>chaque</a:t>
+            </a:r>
+            <a:r>
+              <a:rPr lang="en-GB" sz="2400" b="1" dirty="0"/>
+              <a:t> </a:t>
+            </a:r>
+            <a:r>
+              <a:rPr lang="en-GB" sz="2400" b="1" dirty="0" err="1"/>
+              <a:t>seconde</a:t>
+            </a:r>
+            <a:r>
+              <a:rPr lang="en-GB" sz="2400" dirty="0"/>
+              <a:t> et </a:t>
+            </a:r>
+            <a:r>
+              <a:rPr lang="en-GB" sz="2400" dirty="0" err="1"/>
+              <a:t>apparaîtront</a:t>
+            </a:r>
+            <a:r>
+              <a:rPr lang="en-GB" sz="2400" dirty="0"/>
+              <a:t> dans</a:t>
+            </a:r>
+            <a:r>
+              <a:rPr lang="en-GB" sz="2400" b="1" dirty="0"/>
+              <a:t> </a:t>
+            </a:r>
+            <a:r>
+              <a:rPr lang="en-GB" sz="2400" b="1" dirty="0" err="1"/>
+              <a:t>l’ordre</a:t>
+            </a:r>
+            <a:r>
+              <a:rPr lang="en-GB" sz="2400" b="1" dirty="0"/>
+              <a:t> croissant</a:t>
+            </a:r>
+            <a:r>
+              <a:rPr lang="en-GB" sz="2400" dirty="0"/>
+              <a:t> (de 1 </a:t>
+            </a:r>
+            <a:r>
+              <a:rPr lang="fr-FR" sz="2400" dirty="0"/>
+              <a:t>à</a:t>
+            </a:r>
+            <a:r>
+              <a:rPr lang="en-GB" sz="2400" dirty="0"/>
+              <a:t> 8)</a:t>
+            </a:r>
+          </a:p>
+        </p:txBody>
+      </p:sp>
+      <p:sp>
+        <p:nvSpPr>
+          <p:cNvPr id="11" name="Rectangle 10">
+            <a:extLst>
+              <a:ext uri="{FF2B5EF4-FFF2-40B4-BE49-F238E27FC236}">
+                <a16:creationId xmlns:a16="http://schemas.microsoft.com/office/drawing/2014/main" id="{B0D3A0AB-CA4F-4A79-A0DD-2ED32BCE857B}"/>
+              </a:ext>
+            </a:extLst>
+          </p:cNvPr>
+          <p:cNvSpPr/>
+          <p:nvPr/>
+        </p:nvSpPr>
+        <p:spPr>
+          <a:xfrm>
+            <a:off x="3825636" y="6483648"/>
+            <a:ext cx="4540731" cy="369332"/>
+          </a:xfrm>
+          <a:prstGeom prst="rect">
+            <a:avLst/>
+          </a:prstGeom>
+        </p:spPr>
+        <p:txBody>
+          <a:bodyPr wrap="none">
+            <a:spAutoFit/>
+          </a:bodyPr>
+          <a:lstStyle/>
+          <a:p>
+            <a:pPr algn="ctr"/>
+            <a:r>
+              <a:rPr lang="en-GB" dirty="0" err="1"/>
+              <a:t>Appuyez</a:t>
+            </a:r>
+            <a:r>
+              <a:rPr lang="en-GB" dirty="0"/>
+              <a:t> sur la </a:t>
+            </a:r>
+            <a:r>
+              <a:rPr lang="en-GB" dirty="0" err="1"/>
+              <a:t>fl</a:t>
+            </a:r>
+            <a:r>
+              <a:rPr lang="fr-FR" dirty="0"/>
+              <a:t>è</a:t>
+            </a:r>
+            <a:r>
+              <a:rPr lang="en-GB" dirty="0" err="1"/>
+              <a:t>che</a:t>
+            </a:r>
+            <a:r>
+              <a:rPr lang="en-GB" dirty="0"/>
+              <a:t> de droite pour continuer</a:t>
+            </a:r>
+          </a:p>
+        </p:txBody>
+      </p:sp>
     </p:spTree>
     <p:extLst>
       <p:ext uri="{BB962C8B-B14F-4D97-AF65-F5344CB8AC3E}">
@@ -9338,151 +9407,6 @@
       </p:sp>
       <p:sp>
         <p:nvSpPr>
-          <p:cNvPr id="7" name="ZoneTexte 6"/>
-          <p:cNvSpPr txBox="1"/>
-          <p:nvPr/>
-        </p:nvSpPr>
-        <p:spPr>
-          <a:xfrm>
-            <a:off x="1874195" y="1137597"/>
-            <a:ext cx="8443609" cy="1723549"/>
-          </a:xfrm>
-          <a:prstGeom prst="rect">
-            <a:avLst/>
-          </a:prstGeom>
-          <a:noFill/>
-        </p:spPr>
-        <p:txBody>
-          <a:bodyPr wrap="square" rtlCol="0">
-            <a:spAutoFit/>
-          </a:bodyPr>
-          <a:lstStyle/>
-          <a:p>
-            <a:pPr algn="ctr">
-              <a:spcAft>
-                <a:spcPts val="1200"/>
-              </a:spcAft>
-            </a:pPr>
-            <a:r>
-              <a:rPr lang="en-GB" sz="2400" dirty="0"/>
-              <a:t>Durant </a:t>
-            </a:r>
-            <a:r>
-              <a:rPr lang="en-GB" sz="2400" dirty="0" err="1"/>
-              <a:t>cette</a:t>
-            </a:r>
-            <a:r>
-              <a:rPr lang="en-GB" sz="2400" dirty="0"/>
-              <a:t> phase, les </a:t>
-            </a:r>
-            <a:r>
-              <a:rPr lang="en-GB" sz="2400" dirty="0" err="1"/>
-              <a:t>paires</a:t>
-            </a:r>
-            <a:r>
-              <a:rPr lang="en-GB" sz="2400" dirty="0"/>
-              <a:t> de </a:t>
-            </a:r>
-            <a:r>
-              <a:rPr lang="en-GB" sz="2400" dirty="0" err="1"/>
-              <a:t>nombres</a:t>
-            </a:r>
-            <a:r>
-              <a:rPr lang="en-GB" sz="2400" dirty="0"/>
-              <a:t> </a:t>
-            </a:r>
-            <a:r>
-              <a:rPr lang="en-GB" sz="2400" b="1" dirty="0" err="1"/>
-              <a:t>apparaîtront</a:t>
-            </a:r>
-            <a:r>
-              <a:rPr lang="en-GB" sz="2400" dirty="0"/>
-              <a:t> </a:t>
-            </a:r>
-            <a:r>
-              <a:rPr lang="en-GB" sz="2400" dirty="0" err="1"/>
-              <a:t>comme</a:t>
-            </a:r>
-            <a:r>
-              <a:rPr lang="en-GB" sz="2400" dirty="0"/>
-              <a:t> dessous:</a:t>
-            </a:r>
-          </a:p>
-          <a:p>
-            <a:pPr algn="ctr">
-              <a:spcAft>
-                <a:spcPts val="1200"/>
-              </a:spcAft>
-            </a:pPr>
-            <a:r>
-              <a:rPr lang="en-GB" sz="2400" dirty="0" err="1"/>
-              <a:t>Ils</a:t>
-            </a:r>
-            <a:r>
-              <a:rPr lang="en-GB" sz="2400" dirty="0"/>
-              <a:t> </a:t>
-            </a:r>
-            <a:r>
-              <a:rPr lang="en-GB" sz="2400" dirty="0" err="1"/>
-              <a:t>changeront</a:t>
-            </a:r>
-            <a:r>
-              <a:rPr lang="en-GB" sz="2400" dirty="0"/>
-              <a:t> </a:t>
-            </a:r>
-            <a:r>
-              <a:rPr lang="en-GB" sz="2400" b="1" dirty="0" err="1"/>
-              <a:t>chaque</a:t>
-            </a:r>
-            <a:r>
-              <a:rPr lang="en-GB" sz="2400" b="1" dirty="0"/>
-              <a:t> </a:t>
-            </a:r>
-            <a:r>
-              <a:rPr lang="en-GB" sz="2400" b="1" dirty="0" err="1"/>
-              <a:t>seconde</a:t>
-            </a:r>
-            <a:r>
-              <a:rPr lang="en-GB" sz="2400" dirty="0"/>
-              <a:t> et </a:t>
-            </a:r>
-            <a:r>
-              <a:rPr lang="en-GB" sz="2400" dirty="0" err="1"/>
-              <a:t>apparaîtront</a:t>
-            </a:r>
-            <a:r>
-              <a:rPr lang="en-GB" sz="2400" dirty="0"/>
-              <a:t> dans</a:t>
-            </a:r>
-            <a:r>
-              <a:rPr lang="en-GB" sz="2400" b="1" dirty="0"/>
-              <a:t> </a:t>
-            </a:r>
-            <a:r>
-              <a:rPr lang="en-GB" sz="2400" b="1" dirty="0" err="1"/>
-              <a:t>l’ordre</a:t>
-            </a:r>
-            <a:r>
-              <a:rPr lang="en-GB" sz="2400" b="1" dirty="0"/>
-              <a:t> croissant</a:t>
-            </a:r>
-            <a:r>
-              <a:rPr lang="en-GB" sz="2400" dirty="0"/>
-              <a:t> (de 1 </a:t>
-            </a:r>
-            <a:r>
-              <a:rPr lang="fr-FR" sz="2400" dirty="0"/>
-              <a:t>à</a:t>
-            </a:r>
-            <a:r>
-              <a:rPr lang="en-GB" sz="2400" dirty="0"/>
-              <a:t> 8)</a:t>
-            </a:r>
-          </a:p>
-        </p:txBody>
-      </p:sp>
-      <p:sp>
-        <p:nvSpPr>
           <p:cNvPr id="9" name="Rectangle 8"/>
           <p:cNvSpPr/>
           <p:nvPr/>
@@ -9533,61 +9457,6 @@
           </a:p>
         </p:txBody>
       </p:sp>
-      <p:sp>
-        <p:nvSpPr>
-          <p:cNvPr id="10" name="Rectangle 9">
-            <a:extLst>
-              <a:ext uri="{FF2B5EF4-FFF2-40B4-BE49-F238E27FC236}">
-                <a16:creationId xmlns:a16="http://schemas.microsoft.com/office/drawing/2014/main" id="{3AA6DE88-E1CA-4798-A76A-C14E357E5404}"/>
-              </a:ext>
-            </a:extLst>
-          </p:cNvPr>
-          <p:cNvSpPr/>
-          <p:nvPr/>
-        </p:nvSpPr>
-        <p:spPr>
-          <a:xfrm>
-            <a:off x="4027165" y="6483648"/>
-            <a:ext cx="4137671" cy="369332"/>
-          </a:xfrm>
-          <a:prstGeom prst="rect">
-            <a:avLst/>
-          </a:prstGeom>
-        </p:spPr>
-        <p:txBody>
-          <a:bodyPr wrap="none">
-            <a:spAutoFit/>
-          </a:bodyPr>
-          <a:lstStyle/>
-          <a:p>
-            <a:pPr algn="ctr"/>
-            <a:r>
-              <a:rPr lang="en-GB" dirty="0" err="1"/>
-              <a:t>Appuyez</a:t>
-            </a:r>
-            <a:r>
-              <a:rPr lang="en-GB" dirty="0"/>
-              <a:t> sur la </a:t>
-            </a:r>
-            <a:r>
-              <a:rPr lang="en-GB" dirty="0" err="1"/>
-              <a:t>fl</a:t>
-            </a:r>
-            <a:r>
-              <a:rPr lang="fr-FR" dirty="0"/>
-              <a:t>è</a:t>
-            </a:r>
-            <a:r>
-              <a:rPr lang="en-GB" dirty="0" err="1"/>
-              <a:t>che</a:t>
-            </a:r>
-            <a:r>
-              <a:rPr lang="en-GB" dirty="0"/>
-              <a:t> droit pour continuer</a:t>
-            </a:r>
-          </a:p>
-        </p:txBody>
-      </p:sp>
       <p:pic>
         <p:nvPicPr>
           <p:cNvPr id="6" name="Picture 5">
@@ -9617,6 +9486,212 @@
           </a:prstGeom>
         </p:spPr>
       </p:pic>
+      <p:sp>
+        <p:nvSpPr>
+          <p:cNvPr id="8" name="ZoneTexte 6">
+            <a:extLst>
+              <a:ext uri="{FF2B5EF4-FFF2-40B4-BE49-F238E27FC236}">
+                <a16:creationId xmlns:a16="http://schemas.microsoft.com/office/drawing/2014/main" id="{7656EDA7-86AF-4817-9E9A-0D274A05076E}"/>
+              </a:ext>
+            </a:extLst>
+          </p:cNvPr>
+          <p:cNvSpPr txBox="1"/>
+          <p:nvPr/>
+        </p:nvSpPr>
+        <p:spPr>
+          <a:xfrm>
+            <a:off x="1908438" y="1137597"/>
+            <a:ext cx="8375124" cy="1723549"/>
+          </a:xfrm>
+          <a:prstGeom prst="rect">
+            <a:avLst/>
+          </a:prstGeom>
+          <a:noFill/>
+        </p:spPr>
+        <p:txBody>
+          <a:bodyPr wrap="square" rtlCol="0">
+            <a:spAutoFit/>
+          </a:bodyPr>
+          <a:lstStyle/>
+          <a:p>
+            <a:pPr algn="ctr">
+              <a:spcAft>
+                <a:spcPts val="1200"/>
+              </a:spcAft>
+            </a:pPr>
+            <a:r>
+              <a:rPr lang="en-GB" sz="2400" dirty="0"/>
+              <a:t>Durant </a:t>
+            </a:r>
+            <a:r>
+              <a:rPr lang="en-GB" sz="2400" dirty="0" err="1"/>
+              <a:t>cette</a:t>
+            </a:r>
+            <a:r>
+              <a:rPr lang="en-GB" sz="2400" dirty="0"/>
+              <a:t> phase, les </a:t>
+            </a:r>
+            <a:r>
+              <a:rPr lang="en-GB" sz="2400" dirty="0" err="1"/>
+              <a:t>paires</a:t>
+            </a:r>
+            <a:r>
+              <a:rPr lang="en-GB" sz="2400" dirty="0"/>
+              <a:t> de </a:t>
+            </a:r>
+            <a:r>
+              <a:rPr lang="en-GB" sz="2400" dirty="0" err="1"/>
+              <a:t>nombres</a:t>
+            </a:r>
+            <a:r>
+              <a:rPr lang="en-GB" sz="2400" dirty="0"/>
+              <a:t> </a:t>
+            </a:r>
+            <a:r>
+              <a:rPr lang="en-GB" sz="2400" b="1" dirty="0" err="1"/>
+              <a:t>apparaîtront</a:t>
+            </a:r>
+            <a:r>
+              <a:rPr lang="en-GB" sz="2400" dirty="0"/>
+              <a:t> </a:t>
+            </a:r>
+            <a:r>
+              <a:rPr lang="en-GB" sz="2400" dirty="0" err="1"/>
+              <a:t>comme</a:t>
+            </a:r>
+            <a:r>
+              <a:rPr lang="en-GB" sz="2400" dirty="0"/>
+              <a:t> ci-dessous:</a:t>
+            </a:r>
+          </a:p>
+          <a:p>
+            <a:pPr algn="ctr">
+              <a:spcAft>
+                <a:spcPts val="1200"/>
+              </a:spcAft>
+            </a:pPr>
+            <a:r>
+              <a:rPr lang="en-GB" sz="2400" dirty="0" err="1"/>
+              <a:t>Ils</a:t>
+            </a:r>
+            <a:r>
+              <a:rPr lang="en-GB" sz="2400" dirty="0"/>
+              <a:t> </a:t>
+            </a:r>
+            <a:r>
+              <a:rPr lang="en-GB" sz="2400" dirty="0" err="1"/>
+              <a:t>changeront</a:t>
+            </a:r>
+            <a:r>
+              <a:rPr lang="en-GB" sz="2400" dirty="0"/>
+              <a:t> </a:t>
+            </a:r>
+            <a:r>
+              <a:rPr lang="en-GB" sz="2400" b="1" dirty="0" err="1"/>
+              <a:t>chaque</a:t>
+            </a:r>
+            <a:r>
+              <a:rPr lang="en-GB" sz="2400" b="1" dirty="0"/>
+              <a:t> </a:t>
+            </a:r>
+            <a:r>
+              <a:rPr lang="en-GB" sz="2400" b="1" dirty="0" err="1"/>
+              <a:t>seconde</a:t>
+            </a:r>
+            <a:r>
+              <a:rPr lang="en-GB" sz="2400" dirty="0"/>
+              <a:t> et </a:t>
+            </a:r>
+            <a:r>
+              <a:rPr lang="en-GB" sz="2400" dirty="0" err="1"/>
+              <a:t>apparaîtront</a:t>
+            </a:r>
+            <a:r>
+              <a:rPr lang="en-GB" sz="2400" dirty="0"/>
+              <a:t> dans</a:t>
+            </a:r>
+            <a:r>
+              <a:rPr lang="en-GB" sz="2400" b="1" dirty="0"/>
+              <a:t> </a:t>
+            </a:r>
+            <a:r>
+              <a:rPr lang="en-GB" sz="2400" b="1" dirty="0" err="1"/>
+              <a:t>l’ordre</a:t>
+            </a:r>
+            <a:r>
+              <a:rPr lang="en-GB" sz="2400" b="1" dirty="0"/>
+              <a:t> croissant</a:t>
+            </a:r>
+            <a:r>
+              <a:rPr lang="en-GB" sz="2400" dirty="0"/>
+              <a:t> (de 1 </a:t>
+            </a:r>
+            <a:r>
+              <a:rPr lang="fr-FR" sz="2400" dirty="0"/>
+              <a:t>à</a:t>
+            </a:r>
+            <a:r>
+              <a:rPr lang="en-GB" sz="2400" dirty="0"/>
+              <a:t> 8)</a:t>
+            </a:r>
+          </a:p>
+        </p:txBody>
+      </p:sp>
+      <p:sp>
+        <p:nvSpPr>
+          <p:cNvPr id="11" name="Rectangle 10">
+            <a:extLst>
+              <a:ext uri="{FF2B5EF4-FFF2-40B4-BE49-F238E27FC236}">
+                <a16:creationId xmlns:a16="http://schemas.microsoft.com/office/drawing/2014/main" id="{BCBCD51F-AD1A-40AE-8CE8-AF8ECAE0712A}"/>
+              </a:ext>
+            </a:extLst>
+          </p:cNvPr>
+          <p:cNvSpPr/>
+          <p:nvPr/>
+        </p:nvSpPr>
+        <p:spPr>
+          <a:xfrm>
+            <a:off x="3825636" y="6483648"/>
+            <a:ext cx="4540731" cy="369332"/>
+          </a:xfrm>
+          <a:prstGeom prst="rect">
+            <a:avLst/>
+          </a:prstGeom>
+        </p:spPr>
+        <p:txBody>
+          <a:bodyPr wrap="none">
+            <a:spAutoFit/>
+          </a:bodyPr>
+          <a:lstStyle/>
+          <a:p>
+            <a:pPr algn="ctr"/>
+            <a:r>
+              <a:rPr lang="en-GB" dirty="0" err="1"/>
+              <a:t>Appuyez</a:t>
+            </a:r>
+            <a:r>
+              <a:rPr lang="en-GB" dirty="0"/>
+              <a:t> sur la </a:t>
+            </a:r>
+            <a:r>
+              <a:rPr lang="en-GB" dirty="0" err="1"/>
+              <a:t>fl</a:t>
+            </a:r>
+            <a:r>
+              <a:rPr lang="fr-FR" dirty="0"/>
+              <a:t>è</a:t>
+            </a:r>
+            <a:r>
+              <a:rPr lang="en-GB" dirty="0" err="1"/>
+              <a:t>che</a:t>
+            </a:r>
+            <a:r>
+              <a:rPr lang="en-GB" dirty="0"/>
+              <a:t> de droite pour continuer</a:t>
+            </a:r>
+          </a:p>
+        </p:txBody>
+      </p:sp>
     </p:spTree>
     <p:extLst>
       <p:ext uri="{BB962C8B-B14F-4D97-AF65-F5344CB8AC3E}">
@@ -9693,151 +9768,6 @@
       </p:sp>
       <p:sp>
         <p:nvSpPr>
-          <p:cNvPr id="7" name="ZoneTexte 6"/>
-          <p:cNvSpPr txBox="1"/>
-          <p:nvPr/>
-        </p:nvSpPr>
-        <p:spPr>
-          <a:xfrm>
-            <a:off x="1874195" y="1137597"/>
-            <a:ext cx="8443609" cy="1723549"/>
-          </a:xfrm>
-          <a:prstGeom prst="rect">
-            <a:avLst/>
-          </a:prstGeom>
-          <a:noFill/>
-        </p:spPr>
-        <p:txBody>
-          <a:bodyPr wrap="square" rtlCol="0">
-            <a:spAutoFit/>
-          </a:bodyPr>
-          <a:lstStyle/>
-          <a:p>
-            <a:pPr algn="ctr">
-              <a:spcAft>
-                <a:spcPts val="1200"/>
-              </a:spcAft>
-            </a:pPr>
-            <a:r>
-              <a:rPr lang="en-GB" sz="2400" dirty="0"/>
-              <a:t>Durant </a:t>
-            </a:r>
-            <a:r>
-              <a:rPr lang="en-GB" sz="2400" dirty="0" err="1"/>
-              <a:t>cette</a:t>
-            </a:r>
-            <a:r>
-              <a:rPr lang="en-GB" sz="2400" dirty="0"/>
-              <a:t> phase, les </a:t>
-            </a:r>
-            <a:r>
-              <a:rPr lang="en-GB" sz="2400" dirty="0" err="1"/>
-              <a:t>paires</a:t>
-            </a:r>
-            <a:r>
-              <a:rPr lang="en-GB" sz="2400" dirty="0"/>
-              <a:t> de </a:t>
-            </a:r>
-            <a:r>
-              <a:rPr lang="en-GB" sz="2400" dirty="0" err="1"/>
-              <a:t>nombres</a:t>
-            </a:r>
-            <a:r>
-              <a:rPr lang="en-GB" sz="2400" dirty="0"/>
-              <a:t> </a:t>
-            </a:r>
-            <a:r>
-              <a:rPr lang="en-GB" sz="2400" b="1" dirty="0" err="1"/>
-              <a:t>apparaîtront</a:t>
-            </a:r>
-            <a:r>
-              <a:rPr lang="en-GB" sz="2400" dirty="0"/>
-              <a:t> </a:t>
-            </a:r>
-            <a:r>
-              <a:rPr lang="en-GB" sz="2400" dirty="0" err="1"/>
-              <a:t>comme</a:t>
-            </a:r>
-            <a:r>
-              <a:rPr lang="en-GB" sz="2400" dirty="0"/>
-              <a:t> dessous:</a:t>
-            </a:r>
-          </a:p>
-          <a:p>
-            <a:pPr algn="ctr">
-              <a:spcAft>
-                <a:spcPts val="1200"/>
-              </a:spcAft>
-            </a:pPr>
-            <a:r>
-              <a:rPr lang="en-GB" sz="2400" dirty="0" err="1"/>
-              <a:t>Ils</a:t>
-            </a:r>
-            <a:r>
-              <a:rPr lang="en-GB" sz="2400" dirty="0"/>
-              <a:t> </a:t>
-            </a:r>
-            <a:r>
-              <a:rPr lang="en-GB" sz="2400" dirty="0" err="1"/>
-              <a:t>changeront</a:t>
-            </a:r>
-            <a:r>
-              <a:rPr lang="en-GB" sz="2400" dirty="0"/>
-              <a:t> </a:t>
-            </a:r>
-            <a:r>
-              <a:rPr lang="en-GB" sz="2400" b="1" dirty="0" err="1"/>
-              <a:t>chaque</a:t>
-            </a:r>
-            <a:r>
-              <a:rPr lang="en-GB" sz="2400" b="1" dirty="0"/>
-              <a:t> </a:t>
-            </a:r>
-            <a:r>
-              <a:rPr lang="en-GB" sz="2400" b="1" dirty="0" err="1"/>
-              <a:t>seconde</a:t>
-            </a:r>
-            <a:r>
-              <a:rPr lang="en-GB" sz="2400" dirty="0"/>
-              <a:t> et </a:t>
-            </a:r>
-            <a:r>
-              <a:rPr lang="en-GB" sz="2400" dirty="0" err="1"/>
-              <a:t>apparaîtront</a:t>
-            </a:r>
-            <a:r>
-              <a:rPr lang="en-GB" sz="2400" dirty="0"/>
-              <a:t> dans</a:t>
-            </a:r>
-            <a:r>
-              <a:rPr lang="en-GB" sz="2400" b="1" dirty="0"/>
-              <a:t> </a:t>
-            </a:r>
-            <a:r>
-              <a:rPr lang="en-GB" sz="2400" b="1" dirty="0" err="1"/>
-              <a:t>l’ordre</a:t>
-            </a:r>
-            <a:r>
-              <a:rPr lang="en-GB" sz="2400" b="1" dirty="0"/>
-              <a:t> croissant</a:t>
-            </a:r>
-            <a:r>
-              <a:rPr lang="en-GB" sz="2400" dirty="0"/>
-              <a:t> (de 1 </a:t>
-            </a:r>
-            <a:r>
-              <a:rPr lang="fr-FR" sz="2400" dirty="0"/>
-              <a:t>à</a:t>
-            </a:r>
-            <a:r>
-              <a:rPr lang="en-GB" sz="2400" dirty="0"/>
-              <a:t> 8)</a:t>
-            </a:r>
-          </a:p>
-        </p:txBody>
-      </p:sp>
-      <p:sp>
-        <p:nvSpPr>
           <p:cNvPr id="9" name="Rectangle 8"/>
           <p:cNvSpPr/>
           <p:nvPr/>
@@ -9888,61 +9818,6 @@
           </a:p>
         </p:txBody>
       </p:sp>
-      <p:sp>
-        <p:nvSpPr>
-          <p:cNvPr id="10" name="Rectangle 9">
-            <a:extLst>
-              <a:ext uri="{FF2B5EF4-FFF2-40B4-BE49-F238E27FC236}">
-                <a16:creationId xmlns:a16="http://schemas.microsoft.com/office/drawing/2014/main" id="{3AA6DE88-E1CA-4798-A76A-C14E357E5404}"/>
-              </a:ext>
-            </a:extLst>
-          </p:cNvPr>
-          <p:cNvSpPr/>
-          <p:nvPr/>
-        </p:nvSpPr>
-        <p:spPr>
-          <a:xfrm>
-            <a:off x="4027165" y="6483648"/>
-            <a:ext cx="4137671" cy="369332"/>
-          </a:xfrm>
-          <a:prstGeom prst="rect">
-            <a:avLst/>
-          </a:prstGeom>
-        </p:spPr>
-        <p:txBody>
-          <a:bodyPr wrap="none">
-            <a:spAutoFit/>
-          </a:bodyPr>
-          <a:lstStyle/>
-          <a:p>
-            <a:pPr algn="ctr"/>
-            <a:r>
-              <a:rPr lang="en-GB" dirty="0" err="1"/>
-              <a:t>Appuyez</a:t>
-            </a:r>
-            <a:r>
-              <a:rPr lang="en-GB" dirty="0"/>
-              <a:t> sur la </a:t>
-            </a:r>
-            <a:r>
-              <a:rPr lang="en-GB" dirty="0" err="1"/>
-              <a:t>fl</a:t>
-            </a:r>
-            <a:r>
-              <a:rPr lang="fr-FR" dirty="0"/>
-              <a:t>è</a:t>
-            </a:r>
-            <a:r>
-              <a:rPr lang="en-GB" dirty="0" err="1"/>
-              <a:t>che</a:t>
-            </a:r>
-            <a:r>
-              <a:rPr lang="en-GB" dirty="0"/>
-              <a:t> droit pour continuer</a:t>
-            </a:r>
-          </a:p>
-        </p:txBody>
-      </p:sp>
       <p:pic>
         <p:nvPicPr>
           <p:cNvPr id="8" name="Picture 7">
@@ -9972,6 +9847,212 @@
           </a:prstGeom>
         </p:spPr>
       </p:pic>
+      <p:sp>
+        <p:nvSpPr>
+          <p:cNvPr id="11" name="ZoneTexte 6">
+            <a:extLst>
+              <a:ext uri="{FF2B5EF4-FFF2-40B4-BE49-F238E27FC236}">
+                <a16:creationId xmlns:a16="http://schemas.microsoft.com/office/drawing/2014/main" id="{28B882EB-9750-463A-B6F5-DBB314823539}"/>
+              </a:ext>
+            </a:extLst>
+          </p:cNvPr>
+          <p:cNvSpPr txBox="1"/>
+          <p:nvPr/>
+        </p:nvSpPr>
+        <p:spPr>
+          <a:xfrm>
+            <a:off x="1908438" y="1137597"/>
+            <a:ext cx="8375124" cy="1723549"/>
+          </a:xfrm>
+          <a:prstGeom prst="rect">
+            <a:avLst/>
+          </a:prstGeom>
+          <a:noFill/>
+        </p:spPr>
+        <p:txBody>
+          <a:bodyPr wrap="square" rtlCol="0">
+            <a:spAutoFit/>
+          </a:bodyPr>
+          <a:lstStyle/>
+          <a:p>
+            <a:pPr algn="ctr">
+              <a:spcAft>
+                <a:spcPts val="1200"/>
+              </a:spcAft>
+            </a:pPr>
+            <a:r>
+              <a:rPr lang="en-GB" sz="2400" dirty="0"/>
+              <a:t>Durant </a:t>
+            </a:r>
+            <a:r>
+              <a:rPr lang="en-GB" sz="2400" dirty="0" err="1"/>
+              <a:t>cette</a:t>
+            </a:r>
+            <a:r>
+              <a:rPr lang="en-GB" sz="2400" dirty="0"/>
+              <a:t> phase, les </a:t>
+            </a:r>
+            <a:r>
+              <a:rPr lang="en-GB" sz="2400" dirty="0" err="1"/>
+              <a:t>paires</a:t>
+            </a:r>
+            <a:r>
+              <a:rPr lang="en-GB" sz="2400" dirty="0"/>
+              <a:t> de </a:t>
+            </a:r>
+            <a:r>
+              <a:rPr lang="en-GB" sz="2400" dirty="0" err="1"/>
+              <a:t>nombres</a:t>
+            </a:r>
+            <a:r>
+              <a:rPr lang="en-GB" sz="2400" dirty="0"/>
+              <a:t> </a:t>
+            </a:r>
+            <a:r>
+              <a:rPr lang="en-GB" sz="2400" b="1" dirty="0" err="1"/>
+              <a:t>apparaîtront</a:t>
+            </a:r>
+            <a:r>
+              <a:rPr lang="en-GB" sz="2400" dirty="0"/>
+              <a:t> </a:t>
+            </a:r>
+            <a:r>
+              <a:rPr lang="en-GB" sz="2400" dirty="0" err="1"/>
+              <a:t>comme</a:t>
+            </a:r>
+            <a:r>
+              <a:rPr lang="en-GB" sz="2400" dirty="0"/>
+              <a:t> ci-dessous:</a:t>
+            </a:r>
+          </a:p>
+          <a:p>
+            <a:pPr algn="ctr">
+              <a:spcAft>
+                <a:spcPts val="1200"/>
+              </a:spcAft>
+            </a:pPr>
+            <a:r>
+              <a:rPr lang="en-GB" sz="2400" dirty="0" err="1"/>
+              <a:t>Ils</a:t>
+            </a:r>
+            <a:r>
+              <a:rPr lang="en-GB" sz="2400" dirty="0"/>
+              <a:t> </a:t>
+            </a:r>
+            <a:r>
+              <a:rPr lang="en-GB" sz="2400" dirty="0" err="1"/>
+              <a:t>changeront</a:t>
+            </a:r>
+            <a:r>
+              <a:rPr lang="en-GB" sz="2400" dirty="0"/>
+              <a:t> </a:t>
+            </a:r>
+            <a:r>
+              <a:rPr lang="en-GB" sz="2400" b="1" dirty="0" err="1"/>
+              <a:t>chaque</a:t>
+            </a:r>
+            <a:r>
+              <a:rPr lang="en-GB" sz="2400" b="1" dirty="0"/>
+              <a:t> </a:t>
+            </a:r>
+            <a:r>
+              <a:rPr lang="en-GB" sz="2400" b="1" dirty="0" err="1"/>
+              <a:t>seconde</a:t>
+            </a:r>
+            <a:r>
+              <a:rPr lang="en-GB" sz="2400" dirty="0"/>
+              <a:t> et </a:t>
+            </a:r>
+            <a:r>
+              <a:rPr lang="en-GB" sz="2400" dirty="0" err="1"/>
+              <a:t>apparaîtront</a:t>
+            </a:r>
+            <a:r>
+              <a:rPr lang="en-GB" sz="2400" dirty="0"/>
+              <a:t> dans</a:t>
+            </a:r>
+            <a:r>
+              <a:rPr lang="en-GB" sz="2400" b="1" dirty="0"/>
+              <a:t> </a:t>
+            </a:r>
+            <a:r>
+              <a:rPr lang="en-GB" sz="2400" b="1" dirty="0" err="1"/>
+              <a:t>l’ordre</a:t>
+            </a:r>
+            <a:r>
+              <a:rPr lang="en-GB" sz="2400" b="1" dirty="0"/>
+              <a:t> croissant</a:t>
+            </a:r>
+            <a:r>
+              <a:rPr lang="en-GB" sz="2400" dirty="0"/>
+              <a:t> (de 1 </a:t>
+            </a:r>
+            <a:r>
+              <a:rPr lang="fr-FR" sz="2400" dirty="0"/>
+              <a:t>à</a:t>
+            </a:r>
+            <a:r>
+              <a:rPr lang="en-GB" sz="2400" dirty="0"/>
+              <a:t> 8)</a:t>
+            </a:r>
+          </a:p>
+        </p:txBody>
+      </p:sp>
+      <p:sp>
+        <p:nvSpPr>
+          <p:cNvPr id="12" name="Rectangle 11">
+            <a:extLst>
+              <a:ext uri="{FF2B5EF4-FFF2-40B4-BE49-F238E27FC236}">
+                <a16:creationId xmlns:a16="http://schemas.microsoft.com/office/drawing/2014/main" id="{8CA0AD41-F495-482D-A095-B70C5A82FB0E}"/>
+              </a:ext>
+            </a:extLst>
+          </p:cNvPr>
+          <p:cNvSpPr/>
+          <p:nvPr/>
+        </p:nvSpPr>
+        <p:spPr>
+          <a:xfrm>
+            <a:off x="3825636" y="6483648"/>
+            <a:ext cx="4540731" cy="369332"/>
+          </a:xfrm>
+          <a:prstGeom prst="rect">
+            <a:avLst/>
+          </a:prstGeom>
+        </p:spPr>
+        <p:txBody>
+          <a:bodyPr wrap="none">
+            <a:spAutoFit/>
+          </a:bodyPr>
+          <a:lstStyle/>
+          <a:p>
+            <a:pPr algn="ctr"/>
+            <a:r>
+              <a:rPr lang="en-GB" dirty="0" err="1"/>
+              <a:t>Appuyez</a:t>
+            </a:r>
+            <a:r>
+              <a:rPr lang="en-GB" dirty="0"/>
+              <a:t> sur la </a:t>
+            </a:r>
+            <a:r>
+              <a:rPr lang="en-GB" dirty="0" err="1"/>
+              <a:t>fl</a:t>
+            </a:r>
+            <a:r>
+              <a:rPr lang="fr-FR" dirty="0"/>
+              <a:t>è</a:t>
+            </a:r>
+            <a:r>
+              <a:rPr lang="en-GB" dirty="0" err="1"/>
+              <a:t>che</a:t>
+            </a:r>
+            <a:r>
+              <a:rPr lang="en-GB" dirty="0"/>
+              <a:t> de droite pour continuer</a:t>
+            </a:r>
+          </a:p>
+        </p:txBody>
+      </p:sp>
     </p:spTree>
     <p:extLst>
       <p:ext uri="{BB962C8B-B14F-4D97-AF65-F5344CB8AC3E}">
@@ -10110,15 +10191,7 @@
             </a:r>
             <a:r>
               <a:rPr lang="en-GB" dirty="0"/>
-              <a:t> les </a:t>
-            </a:r>
-            <a:r>
-              <a:rPr lang="en-GB" dirty="0" err="1"/>
-              <a:t>lires</a:t>
-            </a:r>
-            <a:r>
-              <a:rPr lang="en-GB" dirty="0"/>
-              <a:t> </a:t>
+              <a:t> les lire </a:t>
             </a:r>
             <a:r>
               <a:rPr lang="en-GB" dirty="0" err="1"/>
@@ -10166,7 +10239,7 @@
             </a:r>
             <a:r>
               <a:rPr lang="en-GB" b="1" u="sng" dirty="0"/>
-              <a:t>la fleche de droit</a:t>
+              <a:t>la fleche de droite</a:t>
             </a:r>
             <a:r>
               <a:rPr lang="fr-FR" b="1" u="sng" dirty="0"/>
@@ -10307,151 +10380,6 @@
       </p:sp>
       <p:sp>
         <p:nvSpPr>
-          <p:cNvPr id="7" name="ZoneTexte 6"/>
-          <p:cNvSpPr txBox="1"/>
-          <p:nvPr/>
-        </p:nvSpPr>
-        <p:spPr>
-          <a:xfrm>
-            <a:off x="1874195" y="1137597"/>
-            <a:ext cx="8443609" cy="1723549"/>
-          </a:xfrm>
-          <a:prstGeom prst="rect">
-            <a:avLst/>
-          </a:prstGeom>
-          <a:noFill/>
-        </p:spPr>
-        <p:txBody>
-          <a:bodyPr wrap="square" rtlCol="0">
-            <a:spAutoFit/>
-          </a:bodyPr>
-          <a:lstStyle/>
-          <a:p>
-            <a:pPr algn="ctr">
-              <a:spcAft>
-                <a:spcPts val="1200"/>
-              </a:spcAft>
-            </a:pPr>
-            <a:r>
-              <a:rPr lang="en-GB" sz="2400" dirty="0"/>
-              <a:t>Durant </a:t>
-            </a:r>
-            <a:r>
-              <a:rPr lang="en-GB" sz="2400" dirty="0" err="1"/>
-              <a:t>cette</a:t>
-            </a:r>
-            <a:r>
-              <a:rPr lang="en-GB" sz="2400" dirty="0"/>
-              <a:t> phase, les </a:t>
-            </a:r>
-            <a:r>
-              <a:rPr lang="en-GB" sz="2400" dirty="0" err="1"/>
-              <a:t>paires</a:t>
-            </a:r>
-            <a:r>
-              <a:rPr lang="en-GB" sz="2400" dirty="0"/>
-              <a:t> de </a:t>
-            </a:r>
-            <a:r>
-              <a:rPr lang="en-GB" sz="2400" dirty="0" err="1"/>
-              <a:t>nombres</a:t>
-            </a:r>
-            <a:r>
-              <a:rPr lang="en-GB" sz="2400" dirty="0"/>
-              <a:t> </a:t>
-            </a:r>
-            <a:r>
-              <a:rPr lang="en-GB" sz="2400" b="1" dirty="0" err="1"/>
-              <a:t>apparaîtront</a:t>
-            </a:r>
-            <a:r>
-              <a:rPr lang="en-GB" sz="2400" dirty="0"/>
-              <a:t> </a:t>
-            </a:r>
-            <a:r>
-              <a:rPr lang="en-GB" sz="2400" dirty="0" err="1"/>
-              <a:t>comme</a:t>
-            </a:r>
-            <a:r>
-              <a:rPr lang="en-GB" sz="2400" dirty="0"/>
-              <a:t> dessous:</a:t>
-            </a:r>
-          </a:p>
-          <a:p>
-            <a:pPr algn="ctr">
-              <a:spcAft>
-                <a:spcPts val="1200"/>
-              </a:spcAft>
-            </a:pPr>
-            <a:r>
-              <a:rPr lang="en-GB" sz="2400" dirty="0" err="1"/>
-              <a:t>Ils</a:t>
-            </a:r>
-            <a:r>
-              <a:rPr lang="en-GB" sz="2400" dirty="0"/>
-              <a:t> </a:t>
-            </a:r>
-            <a:r>
-              <a:rPr lang="en-GB" sz="2400" dirty="0" err="1"/>
-              <a:t>changeront</a:t>
-            </a:r>
-            <a:r>
-              <a:rPr lang="en-GB" sz="2400" dirty="0"/>
-              <a:t> </a:t>
-            </a:r>
-            <a:r>
-              <a:rPr lang="en-GB" sz="2400" b="1" dirty="0" err="1"/>
-              <a:t>chaque</a:t>
-            </a:r>
-            <a:r>
-              <a:rPr lang="en-GB" sz="2400" b="1" dirty="0"/>
-              <a:t> </a:t>
-            </a:r>
-            <a:r>
-              <a:rPr lang="en-GB" sz="2400" b="1" dirty="0" err="1"/>
-              <a:t>seconde</a:t>
-            </a:r>
-            <a:r>
-              <a:rPr lang="en-GB" sz="2400" dirty="0"/>
-              <a:t> et </a:t>
-            </a:r>
-            <a:r>
-              <a:rPr lang="en-GB" sz="2400" dirty="0" err="1"/>
-              <a:t>apparaîtront</a:t>
-            </a:r>
-            <a:r>
-              <a:rPr lang="en-GB" sz="2400" dirty="0"/>
-              <a:t> dans</a:t>
-            </a:r>
-            <a:r>
-              <a:rPr lang="en-GB" sz="2400" b="1" dirty="0"/>
-              <a:t> </a:t>
-            </a:r>
-            <a:r>
-              <a:rPr lang="en-GB" sz="2400" b="1" dirty="0" err="1"/>
-              <a:t>l’ordre</a:t>
-            </a:r>
-            <a:r>
-              <a:rPr lang="en-GB" sz="2400" b="1" dirty="0"/>
-              <a:t> croissant</a:t>
-            </a:r>
-            <a:r>
-              <a:rPr lang="en-GB" sz="2400" dirty="0"/>
-              <a:t> (de 1 </a:t>
-            </a:r>
-            <a:r>
-              <a:rPr lang="fr-FR" sz="2400" dirty="0"/>
-              <a:t>à</a:t>
-            </a:r>
-            <a:r>
-              <a:rPr lang="en-GB" sz="2400" dirty="0"/>
-              <a:t> 8)</a:t>
-            </a:r>
-          </a:p>
-        </p:txBody>
-      </p:sp>
-      <p:sp>
-        <p:nvSpPr>
           <p:cNvPr id="9" name="Rectangle 8"/>
           <p:cNvSpPr/>
           <p:nvPr/>
@@ -10502,61 +10430,6 @@
           </a:p>
         </p:txBody>
       </p:sp>
-      <p:sp>
-        <p:nvSpPr>
-          <p:cNvPr id="10" name="Rectangle 9">
-            <a:extLst>
-              <a:ext uri="{FF2B5EF4-FFF2-40B4-BE49-F238E27FC236}">
-                <a16:creationId xmlns:a16="http://schemas.microsoft.com/office/drawing/2014/main" id="{3AA6DE88-E1CA-4798-A76A-C14E357E5404}"/>
-              </a:ext>
-            </a:extLst>
-          </p:cNvPr>
-          <p:cNvSpPr/>
-          <p:nvPr/>
-        </p:nvSpPr>
-        <p:spPr>
-          <a:xfrm>
-            <a:off x="4027165" y="6483648"/>
-            <a:ext cx="4137671" cy="369332"/>
-          </a:xfrm>
-          <a:prstGeom prst="rect">
-            <a:avLst/>
-          </a:prstGeom>
-        </p:spPr>
-        <p:txBody>
-          <a:bodyPr wrap="none">
-            <a:spAutoFit/>
-          </a:bodyPr>
-          <a:lstStyle/>
-          <a:p>
-            <a:pPr algn="ctr"/>
-            <a:r>
-              <a:rPr lang="en-GB" dirty="0" err="1"/>
-              <a:t>Appuyez</a:t>
-            </a:r>
-            <a:r>
-              <a:rPr lang="en-GB" dirty="0"/>
-              <a:t> sur la </a:t>
-            </a:r>
-            <a:r>
-              <a:rPr lang="en-GB" dirty="0" err="1"/>
-              <a:t>fl</a:t>
-            </a:r>
-            <a:r>
-              <a:rPr lang="fr-FR" dirty="0"/>
-              <a:t>è</a:t>
-            </a:r>
-            <a:r>
-              <a:rPr lang="en-GB" dirty="0" err="1"/>
-              <a:t>che</a:t>
-            </a:r>
-            <a:r>
-              <a:rPr lang="en-GB" dirty="0"/>
-              <a:t> droit pour continuer</a:t>
-            </a:r>
-          </a:p>
-        </p:txBody>
-      </p:sp>
       <p:pic>
         <p:nvPicPr>
           <p:cNvPr id="11" name="Picture 10">
@@ -10586,6 +10459,212 @@
           </a:prstGeom>
         </p:spPr>
       </p:pic>
+      <p:sp>
+        <p:nvSpPr>
+          <p:cNvPr id="8" name="ZoneTexte 6">
+            <a:extLst>
+              <a:ext uri="{FF2B5EF4-FFF2-40B4-BE49-F238E27FC236}">
+                <a16:creationId xmlns:a16="http://schemas.microsoft.com/office/drawing/2014/main" id="{39FFD6B8-14B9-43ED-9D97-80E1E6260E31}"/>
+              </a:ext>
+            </a:extLst>
+          </p:cNvPr>
+          <p:cNvSpPr txBox="1"/>
+          <p:nvPr/>
+        </p:nvSpPr>
+        <p:spPr>
+          <a:xfrm>
+            <a:off x="1908438" y="1137597"/>
+            <a:ext cx="8375124" cy="1723549"/>
+          </a:xfrm>
+          <a:prstGeom prst="rect">
+            <a:avLst/>
+          </a:prstGeom>
+          <a:noFill/>
+        </p:spPr>
+        <p:txBody>
+          <a:bodyPr wrap="square" rtlCol="0">
+            <a:spAutoFit/>
+          </a:bodyPr>
+          <a:lstStyle/>
+          <a:p>
+            <a:pPr algn="ctr">
+              <a:spcAft>
+                <a:spcPts val="1200"/>
+              </a:spcAft>
+            </a:pPr>
+            <a:r>
+              <a:rPr lang="en-GB" sz="2400" dirty="0"/>
+              <a:t>Durant </a:t>
+            </a:r>
+            <a:r>
+              <a:rPr lang="en-GB" sz="2400" dirty="0" err="1"/>
+              <a:t>cette</a:t>
+            </a:r>
+            <a:r>
+              <a:rPr lang="en-GB" sz="2400" dirty="0"/>
+              <a:t> phase, les </a:t>
+            </a:r>
+            <a:r>
+              <a:rPr lang="en-GB" sz="2400" dirty="0" err="1"/>
+              <a:t>paires</a:t>
+            </a:r>
+            <a:r>
+              <a:rPr lang="en-GB" sz="2400" dirty="0"/>
+              <a:t> de </a:t>
+            </a:r>
+            <a:r>
+              <a:rPr lang="en-GB" sz="2400" dirty="0" err="1"/>
+              <a:t>nombres</a:t>
+            </a:r>
+            <a:r>
+              <a:rPr lang="en-GB" sz="2400" dirty="0"/>
+              <a:t> </a:t>
+            </a:r>
+            <a:r>
+              <a:rPr lang="en-GB" sz="2400" b="1" dirty="0" err="1"/>
+              <a:t>apparaîtront</a:t>
+            </a:r>
+            <a:r>
+              <a:rPr lang="en-GB" sz="2400" dirty="0"/>
+              <a:t> </a:t>
+            </a:r>
+            <a:r>
+              <a:rPr lang="en-GB" sz="2400" dirty="0" err="1"/>
+              <a:t>comme</a:t>
+            </a:r>
+            <a:r>
+              <a:rPr lang="en-GB" sz="2400" dirty="0"/>
+              <a:t> ci-dessous:</a:t>
+            </a:r>
+          </a:p>
+          <a:p>
+            <a:pPr algn="ctr">
+              <a:spcAft>
+                <a:spcPts val="1200"/>
+              </a:spcAft>
+            </a:pPr>
+            <a:r>
+              <a:rPr lang="en-GB" sz="2400" dirty="0" err="1"/>
+              <a:t>Ils</a:t>
+            </a:r>
+            <a:r>
+              <a:rPr lang="en-GB" sz="2400" dirty="0"/>
+              <a:t> </a:t>
+            </a:r>
+            <a:r>
+              <a:rPr lang="en-GB" sz="2400" dirty="0" err="1"/>
+              <a:t>changeront</a:t>
+            </a:r>
+            <a:r>
+              <a:rPr lang="en-GB" sz="2400" dirty="0"/>
+              <a:t> </a:t>
+            </a:r>
+            <a:r>
+              <a:rPr lang="en-GB" sz="2400" b="1" dirty="0" err="1"/>
+              <a:t>chaque</a:t>
+            </a:r>
+            <a:r>
+              <a:rPr lang="en-GB" sz="2400" b="1" dirty="0"/>
+              <a:t> </a:t>
+            </a:r>
+            <a:r>
+              <a:rPr lang="en-GB" sz="2400" b="1" dirty="0" err="1"/>
+              <a:t>seconde</a:t>
+            </a:r>
+            <a:r>
+              <a:rPr lang="en-GB" sz="2400" dirty="0"/>
+              <a:t> et </a:t>
+            </a:r>
+            <a:r>
+              <a:rPr lang="en-GB" sz="2400" dirty="0" err="1"/>
+              <a:t>apparaîtront</a:t>
+            </a:r>
+            <a:r>
+              <a:rPr lang="en-GB" sz="2400" dirty="0"/>
+              <a:t> dans</a:t>
+            </a:r>
+            <a:r>
+              <a:rPr lang="en-GB" sz="2400" b="1" dirty="0"/>
+              <a:t> </a:t>
+            </a:r>
+            <a:r>
+              <a:rPr lang="en-GB" sz="2400" b="1" dirty="0" err="1"/>
+              <a:t>l’ordre</a:t>
+            </a:r>
+            <a:r>
+              <a:rPr lang="en-GB" sz="2400" b="1" dirty="0"/>
+              <a:t> croissant</a:t>
+            </a:r>
+            <a:r>
+              <a:rPr lang="en-GB" sz="2400" dirty="0"/>
+              <a:t> (de 1 </a:t>
+            </a:r>
+            <a:r>
+              <a:rPr lang="fr-FR" sz="2400" dirty="0"/>
+              <a:t>à</a:t>
+            </a:r>
+            <a:r>
+              <a:rPr lang="en-GB" sz="2400" dirty="0"/>
+              <a:t> 8)</a:t>
+            </a:r>
+          </a:p>
+        </p:txBody>
+      </p:sp>
+      <p:sp>
+        <p:nvSpPr>
+          <p:cNvPr id="12" name="Rectangle 11">
+            <a:extLst>
+              <a:ext uri="{FF2B5EF4-FFF2-40B4-BE49-F238E27FC236}">
+                <a16:creationId xmlns:a16="http://schemas.microsoft.com/office/drawing/2014/main" id="{85CFB82C-26AC-482F-9D0D-A99480995ECC}"/>
+              </a:ext>
+            </a:extLst>
+          </p:cNvPr>
+          <p:cNvSpPr/>
+          <p:nvPr/>
+        </p:nvSpPr>
+        <p:spPr>
+          <a:xfrm>
+            <a:off x="3825636" y="6483648"/>
+            <a:ext cx="4540731" cy="369332"/>
+          </a:xfrm>
+          <a:prstGeom prst="rect">
+            <a:avLst/>
+          </a:prstGeom>
+        </p:spPr>
+        <p:txBody>
+          <a:bodyPr wrap="none">
+            <a:spAutoFit/>
+          </a:bodyPr>
+          <a:lstStyle/>
+          <a:p>
+            <a:pPr algn="ctr"/>
+            <a:r>
+              <a:rPr lang="en-GB" dirty="0" err="1"/>
+              <a:t>Appuyez</a:t>
+            </a:r>
+            <a:r>
+              <a:rPr lang="en-GB" dirty="0"/>
+              <a:t> sur la </a:t>
+            </a:r>
+            <a:r>
+              <a:rPr lang="en-GB" dirty="0" err="1"/>
+              <a:t>fl</a:t>
+            </a:r>
+            <a:r>
+              <a:rPr lang="fr-FR" dirty="0"/>
+              <a:t>è</a:t>
+            </a:r>
+            <a:r>
+              <a:rPr lang="en-GB" dirty="0" err="1"/>
+              <a:t>che</a:t>
+            </a:r>
+            <a:r>
+              <a:rPr lang="en-GB" dirty="0"/>
+              <a:t> de droite pour continuer</a:t>
+            </a:r>
+          </a:p>
+        </p:txBody>
+      </p:sp>
     </p:spTree>
     <p:extLst>
       <p:ext uri="{BB962C8B-B14F-4D97-AF65-F5344CB8AC3E}">
@@ -10662,151 +10741,6 @@
       </p:sp>
       <p:sp>
         <p:nvSpPr>
-          <p:cNvPr id="7" name="ZoneTexte 6"/>
-          <p:cNvSpPr txBox="1"/>
-          <p:nvPr/>
-        </p:nvSpPr>
-        <p:spPr>
-          <a:xfrm>
-            <a:off x="1874195" y="1137597"/>
-            <a:ext cx="8443609" cy="1723549"/>
-          </a:xfrm>
-          <a:prstGeom prst="rect">
-            <a:avLst/>
-          </a:prstGeom>
-          <a:noFill/>
-        </p:spPr>
-        <p:txBody>
-          <a:bodyPr wrap="square" rtlCol="0">
-            <a:spAutoFit/>
-          </a:bodyPr>
-          <a:lstStyle/>
-          <a:p>
-            <a:pPr algn="ctr">
-              <a:spcAft>
-                <a:spcPts val="1200"/>
-              </a:spcAft>
-            </a:pPr>
-            <a:r>
-              <a:rPr lang="en-GB" sz="2400" dirty="0"/>
-              <a:t>Durant </a:t>
-            </a:r>
-            <a:r>
-              <a:rPr lang="en-GB" sz="2400" dirty="0" err="1"/>
-              <a:t>cette</a:t>
-            </a:r>
-            <a:r>
-              <a:rPr lang="en-GB" sz="2400" dirty="0"/>
-              <a:t> phase, les </a:t>
-            </a:r>
-            <a:r>
-              <a:rPr lang="en-GB" sz="2400" dirty="0" err="1"/>
-              <a:t>paires</a:t>
-            </a:r>
-            <a:r>
-              <a:rPr lang="en-GB" sz="2400" dirty="0"/>
-              <a:t> de </a:t>
-            </a:r>
-            <a:r>
-              <a:rPr lang="en-GB" sz="2400" dirty="0" err="1"/>
-              <a:t>nombres</a:t>
-            </a:r>
-            <a:r>
-              <a:rPr lang="en-GB" sz="2400" dirty="0"/>
-              <a:t> </a:t>
-            </a:r>
-            <a:r>
-              <a:rPr lang="en-GB" sz="2400" b="1" dirty="0" err="1"/>
-              <a:t>apparaîtront</a:t>
-            </a:r>
-            <a:r>
-              <a:rPr lang="en-GB" sz="2400" dirty="0"/>
-              <a:t> </a:t>
-            </a:r>
-            <a:r>
-              <a:rPr lang="en-GB" sz="2400" dirty="0" err="1"/>
-              <a:t>comme</a:t>
-            </a:r>
-            <a:r>
-              <a:rPr lang="en-GB" sz="2400" dirty="0"/>
-              <a:t> dessous:</a:t>
-            </a:r>
-          </a:p>
-          <a:p>
-            <a:pPr algn="ctr">
-              <a:spcAft>
-                <a:spcPts val="1200"/>
-              </a:spcAft>
-            </a:pPr>
-            <a:r>
-              <a:rPr lang="en-GB" sz="2400" dirty="0" err="1"/>
-              <a:t>Ils</a:t>
-            </a:r>
-            <a:r>
-              <a:rPr lang="en-GB" sz="2400" dirty="0"/>
-              <a:t> </a:t>
-            </a:r>
-            <a:r>
-              <a:rPr lang="en-GB" sz="2400" dirty="0" err="1"/>
-              <a:t>changeront</a:t>
-            </a:r>
-            <a:r>
-              <a:rPr lang="en-GB" sz="2400" dirty="0"/>
-              <a:t> </a:t>
-            </a:r>
-            <a:r>
-              <a:rPr lang="en-GB" sz="2400" b="1" dirty="0" err="1"/>
-              <a:t>chaque</a:t>
-            </a:r>
-            <a:r>
-              <a:rPr lang="en-GB" sz="2400" b="1" dirty="0"/>
-              <a:t> </a:t>
-            </a:r>
-            <a:r>
-              <a:rPr lang="en-GB" sz="2400" b="1" dirty="0" err="1"/>
-              <a:t>seconde</a:t>
-            </a:r>
-            <a:r>
-              <a:rPr lang="en-GB" sz="2400" dirty="0"/>
-              <a:t> et </a:t>
-            </a:r>
-            <a:r>
-              <a:rPr lang="en-GB" sz="2400" dirty="0" err="1"/>
-              <a:t>apparaîtront</a:t>
-            </a:r>
-            <a:r>
-              <a:rPr lang="en-GB" sz="2400" dirty="0"/>
-              <a:t> dans</a:t>
-            </a:r>
-            <a:r>
-              <a:rPr lang="en-GB" sz="2400" b="1" dirty="0"/>
-              <a:t> </a:t>
-            </a:r>
-            <a:r>
-              <a:rPr lang="en-GB" sz="2400" b="1" dirty="0" err="1"/>
-              <a:t>l’ordre</a:t>
-            </a:r>
-            <a:r>
-              <a:rPr lang="en-GB" sz="2400" b="1" dirty="0"/>
-              <a:t> croissant</a:t>
-            </a:r>
-            <a:r>
-              <a:rPr lang="en-GB" sz="2400" dirty="0"/>
-              <a:t> (de 1 </a:t>
-            </a:r>
-            <a:r>
-              <a:rPr lang="fr-FR" sz="2400" dirty="0"/>
-              <a:t>à</a:t>
-            </a:r>
-            <a:r>
-              <a:rPr lang="en-GB" sz="2400" dirty="0"/>
-              <a:t> 8)</a:t>
-            </a:r>
-          </a:p>
-        </p:txBody>
-      </p:sp>
-      <p:sp>
-        <p:nvSpPr>
           <p:cNvPr id="9" name="Rectangle 8"/>
           <p:cNvSpPr/>
           <p:nvPr/>
@@ -10857,61 +10791,6 @@
           </a:p>
         </p:txBody>
       </p:sp>
-      <p:sp>
-        <p:nvSpPr>
-          <p:cNvPr id="10" name="Rectangle 9">
-            <a:extLst>
-              <a:ext uri="{FF2B5EF4-FFF2-40B4-BE49-F238E27FC236}">
-                <a16:creationId xmlns:a16="http://schemas.microsoft.com/office/drawing/2014/main" id="{3AA6DE88-E1CA-4798-A76A-C14E357E5404}"/>
-              </a:ext>
-            </a:extLst>
-          </p:cNvPr>
-          <p:cNvSpPr/>
-          <p:nvPr/>
-        </p:nvSpPr>
-        <p:spPr>
-          <a:xfrm>
-            <a:off x="4027165" y="6483648"/>
-            <a:ext cx="4137671" cy="369332"/>
-          </a:xfrm>
-          <a:prstGeom prst="rect">
-            <a:avLst/>
-          </a:prstGeom>
-        </p:spPr>
-        <p:txBody>
-          <a:bodyPr wrap="none">
-            <a:spAutoFit/>
-          </a:bodyPr>
-          <a:lstStyle/>
-          <a:p>
-            <a:pPr algn="ctr"/>
-            <a:r>
-              <a:rPr lang="en-GB" dirty="0" err="1"/>
-              <a:t>Appuyez</a:t>
-            </a:r>
-            <a:r>
-              <a:rPr lang="en-GB" dirty="0"/>
-              <a:t> sur la </a:t>
-            </a:r>
-            <a:r>
-              <a:rPr lang="en-GB" dirty="0" err="1"/>
-              <a:t>fl</a:t>
-            </a:r>
-            <a:r>
-              <a:rPr lang="fr-FR" dirty="0"/>
-              <a:t>è</a:t>
-            </a:r>
-            <a:r>
-              <a:rPr lang="en-GB" dirty="0" err="1"/>
-              <a:t>che</a:t>
-            </a:r>
-            <a:r>
-              <a:rPr lang="en-GB" dirty="0"/>
-              <a:t> droit pour continuer</a:t>
-            </a:r>
-          </a:p>
-        </p:txBody>
-      </p:sp>
       <p:pic>
         <p:nvPicPr>
           <p:cNvPr id="12" name="Picture 11">
@@ -10941,6 +10820,212 @@
           </a:prstGeom>
         </p:spPr>
       </p:pic>
+      <p:sp>
+        <p:nvSpPr>
+          <p:cNvPr id="8" name="ZoneTexte 6">
+            <a:extLst>
+              <a:ext uri="{FF2B5EF4-FFF2-40B4-BE49-F238E27FC236}">
+                <a16:creationId xmlns:a16="http://schemas.microsoft.com/office/drawing/2014/main" id="{4FEFE01E-D5DE-44B1-9517-C83159D8D7DE}"/>
+              </a:ext>
+            </a:extLst>
+          </p:cNvPr>
+          <p:cNvSpPr txBox="1"/>
+          <p:nvPr/>
+        </p:nvSpPr>
+        <p:spPr>
+          <a:xfrm>
+            <a:off x="1908438" y="1137597"/>
+            <a:ext cx="8375124" cy="1723549"/>
+          </a:xfrm>
+          <a:prstGeom prst="rect">
+            <a:avLst/>
+          </a:prstGeom>
+          <a:noFill/>
+        </p:spPr>
+        <p:txBody>
+          <a:bodyPr wrap="square" rtlCol="0">
+            <a:spAutoFit/>
+          </a:bodyPr>
+          <a:lstStyle/>
+          <a:p>
+            <a:pPr algn="ctr">
+              <a:spcAft>
+                <a:spcPts val="1200"/>
+              </a:spcAft>
+            </a:pPr>
+            <a:r>
+              <a:rPr lang="en-GB" sz="2400" dirty="0"/>
+              <a:t>Durant </a:t>
+            </a:r>
+            <a:r>
+              <a:rPr lang="en-GB" sz="2400" dirty="0" err="1"/>
+              <a:t>cette</a:t>
+            </a:r>
+            <a:r>
+              <a:rPr lang="en-GB" sz="2400" dirty="0"/>
+              <a:t> phase, les </a:t>
+            </a:r>
+            <a:r>
+              <a:rPr lang="en-GB" sz="2400" dirty="0" err="1"/>
+              <a:t>paires</a:t>
+            </a:r>
+            <a:r>
+              <a:rPr lang="en-GB" sz="2400" dirty="0"/>
+              <a:t> de </a:t>
+            </a:r>
+            <a:r>
+              <a:rPr lang="en-GB" sz="2400" dirty="0" err="1"/>
+              <a:t>nombres</a:t>
+            </a:r>
+            <a:r>
+              <a:rPr lang="en-GB" sz="2400" dirty="0"/>
+              <a:t> </a:t>
+            </a:r>
+            <a:r>
+              <a:rPr lang="en-GB" sz="2400" b="1" dirty="0" err="1"/>
+              <a:t>apparaîtront</a:t>
+            </a:r>
+            <a:r>
+              <a:rPr lang="en-GB" sz="2400" dirty="0"/>
+              <a:t> </a:t>
+            </a:r>
+            <a:r>
+              <a:rPr lang="en-GB" sz="2400" dirty="0" err="1"/>
+              <a:t>comme</a:t>
+            </a:r>
+            <a:r>
+              <a:rPr lang="en-GB" sz="2400" dirty="0"/>
+              <a:t> ci-dessous:</a:t>
+            </a:r>
+          </a:p>
+          <a:p>
+            <a:pPr algn="ctr">
+              <a:spcAft>
+                <a:spcPts val="1200"/>
+              </a:spcAft>
+            </a:pPr>
+            <a:r>
+              <a:rPr lang="en-GB" sz="2400" dirty="0" err="1"/>
+              <a:t>Ils</a:t>
+            </a:r>
+            <a:r>
+              <a:rPr lang="en-GB" sz="2400" dirty="0"/>
+              <a:t> </a:t>
+            </a:r>
+            <a:r>
+              <a:rPr lang="en-GB" sz="2400" dirty="0" err="1"/>
+              <a:t>changeront</a:t>
+            </a:r>
+            <a:r>
+              <a:rPr lang="en-GB" sz="2400" dirty="0"/>
+              <a:t> </a:t>
+            </a:r>
+            <a:r>
+              <a:rPr lang="en-GB" sz="2400" b="1" dirty="0" err="1"/>
+              <a:t>chaque</a:t>
+            </a:r>
+            <a:r>
+              <a:rPr lang="en-GB" sz="2400" b="1" dirty="0"/>
+              <a:t> </a:t>
+            </a:r>
+            <a:r>
+              <a:rPr lang="en-GB" sz="2400" b="1" dirty="0" err="1"/>
+              <a:t>seconde</a:t>
+            </a:r>
+            <a:r>
+              <a:rPr lang="en-GB" sz="2400" dirty="0"/>
+              <a:t> et </a:t>
+            </a:r>
+            <a:r>
+              <a:rPr lang="en-GB" sz="2400" dirty="0" err="1"/>
+              <a:t>apparaîtront</a:t>
+            </a:r>
+            <a:r>
+              <a:rPr lang="en-GB" sz="2400" dirty="0"/>
+              <a:t> dans</a:t>
+            </a:r>
+            <a:r>
+              <a:rPr lang="en-GB" sz="2400" b="1" dirty="0"/>
+              <a:t> </a:t>
+            </a:r>
+            <a:r>
+              <a:rPr lang="en-GB" sz="2400" b="1" dirty="0" err="1"/>
+              <a:t>l’ordre</a:t>
+            </a:r>
+            <a:r>
+              <a:rPr lang="en-GB" sz="2400" b="1" dirty="0"/>
+              <a:t> croissant</a:t>
+            </a:r>
+            <a:r>
+              <a:rPr lang="en-GB" sz="2400" dirty="0"/>
+              <a:t> (de 1 </a:t>
+            </a:r>
+            <a:r>
+              <a:rPr lang="fr-FR" sz="2400" dirty="0"/>
+              <a:t>à</a:t>
+            </a:r>
+            <a:r>
+              <a:rPr lang="en-GB" sz="2400" dirty="0"/>
+              <a:t> 8)</a:t>
+            </a:r>
+          </a:p>
+        </p:txBody>
+      </p:sp>
+      <p:sp>
+        <p:nvSpPr>
+          <p:cNvPr id="11" name="Rectangle 10">
+            <a:extLst>
+              <a:ext uri="{FF2B5EF4-FFF2-40B4-BE49-F238E27FC236}">
+                <a16:creationId xmlns:a16="http://schemas.microsoft.com/office/drawing/2014/main" id="{CAA4A131-942C-46A3-BD3B-D6A615A7CCB2}"/>
+              </a:ext>
+            </a:extLst>
+          </p:cNvPr>
+          <p:cNvSpPr/>
+          <p:nvPr/>
+        </p:nvSpPr>
+        <p:spPr>
+          <a:xfrm>
+            <a:off x="3825636" y="6483648"/>
+            <a:ext cx="4540731" cy="369332"/>
+          </a:xfrm>
+          <a:prstGeom prst="rect">
+            <a:avLst/>
+          </a:prstGeom>
+        </p:spPr>
+        <p:txBody>
+          <a:bodyPr wrap="none">
+            <a:spAutoFit/>
+          </a:bodyPr>
+          <a:lstStyle/>
+          <a:p>
+            <a:pPr algn="ctr"/>
+            <a:r>
+              <a:rPr lang="en-GB" dirty="0" err="1"/>
+              <a:t>Appuyez</a:t>
+            </a:r>
+            <a:r>
+              <a:rPr lang="en-GB" dirty="0"/>
+              <a:t> sur la </a:t>
+            </a:r>
+            <a:r>
+              <a:rPr lang="en-GB" dirty="0" err="1"/>
+              <a:t>fl</a:t>
+            </a:r>
+            <a:r>
+              <a:rPr lang="fr-FR" dirty="0"/>
+              <a:t>è</a:t>
+            </a:r>
+            <a:r>
+              <a:rPr lang="en-GB" dirty="0" err="1"/>
+              <a:t>che</a:t>
+            </a:r>
+            <a:r>
+              <a:rPr lang="en-GB" dirty="0"/>
+              <a:t> de droite pour continuer</a:t>
+            </a:r>
+          </a:p>
+        </p:txBody>
+      </p:sp>
     </p:spTree>
     <p:extLst>
       <p:ext uri="{BB962C8B-B14F-4D97-AF65-F5344CB8AC3E}">
@@ -11017,151 +11102,6 @@
       </p:sp>
       <p:sp>
         <p:nvSpPr>
-          <p:cNvPr id="7" name="ZoneTexte 6"/>
-          <p:cNvSpPr txBox="1"/>
-          <p:nvPr/>
-        </p:nvSpPr>
-        <p:spPr>
-          <a:xfrm>
-            <a:off x="1874195" y="1137597"/>
-            <a:ext cx="8443609" cy="1723549"/>
-          </a:xfrm>
-          <a:prstGeom prst="rect">
-            <a:avLst/>
-          </a:prstGeom>
-          <a:noFill/>
-        </p:spPr>
-        <p:txBody>
-          <a:bodyPr wrap="square" rtlCol="0">
-            <a:spAutoFit/>
-          </a:bodyPr>
-          <a:lstStyle/>
-          <a:p>
-            <a:pPr algn="ctr">
-              <a:spcAft>
-                <a:spcPts val="1200"/>
-              </a:spcAft>
-            </a:pPr>
-            <a:r>
-              <a:rPr lang="en-GB" sz="2400" dirty="0"/>
-              <a:t>Durant </a:t>
-            </a:r>
-            <a:r>
-              <a:rPr lang="en-GB" sz="2400" dirty="0" err="1"/>
-              <a:t>cette</a:t>
-            </a:r>
-            <a:r>
-              <a:rPr lang="en-GB" sz="2400" dirty="0"/>
-              <a:t> phase, les </a:t>
-            </a:r>
-            <a:r>
-              <a:rPr lang="en-GB" sz="2400" dirty="0" err="1"/>
-              <a:t>paires</a:t>
-            </a:r>
-            <a:r>
-              <a:rPr lang="en-GB" sz="2400" dirty="0"/>
-              <a:t> de </a:t>
-            </a:r>
-            <a:r>
-              <a:rPr lang="en-GB" sz="2400" dirty="0" err="1"/>
-              <a:t>nombres</a:t>
-            </a:r>
-            <a:r>
-              <a:rPr lang="en-GB" sz="2400" dirty="0"/>
-              <a:t> </a:t>
-            </a:r>
-            <a:r>
-              <a:rPr lang="en-GB" sz="2400" b="1" dirty="0" err="1"/>
-              <a:t>apparaîtront</a:t>
-            </a:r>
-            <a:r>
-              <a:rPr lang="en-GB" sz="2400" dirty="0"/>
-              <a:t> </a:t>
-            </a:r>
-            <a:r>
-              <a:rPr lang="en-GB" sz="2400" dirty="0" err="1"/>
-              <a:t>comme</a:t>
-            </a:r>
-            <a:r>
-              <a:rPr lang="en-GB" sz="2400" dirty="0"/>
-              <a:t> dessous:</a:t>
-            </a:r>
-          </a:p>
-          <a:p>
-            <a:pPr algn="ctr">
-              <a:spcAft>
-                <a:spcPts val="1200"/>
-              </a:spcAft>
-            </a:pPr>
-            <a:r>
-              <a:rPr lang="en-GB" sz="2400" dirty="0" err="1"/>
-              <a:t>Ils</a:t>
-            </a:r>
-            <a:r>
-              <a:rPr lang="en-GB" sz="2400" dirty="0"/>
-              <a:t> </a:t>
-            </a:r>
-            <a:r>
-              <a:rPr lang="en-GB" sz="2400" dirty="0" err="1"/>
-              <a:t>changeront</a:t>
-            </a:r>
-            <a:r>
-              <a:rPr lang="en-GB" sz="2400" dirty="0"/>
-              <a:t> </a:t>
-            </a:r>
-            <a:r>
-              <a:rPr lang="en-GB" sz="2400" b="1" dirty="0" err="1"/>
-              <a:t>chaque</a:t>
-            </a:r>
-            <a:r>
-              <a:rPr lang="en-GB" sz="2400" b="1" dirty="0"/>
-              <a:t> </a:t>
-            </a:r>
-            <a:r>
-              <a:rPr lang="en-GB" sz="2400" b="1" dirty="0" err="1"/>
-              <a:t>seconde</a:t>
-            </a:r>
-            <a:r>
-              <a:rPr lang="en-GB" sz="2400" dirty="0"/>
-              <a:t> et </a:t>
-            </a:r>
-            <a:r>
-              <a:rPr lang="en-GB" sz="2400" dirty="0" err="1"/>
-              <a:t>apparaîtront</a:t>
-            </a:r>
-            <a:r>
-              <a:rPr lang="en-GB" sz="2400" dirty="0"/>
-              <a:t> dans</a:t>
-            </a:r>
-            <a:r>
-              <a:rPr lang="en-GB" sz="2400" b="1" dirty="0"/>
-              <a:t> </a:t>
-            </a:r>
-            <a:r>
-              <a:rPr lang="en-GB" sz="2400" b="1" dirty="0" err="1"/>
-              <a:t>l’ordre</a:t>
-            </a:r>
-            <a:r>
-              <a:rPr lang="en-GB" sz="2400" b="1" dirty="0"/>
-              <a:t> croissant</a:t>
-            </a:r>
-            <a:r>
-              <a:rPr lang="en-GB" sz="2400" dirty="0"/>
-              <a:t> (de 1 </a:t>
-            </a:r>
-            <a:r>
-              <a:rPr lang="fr-FR" sz="2400" dirty="0"/>
-              <a:t>à</a:t>
-            </a:r>
-            <a:r>
-              <a:rPr lang="en-GB" sz="2400" dirty="0"/>
-              <a:t> 8)</a:t>
-            </a:r>
-          </a:p>
-        </p:txBody>
-      </p:sp>
-      <p:sp>
-        <p:nvSpPr>
           <p:cNvPr id="9" name="Rectangle 8"/>
           <p:cNvSpPr/>
           <p:nvPr/>
@@ -11212,61 +11152,6 @@
           </a:p>
         </p:txBody>
       </p:sp>
-      <p:sp>
-        <p:nvSpPr>
-          <p:cNvPr id="10" name="Rectangle 9">
-            <a:extLst>
-              <a:ext uri="{FF2B5EF4-FFF2-40B4-BE49-F238E27FC236}">
-                <a16:creationId xmlns:a16="http://schemas.microsoft.com/office/drawing/2014/main" id="{3AA6DE88-E1CA-4798-A76A-C14E357E5404}"/>
-              </a:ext>
-            </a:extLst>
-          </p:cNvPr>
-          <p:cNvSpPr/>
-          <p:nvPr/>
-        </p:nvSpPr>
-        <p:spPr>
-          <a:xfrm>
-            <a:off x="4027165" y="6483648"/>
-            <a:ext cx="4137671" cy="369332"/>
-          </a:xfrm>
-          <a:prstGeom prst="rect">
-            <a:avLst/>
-          </a:prstGeom>
-        </p:spPr>
-        <p:txBody>
-          <a:bodyPr wrap="none">
-            <a:spAutoFit/>
-          </a:bodyPr>
-          <a:lstStyle/>
-          <a:p>
-            <a:pPr algn="ctr"/>
-            <a:r>
-              <a:rPr lang="en-GB" dirty="0" err="1"/>
-              <a:t>Appuyez</a:t>
-            </a:r>
-            <a:r>
-              <a:rPr lang="en-GB" dirty="0"/>
-              <a:t> sur la </a:t>
-            </a:r>
-            <a:r>
-              <a:rPr lang="en-GB" dirty="0" err="1"/>
-              <a:t>fl</a:t>
-            </a:r>
-            <a:r>
-              <a:rPr lang="fr-FR" dirty="0"/>
-              <a:t>è</a:t>
-            </a:r>
-            <a:r>
-              <a:rPr lang="en-GB" dirty="0" err="1"/>
-              <a:t>che</a:t>
-            </a:r>
-            <a:r>
-              <a:rPr lang="en-GB" dirty="0"/>
-              <a:t> droit pour continuer</a:t>
-            </a:r>
-          </a:p>
-        </p:txBody>
-      </p:sp>
       <p:pic>
         <p:nvPicPr>
           <p:cNvPr id="13" name="Picture 12">
@@ -11296,6 +11181,212 @@
           </a:prstGeom>
         </p:spPr>
       </p:pic>
+      <p:sp>
+        <p:nvSpPr>
+          <p:cNvPr id="8" name="ZoneTexte 6">
+            <a:extLst>
+              <a:ext uri="{FF2B5EF4-FFF2-40B4-BE49-F238E27FC236}">
+                <a16:creationId xmlns:a16="http://schemas.microsoft.com/office/drawing/2014/main" id="{D858D8C8-FC25-4C3B-AE7D-3FD342C0C4AF}"/>
+              </a:ext>
+            </a:extLst>
+          </p:cNvPr>
+          <p:cNvSpPr txBox="1"/>
+          <p:nvPr/>
+        </p:nvSpPr>
+        <p:spPr>
+          <a:xfrm>
+            <a:off x="1908438" y="1137597"/>
+            <a:ext cx="8375124" cy="1723549"/>
+          </a:xfrm>
+          <a:prstGeom prst="rect">
+            <a:avLst/>
+          </a:prstGeom>
+          <a:noFill/>
+        </p:spPr>
+        <p:txBody>
+          <a:bodyPr wrap="square" rtlCol="0">
+            <a:spAutoFit/>
+          </a:bodyPr>
+          <a:lstStyle/>
+          <a:p>
+            <a:pPr algn="ctr">
+              <a:spcAft>
+                <a:spcPts val="1200"/>
+              </a:spcAft>
+            </a:pPr>
+            <a:r>
+              <a:rPr lang="en-GB" sz="2400" dirty="0"/>
+              <a:t>Durant </a:t>
+            </a:r>
+            <a:r>
+              <a:rPr lang="en-GB" sz="2400" dirty="0" err="1"/>
+              <a:t>cette</a:t>
+            </a:r>
+            <a:r>
+              <a:rPr lang="en-GB" sz="2400" dirty="0"/>
+              <a:t> phase, les </a:t>
+            </a:r>
+            <a:r>
+              <a:rPr lang="en-GB" sz="2400" dirty="0" err="1"/>
+              <a:t>paires</a:t>
+            </a:r>
+            <a:r>
+              <a:rPr lang="en-GB" sz="2400" dirty="0"/>
+              <a:t> de </a:t>
+            </a:r>
+            <a:r>
+              <a:rPr lang="en-GB" sz="2400" dirty="0" err="1"/>
+              <a:t>nombres</a:t>
+            </a:r>
+            <a:r>
+              <a:rPr lang="en-GB" sz="2400" dirty="0"/>
+              <a:t> </a:t>
+            </a:r>
+            <a:r>
+              <a:rPr lang="en-GB" sz="2400" b="1" dirty="0" err="1"/>
+              <a:t>apparaîtront</a:t>
+            </a:r>
+            <a:r>
+              <a:rPr lang="en-GB" sz="2400" dirty="0"/>
+              <a:t> </a:t>
+            </a:r>
+            <a:r>
+              <a:rPr lang="en-GB" sz="2400" dirty="0" err="1"/>
+              <a:t>comme</a:t>
+            </a:r>
+            <a:r>
+              <a:rPr lang="en-GB" sz="2400" dirty="0"/>
+              <a:t> ci-dessous:</a:t>
+            </a:r>
+          </a:p>
+          <a:p>
+            <a:pPr algn="ctr">
+              <a:spcAft>
+                <a:spcPts val="1200"/>
+              </a:spcAft>
+            </a:pPr>
+            <a:r>
+              <a:rPr lang="en-GB" sz="2400" dirty="0" err="1"/>
+              <a:t>Ils</a:t>
+            </a:r>
+            <a:r>
+              <a:rPr lang="en-GB" sz="2400" dirty="0"/>
+              <a:t> </a:t>
+            </a:r>
+            <a:r>
+              <a:rPr lang="en-GB" sz="2400" dirty="0" err="1"/>
+              <a:t>changeront</a:t>
+            </a:r>
+            <a:r>
+              <a:rPr lang="en-GB" sz="2400" dirty="0"/>
+              <a:t> </a:t>
+            </a:r>
+            <a:r>
+              <a:rPr lang="en-GB" sz="2400" b="1" dirty="0" err="1"/>
+              <a:t>chaque</a:t>
+            </a:r>
+            <a:r>
+              <a:rPr lang="en-GB" sz="2400" b="1" dirty="0"/>
+              <a:t> </a:t>
+            </a:r>
+            <a:r>
+              <a:rPr lang="en-GB" sz="2400" b="1" dirty="0" err="1"/>
+              <a:t>seconde</a:t>
+            </a:r>
+            <a:r>
+              <a:rPr lang="en-GB" sz="2400" dirty="0"/>
+              <a:t> et </a:t>
+            </a:r>
+            <a:r>
+              <a:rPr lang="en-GB" sz="2400" dirty="0" err="1"/>
+              <a:t>apparaîtront</a:t>
+            </a:r>
+            <a:r>
+              <a:rPr lang="en-GB" sz="2400" dirty="0"/>
+              <a:t> dans</a:t>
+            </a:r>
+            <a:r>
+              <a:rPr lang="en-GB" sz="2400" b="1" dirty="0"/>
+              <a:t> </a:t>
+            </a:r>
+            <a:r>
+              <a:rPr lang="en-GB" sz="2400" b="1" dirty="0" err="1"/>
+              <a:t>l’ordre</a:t>
+            </a:r>
+            <a:r>
+              <a:rPr lang="en-GB" sz="2400" b="1" dirty="0"/>
+              <a:t> croissant</a:t>
+            </a:r>
+            <a:r>
+              <a:rPr lang="en-GB" sz="2400" dirty="0"/>
+              <a:t> (de 1 </a:t>
+            </a:r>
+            <a:r>
+              <a:rPr lang="fr-FR" sz="2400" dirty="0"/>
+              <a:t>à</a:t>
+            </a:r>
+            <a:r>
+              <a:rPr lang="en-GB" sz="2400" dirty="0"/>
+              <a:t> 8)</a:t>
+            </a:r>
+          </a:p>
+        </p:txBody>
+      </p:sp>
+      <p:sp>
+        <p:nvSpPr>
+          <p:cNvPr id="12" name="Rectangle 11">
+            <a:extLst>
+              <a:ext uri="{FF2B5EF4-FFF2-40B4-BE49-F238E27FC236}">
+                <a16:creationId xmlns:a16="http://schemas.microsoft.com/office/drawing/2014/main" id="{B8261575-4C13-4DB1-A5C2-AFC218BDECED}"/>
+              </a:ext>
+            </a:extLst>
+          </p:cNvPr>
+          <p:cNvSpPr/>
+          <p:nvPr/>
+        </p:nvSpPr>
+        <p:spPr>
+          <a:xfrm>
+            <a:off x="3825636" y="6483648"/>
+            <a:ext cx="4540731" cy="369332"/>
+          </a:xfrm>
+          <a:prstGeom prst="rect">
+            <a:avLst/>
+          </a:prstGeom>
+        </p:spPr>
+        <p:txBody>
+          <a:bodyPr wrap="none">
+            <a:spAutoFit/>
+          </a:bodyPr>
+          <a:lstStyle/>
+          <a:p>
+            <a:pPr algn="ctr"/>
+            <a:r>
+              <a:rPr lang="en-GB" dirty="0" err="1"/>
+              <a:t>Appuyez</a:t>
+            </a:r>
+            <a:r>
+              <a:rPr lang="en-GB" dirty="0"/>
+              <a:t> sur la </a:t>
+            </a:r>
+            <a:r>
+              <a:rPr lang="en-GB" dirty="0" err="1"/>
+              <a:t>fl</a:t>
+            </a:r>
+            <a:r>
+              <a:rPr lang="fr-FR" dirty="0"/>
+              <a:t>è</a:t>
+            </a:r>
+            <a:r>
+              <a:rPr lang="en-GB" dirty="0" err="1"/>
+              <a:t>che</a:t>
+            </a:r>
+            <a:r>
+              <a:rPr lang="en-GB" dirty="0"/>
+              <a:t> de droite pour continuer</a:t>
+            </a:r>
+          </a:p>
+        </p:txBody>
+      </p:sp>
     </p:spTree>
     <p:extLst>
       <p:ext uri="{BB962C8B-B14F-4D97-AF65-F5344CB8AC3E}">
@@ -11378,8 +11469,8 @@
         </p:nvSpPr>
         <p:spPr>
           <a:xfrm>
-            <a:off x="1874195" y="1137597"/>
-            <a:ext cx="8443609" cy="1723549"/>
+            <a:off x="1908438" y="1137597"/>
+            <a:ext cx="8375124" cy="1723549"/>
           </a:xfrm>
           <a:prstGeom prst="rect">
             <a:avLst/>
@@ -11439,7 +11530,7 @@
             </a:r>
             <a:r>
               <a:rPr lang="en-GB" sz="2400" dirty="0"/>
-              <a:t> dessous:</a:t>
+              <a:t> ci-dessous:</a:t>
             </a:r>
           </a:p>
           <a:p>
@@ -11567,61 +11658,6 @@
           </a:p>
         </p:txBody>
       </p:sp>
-      <p:sp>
-        <p:nvSpPr>
-          <p:cNvPr id="10" name="Rectangle 9">
-            <a:extLst>
-              <a:ext uri="{FF2B5EF4-FFF2-40B4-BE49-F238E27FC236}">
-                <a16:creationId xmlns:a16="http://schemas.microsoft.com/office/drawing/2014/main" id="{3AA6DE88-E1CA-4798-A76A-C14E357E5404}"/>
-              </a:ext>
-            </a:extLst>
-          </p:cNvPr>
-          <p:cNvSpPr/>
-          <p:nvPr/>
-        </p:nvSpPr>
-        <p:spPr>
-          <a:xfrm>
-            <a:off x="4027165" y="6483648"/>
-            <a:ext cx="4137671" cy="369332"/>
-          </a:xfrm>
-          <a:prstGeom prst="rect">
-            <a:avLst/>
-          </a:prstGeom>
-        </p:spPr>
-        <p:txBody>
-          <a:bodyPr wrap="none">
-            <a:spAutoFit/>
-          </a:bodyPr>
-          <a:lstStyle/>
-          <a:p>
-            <a:pPr algn="ctr"/>
-            <a:r>
-              <a:rPr lang="en-GB" dirty="0" err="1"/>
-              <a:t>Appuyez</a:t>
-            </a:r>
-            <a:r>
-              <a:rPr lang="en-GB" dirty="0"/>
-              <a:t> sur la </a:t>
-            </a:r>
-            <a:r>
-              <a:rPr lang="en-GB" dirty="0" err="1"/>
-              <a:t>fl</a:t>
-            </a:r>
-            <a:r>
-              <a:rPr lang="fr-FR" dirty="0"/>
-              <a:t>è</a:t>
-            </a:r>
-            <a:r>
-              <a:rPr lang="en-GB" dirty="0" err="1"/>
-              <a:t>che</a:t>
-            </a:r>
-            <a:r>
-              <a:rPr lang="en-GB" dirty="0"/>
-              <a:t> droit pour continuer</a:t>
-            </a:r>
-          </a:p>
-        </p:txBody>
-      </p:sp>
       <p:pic>
         <p:nvPicPr>
           <p:cNvPr id="14" name="Picture 13">
@@ -11651,6 +11687,61 @@
           </a:prstGeom>
         </p:spPr>
       </p:pic>
+      <p:sp>
+        <p:nvSpPr>
+          <p:cNvPr id="8" name="Rectangle 7">
+            <a:extLst>
+              <a:ext uri="{FF2B5EF4-FFF2-40B4-BE49-F238E27FC236}">
+                <a16:creationId xmlns:a16="http://schemas.microsoft.com/office/drawing/2014/main" id="{AE8C0362-CC6F-464C-B0E8-59024821C829}"/>
+              </a:ext>
+            </a:extLst>
+          </p:cNvPr>
+          <p:cNvSpPr/>
+          <p:nvPr/>
+        </p:nvSpPr>
+        <p:spPr>
+          <a:xfrm>
+            <a:off x="3825636" y="6483648"/>
+            <a:ext cx="4540731" cy="369332"/>
+          </a:xfrm>
+          <a:prstGeom prst="rect">
+            <a:avLst/>
+          </a:prstGeom>
+        </p:spPr>
+        <p:txBody>
+          <a:bodyPr wrap="none">
+            <a:spAutoFit/>
+          </a:bodyPr>
+          <a:lstStyle/>
+          <a:p>
+            <a:pPr algn="ctr"/>
+            <a:r>
+              <a:rPr lang="en-GB" dirty="0" err="1"/>
+              <a:t>Appuyez</a:t>
+            </a:r>
+            <a:r>
+              <a:rPr lang="en-GB" dirty="0"/>
+              <a:t> sur la </a:t>
+            </a:r>
+            <a:r>
+              <a:rPr lang="en-GB" dirty="0" err="1"/>
+              <a:t>fl</a:t>
+            </a:r>
+            <a:r>
+              <a:rPr lang="fr-FR" dirty="0"/>
+              <a:t>è</a:t>
+            </a:r>
+            <a:r>
+              <a:rPr lang="en-GB" dirty="0" err="1"/>
+              <a:t>che</a:t>
+            </a:r>
+            <a:r>
+              <a:rPr lang="en-GB" dirty="0"/>
+              <a:t> de droite pour continuer</a:t>
+            </a:r>
+          </a:p>
+        </p:txBody>
+      </p:sp>
     </p:spTree>
     <p:extLst>
       <p:ext uri="{BB962C8B-B14F-4D97-AF65-F5344CB8AC3E}">
@@ -11858,15 +11949,15 @@
             </a:r>
             <a:r>
               <a:rPr lang="en-GB" sz="2400" dirty="0" err="1"/>
+              <a:t>cliquez</a:t>
+            </a:r>
+            <a:r>
+              <a:rPr lang="en-GB" sz="2400" dirty="0"/>
+              <a:t> </a:t>
+            </a:r>
+            <a:r>
+              <a:rPr lang="en-GB" sz="2400" dirty="0" err="1"/>
               <a:t>simplement</a:t>
-            </a:r>
-            <a:r>
-              <a:rPr lang="en-GB" sz="2400" dirty="0"/>
-              <a:t> </a:t>
-            </a:r>
-            <a:r>
-              <a:rPr lang="en-GB" sz="2400" dirty="0" err="1"/>
-              <a:t>cliquer</a:t>
             </a:r>
             <a:r>
               <a:rPr lang="en-GB" sz="2400" dirty="0"/>
@@ -11885,7 +11976,7 @@
             </a:pPr>
             <a:r>
               <a:rPr lang="fr-FR" sz="2400" dirty="0"/>
-              <a:t>Sinon, vous pourrez cliquer sur le bouton </a:t>
+              <a:t>Sinon, cliquez sur le bouton </a:t>
             </a:r>
             <a:r>
               <a:rPr lang="fr-FR" sz="2400" b="1" dirty="0"/>
@@ -11897,7 +11988,7 @@
             </a:r>
             <a:r>
               <a:rPr lang="en-GB" sz="2400" dirty="0"/>
-              <a:t> la phase de test.</a:t>
+              <a:t> la phase de test</a:t>
             </a:r>
           </a:p>
         </p:txBody>
@@ -11954,61 +12045,6 @@
           </a:p>
         </p:txBody>
       </p:sp>
-      <p:sp>
-        <p:nvSpPr>
-          <p:cNvPr id="10" name="Rectangle 9">
-            <a:extLst>
-              <a:ext uri="{FF2B5EF4-FFF2-40B4-BE49-F238E27FC236}">
-                <a16:creationId xmlns:a16="http://schemas.microsoft.com/office/drawing/2014/main" id="{3AA6DE88-E1CA-4798-A76A-C14E357E5404}"/>
-              </a:ext>
-            </a:extLst>
-          </p:cNvPr>
-          <p:cNvSpPr/>
-          <p:nvPr/>
-        </p:nvSpPr>
-        <p:spPr>
-          <a:xfrm>
-            <a:off x="4027165" y="6483648"/>
-            <a:ext cx="4137671" cy="369332"/>
-          </a:xfrm>
-          <a:prstGeom prst="rect">
-            <a:avLst/>
-          </a:prstGeom>
-        </p:spPr>
-        <p:txBody>
-          <a:bodyPr wrap="none">
-            <a:spAutoFit/>
-          </a:bodyPr>
-          <a:lstStyle/>
-          <a:p>
-            <a:pPr algn="ctr"/>
-            <a:r>
-              <a:rPr lang="en-GB" dirty="0" err="1"/>
-              <a:t>Appuyez</a:t>
-            </a:r>
-            <a:r>
-              <a:rPr lang="en-GB" dirty="0"/>
-              <a:t> sur la </a:t>
-            </a:r>
-            <a:r>
-              <a:rPr lang="en-GB" dirty="0" err="1"/>
-              <a:t>fl</a:t>
-            </a:r>
-            <a:r>
-              <a:rPr lang="fr-FR" dirty="0"/>
-              <a:t>è</a:t>
-            </a:r>
-            <a:r>
-              <a:rPr lang="en-GB" dirty="0" err="1"/>
-              <a:t>che</a:t>
-            </a:r>
-            <a:r>
-              <a:rPr lang="en-GB" dirty="0"/>
-              <a:t> droit pour continuer</a:t>
-            </a:r>
-          </a:p>
-        </p:txBody>
-      </p:sp>
       <p:pic>
         <p:nvPicPr>
           <p:cNvPr id="2" name="Picture 1">
@@ -12038,6 +12074,61 @@
           </a:prstGeom>
         </p:spPr>
       </p:pic>
+      <p:sp>
+        <p:nvSpPr>
+          <p:cNvPr id="8" name="Rectangle 7">
+            <a:extLst>
+              <a:ext uri="{FF2B5EF4-FFF2-40B4-BE49-F238E27FC236}">
+                <a16:creationId xmlns:a16="http://schemas.microsoft.com/office/drawing/2014/main" id="{A2919387-BC6B-485A-9B23-CAFEAA9CCBDC}"/>
+              </a:ext>
+            </a:extLst>
+          </p:cNvPr>
+          <p:cNvSpPr/>
+          <p:nvPr/>
+        </p:nvSpPr>
+        <p:spPr>
+          <a:xfrm>
+            <a:off x="3825636" y="6483648"/>
+            <a:ext cx="4540731" cy="369332"/>
+          </a:xfrm>
+          <a:prstGeom prst="rect">
+            <a:avLst/>
+          </a:prstGeom>
+        </p:spPr>
+        <p:txBody>
+          <a:bodyPr wrap="none">
+            <a:spAutoFit/>
+          </a:bodyPr>
+          <a:lstStyle/>
+          <a:p>
+            <a:pPr algn="ctr"/>
+            <a:r>
+              <a:rPr lang="en-GB" dirty="0" err="1"/>
+              <a:t>Appuyez</a:t>
+            </a:r>
+            <a:r>
+              <a:rPr lang="en-GB" dirty="0"/>
+              <a:t> sur la </a:t>
+            </a:r>
+            <a:r>
+              <a:rPr lang="en-GB" dirty="0" err="1"/>
+              <a:t>fl</a:t>
+            </a:r>
+            <a:r>
+              <a:rPr lang="fr-FR" dirty="0"/>
+              <a:t>è</a:t>
+            </a:r>
+            <a:r>
+              <a:rPr lang="en-GB" dirty="0" err="1"/>
+              <a:t>che</a:t>
+            </a:r>
+            <a:r>
+              <a:rPr lang="en-GB" dirty="0"/>
+              <a:t> de droite pour continuer</a:t>
+            </a:r>
+          </a:p>
+        </p:txBody>
+      </p:sp>
     </p:spTree>
     <p:extLst>
       <p:ext uri="{BB962C8B-B14F-4D97-AF65-F5344CB8AC3E}">
@@ -12235,7 +12326,7 @@
             </a:r>
             <a:r>
               <a:rPr lang="en-GB" sz="2400" dirty="0" err="1"/>
-              <a:t>repondez</a:t>
+              <a:t>répondez</a:t>
             </a:r>
             <a:r>
               <a:rPr lang="en-GB" sz="2400" dirty="0"/>
@@ -12325,61 +12416,6 @@
           </a:p>
         </p:txBody>
       </p:sp>
-      <p:sp>
-        <p:nvSpPr>
-          <p:cNvPr id="10" name="Rectangle 9">
-            <a:extLst>
-              <a:ext uri="{FF2B5EF4-FFF2-40B4-BE49-F238E27FC236}">
-                <a16:creationId xmlns:a16="http://schemas.microsoft.com/office/drawing/2014/main" id="{3AA6DE88-E1CA-4798-A76A-C14E357E5404}"/>
-              </a:ext>
-            </a:extLst>
-          </p:cNvPr>
-          <p:cNvSpPr/>
-          <p:nvPr/>
-        </p:nvSpPr>
-        <p:spPr>
-          <a:xfrm>
-            <a:off x="4027165" y="6483648"/>
-            <a:ext cx="4137671" cy="369332"/>
-          </a:xfrm>
-          <a:prstGeom prst="rect">
-            <a:avLst/>
-          </a:prstGeom>
-        </p:spPr>
-        <p:txBody>
-          <a:bodyPr wrap="none">
-            <a:spAutoFit/>
-          </a:bodyPr>
-          <a:lstStyle/>
-          <a:p>
-            <a:pPr algn="ctr"/>
-            <a:r>
-              <a:rPr lang="en-GB" dirty="0" err="1"/>
-              <a:t>Appuyez</a:t>
-            </a:r>
-            <a:r>
-              <a:rPr lang="en-GB" dirty="0"/>
-              <a:t> sur la </a:t>
-            </a:r>
-            <a:r>
-              <a:rPr lang="en-GB" dirty="0" err="1"/>
-              <a:t>fl</a:t>
-            </a:r>
-            <a:r>
-              <a:rPr lang="fr-FR" dirty="0"/>
-              <a:t>è</a:t>
-            </a:r>
-            <a:r>
-              <a:rPr lang="en-GB" dirty="0" err="1"/>
-              <a:t>che</a:t>
-            </a:r>
-            <a:r>
-              <a:rPr lang="en-GB" dirty="0"/>
-              <a:t> droit pour continuer</a:t>
-            </a:r>
-          </a:p>
-        </p:txBody>
-      </p:sp>
       <p:pic>
         <p:nvPicPr>
           <p:cNvPr id="2" name="Picture 1">
@@ -12409,6 +12445,61 @@
           </a:prstGeom>
         </p:spPr>
       </p:pic>
+      <p:sp>
+        <p:nvSpPr>
+          <p:cNvPr id="8" name="Rectangle 7">
+            <a:extLst>
+              <a:ext uri="{FF2B5EF4-FFF2-40B4-BE49-F238E27FC236}">
+                <a16:creationId xmlns:a16="http://schemas.microsoft.com/office/drawing/2014/main" id="{189DEC14-A613-47D4-B0F9-093C8FA40017}"/>
+              </a:ext>
+            </a:extLst>
+          </p:cNvPr>
+          <p:cNvSpPr/>
+          <p:nvPr/>
+        </p:nvSpPr>
+        <p:spPr>
+          <a:xfrm>
+            <a:off x="3825636" y="6483648"/>
+            <a:ext cx="4540731" cy="369332"/>
+          </a:xfrm>
+          <a:prstGeom prst="rect">
+            <a:avLst/>
+          </a:prstGeom>
+        </p:spPr>
+        <p:txBody>
+          <a:bodyPr wrap="none">
+            <a:spAutoFit/>
+          </a:bodyPr>
+          <a:lstStyle/>
+          <a:p>
+            <a:pPr algn="ctr"/>
+            <a:r>
+              <a:rPr lang="en-GB" dirty="0" err="1"/>
+              <a:t>Appuyez</a:t>
+            </a:r>
+            <a:r>
+              <a:rPr lang="en-GB" dirty="0"/>
+              <a:t> sur la </a:t>
+            </a:r>
+            <a:r>
+              <a:rPr lang="en-GB" dirty="0" err="1"/>
+              <a:t>fl</a:t>
+            </a:r>
+            <a:r>
+              <a:rPr lang="fr-FR" dirty="0"/>
+              <a:t>è</a:t>
+            </a:r>
+            <a:r>
+              <a:rPr lang="en-GB" dirty="0" err="1"/>
+              <a:t>che</a:t>
+            </a:r>
+            <a:r>
+              <a:rPr lang="en-GB" dirty="0"/>
+              <a:t> de droite pour continuer</a:t>
+            </a:r>
+          </a:p>
+        </p:txBody>
+      </p:sp>
     </p:spTree>
     <p:extLst>
       <p:ext uri="{BB962C8B-B14F-4D97-AF65-F5344CB8AC3E}">
@@ -12572,18 +12663,18 @@
             </a:r>
             <a:r>
               <a:rPr lang="en-GB" sz="2400" dirty="0"/>
+              <a:t> des </a:t>
+            </a:r>
+            <a:r>
+              <a:rPr lang="en-GB" sz="2400" dirty="0" err="1"/>
+              <a:t>numéros</a:t>
+            </a:r>
+            <a:r>
+              <a:rPr lang="en-GB" sz="2400" dirty="0"/>
               <a:t> de </a:t>
             </a:r>
             <a:r>
               <a:rPr lang="en-GB" sz="2400" dirty="0" err="1"/>
-              <a:t>numéro</a:t>
-            </a:r>
-            <a:r>
-              <a:rPr lang="en-GB" sz="2400" dirty="0"/>
-              <a:t> de </a:t>
-            </a:r>
-            <a:r>
-              <a:rPr lang="en-GB" sz="2400" dirty="0" err="1"/>
               <a:t>chaque</a:t>
             </a:r>
             <a:r>
@@ -12600,7 +12691,7 @@
             </a:r>
             <a:r>
               <a:rPr lang="en-GB" sz="2400" dirty="0" err="1"/>
-              <a:t>apparaîtront</a:t>
+              <a:t>apparaîtra</a:t>
             </a:r>
             <a:r>
               <a:rPr lang="en-GB" sz="2400" dirty="0"/>
@@ -12612,15 +12703,7 @@
             </a:r>
             <a:r>
               <a:rPr lang="en-GB" sz="2400" dirty="0"/>
-              <a:t> </a:t>
-            </a:r>
-            <a:r>
-              <a:rPr lang="en-GB" sz="2400" dirty="0" err="1"/>
-              <a:t>dessous</a:t>
-            </a:r>
-            <a:r>
-              <a:rPr lang="en-GB" sz="2400" dirty="0"/>
-              <a:t>)</a:t>
+              <a:t> ci-dessous)</a:t>
             </a:r>
           </a:p>
           <a:p>
@@ -12724,10 +12807,10 @@
       </p:pic>
       <p:sp>
         <p:nvSpPr>
-          <p:cNvPr id="7" name="Rectangle 6">
+          <p:cNvPr id="10" name="Rectangle 9">
             <a:extLst>
               <a:ext uri="{FF2B5EF4-FFF2-40B4-BE49-F238E27FC236}">
-                <a16:creationId xmlns:a16="http://schemas.microsoft.com/office/drawing/2014/main" id="{19A7C829-C7C7-4DC3-8533-FD48A2174859}"/>
+                <a16:creationId xmlns:a16="http://schemas.microsoft.com/office/drawing/2014/main" id="{2D17ABC6-AD7C-4466-B96B-4C6B9216867A}"/>
               </a:ext>
             </a:extLst>
           </p:cNvPr>
@@ -12736,8 +12819,8 @@
         </p:nvSpPr>
         <p:spPr>
           <a:xfrm>
-            <a:off x="4027165" y="6483648"/>
-            <a:ext cx="4137671" cy="369332"/>
+            <a:off x="3825636" y="6483648"/>
+            <a:ext cx="4540731" cy="369332"/>
           </a:xfrm>
           <a:prstGeom prst="rect">
             <a:avLst/>
@@ -12772,7 +12855,7 @@
             </a:r>
             <a:r>
               <a:rPr lang="en-GB" dirty="0"/>
-              <a:t> droit pour continuer</a:t>
+              <a:t> de droite pour continuer</a:t>
             </a:r>
           </a:p>
         </p:txBody>
@@ -13030,61 +13113,6 @@
           </a:p>
         </p:txBody>
       </p:sp>
-      <p:sp>
-        <p:nvSpPr>
-          <p:cNvPr id="7" name="Rectangle 6">
-            <a:extLst>
-              <a:ext uri="{FF2B5EF4-FFF2-40B4-BE49-F238E27FC236}">
-                <a16:creationId xmlns:a16="http://schemas.microsoft.com/office/drawing/2014/main" id="{19A7C829-C7C7-4DC3-8533-FD48A2174859}"/>
-              </a:ext>
-            </a:extLst>
-          </p:cNvPr>
-          <p:cNvSpPr/>
-          <p:nvPr/>
-        </p:nvSpPr>
-        <p:spPr>
-          <a:xfrm>
-            <a:off x="4027165" y="6483648"/>
-            <a:ext cx="4137671" cy="369332"/>
-          </a:xfrm>
-          <a:prstGeom prst="rect">
-            <a:avLst/>
-          </a:prstGeom>
-        </p:spPr>
-        <p:txBody>
-          <a:bodyPr wrap="none">
-            <a:spAutoFit/>
-          </a:bodyPr>
-          <a:lstStyle/>
-          <a:p>
-            <a:pPr algn="ctr"/>
-            <a:r>
-              <a:rPr lang="en-GB" dirty="0" err="1"/>
-              <a:t>Appuyez</a:t>
-            </a:r>
-            <a:r>
-              <a:rPr lang="en-GB" dirty="0"/>
-              <a:t> sur la </a:t>
-            </a:r>
-            <a:r>
-              <a:rPr lang="en-GB" dirty="0" err="1"/>
-              <a:t>fl</a:t>
-            </a:r>
-            <a:r>
-              <a:rPr lang="fr-FR" dirty="0"/>
-              <a:t>è</a:t>
-            </a:r>
-            <a:r>
-              <a:rPr lang="en-GB" dirty="0" err="1"/>
-              <a:t>che</a:t>
-            </a:r>
-            <a:r>
-              <a:rPr lang="en-GB" dirty="0"/>
-              <a:t> droit pour continuer</a:t>
-            </a:r>
-          </a:p>
-        </p:txBody>
-      </p:sp>
       <p:pic>
         <p:nvPicPr>
           <p:cNvPr id="3" name="Picture 2">
@@ -13156,6 +13184,61 @@
           </a:fontRef>
         </p:style>
       </p:cxnSp>
+      <p:sp>
+        <p:nvSpPr>
+          <p:cNvPr id="10" name="Rectangle 9">
+            <a:extLst>
+              <a:ext uri="{FF2B5EF4-FFF2-40B4-BE49-F238E27FC236}">
+                <a16:creationId xmlns:a16="http://schemas.microsoft.com/office/drawing/2014/main" id="{A24130EF-CF2C-4DA0-ABFE-B3F89550940E}"/>
+              </a:ext>
+            </a:extLst>
+          </p:cNvPr>
+          <p:cNvSpPr/>
+          <p:nvPr/>
+        </p:nvSpPr>
+        <p:spPr>
+          <a:xfrm>
+            <a:off x="3825636" y="6483648"/>
+            <a:ext cx="4540731" cy="369332"/>
+          </a:xfrm>
+          <a:prstGeom prst="rect">
+            <a:avLst/>
+          </a:prstGeom>
+        </p:spPr>
+        <p:txBody>
+          <a:bodyPr wrap="none">
+            <a:spAutoFit/>
+          </a:bodyPr>
+          <a:lstStyle/>
+          <a:p>
+            <a:pPr algn="ctr"/>
+            <a:r>
+              <a:rPr lang="en-GB" dirty="0" err="1"/>
+              <a:t>Appuyez</a:t>
+            </a:r>
+            <a:r>
+              <a:rPr lang="en-GB" dirty="0"/>
+              <a:t> sur la </a:t>
+            </a:r>
+            <a:r>
+              <a:rPr lang="en-GB" dirty="0" err="1"/>
+              <a:t>fl</a:t>
+            </a:r>
+            <a:r>
+              <a:rPr lang="fr-FR" dirty="0"/>
+              <a:t>è</a:t>
+            </a:r>
+            <a:r>
+              <a:rPr lang="en-GB" dirty="0" err="1"/>
+              <a:t>che</a:t>
+            </a:r>
+            <a:r>
+              <a:rPr lang="en-GB" dirty="0"/>
+              <a:t> de droite pour continuer</a:t>
+            </a:r>
+          </a:p>
+        </p:txBody>
+      </p:sp>
     </p:spTree>
     <p:extLst>
       <p:ext uri="{BB962C8B-B14F-4D97-AF65-F5344CB8AC3E}">
@@ -13327,19 +13410,11 @@
             </a:r>
             <a:r>
               <a:rPr lang="en-GB" sz="2400" dirty="0"/>
-              <a:t> que </a:t>
-            </a:r>
-            <a:r>
-              <a:rPr lang="en-GB" sz="2400" b="1" dirty="0" err="1"/>
-              <a:t>vous</a:t>
-            </a:r>
-            <a:r>
-              <a:rPr lang="en-GB" sz="2400" b="1" dirty="0"/>
-              <a:t> </a:t>
-            </a:r>
-            <a:r>
-              <a:rPr lang="en-GB" sz="2400" b="1" dirty="0" err="1"/>
-              <a:t>avez</a:t>
+              <a:t> </a:t>
+            </a:r>
+            <a:r>
+              <a:rPr lang="en-GB" sz="2400" dirty="0" err="1"/>
+              <a:t>avoir</a:t>
             </a:r>
             <a:r>
               <a:rPr lang="en-GB" sz="2400" b="1" dirty="0"/>
@@ -13383,7 +13458,7 @@
             </a:r>
             <a:r>
               <a:rPr lang="en-GB" sz="2400" b="1" dirty="0"/>
-              <a:t> sur le bouton droite</a:t>
+              <a:t> sur le bouton droit</a:t>
             </a:r>
             <a:r>
               <a:rPr lang="en-GB" sz="2400" dirty="0"/>
@@ -13398,61 +13473,6 @@
               <a:t> la phase de test</a:t>
             </a:r>
             <a:endParaRPr lang="en-GB" sz="2400" b="1" dirty="0"/>
-          </a:p>
-        </p:txBody>
-      </p:sp>
-      <p:sp>
-        <p:nvSpPr>
-          <p:cNvPr id="7" name="Rectangle 6">
-            <a:extLst>
-              <a:ext uri="{FF2B5EF4-FFF2-40B4-BE49-F238E27FC236}">
-                <a16:creationId xmlns:a16="http://schemas.microsoft.com/office/drawing/2014/main" id="{19A7C829-C7C7-4DC3-8533-FD48A2174859}"/>
-              </a:ext>
-            </a:extLst>
-          </p:cNvPr>
-          <p:cNvSpPr/>
-          <p:nvPr/>
-        </p:nvSpPr>
-        <p:spPr>
-          <a:xfrm>
-            <a:off x="4027165" y="6483648"/>
-            <a:ext cx="4137671" cy="369332"/>
-          </a:xfrm>
-          <a:prstGeom prst="rect">
-            <a:avLst/>
-          </a:prstGeom>
-        </p:spPr>
-        <p:txBody>
-          <a:bodyPr wrap="none">
-            <a:spAutoFit/>
-          </a:bodyPr>
-          <a:lstStyle/>
-          <a:p>
-            <a:pPr algn="ctr"/>
-            <a:r>
-              <a:rPr lang="en-GB" dirty="0" err="1"/>
-              <a:t>Appuyez</a:t>
-            </a:r>
-            <a:r>
-              <a:rPr lang="en-GB" dirty="0"/>
-              <a:t> sur la </a:t>
-            </a:r>
-            <a:r>
-              <a:rPr lang="en-GB" dirty="0" err="1"/>
-              <a:t>fl</a:t>
-            </a:r>
-            <a:r>
-              <a:rPr lang="fr-FR" dirty="0"/>
-              <a:t>è</a:t>
-            </a:r>
-            <a:r>
-              <a:rPr lang="en-GB" dirty="0" err="1"/>
-              <a:t>che</a:t>
-            </a:r>
-            <a:r>
-              <a:rPr lang="en-GB" dirty="0"/>
-              <a:t> droit pour continuer</a:t>
-            </a:r>
           </a:p>
         </p:txBody>
       </p:sp>
@@ -13529,6 +13549,61 @@
           </a:fontRef>
         </p:style>
       </p:cxnSp>
+      <p:sp>
+        <p:nvSpPr>
+          <p:cNvPr id="10" name="Rectangle 9">
+            <a:extLst>
+              <a:ext uri="{FF2B5EF4-FFF2-40B4-BE49-F238E27FC236}">
+                <a16:creationId xmlns:a16="http://schemas.microsoft.com/office/drawing/2014/main" id="{CB5782CE-7527-4823-BE12-BF606B381968}"/>
+              </a:ext>
+            </a:extLst>
+          </p:cNvPr>
+          <p:cNvSpPr/>
+          <p:nvPr/>
+        </p:nvSpPr>
+        <p:spPr>
+          <a:xfrm>
+            <a:off x="3825636" y="6483648"/>
+            <a:ext cx="4540731" cy="369332"/>
+          </a:xfrm>
+          <a:prstGeom prst="rect">
+            <a:avLst/>
+          </a:prstGeom>
+        </p:spPr>
+        <p:txBody>
+          <a:bodyPr wrap="none">
+            <a:spAutoFit/>
+          </a:bodyPr>
+          <a:lstStyle/>
+          <a:p>
+            <a:pPr algn="ctr"/>
+            <a:r>
+              <a:rPr lang="en-GB" dirty="0" err="1"/>
+              <a:t>Appuyez</a:t>
+            </a:r>
+            <a:r>
+              <a:rPr lang="en-GB" dirty="0"/>
+              <a:t> sur la </a:t>
+            </a:r>
+            <a:r>
+              <a:rPr lang="en-GB" dirty="0" err="1"/>
+              <a:t>fl</a:t>
+            </a:r>
+            <a:r>
+              <a:rPr lang="fr-FR" dirty="0"/>
+              <a:t>è</a:t>
+            </a:r>
+            <a:r>
+              <a:rPr lang="en-GB" dirty="0" err="1"/>
+              <a:t>che</a:t>
+            </a:r>
+            <a:r>
+              <a:rPr lang="en-GB" dirty="0"/>
+              <a:t> de droite pour continuer</a:t>
+            </a:r>
+          </a:p>
+        </p:txBody>
+      </p:sp>
     </p:spTree>
     <p:extLst>
       <p:ext uri="{BB962C8B-B14F-4D97-AF65-F5344CB8AC3E}">
@@ -13598,7 +13673,7 @@
                   <a:srgbClr val="0070C0"/>
                 </a:solidFill>
               </a:rPr>
-              <a:t>5. UN JUDGEMENT DE CONFIANCE</a:t>
+              <a:t>5. UN JUGEMENT DE CONFIANCE</a:t>
             </a:r>
           </a:p>
         </p:txBody>
@@ -13786,61 +13861,6 @@
           </a:p>
         </p:txBody>
       </p:sp>
-      <p:sp>
-        <p:nvSpPr>
-          <p:cNvPr id="7" name="Rectangle 6">
-            <a:extLst>
-              <a:ext uri="{FF2B5EF4-FFF2-40B4-BE49-F238E27FC236}">
-                <a16:creationId xmlns:a16="http://schemas.microsoft.com/office/drawing/2014/main" id="{19A7C829-C7C7-4DC3-8533-FD48A2174859}"/>
-              </a:ext>
-            </a:extLst>
-          </p:cNvPr>
-          <p:cNvSpPr/>
-          <p:nvPr/>
-        </p:nvSpPr>
-        <p:spPr>
-          <a:xfrm>
-            <a:off x="4027165" y="6483648"/>
-            <a:ext cx="4137671" cy="369332"/>
-          </a:xfrm>
-          <a:prstGeom prst="rect">
-            <a:avLst/>
-          </a:prstGeom>
-        </p:spPr>
-        <p:txBody>
-          <a:bodyPr wrap="none">
-            <a:spAutoFit/>
-          </a:bodyPr>
-          <a:lstStyle/>
-          <a:p>
-            <a:pPr algn="ctr"/>
-            <a:r>
-              <a:rPr lang="en-GB" dirty="0" err="1"/>
-              <a:t>Appuyez</a:t>
-            </a:r>
-            <a:r>
-              <a:rPr lang="en-GB" dirty="0"/>
-              <a:t> sur la </a:t>
-            </a:r>
-            <a:r>
-              <a:rPr lang="en-GB" dirty="0" err="1"/>
-              <a:t>fl</a:t>
-            </a:r>
-            <a:r>
-              <a:rPr lang="fr-FR" dirty="0"/>
-              <a:t>è</a:t>
-            </a:r>
-            <a:r>
-              <a:rPr lang="en-GB" dirty="0" err="1"/>
-              <a:t>che</a:t>
-            </a:r>
-            <a:r>
-              <a:rPr lang="en-GB" dirty="0"/>
-              <a:t> droit pour continuer</a:t>
-            </a:r>
-          </a:p>
-        </p:txBody>
-      </p:sp>
       <p:pic>
         <p:nvPicPr>
           <p:cNvPr id="2" name="Picture 1">
@@ -13870,6 +13890,61 @@
           </a:prstGeom>
         </p:spPr>
       </p:pic>
+      <p:sp>
+        <p:nvSpPr>
+          <p:cNvPr id="10" name="Rectangle 9">
+            <a:extLst>
+              <a:ext uri="{FF2B5EF4-FFF2-40B4-BE49-F238E27FC236}">
+                <a16:creationId xmlns:a16="http://schemas.microsoft.com/office/drawing/2014/main" id="{C702B061-C7E3-4DA2-AB4A-CF95B2421373}"/>
+              </a:ext>
+            </a:extLst>
+          </p:cNvPr>
+          <p:cNvSpPr/>
+          <p:nvPr/>
+        </p:nvSpPr>
+        <p:spPr>
+          <a:xfrm>
+            <a:off x="3825636" y="6483648"/>
+            <a:ext cx="4540731" cy="369332"/>
+          </a:xfrm>
+          <a:prstGeom prst="rect">
+            <a:avLst/>
+          </a:prstGeom>
+        </p:spPr>
+        <p:txBody>
+          <a:bodyPr wrap="none">
+            <a:spAutoFit/>
+          </a:bodyPr>
+          <a:lstStyle/>
+          <a:p>
+            <a:pPr algn="ctr"/>
+            <a:r>
+              <a:rPr lang="en-GB" dirty="0" err="1"/>
+              <a:t>Appuyez</a:t>
+            </a:r>
+            <a:r>
+              <a:rPr lang="en-GB" dirty="0"/>
+              <a:t> sur la </a:t>
+            </a:r>
+            <a:r>
+              <a:rPr lang="en-GB" dirty="0" err="1"/>
+              <a:t>fl</a:t>
+            </a:r>
+            <a:r>
+              <a:rPr lang="fr-FR" dirty="0"/>
+              <a:t>è</a:t>
+            </a:r>
+            <a:r>
+              <a:rPr lang="en-GB" dirty="0" err="1"/>
+              <a:t>che</a:t>
+            </a:r>
+            <a:r>
+              <a:rPr lang="en-GB" dirty="0"/>
+              <a:t> de droite pour continuer</a:t>
+            </a:r>
+          </a:p>
+        </p:txBody>
+      </p:sp>
     </p:spTree>
     <p:extLst>
       <p:ext uri="{BB962C8B-B14F-4D97-AF65-F5344CB8AC3E}">
@@ -14047,15 +14122,7 @@
             </a:r>
             <a:r>
               <a:rPr lang="en-GB" sz="2400" dirty="0"/>
-              <a:t> </a:t>
-            </a:r>
-            <a:r>
-              <a:rPr lang="en-GB" sz="2400" dirty="0" err="1"/>
-              <a:t>dessous</a:t>
-            </a:r>
-            <a:r>
-              <a:rPr lang="en-GB" sz="2400" dirty="0"/>
-              <a:t>:</a:t>
+              <a:t> ci-dessous:</a:t>
             </a:r>
           </a:p>
         </p:txBody>
@@ -14143,10 +14210,10 @@
       </p:pic>
       <p:sp>
         <p:nvSpPr>
-          <p:cNvPr id="10" name="Rectangle 9">
+          <p:cNvPr id="8" name="Rectangle 7">
             <a:extLst>
               <a:ext uri="{FF2B5EF4-FFF2-40B4-BE49-F238E27FC236}">
-                <a16:creationId xmlns:a16="http://schemas.microsoft.com/office/drawing/2014/main" id="{0E7E6996-3F2B-4A1A-9E33-0B9F184DC5DA}"/>
+                <a16:creationId xmlns:a16="http://schemas.microsoft.com/office/drawing/2014/main" id="{A157982C-4EDB-44A5-AB3D-E05B8A58C61A}"/>
               </a:ext>
             </a:extLst>
           </p:cNvPr>
@@ -14155,8 +14222,8 @@
         </p:nvSpPr>
         <p:spPr>
           <a:xfrm>
-            <a:off x="4027165" y="6483648"/>
-            <a:ext cx="4137671" cy="369332"/>
+            <a:off x="3825636" y="6483648"/>
+            <a:ext cx="4540731" cy="369332"/>
           </a:xfrm>
           <a:prstGeom prst="rect">
             <a:avLst/>
@@ -14191,7 +14258,7 @@
             </a:r>
             <a:r>
               <a:rPr lang="en-GB" dirty="0"/>
-              <a:t> droit pour continuer</a:t>
+              <a:t> de droite pour continuer</a:t>
             </a:r>
           </a:p>
         </p:txBody>
@@ -14322,61 +14389,6 @@
           </a:p>
         </p:txBody>
       </p:sp>
-      <p:sp>
-        <p:nvSpPr>
-          <p:cNvPr id="7" name="Rectangle 6">
-            <a:extLst>
-              <a:ext uri="{FF2B5EF4-FFF2-40B4-BE49-F238E27FC236}">
-                <a16:creationId xmlns:a16="http://schemas.microsoft.com/office/drawing/2014/main" id="{19A7C829-C7C7-4DC3-8533-FD48A2174859}"/>
-              </a:ext>
-            </a:extLst>
-          </p:cNvPr>
-          <p:cNvSpPr/>
-          <p:nvPr/>
-        </p:nvSpPr>
-        <p:spPr>
-          <a:xfrm>
-            <a:off x="4027165" y="6483648"/>
-            <a:ext cx="4137671" cy="369332"/>
-          </a:xfrm>
-          <a:prstGeom prst="rect">
-            <a:avLst/>
-          </a:prstGeom>
-        </p:spPr>
-        <p:txBody>
-          <a:bodyPr wrap="none">
-            <a:spAutoFit/>
-          </a:bodyPr>
-          <a:lstStyle/>
-          <a:p>
-            <a:pPr algn="ctr"/>
-            <a:r>
-              <a:rPr lang="en-GB" dirty="0" err="1"/>
-              <a:t>Appuyez</a:t>
-            </a:r>
-            <a:r>
-              <a:rPr lang="en-GB" dirty="0"/>
-              <a:t> sur la </a:t>
-            </a:r>
-            <a:r>
-              <a:rPr lang="en-GB" dirty="0" err="1"/>
-              <a:t>fl</a:t>
-            </a:r>
-            <a:r>
-              <a:rPr lang="fr-FR" dirty="0"/>
-              <a:t>è</a:t>
-            </a:r>
-            <a:r>
-              <a:rPr lang="en-GB" dirty="0" err="1"/>
-              <a:t>che</a:t>
-            </a:r>
-            <a:r>
-              <a:rPr lang="en-GB" dirty="0"/>
-              <a:t> droit pour continuer</a:t>
-            </a:r>
-          </a:p>
-        </p:txBody>
-      </p:sp>
       <p:pic>
         <p:nvPicPr>
           <p:cNvPr id="10" name="Picture 9">
@@ -14449,7 +14461,15 @@
             </a:r>
             <a:r>
               <a:rPr lang="en-US" sz="2400" dirty="0"/>
-              <a:t> la judgement de </a:t>
+              <a:t> le </a:t>
+            </a:r>
+            <a:r>
+              <a:rPr lang="en-US" sz="2400" dirty="0" err="1"/>
+              <a:t>jugement</a:t>
+            </a:r>
+            <a:r>
+              <a:rPr lang="en-US" sz="2400" dirty="0"/>
+              <a:t> de </a:t>
             </a:r>
             <a:r>
               <a:rPr lang="en-US" sz="2400" dirty="0" err="1"/>
@@ -14613,6 +14633,61 @@
           </a:fontRef>
         </p:style>
       </p:cxnSp>
+      <p:sp>
+        <p:nvSpPr>
+          <p:cNvPr id="8" name="Rectangle 7">
+            <a:extLst>
+              <a:ext uri="{FF2B5EF4-FFF2-40B4-BE49-F238E27FC236}">
+                <a16:creationId xmlns:a16="http://schemas.microsoft.com/office/drawing/2014/main" id="{8BC0475D-AB7D-421F-A01E-4063A5EA494C}"/>
+              </a:ext>
+            </a:extLst>
+          </p:cNvPr>
+          <p:cNvSpPr/>
+          <p:nvPr/>
+        </p:nvSpPr>
+        <p:spPr>
+          <a:xfrm>
+            <a:off x="3825636" y="6483648"/>
+            <a:ext cx="4540731" cy="369332"/>
+          </a:xfrm>
+          <a:prstGeom prst="rect">
+            <a:avLst/>
+          </a:prstGeom>
+        </p:spPr>
+        <p:txBody>
+          <a:bodyPr wrap="none">
+            <a:spAutoFit/>
+          </a:bodyPr>
+          <a:lstStyle/>
+          <a:p>
+            <a:pPr algn="ctr"/>
+            <a:r>
+              <a:rPr lang="en-GB" dirty="0" err="1"/>
+              <a:t>Appuyez</a:t>
+            </a:r>
+            <a:r>
+              <a:rPr lang="en-GB" dirty="0"/>
+              <a:t> sur la </a:t>
+            </a:r>
+            <a:r>
+              <a:rPr lang="en-GB" dirty="0" err="1"/>
+              <a:t>fl</a:t>
+            </a:r>
+            <a:r>
+              <a:rPr lang="fr-FR" dirty="0"/>
+              <a:t>è</a:t>
+            </a:r>
+            <a:r>
+              <a:rPr lang="en-GB" dirty="0" err="1"/>
+              <a:t>che</a:t>
+            </a:r>
+            <a:r>
+              <a:rPr lang="en-GB" dirty="0"/>
+              <a:t> de droite pour continuer</a:t>
+            </a:r>
+          </a:p>
+        </p:txBody>
+      </p:sp>
     </p:spTree>
     <p:extLst>
       <p:ext uri="{BB962C8B-B14F-4D97-AF65-F5344CB8AC3E}">
@@ -14739,61 +14814,6 @@
           </a:p>
         </p:txBody>
       </p:sp>
-      <p:sp>
-        <p:nvSpPr>
-          <p:cNvPr id="7" name="Rectangle 6">
-            <a:extLst>
-              <a:ext uri="{FF2B5EF4-FFF2-40B4-BE49-F238E27FC236}">
-                <a16:creationId xmlns:a16="http://schemas.microsoft.com/office/drawing/2014/main" id="{19A7C829-C7C7-4DC3-8533-FD48A2174859}"/>
-              </a:ext>
-            </a:extLst>
-          </p:cNvPr>
-          <p:cNvSpPr/>
-          <p:nvPr/>
-        </p:nvSpPr>
-        <p:spPr>
-          <a:xfrm>
-            <a:off x="4027165" y="6483648"/>
-            <a:ext cx="4137671" cy="369332"/>
-          </a:xfrm>
-          <a:prstGeom prst="rect">
-            <a:avLst/>
-          </a:prstGeom>
-        </p:spPr>
-        <p:txBody>
-          <a:bodyPr wrap="none">
-            <a:spAutoFit/>
-          </a:bodyPr>
-          <a:lstStyle/>
-          <a:p>
-            <a:pPr algn="ctr"/>
-            <a:r>
-              <a:rPr lang="en-GB" dirty="0" err="1"/>
-              <a:t>Appuyez</a:t>
-            </a:r>
-            <a:r>
-              <a:rPr lang="en-GB" dirty="0"/>
-              <a:t> sur la </a:t>
-            </a:r>
-            <a:r>
-              <a:rPr lang="en-GB" dirty="0" err="1"/>
-              <a:t>fl</a:t>
-            </a:r>
-            <a:r>
-              <a:rPr lang="fr-FR" dirty="0"/>
-              <a:t>è</a:t>
-            </a:r>
-            <a:r>
-              <a:rPr lang="en-GB" dirty="0" err="1"/>
-              <a:t>che</a:t>
-            </a:r>
-            <a:r>
-              <a:rPr lang="en-GB" dirty="0"/>
-              <a:t> droit pour continuer</a:t>
-            </a:r>
-          </a:p>
-        </p:txBody>
-      </p:sp>
       <p:pic>
         <p:nvPicPr>
           <p:cNvPr id="10" name="Picture 9">
@@ -14874,7 +14894,15 @@
             </a:r>
             <a:r>
               <a:rPr lang="en-GB" sz="2400" dirty="0"/>
-              <a:t> clique </a:t>
+              <a:t> </a:t>
+            </a:r>
+            <a:r>
+              <a:rPr lang="en-GB" sz="2400" dirty="0" err="1"/>
+              <a:t>cliqué</a:t>
+            </a:r>
+            <a:r>
+              <a:rPr lang="en-GB" sz="2400" dirty="0"/>
+              <a:t> </a:t>
             </a:r>
             <a:r>
               <a:rPr lang="en-GB" sz="2400" b="1" dirty="0"/>
@@ -14967,6 +14995,61 @@
           </a:fontRef>
         </p:style>
       </p:cxnSp>
+      <p:sp>
+        <p:nvSpPr>
+          <p:cNvPr id="8" name="Rectangle 7">
+            <a:extLst>
+              <a:ext uri="{FF2B5EF4-FFF2-40B4-BE49-F238E27FC236}">
+                <a16:creationId xmlns:a16="http://schemas.microsoft.com/office/drawing/2014/main" id="{2CC6B379-9B30-4992-A9FF-61C53A1EC0EE}"/>
+              </a:ext>
+            </a:extLst>
+          </p:cNvPr>
+          <p:cNvSpPr/>
+          <p:nvPr/>
+        </p:nvSpPr>
+        <p:spPr>
+          <a:xfrm>
+            <a:off x="3825636" y="6483648"/>
+            <a:ext cx="4540731" cy="369332"/>
+          </a:xfrm>
+          <a:prstGeom prst="rect">
+            <a:avLst/>
+          </a:prstGeom>
+        </p:spPr>
+        <p:txBody>
+          <a:bodyPr wrap="none">
+            <a:spAutoFit/>
+          </a:bodyPr>
+          <a:lstStyle/>
+          <a:p>
+            <a:pPr algn="ctr"/>
+            <a:r>
+              <a:rPr lang="en-GB" dirty="0" err="1"/>
+              <a:t>Appuyez</a:t>
+            </a:r>
+            <a:r>
+              <a:rPr lang="en-GB" dirty="0"/>
+              <a:t> sur la </a:t>
+            </a:r>
+            <a:r>
+              <a:rPr lang="en-GB" dirty="0" err="1"/>
+              <a:t>fl</a:t>
+            </a:r>
+            <a:r>
+              <a:rPr lang="fr-FR" dirty="0"/>
+              <a:t>è</a:t>
+            </a:r>
+            <a:r>
+              <a:rPr lang="en-GB" dirty="0" err="1"/>
+              <a:t>che</a:t>
+            </a:r>
+            <a:r>
+              <a:rPr lang="en-GB" dirty="0"/>
+              <a:t> de droite pour continuer</a:t>
+            </a:r>
+          </a:p>
+        </p:txBody>
+      </p:sp>
     </p:spTree>
     <p:extLst>
       <p:ext uri="{BB962C8B-B14F-4D97-AF65-F5344CB8AC3E}">
@@ -15093,61 +15176,6 @@
           </a:p>
         </p:txBody>
       </p:sp>
-      <p:sp>
-        <p:nvSpPr>
-          <p:cNvPr id="7" name="Rectangle 6">
-            <a:extLst>
-              <a:ext uri="{FF2B5EF4-FFF2-40B4-BE49-F238E27FC236}">
-                <a16:creationId xmlns:a16="http://schemas.microsoft.com/office/drawing/2014/main" id="{19A7C829-C7C7-4DC3-8533-FD48A2174859}"/>
-              </a:ext>
-            </a:extLst>
-          </p:cNvPr>
-          <p:cNvSpPr/>
-          <p:nvPr/>
-        </p:nvSpPr>
-        <p:spPr>
-          <a:xfrm>
-            <a:off x="4027165" y="6483648"/>
-            <a:ext cx="4137671" cy="369332"/>
-          </a:xfrm>
-          <a:prstGeom prst="rect">
-            <a:avLst/>
-          </a:prstGeom>
-        </p:spPr>
-        <p:txBody>
-          <a:bodyPr wrap="none">
-            <a:spAutoFit/>
-          </a:bodyPr>
-          <a:lstStyle/>
-          <a:p>
-            <a:pPr algn="ctr"/>
-            <a:r>
-              <a:rPr lang="en-GB" dirty="0" err="1"/>
-              <a:t>Appuyez</a:t>
-            </a:r>
-            <a:r>
-              <a:rPr lang="en-GB" dirty="0"/>
-              <a:t> sur la </a:t>
-            </a:r>
-            <a:r>
-              <a:rPr lang="en-GB" dirty="0" err="1"/>
-              <a:t>fl</a:t>
-            </a:r>
-            <a:r>
-              <a:rPr lang="fr-FR" dirty="0"/>
-              <a:t>è</a:t>
-            </a:r>
-            <a:r>
-              <a:rPr lang="en-GB" dirty="0" err="1"/>
-              <a:t>che</a:t>
-            </a:r>
-            <a:r>
-              <a:rPr lang="en-GB" dirty="0"/>
-              <a:t> droit pour continuer</a:t>
-            </a:r>
-          </a:p>
-        </p:txBody>
-      </p:sp>
       <p:pic>
         <p:nvPicPr>
           <p:cNvPr id="6" name="Picture 5">
@@ -15228,7 +15256,15 @@
             </a:r>
             <a:r>
               <a:rPr lang="en-GB" sz="2400" dirty="0"/>
-              <a:t> clique </a:t>
+              <a:t> </a:t>
+            </a:r>
+            <a:r>
+              <a:rPr lang="en-GB" sz="2400" dirty="0" err="1"/>
+              <a:t>cliqué</a:t>
+            </a:r>
+            <a:r>
+              <a:rPr lang="en-GB" sz="2400" dirty="0"/>
+              <a:t> </a:t>
             </a:r>
             <a:r>
               <a:rPr lang="en-GB" sz="2400" b="1" dirty="0"/>
@@ -15313,6 +15349,61 @@
           </a:fontRef>
         </p:style>
       </p:cxnSp>
+      <p:sp>
+        <p:nvSpPr>
+          <p:cNvPr id="8" name="Rectangle 7">
+            <a:extLst>
+              <a:ext uri="{FF2B5EF4-FFF2-40B4-BE49-F238E27FC236}">
+                <a16:creationId xmlns:a16="http://schemas.microsoft.com/office/drawing/2014/main" id="{EB175B66-448E-4B8D-AA69-AC40CFD9350F}"/>
+              </a:ext>
+            </a:extLst>
+          </p:cNvPr>
+          <p:cNvSpPr/>
+          <p:nvPr/>
+        </p:nvSpPr>
+        <p:spPr>
+          <a:xfrm>
+            <a:off x="3825636" y="6483648"/>
+            <a:ext cx="4540731" cy="369332"/>
+          </a:xfrm>
+          <a:prstGeom prst="rect">
+            <a:avLst/>
+          </a:prstGeom>
+        </p:spPr>
+        <p:txBody>
+          <a:bodyPr wrap="none">
+            <a:spAutoFit/>
+          </a:bodyPr>
+          <a:lstStyle/>
+          <a:p>
+            <a:pPr algn="ctr"/>
+            <a:r>
+              <a:rPr lang="en-GB" dirty="0" err="1"/>
+              <a:t>Appuyez</a:t>
+            </a:r>
+            <a:r>
+              <a:rPr lang="en-GB" dirty="0"/>
+              <a:t> sur la </a:t>
+            </a:r>
+            <a:r>
+              <a:rPr lang="en-GB" dirty="0" err="1"/>
+              <a:t>fl</a:t>
+            </a:r>
+            <a:r>
+              <a:rPr lang="fr-FR" dirty="0"/>
+              <a:t>è</a:t>
+            </a:r>
+            <a:r>
+              <a:rPr lang="en-GB" dirty="0" err="1"/>
+              <a:t>che</a:t>
+            </a:r>
+            <a:r>
+              <a:rPr lang="en-GB" dirty="0"/>
+              <a:t> de droite pour continuer</a:t>
+            </a:r>
+          </a:p>
+        </p:txBody>
+      </p:sp>
     </p:spTree>
     <p:extLst>
       <p:ext uri="{BB962C8B-B14F-4D97-AF65-F5344CB8AC3E}">
@@ -15389,61 +15480,6 @@
       </p:sp>
       <p:sp>
         <p:nvSpPr>
-          <p:cNvPr id="7" name="Rectangle 6">
-            <a:extLst>
-              <a:ext uri="{FF2B5EF4-FFF2-40B4-BE49-F238E27FC236}">
-                <a16:creationId xmlns:a16="http://schemas.microsoft.com/office/drawing/2014/main" id="{19A7C829-C7C7-4DC3-8533-FD48A2174859}"/>
-              </a:ext>
-            </a:extLst>
-          </p:cNvPr>
-          <p:cNvSpPr/>
-          <p:nvPr/>
-        </p:nvSpPr>
-        <p:spPr>
-          <a:xfrm>
-            <a:off x="4027165" y="6483648"/>
-            <a:ext cx="4137671" cy="369332"/>
-          </a:xfrm>
-          <a:prstGeom prst="rect">
-            <a:avLst/>
-          </a:prstGeom>
-        </p:spPr>
-        <p:txBody>
-          <a:bodyPr wrap="none">
-            <a:spAutoFit/>
-          </a:bodyPr>
-          <a:lstStyle/>
-          <a:p>
-            <a:pPr algn="ctr"/>
-            <a:r>
-              <a:rPr lang="en-GB" dirty="0" err="1"/>
-              <a:t>Appuyez</a:t>
-            </a:r>
-            <a:r>
-              <a:rPr lang="en-GB" dirty="0"/>
-              <a:t> sur la </a:t>
-            </a:r>
-            <a:r>
-              <a:rPr lang="en-GB" dirty="0" err="1"/>
-              <a:t>fl</a:t>
-            </a:r>
-            <a:r>
-              <a:rPr lang="fr-FR" dirty="0"/>
-              <a:t>è</a:t>
-            </a:r>
-            <a:r>
-              <a:rPr lang="en-GB" dirty="0" err="1"/>
-              <a:t>che</a:t>
-            </a:r>
-            <a:r>
-              <a:rPr lang="en-GB" dirty="0"/>
-              <a:t> droit pour continuer</a:t>
-            </a:r>
-          </a:p>
-        </p:txBody>
-      </p:sp>
-      <p:sp>
-        <p:nvSpPr>
           <p:cNvPr id="14" name="ZoneTexte 7">
             <a:extLst>
               <a:ext uri="{FF2B5EF4-FFF2-40B4-BE49-F238E27FC236}">
@@ -15513,7 +15549,7 @@
             </a:r>
             <a:r>
               <a:rPr lang="en-US" sz="2400" dirty="0" err="1"/>
-              <a:t>completé</a:t>
+              <a:t>complété</a:t>
             </a:r>
             <a:r>
               <a:rPr lang="en-US" sz="2400" dirty="0"/>
@@ -15525,7 +15561,7 @@
             </a:r>
             <a:r>
               <a:rPr lang="en-US" sz="2400" dirty="0"/>
-              <a:t> – bravo!</a:t>
+              <a:t> – bravo !</a:t>
             </a:r>
           </a:p>
           <a:p>
@@ -15636,9 +15672,64 @@
             </a:r>
             <a:r>
               <a:rPr lang="en-US" sz="2400" dirty="0"/>
-              <a:t> du premier coup </a:t>
+              <a:t> du début</a:t>
             </a:r>
             <a:endParaRPr lang="en-GB" sz="2400" b="1" dirty="0"/>
+          </a:p>
+        </p:txBody>
+      </p:sp>
+      <p:sp>
+        <p:nvSpPr>
+          <p:cNvPr id="6" name="Rectangle 5">
+            <a:extLst>
+              <a:ext uri="{FF2B5EF4-FFF2-40B4-BE49-F238E27FC236}">
+                <a16:creationId xmlns:a16="http://schemas.microsoft.com/office/drawing/2014/main" id="{A4762703-FB46-4196-874F-9E29789F932F}"/>
+              </a:ext>
+            </a:extLst>
+          </p:cNvPr>
+          <p:cNvSpPr/>
+          <p:nvPr/>
+        </p:nvSpPr>
+        <p:spPr>
+          <a:xfrm>
+            <a:off x="3825636" y="6483648"/>
+            <a:ext cx="4540731" cy="369332"/>
+          </a:xfrm>
+          <a:prstGeom prst="rect">
+            <a:avLst/>
+          </a:prstGeom>
+        </p:spPr>
+        <p:txBody>
+          <a:bodyPr wrap="none">
+            <a:spAutoFit/>
+          </a:bodyPr>
+          <a:lstStyle/>
+          <a:p>
+            <a:pPr algn="ctr"/>
+            <a:r>
+              <a:rPr lang="en-GB" dirty="0" err="1"/>
+              <a:t>Appuyez</a:t>
+            </a:r>
+            <a:r>
+              <a:rPr lang="en-GB" dirty="0"/>
+              <a:t> sur la </a:t>
+            </a:r>
+            <a:r>
+              <a:rPr lang="en-GB" dirty="0" err="1"/>
+              <a:t>fl</a:t>
+            </a:r>
+            <a:r>
+              <a:rPr lang="fr-FR" dirty="0"/>
+              <a:t>è</a:t>
+            </a:r>
+            <a:r>
+              <a:rPr lang="en-GB" dirty="0" err="1"/>
+              <a:t>che</a:t>
+            </a:r>
+            <a:r>
+              <a:rPr lang="en-GB" dirty="0"/>
+              <a:t> de droite pour continuer</a:t>
+            </a:r>
           </a:p>
         </p:txBody>
       </p:sp>
@@ -15711,62 +15802,7 @@
                   <a:srgbClr val="0070C0"/>
                 </a:solidFill>
               </a:rPr>
-              <a:t>UNE NOTE FINAL</a:t>
-            </a:r>
-          </a:p>
-        </p:txBody>
-      </p:sp>
-      <p:sp>
-        <p:nvSpPr>
-          <p:cNvPr id="7" name="Rectangle 6">
-            <a:extLst>
-              <a:ext uri="{FF2B5EF4-FFF2-40B4-BE49-F238E27FC236}">
-                <a16:creationId xmlns:a16="http://schemas.microsoft.com/office/drawing/2014/main" id="{19A7C829-C7C7-4DC3-8533-FD48A2174859}"/>
-              </a:ext>
-            </a:extLst>
-          </p:cNvPr>
-          <p:cNvSpPr/>
-          <p:nvPr/>
-        </p:nvSpPr>
-        <p:spPr>
-          <a:xfrm>
-            <a:off x="4027165" y="6483648"/>
-            <a:ext cx="4137671" cy="369332"/>
-          </a:xfrm>
-          <a:prstGeom prst="rect">
-            <a:avLst/>
-          </a:prstGeom>
-        </p:spPr>
-        <p:txBody>
-          <a:bodyPr wrap="none">
-            <a:spAutoFit/>
-          </a:bodyPr>
-          <a:lstStyle/>
-          <a:p>
-            <a:pPr algn="ctr"/>
-            <a:r>
-              <a:rPr lang="en-GB" dirty="0" err="1"/>
-              <a:t>Appuyez</a:t>
-            </a:r>
-            <a:r>
-              <a:rPr lang="en-GB" dirty="0"/>
-              <a:t> sur la </a:t>
-            </a:r>
-            <a:r>
-              <a:rPr lang="en-GB" dirty="0" err="1"/>
-              <a:t>fl</a:t>
-            </a:r>
-            <a:r>
-              <a:rPr lang="fr-FR" dirty="0"/>
-              <a:t>è</a:t>
-            </a:r>
-            <a:r>
-              <a:rPr lang="en-GB" dirty="0" err="1"/>
-              <a:t>che</a:t>
-            </a:r>
-            <a:r>
-              <a:rPr lang="en-GB" dirty="0"/>
-              <a:t> droit pour continuer</a:t>
+              <a:t>UNE NOTE FINALE</a:t>
             </a:r>
           </a:p>
         </p:txBody>
@@ -16040,6 +16076,61 @@
               <a:t>testé</a:t>
             </a:r>
             <a:endParaRPr lang="en-GB" sz="2400" dirty="0"/>
+          </a:p>
+        </p:txBody>
+      </p:sp>
+      <p:sp>
+        <p:nvSpPr>
+          <p:cNvPr id="9" name="Rectangle 8">
+            <a:extLst>
+              <a:ext uri="{FF2B5EF4-FFF2-40B4-BE49-F238E27FC236}">
+                <a16:creationId xmlns:a16="http://schemas.microsoft.com/office/drawing/2014/main" id="{19308291-56D9-4E5A-A248-A7CEA8574284}"/>
+              </a:ext>
+            </a:extLst>
+          </p:cNvPr>
+          <p:cNvSpPr/>
+          <p:nvPr/>
+        </p:nvSpPr>
+        <p:spPr>
+          <a:xfrm>
+            <a:off x="3825636" y="6483648"/>
+            <a:ext cx="4540731" cy="369332"/>
+          </a:xfrm>
+          <a:prstGeom prst="rect">
+            <a:avLst/>
+          </a:prstGeom>
+        </p:spPr>
+        <p:txBody>
+          <a:bodyPr wrap="none">
+            <a:spAutoFit/>
+          </a:bodyPr>
+          <a:lstStyle/>
+          <a:p>
+            <a:pPr algn="ctr"/>
+            <a:r>
+              <a:rPr lang="en-GB" dirty="0" err="1"/>
+              <a:t>Appuyez</a:t>
+            </a:r>
+            <a:r>
+              <a:rPr lang="en-GB" dirty="0"/>
+              <a:t> sur la </a:t>
+            </a:r>
+            <a:r>
+              <a:rPr lang="en-GB" dirty="0" err="1"/>
+              <a:t>fl</a:t>
+            </a:r>
+            <a:r>
+              <a:rPr lang="fr-FR" dirty="0"/>
+              <a:t>è</a:t>
+            </a:r>
+            <a:r>
+              <a:rPr lang="en-GB" dirty="0" err="1"/>
+              <a:t>che</a:t>
+            </a:r>
+            <a:r>
+              <a:rPr lang="en-GB" dirty="0"/>
+              <a:t> de droite pour continuer</a:t>
+            </a:r>
           </a:p>
         </p:txBody>
       </p:sp>
@@ -16119,61 +16210,6 @@
       </p:sp>
       <p:sp>
         <p:nvSpPr>
-          <p:cNvPr id="10" name="Rectangle 9">
-            <a:extLst>
-              <a:ext uri="{FF2B5EF4-FFF2-40B4-BE49-F238E27FC236}">
-                <a16:creationId xmlns:a16="http://schemas.microsoft.com/office/drawing/2014/main" id="{F58A73E6-F817-44CF-90D6-109F4F317DEA}"/>
-              </a:ext>
-            </a:extLst>
-          </p:cNvPr>
-          <p:cNvSpPr/>
-          <p:nvPr/>
-        </p:nvSpPr>
-        <p:spPr>
-          <a:xfrm>
-            <a:off x="4027165" y="6483648"/>
-            <a:ext cx="4137671" cy="369332"/>
-          </a:xfrm>
-          <a:prstGeom prst="rect">
-            <a:avLst/>
-          </a:prstGeom>
-        </p:spPr>
-        <p:txBody>
-          <a:bodyPr wrap="none">
-            <a:spAutoFit/>
-          </a:bodyPr>
-          <a:lstStyle/>
-          <a:p>
-            <a:pPr algn="ctr"/>
-            <a:r>
-              <a:rPr lang="en-GB" dirty="0" err="1"/>
-              <a:t>Appuyez</a:t>
-            </a:r>
-            <a:r>
-              <a:rPr lang="en-GB" dirty="0"/>
-              <a:t> sur la </a:t>
-            </a:r>
-            <a:r>
-              <a:rPr lang="en-GB" dirty="0" err="1"/>
-              <a:t>fl</a:t>
-            </a:r>
-            <a:r>
-              <a:rPr lang="fr-FR" dirty="0"/>
-              <a:t>è</a:t>
-            </a:r>
-            <a:r>
-              <a:rPr lang="en-GB" dirty="0" err="1"/>
-              <a:t>che</a:t>
-            </a:r>
-            <a:r>
-              <a:rPr lang="en-GB" dirty="0"/>
-              <a:t> droit pour continuer</a:t>
-            </a:r>
-          </a:p>
-        </p:txBody>
-      </p:sp>
-      <p:sp>
-        <p:nvSpPr>
           <p:cNvPr id="7" name="ZoneTexte 7">
             <a:extLst>
               <a:ext uri="{FF2B5EF4-FFF2-40B4-BE49-F238E27FC236}">
@@ -16187,7 +16223,7 @@
         <p:spPr>
           <a:xfrm>
             <a:off x="1874195" y="2228672"/>
-            <a:ext cx="8443609" cy="2400657"/>
+            <a:ext cx="8443609" cy="2031325"/>
           </a:xfrm>
           <a:prstGeom prst="rect">
             <a:avLst/>
@@ -16235,7 +16271,7 @@
             </a:r>
             <a:r>
               <a:rPr lang="en-GB" sz="2400" dirty="0" err="1"/>
-              <a:t>l’experience</a:t>
+              <a:t>l’expérience</a:t>
             </a:r>
             <a:r>
               <a:rPr lang="en-GB" sz="2400" dirty="0"/>
@@ -16291,7 +16327,7 @@
             </a:r>
             <a:r>
               <a:rPr lang="en-GB" sz="2400" b="1" dirty="0"/>
-              <a:t> les instructions!</a:t>
+              <a:t> les instructions !</a:t>
             </a:r>
           </a:p>
           <a:p>
@@ -16322,29 +16358,63 @@
             </a:r>
             <a:r>
               <a:rPr lang="en-GB" sz="2400" b="1" dirty="0"/>
-              <a:t> participation ! </a:t>
-            </a:r>
-            <a:r>
-              <a:rPr lang="en-GB" sz="2400" b="1" dirty="0" err="1"/>
-              <a:t>C’est</a:t>
-            </a:r>
-            <a:r>
-              <a:rPr lang="en-GB" sz="2400" b="1" dirty="0"/>
-              <a:t> </a:t>
-            </a:r>
-            <a:r>
-              <a:rPr lang="en-GB" sz="2400" b="1" dirty="0" err="1"/>
-              <a:t>vraiment</a:t>
-            </a:r>
-            <a:r>
-              <a:rPr lang="en-GB" sz="2400" b="1" dirty="0"/>
-              <a:t> </a:t>
-            </a:r>
-            <a:r>
-              <a:rPr lang="en-GB" sz="2400" b="1" dirty="0" err="1"/>
-              <a:t>précieux</a:t>
-            </a:r>
-            <a:endParaRPr lang="en-GB" sz="2400" b="1" dirty="0"/>
+              <a:t> participation !</a:t>
+            </a:r>
+          </a:p>
+        </p:txBody>
+      </p:sp>
+      <p:sp>
+        <p:nvSpPr>
+          <p:cNvPr id="6" name="Rectangle 5">
+            <a:extLst>
+              <a:ext uri="{FF2B5EF4-FFF2-40B4-BE49-F238E27FC236}">
+                <a16:creationId xmlns:a16="http://schemas.microsoft.com/office/drawing/2014/main" id="{58094673-8935-46FB-B949-F49C5ADC6DDD}"/>
+              </a:ext>
+            </a:extLst>
+          </p:cNvPr>
+          <p:cNvSpPr/>
+          <p:nvPr/>
+        </p:nvSpPr>
+        <p:spPr>
+          <a:xfrm>
+            <a:off x="3825636" y="6483648"/>
+            <a:ext cx="4540731" cy="369332"/>
+          </a:xfrm>
+          <a:prstGeom prst="rect">
+            <a:avLst/>
+          </a:prstGeom>
+        </p:spPr>
+        <p:txBody>
+          <a:bodyPr wrap="none">
+            <a:spAutoFit/>
+          </a:bodyPr>
+          <a:lstStyle/>
+          <a:p>
+            <a:pPr algn="ctr"/>
+            <a:r>
+              <a:rPr lang="en-GB" dirty="0" err="1"/>
+              <a:t>Appuyez</a:t>
+            </a:r>
+            <a:r>
+              <a:rPr lang="en-GB" dirty="0"/>
+              <a:t> sur la </a:t>
+            </a:r>
+            <a:r>
+              <a:rPr lang="en-GB" dirty="0" err="1"/>
+              <a:t>fl</a:t>
+            </a:r>
+            <a:r>
+              <a:rPr lang="fr-FR" dirty="0"/>
+              <a:t>è</a:t>
+            </a:r>
+            <a:r>
+              <a:rPr lang="en-GB" dirty="0" err="1"/>
+              <a:t>che</a:t>
+            </a:r>
+            <a:r>
+              <a:rPr lang="en-GB" dirty="0"/>
+              <a:t> de droite pour continuer</a:t>
+            </a:r>
           </a:p>
         </p:txBody>
       </p:sp>
@@ -16511,18 +16581,18 @@
             </a:r>
             <a:r>
               <a:rPr lang="en-GB" sz="2400" dirty="0"/>
+              <a:t> des </a:t>
+            </a:r>
+            <a:r>
+              <a:rPr lang="en-GB" sz="2400" dirty="0" err="1"/>
+              <a:t>numéros</a:t>
+            </a:r>
+            <a:r>
+              <a:rPr lang="en-GB" sz="2400" dirty="0"/>
               <a:t> de </a:t>
             </a:r>
             <a:r>
               <a:rPr lang="en-GB" sz="2400" dirty="0" err="1"/>
-              <a:t>numéro</a:t>
-            </a:r>
-            <a:r>
-              <a:rPr lang="en-GB" sz="2400" dirty="0"/>
-              <a:t> de </a:t>
-            </a:r>
-            <a:r>
-              <a:rPr lang="en-GB" sz="2400" dirty="0" err="1"/>
               <a:t>chaque</a:t>
             </a:r>
             <a:r>
@@ -16539,7 +16609,7 @@
             </a:r>
             <a:r>
               <a:rPr lang="en-GB" sz="2400" dirty="0" err="1"/>
-              <a:t>apparaîtront</a:t>
+              <a:t>apparaîtra</a:t>
             </a:r>
             <a:r>
               <a:rPr lang="en-GB" sz="2400" dirty="0"/>
@@ -16551,15 +16621,7 @@
             </a:r>
             <a:r>
               <a:rPr lang="en-GB" sz="2400" dirty="0"/>
-              <a:t> </a:t>
-            </a:r>
-            <a:r>
-              <a:rPr lang="en-GB" sz="2400" dirty="0" err="1"/>
-              <a:t>dessous</a:t>
-            </a:r>
-            <a:r>
-              <a:rPr lang="en-GB" sz="2400" dirty="0"/>
-              <a:t>)</a:t>
+              <a:t> ci-dessous)</a:t>
             </a:r>
           </a:p>
           <a:p>
@@ -16582,11 +16644,11 @@
             </a:r>
             <a:r>
               <a:rPr lang="en-GB" sz="2400" dirty="0"/>
-              <a:t>: </a:t>
+              <a:t> </a:t>
             </a:r>
             <a:r>
               <a:rPr lang="en-GB" sz="2400" b="1" dirty="0" err="1"/>
-              <a:t>Cliquez</a:t>
+              <a:t>cliquer</a:t>
             </a:r>
             <a:r>
               <a:rPr lang="en-GB" sz="2400" b="1" dirty="0"/>
@@ -16663,10 +16725,10 @@
       </p:pic>
       <p:sp>
         <p:nvSpPr>
-          <p:cNvPr id="7" name="Rectangle 6">
+          <p:cNvPr id="10" name="Rectangle 9">
             <a:extLst>
               <a:ext uri="{FF2B5EF4-FFF2-40B4-BE49-F238E27FC236}">
-                <a16:creationId xmlns:a16="http://schemas.microsoft.com/office/drawing/2014/main" id="{19A7C829-C7C7-4DC3-8533-FD48A2174859}"/>
+                <a16:creationId xmlns:a16="http://schemas.microsoft.com/office/drawing/2014/main" id="{A8AD05D8-80B3-4BB3-9AB9-1F51E17CD3DD}"/>
               </a:ext>
             </a:extLst>
           </p:cNvPr>
@@ -16675,8 +16737,8 @@
         </p:nvSpPr>
         <p:spPr>
           <a:xfrm>
-            <a:off x="4027165" y="6483648"/>
-            <a:ext cx="4137671" cy="369332"/>
+            <a:off x="3825636" y="6483648"/>
+            <a:ext cx="4540731" cy="369332"/>
           </a:xfrm>
           <a:prstGeom prst="rect">
             <a:avLst/>
@@ -16711,7 +16773,7 @@
             </a:r>
             <a:r>
               <a:rPr lang="en-GB" dirty="0"/>
-              <a:t> droit pour continuer</a:t>
+              <a:t> de droite pour continuer</a:t>
             </a:r>
           </a:p>
         </p:txBody>
@@ -17049,61 +17111,6 @@
           </a:p>
         </p:txBody>
       </p:sp>
-      <p:sp>
-        <p:nvSpPr>
-          <p:cNvPr id="11" name="Rectangle 10">
-            <a:extLst>
-              <a:ext uri="{FF2B5EF4-FFF2-40B4-BE49-F238E27FC236}">
-                <a16:creationId xmlns:a16="http://schemas.microsoft.com/office/drawing/2014/main" id="{B4FED68E-3DC0-42E3-B904-25CE13DBD9F6}"/>
-              </a:ext>
-            </a:extLst>
-          </p:cNvPr>
-          <p:cNvSpPr/>
-          <p:nvPr/>
-        </p:nvSpPr>
-        <p:spPr>
-          <a:xfrm>
-            <a:off x="4027165" y="6483648"/>
-            <a:ext cx="4137671" cy="369332"/>
-          </a:xfrm>
-          <a:prstGeom prst="rect">
-            <a:avLst/>
-          </a:prstGeom>
-        </p:spPr>
-        <p:txBody>
-          <a:bodyPr wrap="none">
-            <a:spAutoFit/>
-          </a:bodyPr>
-          <a:lstStyle/>
-          <a:p>
-            <a:pPr algn="ctr"/>
-            <a:r>
-              <a:rPr lang="en-GB" dirty="0" err="1"/>
-              <a:t>Appuyez</a:t>
-            </a:r>
-            <a:r>
-              <a:rPr lang="en-GB" dirty="0"/>
-              <a:t> sur la </a:t>
-            </a:r>
-            <a:r>
-              <a:rPr lang="en-GB" dirty="0" err="1"/>
-              <a:t>fl</a:t>
-            </a:r>
-            <a:r>
-              <a:rPr lang="fr-FR" dirty="0"/>
-              <a:t>è</a:t>
-            </a:r>
-            <a:r>
-              <a:rPr lang="en-GB" dirty="0" err="1"/>
-              <a:t>che</a:t>
-            </a:r>
-            <a:r>
-              <a:rPr lang="en-GB" dirty="0"/>
-              <a:t> droit pour continuer</a:t>
-            </a:r>
-          </a:p>
-        </p:txBody>
-      </p:sp>
       <p:pic>
         <p:nvPicPr>
           <p:cNvPr id="8" name="Picture 7">
@@ -17133,6 +17140,61 @@
           </a:prstGeom>
         </p:spPr>
       </p:pic>
+      <p:sp>
+        <p:nvSpPr>
+          <p:cNvPr id="10" name="Rectangle 9">
+            <a:extLst>
+              <a:ext uri="{FF2B5EF4-FFF2-40B4-BE49-F238E27FC236}">
+                <a16:creationId xmlns:a16="http://schemas.microsoft.com/office/drawing/2014/main" id="{95110F7E-F76B-4A11-AF0B-8722ABC82A87}"/>
+              </a:ext>
+            </a:extLst>
+          </p:cNvPr>
+          <p:cNvSpPr/>
+          <p:nvPr/>
+        </p:nvSpPr>
+        <p:spPr>
+          <a:xfrm>
+            <a:off x="3825636" y="6483648"/>
+            <a:ext cx="4540731" cy="369332"/>
+          </a:xfrm>
+          <a:prstGeom prst="rect">
+            <a:avLst/>
+          </a:prstGeom>
+        </p:spPr>
+        <p:txBody>
+          <a:bodyPr wrap="none">
+            <a:spAutoFit/>
+          </a:bodyPr>
+          <a:lstStyle/>
+          <a:p>
+            <a:pPr algn="ctr"/>
+            <a:r>
+              <a:rPr lang="en-GB" dirty="0" err="1"/>
+              <a:t>Appuyez</a:t>
+            </a:r>
+            <a:r>
+              <a:rPr lang="en-GB" dirty="0"/>
+              <a:t> sur la </a:t>
+            </a:r>
+            <a:r>
+              <a:rPr lang="en-GB" dirty="0" err="1"/>
+              <a:t>fl</a:t>
+            </a:r>
+            <a:r>
+              <a:rPr lang="fr-FR" dirty="0"/>
+              <a:t>è</a:t>
+            </a:r>
+            <a:r>
+              <a:rPr lang="en-GB" dirty="0" err="1"/>
+              <a:t>che</a:t>
+            </a:r>
+            <a:r>
+              <a:rPr lang="en-GB" dirty="0"/>
+              <a:t> de droite pour continuer</a:t>
+            </a:r>
+          </a:p>
+        </p:txBody>
+      </p:sp>
     </p:spTree>
     <p:extLst>
       <p:ext uri="{BB962C8B-B14F-4D97-AF65-F5344CB8AC3E}">
@@ -17358,7 +17420,7 @@
             </a:r>
             <a:r>
               <a:rPr lang="en-GB" sz="2400" dirty="0" err="1"/>
-              <a:t>différents</a:t>
+              <a:t>différentes</a:t>
             </a:r>
             <a:r>
               <a:rPr lang="en-GB" sz="2400" dirty="0"/>
@@ -17398,10 +17460,10 @@
       </p:sp>
       <p:sp>
         <p:nvSpPr>
-          <p:cNvPr id="6" name="Rectangle 5">
+          <p:cNvPr id="8" name="Rectangle 7">
             <a:extLst>
               <a:ext uri="{FF2B5EF4-FFF2-40B4-BE49-F238E27FC236}">
-                <a16:creationId xmlns:a16="http://schemas.microsoft.com/office/drawing/2014/main" id="{D7DB7788-F6EF-443D-AE0F-3CBD3BAE6393}"/>
+                <a16:creationId xmlns:a16="http://schemas.microsoft.com/office/drawing/2014/main" id="{AC023FA1-67EE-4803-B07B-5E1902953048}"/>
               </a:ext>
             </a:extLst>
           </p:cNvPr>
@@ -17410,8 +17472,8 @@
         </p:nvSpPr>
         <p:spPr>
           <a:xfrm>
-            <a:off x="4027165" y="6483648"/>
-            <a:ext cx="4137671" cy="369332"/>
+            <a:off x="3825636" y="6483648"/>
+            <a:ext cx="4540731" cy="369332"/>
           </a:xfrm>
           <a:prstGeom prst="rect">
             <a:avLst/>
@@ -17446,7 +17508,7 @@
             </a:r>
             <a:r>
               <a:rPr lang="en-GB" dirty="0"/>
-              <a:t> droit pour continuer</a:t>
+              <a:t> de droite pour continuer</a:t>
             </a:r>
           </a:p>
         </p:txBody>
@@ -17567,31 +17629,31 @@
             </a:r>
             <a:r>
               <a:rPr lang="en-GB" sz="2000" dirty="0"/>
-              <a:t> de </a:t>
+              <a:t> </a:t>
             </a:r>
             <a:r>
               <a:rPr lang="en-GB" sz="2000" b="1" dirty="0"/>
-              <a:t>la </a:t>
+              <a:t>du </a:t>
             </a:r>
             <a:r>
               <a:rPr lang="en-GB" sz="2000" b="1" dirty="0" err="1"/>
-              <a:t>numero</a:t>
+              <a:t>nombre</a:t>
             </a:r>
             <a:r>
               <a:rPr lang="en-GB" sz="2000" b="1" dirty="0"/>
-              <a:t> de </a:t>
+              <a:t> </a:t>
             </a:r>
             <a:r>
               <a:rPr lang="en-GB" sz="2000" b="1" dirty="0" err="1"/>
-              <a:t>l’essai</a:t>
+              <a:t>d’essai</a:t>
             </a:r>
             <a:r>
               <a:rPr lang="en-GB" sz="2000" dirty="0"/>
-              <a:t> et de </a:t>
+              <a:t> et </a:t>
             </a:r>
             <a:r>
               <a:rPr lang="en-GB" sz="2000" b="1" dirty="0"/>
-              <a:t>le score </a:t>
+              <a:t>du score </a:t>
             </a:r>
             <a:r>
               <a:rPr lang="en-GB" sz="2000" b="1" dirty="0" err="1"/>
@@ -17626,10 +17688,10 @@
       </p:sp>
       <p:sp>
         <p:nvSpPr>
-          <p:cNvPr id="6" name="Rectangle 5">
+          <p:cNvPr id="8" name="Rectangle 7">
             <a:extLst>
               <a:ext uri="{FF2B5EF4-FFF2-40B4-BE49-F238E27FC236}">
-                <a16:creationId xmlns:a16="http://schemas.microsoft.com/office/drawing/2014/main" id="{B4C9FEEF-A83A-4FF7-AFFC-38470F82CC57}"/>
+                <a16:creationId xmlns:a16="http://schemas.microsoft.com/office/drawing/2014/main" id="{8FA72CDB-8749-4E8D-B070-A80E57618F43}"/>
               </a:ext>
             </a:extLst>
           </p:cNvPr>
@@ -17638,8 +17700,8 @@
         </p:nvSpPr>
         <p:spPr>
           <a:xfrm>
-            <a:off x="4027165" y="6483648"/>
-            <a:ext cx="4137671" cy="369332"/>
+            <a:off x="3825636" y="6483648"/>
+            <a:ext cx="4540731" cy="369332"/>
           </a:xfrm>
           <a:prstGeom prst="rect">
             <a:avLst/>
@@ -17674,7 +17736,7 @@
             </a:r>
             <a:r>
               <a:rPr lang="en-GB" dirty="0"/>
-              <a:t> droit pour continuer</a:t>
+              <a:t> de droite pour continuer</a:t>
             </a:r>
           </a:p>
         </p:txBody>
@@ -17795,31 +17857,31 @@
             </a:r>
             <a:r>
               <a:rPr lang="en-GB" sz="2000" dirty="0"/>
-              <a:t> de </a:t>
+              <a:t> </a:t>
             </a:r>
             <a:r>
               <a:rPr lang="en-GB" sz="2000" b="1" dirty="0"/>
-              <a:t>la </a:t>
+              <a:t>du </a:t>
             </a:r>
             <a:r>
               <a:rPr lang="en-GB" sz="2000" b="1" dirty="0" err="1"/>
-              <a:t>numero</a:t>
+              <a:t>nombre</a:t>
             </a:r>
             <a:r>
               <a:rPr lang="en-GB" sz="2000" b="1" dirty="0"/>
-              <a:t> de </a:t>
+              <a:t> </a:t>
             </a:r>
             <a:r>
               <a:rPr lang="en-GB" sz="2000" b="1" dirty="0" err="1"/>
-              <a:t>l’essai</a:t>
+              <a:t>d’essai</a:t>
             </a:r>
             <a:r>
               <a:rPr lang="en-GB" sz="2000" dirty="0"/>
-              <a:t> et de </a:t>
+              <a:t> et </a:t>
             </a:r>
             <a:r>
               <a:rPr lang="en-GB" sz="2000" b="1" dirty="0"/>
-              <a:t>le score </a:t>
+              <a:t>du score </a:t>
             </a:r>
             <a:r>
               <a:rPr lang="en-GB" sz="2000" b="1" dirty="0" err="1"/>
@@ -17860,8 +17922,12 @@
               <a:t>Un </a:t>
             </a:r>
             <a:r>
+              <a:rPr lang="en-GB" sz="2000" b="1" dirty="0" err="1"/>
+              <a:t>jugement</a:t>
+            </a:r>
+            <a:r>
               <a:rPr lang="en-GB" sz="2000" b="1" dirty="0"/>
-              <a:t>judgement </a:t>
+              <a:t> </a:t>
             </a:r>
             <a:r>
               <a:rPr lang="en-GB" sz="2000" b="1" dirty="0" err="1"/>
@@ -17873,10 +17939,10 @@
       </p:sp>
       <p:sp>
         <p:nvSpPr>
-          <p:cNvPr id="6" name="Rectangle 5">
+          <p:cNvPr id="8" name="Rectangle 7">
             <a:extLst>
               <a:ext uri="{FF2B5EF4-FFF2-40B4-BE49-F238E27FC236}">
-                <a16:creationId xmlns:a16="http://schemas.microsoft.com/office/drawing/2014/main" id="{437730E7-75F8-4680-A980-B6501373496A}"/>
+                <a16:creationId xmlns:a16="http://schemas.microsoft.com/office/drawing/2014/main" id="{5B3A171A-96C1-4082-B6CC-A9E0DA29E099}"/>
               </a:ext>
             </a:extLst>
           </p:cNvPr>
@@ -17885,8 +17951,8 @@
         </p:nvSpPr>
         <p:spPr>
           <a:xfrm>
-            <a:off x="4027165" y="6483648"/>
-            <a:ext cx="4137671" cy="369332"/>
+            <a:off x="3825636" y="6483648"/>
+            <a:ext cx="4540731" cy="369332"/>
           </a:xfrm>
           <a:prstGeom prst="rect">
             <a:avLst/>
@@ -17921,7 +17987,7 @@
             </a:r>
             <a:r>
               <a:rPr lang="en-GB" dirty="0"/>
-              <a:t> droit pour continuer</a:t>
+              <a:t> de droite pour continuer</a:t>
             </a:r>
           </a:p>
         </p:txBody>

--- a/src/Self_Efficacy/Stimuli/Instructions.pptx
+++ b/src/Self_Efficacy/Stimuli/Instructions.pptx
@@ -287,7 +287,7 @@
           <a:p>
             <a:fld id="{1C2A38D2-D57A-4E64-B95F-0826012D069A}" type="datetimeFigureOut">
               <a:rPr lang="en-GB" smtClean="0"/>
-              <a:t>29/05/2020</a:t>
+              <a:t>25/06/2020</a:t>
             </a:fld>
             <a:endParaRPr lang="en-GB" dirty="0"/>
           </a:p>
@@ -457,7 +457,7 @@
           <a:p>
             <a:fld id="{1C2A38D2-D57A-4E64-B95F-0826012D069A}" type="datetimeFigureOut">
               <a:rPr lang="en-GB" smtClean="0"/>
-              <a:t>29/05/2020</a:t>
+              <a:t>25/06/2020</a:t>
             </a:fld>
             <a:endParaRPr lang="en-GB" dirty="0"/>
           </a:p>
@@ -637,7 +637,7 @@
           <a:p>
             <a:fld id="{1C2A38D2-D57A-4E64-B95F-0826012D069A}" type="datetimeFigureOut">
               <a:rPr lang="en-GB" smtClean="0"/>
-              <a:t>29/05/2020</a:t>
+              <a:t>25/06/2020</a:t>
             </a:fld>
             <a:endParaRPr lang="en-GB" dirty="0"/>
           </a:p>
@@ -807,7 +807,7 @@
           <a:p>
             <a:fld id="{1C2A38D2-D57A-4E64-B95F-0826012D069A}" type="datetimeFigureOut">
               <a:rPr lang="en-GB" smtClean="0"/>
-              <a:t>29/05/2020</a:t>
+              <a:t>25/06/2020</a:t>
             </a:fld>
             <a:endParaRPr lang="en-GB" dirty="0"/>
           </a:p>
@@ -1053,7 +1053,7 @@
           <a:p>
             <a:fld id="{1C2A38D2-D57A-4E64-B95F-0826012D069A}" type="datetimeFigureOut">
               <a:rPr lang="en-GB" smtClean="0"/>
-              <a:t>29/05/2020</a:t>
+              <a:t>25/06/2020</a:t>
             </a:fld>
             <a:endParaRPr lang="en-GB" dirty="0"/>
           </a:p>
@@ -1285,7 +1285,7 @@
           <a:p>
             <a:fld id="{1C2A38D2-D57A-4E64-B95F-0826012D069A}" type="datetimeFigureOut">
               <a:rPr lang="en-GB" smtClean="0"/>
-              <a:t>29/05/2020</a:t>
+              <a:t>25/06/2020</a:t>
             </a:fld>
             <a:endParaRPr lang="en-GB" dirty="0"/>
           </a:p>
@@ -1652,7 +1652,7 @@
           <a:p>
             <a:fld id="{1C2A38D2-D57A-4E64-B95F-0826012D069A}" type="datetimeFigureOut">
               <a:rPr lang="en-GB" smtClean="0"/>
-              <a:t>29/05/2020</a:t>
+              <a:t>25/06/2020</a:t>
             </a:fld>
             <a:endParaRPr lang="en-GB" dirty="0"/>
           </a:p>
@@ -1770,7 +1770,7 @@
           <a:p>
             <a:fld id="{1C2A38D2-D57A-4E64-B95F-0826012D069A}" type="datetimeFigureOut">
               <a:rPr lang="en-GB" smtClean="0"/>
-              <a:t>29/05/2020</a:t>
+              <a:t>25/06/2020</a:t>
             </a:fld>
             <a:endParaRPr lang="en-GB" dirty="0"/>
           </a:p>
@@ -1865,7 +1865,7 @@
           <a:p>
             <a:fld id="{1C2A38D2-D57A-4E64-B95F-0826012D069A}" type="datetimeFigureOut">
               <a:rPr lang="en-GB" smtClean="0"/>
-              <a:t>29/05/2020</a:t>
+              <a:t>25/06/2020</a:t>
             </a:fld>
             <a:endParaRPr lang="en-GB" dirty="0"/>
           </a:p>
@@ -2142,7 +2142,7 @@
           <a:p>
             <a:fld id="{1C2A38D2-D57A-4E64-B95F-0826012D069A}" type="datetimeFigureOut">
               <a:rPr lang="en-GB" smtClean="0"/>
-              <a:t>29/05/2020</a:t>
+              <a:t>25/06/2020</a:t>
             </a:fld>
             <a:endParaRPr lang="en-GB" dirty="0"/>
           </a:p>
@@ -2395,7 +2395,7 @@
           <a:p>
             <a:fld id="{1C2A38D2-D57A-4E64-B95F-0826012D069A}" type="datetimeFigureOut">
               <a:rPr lang="en-GB" smtClean="0"/>
-              <a:t>29/05/2020</a:t>
+              <a:t>25/06/2020</a:t>
             </a:fld>
             <a:endParaRPr lang="en-GB" dirty="0"/>
           </a:p>
@@ -2608,7 +2608,7 @@
           <a:p>
             <a:fld id="{1C2A38D2-D57A-4E64-B95F-0826012D069A}" type="datetimeFigureOut">
               <a:rPr lang="en-GB" smtClean="0"/>
-              <a:t>29/05/2020</a:t>
+              <a:t>25/06/2020</a:t>
             </a:fld>
             <a:endParaRPr lang="en-GB" dirty="0"/>
           </a:p>
@@ -17294,7 +17294,7 @@
             <a:pPr algn="ctr"/>
             <a:r>
               <a:rPr lang="en-GB" sz="2400" dirty="0" err="1"/>
-              <a:t>L’experience</a:t>
+              <a:t>L’expérience</a:t>
             </a:r>
             <a:r>
               <a:rPr lang="en-GB" sz="2400" dirty="0"/>

--- a/src/Self_Efficacy/Stimuli/Instructions.pptx
+++ b/src/Self_Efficacy/Stimuli/Instructions.pptx
@@ -3167,8 +3167,13 @@
             </a:r>
             <a:r>
               <a:rPr lang="en-GB" sz="2400" dirty="0"/>
-              <a:t> pour continuer et lire la suite</a:t>
-            </a:r>
+              <a:t> pour continuer et lire la </a:t>
+            </a:r>
+            <a:r>
+              <a:rPr lang="en-GB" sz="2400" dirty="0" smtClean="0"/>
+              <a:t>suite.</a:t>
+            </a:r>
+            <a:endParaRPr lang="en-GB" sz="2400" dirty="0"/>
           </a:p>
           <a:p>
             <a:pPr algn="ctr">
@@ -3229,8 +3234,12 @@
               <a:t> </a:t>
             </a:r>
             <a:r>
-              <a:rPr lang="en-GB" sz="2400" dirty="0" err="1"/>
+              <a:rPr lang="en-GB" sz="2400" dirty="0" err="1" smtClean="0"/>
               <a:t>précédente</a:t>
+            </a:r>
+            <a:r>
+              <a:rPr lang="en-GB" sz="2400" smtClean="0"/>
+              <a:t>.</a:t>
             </a:r>
             <a:endParaRPr lang="fr-FR" sz="2400" dirty="0"/>
           </a:p>
@@ -6183,11 +6192,7 @@
             </a:r>
             <a:r>
               <a:rPr lang="en-GB" sz="2400" dirty="0" smtClean="0"/>
-              <a:t> environs 20 </a:t>
-            </a:r>
-            <a:r>
-              <a:rPr lang="en-GB" sz="2400" dirty="0" smtClean="0"/>
-              <a:t>minutes.</a:t>
+              <a:t> environs 20 minutes.</a:t>
             </a:r>
             <a:endParaRPr lang="en-GB" sz="2400" dirty="0"/>
           </a:p>
@@ -6287,11 +6292,7 @@
             </a:r>
             <a:r>
               <a:rPr lang="en-GB" sz="2400" dirty="0" smtClean="0"/>
-              <a:t>. </a:t>
-            </a:r>
-            <a:r>
-              <a:rPr lang="en-GB" sz="2400" dirty="0" smtClean="0"/>
-              <a:t>Nous </a:t>
+              <a:t>. Nous </a:t>
             </a:r>
             <a:r>
               <a:rPr lang="en-GB" sz="2400" dirty="0" err="1"/>
@@ -6369,7 +6370,6 @@
               <a:rPr lang="en-GB" sz="2400" dirty="0" smtClean="0"/>
               <a:t>.</a:t>
             </a:r>
-            <a:endParaRPr lang="en-GB" sz="2400" dirty="0" smtClean="0"/>
           </a:p>
           <a:p>
             <a:pPr algn="ctr"/>
@@ -7388,7 +7388,6 @@
               <a:rPr lang="en-GB" sz="2400" dirty="0"/>
               <a:t> la phase de test.</a:t>
             </a:r>
-            <a:endParaRPr lang="en-GB" sz="2400" dirty="0"/>
           </a:p>
         </p:txBody>
       </p:sp>
@@ -8196,13 +8195,8 @@
             </a:r>
             <a:r>
               <a:rPr lang="fr-FR" sz="2400" dirty="0" smtClean="0"/>
-              <a:t> plus de l’emplacement de l’autre chiffre composant la paire</a:t>
-            </a:r>
-            <a:r>
-              <a:rPr lang="fr-FR" sz="2400" dirty="0" smtClean="0"/>
-              <a:t>. </a:t>
-            </a:r>
-            <a:endParaRPr lang="fr-FR" sz="2400" dirty="0" smtClean="0"/>
+              <a:t> plus de l’emplacement de l’autre chiffre composant la paire. </a:t>
+            </a:r>
           </a:p>
           <a:p>
             <a:pPr algn="ctr">
@@ -8212,11 +8206,7 @@
             </a:pPr>
             <a:r>
               <a:rPr lang="fr-FR" sz="2400" dirty="0" smtClean="0"/>
-              <a:t>Vous pourrez alors cliquer sur le bouton « Montrez-moi la prochaine paire</a:t>
-            </a:r>
-            <a:r>
-              <a:rPr lang="fr-FR" sz="2400" dirty="0" smtClean="0"/>
-              <a:t> », en bas à gauche de la grille:</a:t>
+              <a:t>Vous pourrez alors cliquer sur le bouton « Montrez-moi la prochaine paire », en bas à gauche de la grille:</a:t>
             </a:r>
             <a:endParaRPr lang="fr-FR" sz="2400" b="1" dirty="0"/>
           </a:p>
@@ -9686,11 +9676,7 @@
             </a:r>
             <a:r>
               <a:rPr lang="en-GB" sz="2400" dirty="0" smtClean="0"/>
-              <a:t> ser</a:t>
-            </a:r>
-            <a:r>
-              <a:rPr lang="en-GB" sz="2400" dirty="0" smtClean="0"/>
-              <a:t>a </a:t>
+              <a:t> sera </a:t>
             </a:r>
             <a:r>
               <a:rPr lang="en-GB" sz="2400" dirty="0" err="1" smtClean="0"/>
@@ -10129,7 +10115,6 @@
               <a:rPr lang="en-GB" sz="2400" dirty="0" smtClean="0"/>
               <a:t> sur un emplacement de la grille: </a:t>
             </a:r>
-            <a:endParaRPr lang="en-GB" sz="2400" dirty="0" smtClean="0"/>
           </a:p>
         </p:txBody>
       </p:sp>
@@ -11370,11 +11355,6 @@
               </a:rPr>
               <a:t>RÉSUMÉ</a:t>
             </a:r>
-            <a:endParaRPr lang="en-GB" sz="2400" b="1" dirty="0">
-              <a:solidFill>
-                <a:srgbClr val="0070C0"/>
-              </a:solidFill>
-            </a:endParaRPr>
           </a:p>
         </p:txBody>
       </p:sp>
@@ -12185,19 +12165,7 @@
             </a:r>
             <a:r>
               <a:rPr lang="fr-FR" sz="2400" dirty="0" smtClean="0"/>
-              <a:t>, </a:t>
-            </a:r>
-            <a:r>
-              <a:rPr lang="fr-FR" sz="2400" dirty="0" smtClean="0"/>
-              <a:t>vous devrez doser votre effort pour atteindre </a:t>
-            </a:r>
-            <a:r>
-              <a:rPr lang="fr-FR" sz="2400" dirty="0" smtClean="0"/>
-              <a:t>l</a:t>
-            </a:r>
-            <a:r>
-              <a:rPr lang="fr-FR" sz="2400" dirty="0" smtClean="0"/>
-              <a:t>e score cible.</a:t>
+              <a:t>, vous devrez doser votre effort pour atteindre le score cible.</a:t>
             </a:r>
             <a:endParaRPr lang="fr-FR" sz="2400" dirty="0"/>
           </a:p>
@@ -12474,11 +12442,7 @@
             </a:r>
             <a:r>
               <a:rPr lang="en-GB" sz="2400" dirty="0" smtClean="0"/>
-              <a:t> </a:t>
-            </a:r>
-            <a:r>
-              <a:rPr lang="en-GB" sz="2400" dirty="0" smtClean="0"/>
-              <a:t>demander </a:t>
+              <a:t> demander </a:t>
             </a:r>
             <a:r>
               <a:rPr lang="en-GB" sz="2400" dirty="0" err="1" smtClean="0"/>

--- a/src/Self_Efficacy/Stimuli/Instructions.pptx
+++ b/src/Self_Efficacy/Stimuli/Instructions.pptx
@@ -287,7 +287,7 @@
           <a:p>
             <a:fld id="{1C2A38D2-D57A-4E64-B95F-0826012D069A}" type="datetimeFigureOut">
               <a:rPr lang="en-GB" smtClean="0"/>
-              <a:t>25/06/2020</a:t>
+              <a:t>17/07/2020</a:t>
             </a:fld>
             <a:endParaRPr lang="en-GB" dirty="0"/>
           </a:p>
@@ -457,7 +457,7 @@
           <a:p>
             <a:fld id="{1C2A38D2-D57A-4E64-B95F-0826012D069A}" type="datetimeFigureOut">
               <a:rPr lang="en-GB" smtClean="0"/>
-              <a:t>25/06/2020</a:t>
+              <a:t>17/07/2020</a:t>
             </a:fld>
             <a:endParaRPr lang="en-GB" dirty="0"/>
           </a:p>
@@ -637,7 +637,7 @@
           <a:p>
             <a:fld id="{1C2A38D2-D57A-4E64-B95F-0826012D069A}" type="datetimeFigureOut">
               <a:rPr lang="en-GB" smtClean="0"/>
-              <a:t>25/06/2020</a:t>
+              <a:t>17/07/2020</a:t>
             </a:fld>
             <a:endParaRPr lang="en-GB" dirty="0"/>
           </a:p>
@@ -807,7 +807,7 @@
           <a:p>
             <a:fld id="{1C2A38D2-D57A-4E64-B95F-0826012D069A}" type="datetimeFigureOut">
               <a:rPr lang="en-GB" smtClean="0"/>
-              <a:t>25/06/2020</a:t>
+              <a:t>17/07/2020</a:t>
             </a:fld>
             <a:endParaRPr lang="en-GB" dirty="0"/>
           </a:p>
@@ -1053,7 +1053,7 @@
           <a:p>
             <a:fld id="{1C2A38D2-D57A-4E64-B95F-0826012D069A}" type="datetimeFigureOut">
               <a:rPr lang="en-GB" smtClean="0"/>
-              <a:t>25/06/2020</a:t>
+              <a:t>17/07/2020</a:t>
             </a:fld>
             <a:endParaRPr lang="en-GB" dirty="0"/>
           </a:p>
@@ -1285,7 +1285,7 @@
           <a:p>
             <a:fld id="{1C2A38D2-D57A-4E64-B95F-0826012D069A}" type="datetimeFigureOut">
               <a:rPr lang="en-GB" smtClean="0"/>
-              <a:t>25/06/2020</a:t>
+              <a:t>17/07/2020</a:t>
             </a:fld>
             <a:endParaRPr lang="en-GB" dirty="0"/>
           </a:p>
@@ -1652,7 +1652,7 @@
           <a:p>
             <a:fld id="{1C2A38D2-D57A-4E64-B95F-0826012D069A}" type="datetimeFigureOut">
               <a:rPr lang="en-GB" smtClean="0"/>
-              <a:t>25/06/2020</a:t>
+              <a:t>17/07/2020</a:t>
             </a:fld>
             <a:endParaRPr lang="en-GB" dirty="0"/>
           </a:p>
@@ -1770,7 +1770,7 @@
           <a:p>
             <a:fld id="{1C2A38D2-D57A-4E64-B95F-0826012D069A}" type="datetimeFigureOut">
               <a:rPr lang="en-GB" smtClean="0"/>
-              <a:t>25/06/2020</a:t>
+              <a:t>17/07/2020</a:t>
             </a:fld>
             <a:endParaRPr lang="en-GB" dirty="0"/>
           </a:p>
@@ -1865,7 +1865,7 @@
           <a:p>
             <a:fld id="{1C2A38D2-D57A-4E64-B95F-0826012D069A}" type="datetimeFigureOut">
               <a:rPr lang="en-GB" smtClean="0"/>
-              <a:t>25/06/2020</a:t>
+              <a:t>17/07/2020</a:t>
             </a:fld>
             <a:endParaRPr lang="en-GB" dirty="0"/>
           </a:p>
@@ -2142,7 +2142,7 @@
           <a:p>
             <a:fld id="{1C2A38D2-D57A-4E64-B95F-0826012D069A}" type="datetimeFigureOut">
               <a:rPr lang="en-GB" smtClean="0"/>
-              <a:t>25/06/2020</a:t>
+              <a:t>17/07/2020</a:t>
             </a:fld>
             <a:endParaRPr lang="en-GB" dirty="0"/>
           </a:p>
@@ -2395,7 +2395,7 @@
           <a:p>
             <a:fld id="{1C2A38D2-D57A-4E64-B95F-0826012D069A}" type="datetimeFigureOut">
               <a:rPr lang="en-GB" smtClean="0"/>
-              <a:t>25/06/2020</a:t>
+              <a:t>17/07/2020</a:t>
             </a:fld>
             <a:endParaRPr lang="en-GB" dirty="0"/>
           </a:p>
@@ -2608,7 +2608,7 @@
           <a:p>
             <a:fld id="{1C2A38D2-D57A-4E64-B95F-0826012D069A}" type="datetimeFigureOut">
               <a:rPr lang="en-GB" smtClean="0"/>
-              <a:t>25/06/2020</a:t>
+              <a:t>17/07/2020</a:t>
             </a:fld>
             <a:endParaRPr lang="en-GB" dirty="0"/>
           </a:p>
@@ -17420,7 +17420,7 @@
             </a:r>
             <a:r>
               <a:rPr lang="en-GB" sz="2400" dirty="0" err="1"/>
-              <a:t>différentes</a:t>
+              <a:t>différents</a:t>
             </a:r>
             <a:r>
               <a:rPr lang="en-GB" sz="2400" dirty="0"/>

--- a/src/Self_Efficacy/Stimuli/Instructions.pptx
+++ b/src/Self_Efficacy/Stimuli/Instructions.pptx
@@ -38,6 +38,7 @@
     <p:sldId id="304" r:id="rId32"/>
     <p:sldId id="306" r:id="rId33"/>
     <p:sldId id="267" r:id="rId34"/>
+    <p:sldId id="315" r:id="rId35"/>
   </p:sldIdLst>
   <p:sldSz cx="12192000" cy="6858000"/>
   <p:notesSz cx="6858000" cy="9144000"/>
@@ -3067,8 +3068,8 @@
         </p:nvSpPr>
         <p:spPr>
           <a:xfrm>
-            <a:off x="1041966" y="4317964"/>
-            <a:ext cx="10108088" cy="1754326"/>
+            <a:off x="642017" y="4317964"/>
+            <a:ext cx="10907987" cy="1754326"/>
           </a:xfrm>
           <a:prstGeom prst="rect">
             <a:avLst/>
@@ -3167,7 +3168,25 @@
             </a:r>
             <a:r>
               <a:rPr lang="en-GB" sz="2400" dirty="0"/>
-              <a:t> pour continuer et lire la </a:t>
+              <a:t> </a:t>
+            </a:r>
+            <a:r>
+              <a:rPr lang="en-GB" sz="2400" dirty="0" smtClean="0"/>
+              <a:t>[</a:t>
+            </a:r>
+            <a:r>
+              <a:rPr lang="en-GB" sz="2400" dirty="0" smtClean="0">
+                <a:sym typeface="Wingdings" panose="05000000000000000000" pitchFamily="2" charset="2"/>
+              </a:rPr>
+              <a:t>] </a:t>
+            </a:r>
+            <a:r>
+              <a:rPr lang="en-GB" sz="2400" dirty="0" smtClean="0"/>
+              <a:t>pour </a:t>
+            </a:r>
+            <a:r>
+              <a:rPr lang="en-GB" sz="2400" dirty="0"/>
+              <a:t>continuer et lire la </a:t>
             </a:r>
             <a:r>
               <a:rPr lang="en-GB" sz="2400" dirty="0" smtClean="0"/>
@@ -3215,7 +3234,21 @@
             </a:r>
             <a:r>
               <a:rPr lang="en-GB" sz="2400" dirty="0"/>
-              <a:t> pour </a:t>
+              <a:t> </a:t>
+            </a:r>
+            <a:r>
+              <a:rPr lang="en-GB" sz="2400" dirty="0" smtClean="0"/>
+              <a:t>[</a:t>
+            </a:r>
+            <a:r>
+              <a:rPr lang="en-GB" sz="2400" dirty="0" smtClean="0">
+                <a:sym typeface="Wingdings" panose="05000000000000000000" pitchFamily="2" charset="2"/>
+              </a:rPr>
+              <a:t>] </a:t>
+            </a:r>
+            <a:r>
+              <a:rPr lang="en-GB" sz="2400" dirty="0" smtClean="0"/>
+              <a:t>pour </a:t>
             </a:r>
             <a:r>
               <a:rPr lang="en-GB" sz="2400" dirty="0" err="1"/>
@@ -3238,7 +3271,7 @@
               <a:t>précédente</a:t>
             </a:r>
             <a:r>
-              <a:rPr lang="en-GB" sz="2400" smtClean="0"/>
+              <a:rPr lang="en-GB" sz="2400" dirty="0" smtClean="0"/>
               <a:t>.</a:t>
             </a:r>
             <a:endParaRPr lang="fr-FR" sz="2400" dirty="0"/>
@@ -11692,6 +11725,224 @@
     <p:extLst>
       <p:ext uri="{BB962C8B-B14F-4D97-AF65-F5344CB8AC3E}">
         <p14:creationId xmlns:p14="http://schemas.microsoft.com/office/powerpoint/2010/main" val="2686243724"/>
+      </p:ext>
+    </p:extLst>
+  </p:cSld>
+  <p:clrMapOvr>
+    <a:masterClrMapping/>
+  </p:clrMapOvr>
+  <p:timing>
+    <p:tnLst>
+      <p:par>
+        <p:cTn id="1" dur="indefinite" restart="never" nodeType="tmRoot"/>
+      </p:par>
+    </p:tnLst>
+  </p:timing>
+</p:sld>
+</file>
+
+<file path=ppt/slides/slide34.xml><?xml version="1.0" encoding="utf-8"?>
+<p:sld xmlns:a="http://schemas.openxmlformats.org/drawingml/2006/main" xmlns:r="http://schemas.openxmlformats.org/officeDocument/2006/relationships" xmlns:p="http://schemas.openxmlformats.org/presentationml/2006/main">
+  <p:cSld>
+    <p:spTree>
+      <p:nvGrpSpPr>
+        <p:cNvPr id="1" name=""/>
+        <p:cNvGrpSpPr/>
+        <p:nvPr/>
+      </p:nvGrpSpPr>
+      <p:grpSpPr>
+        <a:xfrm>
+          <a:off x="0" y="0"/>
+          <a:ext cx="0" cy="0"/>
+          <a:chOff x="0" y="0"/>
+          <a:chExt cx="0" cy="0"/>
+        </a:xfrm>
+      </p:grpSpPr>
+      <p:sp>
+        <p:nvSpPr>
+          <p:cNvPr id="2" name="Titre 1"/>
+          <p:cNvSpPr>
+            <a:spLocks noGrp="1"/>
+          </p:cNvSpPr>
+          <p:nvPr>
+            <p:ph type="title"/>
+          </p:nvPr>
+        </p:nvSpPr>
+        <p:spPr>
+          <a:xfrm>
+            <a:off x="1879774" y="2364012"/>
+            <a:ext cx="8432453" cy="2129977"/>
+          </a:xfrm>
+        </p:spPr>
+        <p:txBody>
+          <a:bodyPr>
+            <a:normAutofit/>
+          </a:bodyPr>
+          <a:lstStyle/>
+          <a:p>
+            <a:pPr algn="ctr"/>
+            <a:r>
+              <a:rPr lang="fr-FR" sz="2400" dirty="0" smtClean="0"/>
+              <a:t>Le test </a:t>
+            </a:r>
+            <a:r>
+              <a:rPr lang="fr-FR" sz="2400" dirty="0" smtClean="0"/>
+              <a:t>de métacognition </a:t>
+            </a:r>
+            <a:r>
+              <a:rPr lang="fr-FR" sz="2400" dirty="0"/>
+              <a:t>est maintenant </a:t>
+            </a:r>
+            <a:r>
+              <a:rPr lang="fr-FR" sz="2400" dirty="0" smtClean="0"/>
+              <a:t>terminé.</a:t>
+            </a:r>
+            <a:r>
+              <a:rPr lang="fr-FR" sz="2400" dirty="0"/>
+              <a:t/>
+            </a:r>
+            <a:br>
+              <a:rPr lang="fr-FR" sz="2400" dirty="0"/>
+            </a:br>
+            <a:r>
+              <a:rPr lang="fr-FR" sz="2400" dirty="0"/>
+              <a:t> </a:t>
+            </a:r>
+            <a:br>
+              <a:rPr lang="fr-FR" sz="2400" dirty="0"/>
+            </a:br>
+            <a:r>
+              <a:rPr lang="fr-FR" sz="2400" dirty="0"/>
+              <a:t>Merci !</a:t>
+            </a:r>
+          </a:p>
+        </p:txBody>
+      </p:sp>
+      <p:sp>
+        <p:nvSpPr>
+          <p:cNvPr id="5" name="ZoneTexte 4"/>
+          <p:cNvSpPr txBox="1"/>
+          <p:nvPr/>
+        </p:nvSpPr>
+        <p:spPr>
+          <a:xfrm>
+            <a:off x="3878093" y="349649"/>
+            <a:ext cx="4435815" cy="461665"/>
+          </a:xfrm>
+          <a:prstGeom prst="rect">
+            <a:avLst/>
+          </a:prstGeom>
+          <a:noFill/>
+          <a:ln>
+            <a:noFill/>
+          </a:ln>
+        </p:spPr>
+        <p:txBody>
+          <a:bodyPr wrap="square" rtlCol="0" anchor="ctr">
+            <a:spAutoFit/>
+          </a:bodyPr>
+          <a:lstStyle/>
+          <a:p>
+            <a:pPr algn="ctr">
+              <a:spcBef>
+                <a:spcPts val="1800"/>
+              </a:spcBef>
+              <a:spcAft>
+                <a:spcPts val="1800"/>
+              </a:spcAft>
+            </a:pPr>
+            <a:r>
+              <a:rPr lang="en-GB" sz="2400" b="1" dirty="0" smtClean="0">
+                <a:solidFill>
+                  <a:srgbClr val="0070C0"/>
+                </a:solidFill>
+              </a:rPr>
+              <a:t>FIN DU TEST </a:t>
+            </a:r>
+            <a:r>
+              <a:rPr lang="en-GB" sz="2400" b="1" dirty="0" smtClean="0">
+                <a:solidFill>
+                  <a:srgbClr val="0070C0"/>
+                </a:solidFill>
+              </a:rPr>
+              <a:t>DE METACOGNITION</a:t>
+            </a:r>
+            <a:endParaRPr lang="en-GB" sz="2400" b="1" dirty="0">
+              <a:solidFill>
+                <a:srgbClr val="0070C0"/>
+              </a:solidFill>
+            </a:endParaRPr>
+          </a:p>
+        </p:txBody>
+      </p:sp>
+      <p:sp>
+        <p:nvSpPr>
+          <p:cNvPr id="6" name="Rectangle 3">
+            <a:extLst>
+              <a:ext uri="{FF2B5EF4-FFF2-40B4-BE49-F238E27FC236}">
+                <a16:creationId xmlns:a16="http://schemas.microsoft.com/office/drawing/2014/main" id="{96E0DEE1-FC76-AB42-A24F-D4D41E2BA40D}"/>
+              </a:ext>
+            </a:extLst>
+          </p:cNvPr>
+          <p:cNvSpPr/>
+          <p:nvPr/>
+        </p:nvSpPr>
+        <p:spPr>
+          <a:xfrm>
+            <a:off x="3856192" y="6233684"/>
+            <a:ext cx="4521559" cy="400110"/>
+          </a:xfrm>
+          <a:prstGeom prst="rect">
+            <a:avLst/>
+          </a:prstGeom>
+        </p:spPr>
+        <p:txBody>
+          <a:bodyPr wrap="none">
+            <a:spAutoFit/>
+          </a:bodyPr>
+          <a:lstStyle/>
+          <a:p>
+            <a:r>
+              <a:rPr lang="fr-FR" sz="2000" i="1" dirty="0">
+                <a:solidFill>
+                  <a:schemeClr val="tx1">
+                    <a:lumMod val="50000"/>
+                    <a:lumOff val="50000"/>
+                  </a:schemeClr>
+                </a:solidFill>
+              </a:rPr>
+              <a:t>Appuyez sur la flèche droite [</a:t>
+            </a:r>
+            <a:r>
+              <a:rPr lang="fr-FR" sz="2000" i="1" dirty="0">
+                <a:solidFill>
+                  <a:schemeClr val="tx1">
+                    <a:lumMod val="50000"/>
+                    <a:lumOff val="50000"/>
+                  </a:schemeClr>
+                </a:solidFill>
+                <a:sym typeface="Wingdings" pitchFamily="2" charset="2"/>
+              </a:rPr>
+              <a:t></a:t>
+            </a:r>
+            <a:r>
+              <a:rPr lang="fr-FR" sz="2000" i="1" dirty="0">
+                <a:solidFill>
+                  <a:schemeClr val="tx1">
+                    <a:lumMod val="50000"/>
+                    <a:lumOff val="50000"/>
+                  </a:schemeClr>
+                </a:solidFill>
+              </a:rPr>
+              <a:t>] pour finir</a:t>
+            </a:r>
+          </a:p>
+        </p:txBody>
+      </p:sp>
+    </p:spTree>
+    <p:extLst>
+      <p:ext uri="{BB962C8B-B14F-4D97-AF65-F5344CB8AC3E}">
+        <p14:creationId xmlns:p14="http://schemas.microsoft.com/office/powerpoint/2010/main" val="714890804"/>
       </p:ext>
     </p:extLst>
   </p:cSld>

--- a/src/Self_Efficacy/Stimuli/Instructions.pptx
+++ b/src/Self_Efficacy/Stimuli/Instructions.pptx
@@ -276,7 +276,7 @@
           <a:p>
             <a:fld id="{1C2A38D2-D57A-4E64-B95F-0826012D069A}" type="datetimeFigureOut">
               <a:rPr lang="en-GB" smtClean="0"/>
-              <a:t>17/07/2020</a:t>
+              <a:t>19/07/2020</a:t>
             </a:fld>
             <a:endParaRPr lang="en-GB" dirty="0"/>
           </a:p>
@@ -446,7 +446,7 @@
           <a:p>
             <a:fld id="{1C2A38D2-D57A-4E64-B95F-0826012D069A}" type="datetimeFigureOut">
               <a:rPr lang="en-GB" smtClean="0"/>
-              <a:t>17/07/2020</a:t>
+              <a:t>19/07/2020</a:t>
             </a:fld>
             <a:endParaRPr lang="en-GB" dirty="0"/>
           </a:p>
@@ -626,7 +626,7 @@
           <a:p>
             <a:fld id="{1C2A38D2-D57A-4E64-B95F-0826012D069A}" type="datetimeFigureOut">
               <a:rPr lang="en-GB" smtClean="0"/>
-              <a:t>17/07/2020</a:t>
+              <a:t>19/07/2020</a:t>
             </a:fld>
             <a:endParaRPr lang="en-GB" dirty="0"/>
           </a:p>
@@ -796,7 +796,7 @@
           <a:p>
             <a:fld id="{1C2A38D2-D57A-4E64-B95F-0826012D069A}" type="datetimeFigureOut">
               <a:rPr lang="en-GB" smtClean="0"/>
-              <a:t>17/07/2020</a:t>
+              <a:t>19/07/2020</a:t>
             </a:fld>
             <a:endParaRPr lang="en-GB" dirty="0"/>
           </a:p>
@@ -1042,7 +1042,7 @@
           <a:p>
             <a:fld id="{1C2A38D2-D57A-4E64-B95F-0826012D069A}" type="datetimeFigureOut">
               <a:rPr lang="en-GB" smtClean="0"/>
-              <a:t>17/07/2020</a:t>
+              <a:t>19/07/2020</a:t>
             </a:fld>
             <a:endParaRPr lang="en-GB" dirty="0"/>
           </a:p>
@@ -1274,7 +1274,7 @@
           <a:p>
             <a:fld id="{1C2A38D2-D57A-4E64-B95F-0826012D069A}" type="datetimeFigureOut">
               <a:rPr lang="en-GB" smtClean="0"/>
-              <a:t>17/07/2020</a:t>
+              <a:t>19/07/2020</a:t>
             </a:fld>
             <a:endParaRPr lang="en-GB" dirty="0"/>
           </a:p>
@@ -1641,7 +1641,7 @@
           <a:p>
             <a:fld id="{1C2A38D2-D57A-4E64-B95F-0826012D069A}" type="datetimeFigureOut">
               <a:rPr lang="en-GB" smtClean="0"/>
-              <a:t>17/07/2020</a:t>
+              <a:t>19/07/2020</a:t>
             </a:fld>
             <a:endParaRPr lang="en-GB" dirty="0"/>
           </a:p>
@@ -1759,7 +1759,7 @@
           <a:p>
             <a:fld id="{1C2A38D2-D57A-4E64-B95F-0826012D069A}" type="datetimeFigureOut">
               <a:rPr lang="en-GB" smtClean="0"/>
-              <a:t>17/07/2020</a:t>
+              <a:t>19/07/2020</a:t>
             </a:fld>
             <a:endParaRPr lang="en-GB" dirty="0"/>
           </a:p>
@@ -1854,7 +1854,7 @@
           <a:p>
             <a:fld id="{1C2A38D2-D57A-4E64-B95F-0826012D069A}" type="datetimeFigureOut">
               <a:rPr lang="en-GB" smtClean="0"/>
-              <a:t>17/07/2020</a:t>
+              <a:t>19/07/2020</a:t>
             </a:fld>
             <a:endParaRPr lang="en-GB" dirty="0"/>
           </a:p>
@@ -2131,7 +2131,7 @@
           <a:p>
             <a:fld id="{1C2A38D2-D57A-4E64-B95F-0826012D069A}" type="datetimeFigureOut">
               <a:rPr lang="en-GB" smtClean="0"/>
-              <a:t>17/07/2020</a:t>
+              <a:t>19/07/2020</a:t>
             </a:fld>
             <a:endParaRPr lang="en-GB" dirty="0"/>
           </a:p>
@@ -2384,7 +2384,7 @@
           <a:p>
             <a:fld id="{1C2A38D2-D57A-4E64-B95F-0826012D069A}" type="datetimeFigureOut">
               <a:rPr lang="en-GB" smtClean="0"/>
-              <a:t>17/07/2020</a:t>
+              <a:t>19/07/2020</a:t>
             </a:fld>
             <a:endParaRPr lang="en-GB" dirty="0"/>
           </a:p>
@@ -2597,7 +2597,7 @@
           <a:p>
             <a:fld id="{1C2A38D2-D57A-4E64-B95F-0826012D069A}" type="datetimeFigureOut">
               <a:rPr lang="en-GB" smtClean="0"/>
-              <a:t>17/07/2020</a:t>
+              <a:t>19/07/2020</a:t>
             </a:fld>
             <a:endParaRPr lang="en-GB" dirty="0"/>
           </a:p>
@@ -4443,7 +4443,11 @@
             </a:r>
             <a:r>
               <a:rPr lang="en-GB" sz="2400" dirty="0" smtClean="0"/>
-              <a:t> de la grille </a:t>
+              <a:t> </a:t>
+            </a:r>
+            <a:r>
+              <a:rPr lang="en-GB" sz="2400" dirty="0" smtClean="0"/>
+              <a:t>de la grille </a:t>
             </a:r>
             <a:r>
               <a:rPr lang="en-GB" sz="2400" dirty="0" err="1" smtClean="0"/>
@@ -7550,19 +7554,23 @@
             </a:r>
             <a:r>
               <a:rPr lang="fr-FR" sz="2400" dirty="0" smtClean="0"/>
-              <a:t>5 seulement </a:t>
+              <a:t>5 </a:t>
+            </a:r>
+            <a:r>
+              <a:rPr lang="fr-FR" sz="2400" dirty="0" smtClean="0"/>
+              <a:t>secondes seulement </a:t>
             </a:r>
             <a:r>
               <a:rPr lang="fr-FR" sz="2400" dirty="0"/>
-              <a:t>pour répondre, après quoi la phase de </a:t>
-            </a:r>
-            <a:r>
-              <a:rPr lang="en-GB" sz="2400" dirty="0" smtClean="0"/>
-              <a:t>phase </a:t>
+              <a:t>pour répondre, après quoi la phase </a:t>
+            </a:r>
+            <a:r>
+              <a:rPr lang="en-GB" sz="2400" dirty="0" smtClean="0"/>
+              <a:t>de </a:t>
             </a:r>
             <a:r>
               <a:rPr lang="en-GB" sz="2400" dirty="0"/>
-              <a:t>de test </a:t>
+              <a:t>test </a:t>
             </a:r>
             <a:r>
               <a:rPr lang="en-GB" sz="2400" dirty="0" err="1" smtClean="0"/>
@@ -8223,12 +8231,12 @@
               <a:t>Il se peut que vous ne vous </a:t>
             </a:r>
             <a:r>
-              <a:rPr lang="fr-FR" sz="2400" dirty="0" err="1" smtClean="0"/>
-              <a:t>rappelliez</a:t>
-            </a:r>
-            <a:r>
               <a:rPr lang="fr-FR" sz="2400" dirty="0" smtClean="0"/>
-              <a:t> plus de l’emplacement de l’autre chiffre composant la paire. </a:t>
+              <a:t>rappeliez </a:t>
+            </a:r>
+            <a:r>
+              <a:rPr lang="fr-FR" sz="2400" dirty="0" smtClean="0"/>
+              <a:t>plus de l’emplacement de l’autre chiffre composant la paire. </a:t>
             </a:r>
           </a:p>
           <a:p>
@@ -10086,11 +10094,15 @@
             </a:r>
             <a:r>
               <a:rPr lang="en-GB" sz="2400" dirty="0" err="1" smtClean="0"/>
-              <a:t>chiffre</a:t>
-            </a:r>
-            <a:r>
-              <a:rPr lang="en-GB" sz="2400" dirty="0" smtClean="0"/>
-              <a:t> “1” </a:t>
+              <a:t>chiffres</a:t>
+            </a:r>
+            <a:r>
+              <a:rPr lang="en-GB" sz="2400" dirty="0" smtClean="0"/>
+              <a:t> </a:t>
+            </a:r>
+            <a:r>
+              <a:rPr lang="en-GB" sz="2400" dirty="0" smtClean="0"/>
+              <a:t>“1” </a:t>
             </a:r>
             <a:r>
               <a:rPr lang="en-GB" sz="2400" dirty="0" err="1" smtClean="0"/>
@@ -10880,7 +10892,15 @@
             </a:r>
             <a:r>
               <a:rPr lang="en-US" sz="2400" dirty="0" smtClean="0"/>
-              <a:t> la début…</a:t>
+              <a:t> </a:t>
+            </a:r>
+            <a:r>
+              <a:rPr lang="en-US" sz="2400" dirty="0" smtClean="0"/>
+              <a:t>le </a:t>
+            </a:r>
+            <a:r>
+              <a:rPr lang="en-US" sz="2400" dirty="0" smtClean="0"/>
+              <a:t>début…</a:t>
             </a:r>
             <a:endParaRPr lang="en-GB" sz="2400" b="1" dirty="0"/>
           </a:p>
@@ -11782,37 +11802,49 @@
           <a:p>
             <a:pPr algn="ctr"/>
             <a:r>
-              <a:rPr lang="fr-FR" sz="2400" dirty="0" smtClean="0"/>
-              <a:t>Le test </a:t>
-            </a:r>
-            <a:r>
-              <a:rPr lang="fr-FR" sz="2400" dirty="0" smtClean="0"/>
-              <a:t>de métacognition </a:t>
-            </a:r>
-            <a:r>
-              <a:rPr lang="fr-FR" sz="2400" dirty="0"/>
+              <a:rPr lang="fr-FR" sz="2400" dirty="0" smtClean="0">
+                <a:latin typeface="+mn-lt"/>
+              </a:rPr>
+              <a:t>Le test de métacognition </a:t>
+            </a:r>
+            <a:r>
+              <a:rPr lang="fr-FR" sz="2400" dirty="0">
+                <a:latin typeface="+mn-lt"/>
+              </a:rPr>
               <a:t>est maintenant </a:t>
             </a:r>
             <a:r>
-              <a:rPr lang="fr-FR" sz="2400" dirty="0" smtClean="0"/>
+              <a:rPr lang="fr-FR" sz="2400" dirty="0" smtClean="0">
+                <a:latin typeface="+mn-lt"/>
+              </a:rPr>
               <a:t>terminé.</a:t>
             </a:r>
             <a:r>
-              <a:rPr lang="fr-FR" sz="2400" dirty="0"/>
+              <a:rPr lang="fr-FR" sz="2400" dirty="0">
+                <a:latin typeface="+mn-lt"/>
+              </a:rPr>
               <a:t/>
             </a:r>
             <a:br>
-              <a:rPr lang="fr-FR" sz="2400" dirty="0"/>
+              <a:rPr lang="fr-FR" sz="2400" dirty="0">
+                <a:latin typeface="+mn-lt"/>
+              </a:rPr>
             </a:br>
             <a:r>
-              <a:rPr lang="fr-FR" sz="2400" dirty="0"/>
+              <a:rPr lang="fr-FR" sz="2400" dirty="0">
+                <a:latin typeface="+mn-lt"/>
+              </a:rPr>
               <a:t> </a:t>
             </a:r>
             <a:br>
-              <a:rPr lang="fr-FR" sz="2400" dirty="0"/>
+              <a:rPr lang="fr-FR" sz="2400" dirty="0">
+                <a:latin typeface="+mn-lt"/>
+              </a:rPr>
             </a:br>
             <a:r>
-              <a:rPr lang="fr-FR" sz="2400" dirty="0"/>
+              <a:rPr lang="fr-FR" sz="2400" dirty="0">
+                <a:latin typeface="+mn-lt"/>
+              </a:rPr>
               <a:t>Merci !</a:t>
             </a:r>
           </a:p>
@@ -11857,15 +11889,7 @@
                   <a:srgbClr val="0070C0"/>
                 </a:solidFill>
               </a:rPr>
-              <a:t>FIN DU TEST </a:t>
-            </a:r>
-            <a:r>
-              <a:rPr lang="en-GB" sz="2400" b="1" dirty="0" smtClean="0">
-                <a:solidFill>
-                  <a:srgbClr val="0070C0"/>
-                </a:solidFill>
-              </a:rPr>
-              <a:t>DE METACOGNITION</a:t>
+              <a:t>FIN DU TEST DE METACOGNITION</a:t>
             </a:r>
             <a:endParaRPr lang="en-GB" sz="2400" b="1" dirty="0">
               <a:solidFill>
@@ -12403,16 +12427,16 @@
               <a:t>La difficulté de chaque exercice </a:t>
             </a:r>
             <a:r>
-              <a:rPr lang="fr-FR" sz="2400" dirty="0" err="1" smtClean="0"/>
-              <a:t>depend</a:t>
-            </a:r>
-            <a:r>
               <a:rPr lang="fr-FR" sz="2400" dirty="0" smtClean="0"/>
-              <a:t> donc du score cible. Lors de la phase de </a:t>
-            </a:r>
-            <a:r>
-              <a:rPr lang="fr-FR" sz="2400" dirty="0" err="1" smtClean="0"/>
-              <a:t>memorisation</a:t>
+              <a:t>dépend </a:t>
+            </a:r>
+            <a:r>
+              <a:rPr lang="fr-FR" sz="2400" dirty="0" smtClean="0"/>
+              <a:t>donc du score cible. Lors de la phase de </a:t>
+            </a:r>
+            <a:r>
+              <a:rPr lang="fr-FR" sz="2400" dirty="0" smtClean="0"/>
+              <a:t>mémorisation</a:t>
             </a:r>
             <a:r>
               <a:rPr lang="fr-FR" sz="2400" dirty="0" smtClean="0"/>
@@ -12969,14 +12993,6 @@
             <a:r>
               <a:rPr lang="en-GB" sz="2400" dirty="0" smtClean="0"/>
               <a:t>Avant </a:t>
-            </a:r>
-            <a:r>
-              <a:rPr lang="en-GB" sz="2400" dirty="0" err="1" smtClean="0"/>
-              <a:t>chaque</a:t>
-            </a:r>
-            <a:r>
-              <a:rPr lang="en-GB" sz="2400" dirty="0" smtClean="0"/>
-              <a:t> </a:t>
             </a:r>
             <a:r>
               <a:rPr lang="en-GB" sz="2400" dirty="0" err="1" smtClean="0"/>

--- a/src/Self_Efficacy/Stimuli/Instructions.pptx
+++ b/src/Self_Efficacy/Stimuli/Instructions.pptx
@@ -276,7 +276,7 @@
           <a:p>
             <a:fld id="{1C2A38D2-D57A-4E64-B95F-0826012D069A}" type="datetimeFigureOut">
               <a:rPr lang="en-GB" smtClean="0"/>
-              <a:t>06/08/2020</a:t>
+              <a:t>02/09/2020</a:t>
             </a:fld>
             <a:endParaRPr lang="en-GB" dirty="0"/>
           </a:p>
@@ -446,7 +446,7 @@
           <a:p>
             <a:fld id="{1C2A38D2-D57A-4E64-B95F-0826012D069A}" type="datetimeFigureOut">
               <a:rPr lang="en-GB" smtClean="0"/>
-              <a:t>06/08/2020</a:t>
+              <a:t>02/09/2020</a:t>
             </a:fld>
             <a:endParaRPr lang="en-GB" dirty="0"/>
           </a:p>
@@ -626,7 +626,7 @@
           <a:p>
             <a:fld id="{1C2A38D2-D57A-4E64-B95F-0826012D069A}" type="datetimeFigureOut">
               <a:rPr lang="en-GB" smtClean="0"/>
-              <a:t>06/08/2020</a:t>
+              <a:t>02/09/2020</a:t>
             </a:fld>
             <a:endParaRPr lang="en-GB" dirty="0"/>
           </a:p>
@@ -796,7 +796,7 @@
           <a:p>
             <a:fld id="{1C2A38D2-D57A-4E64-B95F-0826012D069A}" type="datetimeFigureOut">
               <a:rPr lang="en-GB" smtClean="0"/>
-              <a:t>06/08/2020</a:t>
+              <a:t>02/09/2020</a:t>
             </a:fld>
             <a:endParaRPr lang="en-GB" dirty="0"/>
           </a:p>
@@ -1042,7 +1042,7 @@
           <a:p>
             <a:fld id="{1C2A38D2-D57A-4E64-B95F-0826012D069A}" type="datetimeFigureOut">
               <a:rPr lang="en-GB" smtClean="0"/>
-              <a:t>06/08/2020</a:t>
+              <a:t>02/09/2020</a:t>
             </a:fld>
             <a:endParaRPr lang="en-GB" dirty="0"/>
           </a:p>
@@ -1274,7 +1274,7 @@
           <a:p>
             <a:fld id="{1C2A38D2-D57A-4E64-B95F-0826012D069A}" type="datetimeFigureOut">
               <a:rPr lang="en-GB" smtClean="0"/>
-              <a:t>06/08/2020</a:t>
+              <a:t>02/09/2020</a:t>
             </a:fld>
             <a:endParaRPr lang="en-GB" dirty="0"/>
           </a:p>
@@ -1641,7 +1641,7 @@
           <a:p>
             <a:fld id="{1C2A38D2-D57A-4E64-B95F-0826012D069A}" type="datetimeFigureOut">
               <a:rPr lang="en-GB" smtClean="0"/>
-              <a:t>06/08/2020</a:t>
+              <a:t>02/09/2020</a:t>
             </a:fld>
             <a:endParaRPr lang="en-GB" dirty="0"/>
           </a:p>
@@ -1759,7 +1759,7 @@
           <a:p>
             <a:fld id="{1C2A38D2-D57A-4E64-B95F-0826012D069A}" type="datetimeFigureOut">
               <a:rPr lang="en-GB" smtClean="0"/>
-              <a:t>06/08/2020</a:t>
+              <a:t>02/09/2020</a:t>
             </a:fld>
             <a:endParaRPr lang="en-GB" dirty="0"/>
           </a:p>
@@ -1854,7 +1854,7 @@
           <a:p>
             <a:fld id="{1C2A38D2-D57A-4E64-B95F-0826012D069A}" type="datetimeFigureOut">
               <a:rPr lang="en-GB" smtClean="0"/>
-              <a:t>06/08/2020</a:t>
+              <a:t>02/09/2020</a:t>
             </a:fld>
             <a:endParaRPr lang="en-GB" dirty="0"/>
           </a:p>
@@ -2131,7 +2131,7 @@
           <a:p>
             <a:fld id="{1C2A38D2-D57A-4E64-B95F-0826012D069A}" type="datetimeFigureOut">
               <a:rPr lang="en-GB" smtClean="0"/>
-              <a:t>06/08/2020</a:t>
+              <a:t>02/09/2020</a:t>
             </a:fld>
             <a:endParaRPr lang="en-GB" dirty="0"/>
           </a:p>
@@ -2384,7 +2384,7 @@
           <a:p>
             <a:fld id="{1C2A38D2-D57A-4E64-B95F-0826012D069A}" type="datetimeFigureOut">
               <a:rPr lang="en-GB" smtClean="0"/>
-              <a:t>06/08/2020</a:t>
+              <a:t>02/09/2020</a:t>
             </a:fld>
             <a:endParaRPr lang="en-GB" dirty="0"/>
           </a:p>
@@ -2597,7 +2597,7 @@
           <a:p>
             <a:fld id="{1C2A38D2-D57A-4E64-B95F-0826012D069A}" type="datetimeFigureOut">
               <a:rPr lang="en-GB" smtClean="0"/>
-              <a:t>06/08/2020</a:t>
+              <a:t>02/09/2020</a:t>
             </a:fld>
             <a:endParaRPr lang="en-GB" dirty="0"/>
           </a:p>
@@ -3050,7 +3050,7 @@
         <p:spPr>
           <a:xfrm>
             <a:off x="1874196" y="1477613"/>
-            <a:ext cx="8443609" cy="3785652"/>
+            <a:ext cx="8443609" cy="4524315"/>
           </a:xfrm>
           <a:prstGeom prst="rect">
             <a:avLst/>
@@ -3066,7 +3066,97 @@
             <a:pPr algn="ctr"/>
             <a:r>
               <a:rPr lang="fr-FR" sz="2400" dirty="0"/>
-              <a:t>Cette semaine, nous avons modifié la difficulté des grilles.</a:t>
+              <a:t>Cette semaine, </a:t>
+            </a:r>
+            <a:r>
+              <a:rPr lang="en-GB" sz="2400" dirty="0"/>
+              <a:t>nous </a:t>
+            </a:r>
+            <a:r>
+              <a:rPr lang="en-GB" sz="2400" dirty="0" err="1"/>
+              <a:t>avons</a:t>
+            </a:r>
+            <a:r>
+              <a:rPr lang="en-GB" sz="2400" dirty="0"/>
+              <a:t> </a:t>
+            </a:r>
+            <a:r>
+              <a:rPr lang="en-GB" sz="2400" dirty="0" err="1"/>
+              <a:t>modifié</a:t>
+            </a:r>
+            <a:r>
+              <a:rPr lang="en-GB" sz="2400" dirty="0"/>
+              <a:t> les images qui </a:t>
+            </a:r>
+            <a:r>
+              <a:rPr lang="en-GB" sz="2400" dirty="0" err="1"/>
+              <a:t>apparaîtront</a:t>
+            </a:r>
+            <a:r>
+              <a:rPr lang="en-GB" sz="2400" dirty="0"/>
+              <a:t> sur la grille.</a:t>
+            </a:r>
+          </a:p>
+          <a:p>
+            <a:pPr algn="ctr"/>
+            <a:endParaRPr lang="en-GB" sz="2400" dirty="0"/>
+          </a:p>
+          <a:p>
+            <a:pPr algn="ctr"/>
+            <a:r>
+              <a:rPr lang="en-GB" sz="2400" dirty="0"/>
+              <a:t>Les </a:t>
+            </a:r>
+            <a:r>
+              <a:rPr lang="en-GB" sz="2400" dirty="0" err="1"/>
+              <a:t>chiffres</a:t>
+            </a:r>
+            <a:r>
+              <a:rPr lang="en-GB" sz="2400" dirty="0"/>
+              <a:t> </a:t>
+            </a:r>
+            <a:r>
+              <a:rPr lang="en-GB" sz="2400" dirty="0" err="1"/>
+              <a:t>ont</a:t>
+            </a:r>
+            <a:r>
+              <a:rPr lang="en-GB" sz="2400" dirty="0"/>
+              <a:t> </a:t>
+            </a:r>
+            <a:r>
+              <a:rPr lang="en-GB" sz="2400" dirty="0" err="1"/>
+              <a:t>été</a:t>
+            </a:r>
+            <a:r>
+              <a:rPr lang="en-GB" sz="2400" dirty="0"/>
+              <a:t> </a:t>
+            </a:r>
+            <a:r>
+              <a:rPr lang="en-GB" sz="2400" dirty="0" err="1"/>
+              <a:t>remplacés</a:t>
+            </a:r>
+            <a:r>
+              <a:rPr lang="en-GB" sz="2400" dirty="0"/>
+              <a:t> par des dessins </a:t>
+            </a:r>
+            <a:r>
+              <a:rPr lang="en-GB" sz="2400" dirty="0" err="1"/>
+              <a:t>d’animaux</a:t>
+            </a:r>
+            <a:r>
+              <a:rPr lang="en-GB" sz="2400" dirty="0"/>
+              <a:t>.</a:t>
+            </a:r>
+          </a:p>
+          <a:p>
+            <a:pPr algn="ctr"/>
+            <a:endParaRPr lang="en-GB" sz="2400" dirty="0"/>
+          </a:p>
+          <a:p>
+            <a:pPr algn="ctr"/>
+            <a:r>
+              <a:rPr lang="fr-FR" sz="2400" dirty="0"/>
+              <a:t>A l'exception de ce changement, le test se déroulera exactement comme les semaines précédentes.</a:t>
             </a:r>
           </a:p>
           <a:p>
@@ -3077,69 +3167,7 @@
             <a:pPr algn="ctr"/>
             <a:r>
               <a:rPr lang="fr-FR" sz="2400" dirty="0"/>
-              <a:t>La modification est uniforme sur les grilles et indépendante du score cible.</a:t>
-            </a:r>
-          </a:p>
-          <a:p>
-            <a:pPr algn="ctr"/>
-            <a:endParaRPr lang="fr-FR" sz="2400" dirty="0"/>
-          </a:p>
-          <a:p>
-            <a:pPr algn="ctr"/>
-            <a:r>
-              <a:rPr lang="fr-FR" sz="2400" dirty="0"/>
-              <a:t>Vous devez répondre à</a:t>
-            </a:r>
-            <a:r>
-              <a:rPr lang="en-GB" sz="2400" dirty="0"/>
-              <a:t> la question </a:t>
-            </a:r>
-            <a:r>
-              <a:rPr lang="fr-FR" sz="2400" dirty="0"/>
-              <a:t>d’efficacité</a:t>
-            </a:r>
-            <a:r>
-              <a:rPr lang="en-GB" sz="2400" dirty="0"/>
-              <a:t> (</a:t>
-            </a:r>
-            <a:r>
-              <a:rPr lang="fr-FR" sz="2400" dirty="0"/>
-              <a:t>celle</a:t>
-            </a:r>
-            <a:r>
-              <a:rPr lang="en-GB" sz="2400" dirty="0"/>
-              <a:t> </a:t>
-            </a:r>
-            <a:r>
-              <a:rPr lang="fr-FR" sz="2400" dirty="0"/>
-              <a:t>avec la barre rouge) par rapporte à</a:t>
-            </a:r>
-            <a:r>
-              <a:rPr lang="en-GB" sz="2400" dirty="0"/>
-              <a:t> </a:t>
-            </a:r>
-            <a:r>
-              <a:rPr lang="fr-FR" sz="2400" dirty="0"/>
-              <a:t>ce nouveau niveau de </a:t>
-            </a:r>
-            <a:r>
-              <a:rPr lang="fr-FR" sz="2400" dirty="0" err="1"/>
-              <a:t>difficult</a:t>
-            </a:r>
-            <a:r>
-              <a:rPr lang="en-GB" sz="2400" dirty="0"/>
-              <a:t>é.</a:t>
-            </a:r>
-          </a:p>
-          <a:p>
-            <a:pPr algn="ctr"/>
-            <a:endParaRPr lang="en-GB" sz="2400" dirty="0"/>
-          </a:p>
-          <a:p>
-            <a:pPr algn="ctr"/>
-            <a:r>
-              <a:rPr lang="fr-FR" sz="2400" dirty="0"/>
-              <a:t>Au début, vous pourriez trouver cette question difficile. C’est normal: essayez simplement de répondre le mieux possible.</a:t>
+              <a:t>Les instructions qui suivent font toujours référence à des paires de nombres, alors rappelez-vous simplement en les lisant que ce seront des paires d'animaux qui apparaîtront à la place des nombres.</a:t>
             </a:r>
           </a:p>
         </p:txBody>

--- a/src/Self_Efficacy/Stimuli/Instructions.pptx
+++ b/src/Self_Efficacy/Stimuli/Instructions.pptx
@@ -276,7 +276,7 @@
           <a:p>
             <a:fld id="{1C2A38D2-D57A-4E64-B95F-0826012D069A}" type="datetimeFigureOut">
               <a:rPr lang="en-GB" smtClean="0"/>
-              <a:t>02/09/2020</a:t>
+              <a:t>23/09/2020</a:t>
             </a:fld>
             <a:endParaRPr lang="en-GB" dirty="0"/>
           </a:p>
@@ -318,7 +318,7 @@
           <a:p>
             <a:fld id="{9D7F7A4F-C86B-4E97-8396-79EF10BBD040}" type="slidenum">
               <a:rPr lang="en-GB" smtClean="0"/>
-              <a:t>‹#›</a:t>
+              <a:t>‹N°›</a:t>
             </a:fld>
             <a:endParaRPr lang="en-GB" dirty="0"/>
           </a:p>
@@ -446,7 +446,7 @@
           <a:p>
             <a:fld id="{1C2A38D2-D57A-4E64-B95F-0826012D069A}" type="datetimeFigureOut">
               <a:rPr lang="en-GB" smtClean="0"/>
-              <a:t>02/09/2020</a:t>
+              <a:t>23/09/2020</a:t>
             </a:fld>
             <a:endParaRPr lang="en-GB" dirty="0"/>
           </a:p>
@@ -488,7 +488,7 @@
           <a:p>
             <a:fld id="{9D7F7A4F-C86B-4E97-8396-79EF10BBD040}" type="slidenum">
               <a:rPr lang="en-GB" smtClean="0"/>
-              <a:t>‹#›</a:t>
+              <a:t>‹N°›</a:t>
             </a:fld>
             <a:endParaRPr lang="en-GB" dirty="0"/>
           </a:p>
@@ -626,7 +626,7 @@
           <a:p>
             <a:fld id="{1C2A38D2-D57A-4E64-B95F-0826012D069A}" type="datetimeFigureOut">
               <a:rPr lang="en-GB" smtClean="0"/>
-              <a:t>02/09/2020</a:t>
+              <a:t>23/09/2020</a:t>
             </a:fld>
             <a:endParaRPr lang="en-GB" dirty="0"/>
           </a:p>
@@ -668,7 +668,7 @@
           <a:p>
             <a:fld id="{9D7F7A4F-C86B-4E97-8396-79EF10BBD040}" type="slidenum">
               <a:rPr lang="en-GB" smtClean="0"/>
-              <a:t>‹#›</a:t>
+              <a:t>‹N°›</a:t>
             </a:fld>
             <a:endParaRPr lang="en-GB" dirty="0"/>
           </a:p>
@@ -796,7 +796,7 @@
           <a:p>
             <a:fld id="{1C2A38D2-D57A-4E64-B95F-0826012D069A}" type="datetimeFigureOut">
               <a:rPr lang="en-GB" smtClean="0"/>
-              <a:t>02/09/2020</a:t>
+              <a:t>23/09/2020</a:t>
             </a:fld>
             <a:endParaRPr lang="en-GB" dirty="0"/>
           </a:p>
@@ -838,7 +838,7 @@
           <a:p>
             <a:fld id="{9D7F7A4F-C86B-4E97-8396-79EF10BBD040}" type="slidenum">
               <a:rPr lang="en-GB" smtClean="0"/>
-              <a:t>‹#›</a:t>
+              <a:t>‹N°›</a:t>
             </a:fld>
             <a:endParaRPr lang="en-GB" dirty="0"/>
           </a:p>
@@ -1042,7 +1042,7 @@
           <a:p>
             <a:fld id="{1C2A38D2-D57A-4E64-B95F-0826012D069A}" type="datetimeFigureOut">
               <a:rPr lang="en-GB" smtClean="0"/>
-              <a:t>02/09/2020</a:t>
+              <a:t>23/09/2020</a:t>
             </a:fld>
             <a:endParaRPr lang="en-GB" dirty="0"/>
           </a:p>
@@ -1084,7 +1084,7 @@
           <a:p>
             <a:fld id="{9D7F7A4F-C86B-4E97-8396-79EF10BBD040}" type="slidenum">
               <a:rPr lang="en-GB" smtClean="0"/>
-              <a:t>‹#›</a:t>
+              <a:t>‹N°›</a:t>
             </a:fld>
             <a:endParaRPr lang="en-GB" dirty="0"/>
           </a:p>
@@ -1274,7 +1274,7 @@
           <a:p>
             <a:fld id="{1C2A38D2-D57A-4E64-B95F-0826012D069A}" type="datetimeFigureOut">
               <a:rPr lang="en-GB" smtClean="0"/>
-              <a:t>02/09/2020</a:t>
+              <a:t>23/09/2020</a:t>
             </a:fld>
             <a:endParaRPr lang="en-GB" dirty="0"/>
           </a:p>
@@ -1316,7 +1316,7 @@
           <a:p>
             <a:fld id="{9D7F7A4F-C86B-4E97-8396-79EF10BBD040}" type="slidenum">
               <a:rPr lang="en-GB" smtClean="0"/>
-              <a:t>‹#›</a:t>
+              <a:t>‹N°›</a:t>
             </a:fld>
             <a:endParaRPr lang="en-GB" dirty="0"/>
           </a:p>
@@ -1641,7 +1641,7 @@
           <a:p>
             <a:fld id="{1C2A38D2-D57A-4E64-B95F-0826012D069A}" type="datetimeFigureOut">
               <a:rPr lang="en-GB" smtClean="0"/>
-              <a:t>02/09/2020</a:t>
+              <a:t>23/09/2020</a:t>
             </a:fld>
             <a:endParaRPr lang="en-GB" dirty="0"/>
           </a:p>
@@ -1683,7 +1683,7 @@
           <a:p>
             <a:fld id="{9D7F7A4F-C86B-4E97-8396-79EF10BBD040}" type="slidenum">
               <a:rPr lang="en-GB" smtClean="0"/>
-              <a:t>‹#›</a:t>
+              <a:t>‹N°›</a:t>
             </a:fld>
             <a:endParaRPr lang="en-GB" dirty="0"/>
           </a:p>
@@ -1759,7 +1759,7 @@
           <a:p>
             <a:fld id="{1C2A38D2-D57A-4E64-B95F-0826012D069A}" type="datetimeFigureOut">
               <a:rPr lang="en-GB" smtClean="0"/>
-              <a:t>02/09/2020</a:t>
+              <a:t>23/09/2020</a:t>
             </a:fld>
             <a:endParaRPr lang="en-GB" dirty="0"/>
           </a:p>
@@ -1801,7 +1801,7 @@
           <a:p>
             <a:fld id="{9D7F7A4F-C86B-4E97-8396-79EF10BBD040}" type="slidenum">
               <a:rPr lang="en-GB" smtClean="0"/>
-              <a:t>‹#›</a:t>
+              <a:t>‹N°›</a:t>
             </a:fld>
             <a:endParaRPr lang="en-GB" dirty="0"/>
           </a:p>
@@ -1854,7 +1854,7 @@
           <a:p>
             <a:fld id="{1C2A38D2-D57A-4E64-B95F-0826012D069A}" type="datetimeFigureOut">
               <a:rPr lang="en-GB" smtClean="0"/>
-              <a:t>02/09/2020</a:t>
+              <a:t>23/09/2020</a:t>
             </a:fld>
             <a:endParaRPr lang="en-GB" dirty="0"/>
           </a:p>
@@ -1896,7 +1896,7 @@
           <a:p>
             <a:fld id="{9D7F7A4F-C86B-4E97-8396-79EF10BBD040}" type="slidenum">
               <a:rPr lang="en-GB" smtClean="0"/>
-              <a:t>‹#›</a:t>
+              <a:t>‹N°›</a:t>
             </a:fld>
             <a:endParaRPr lang="en-GB" dirty="0"/>
           </a:p>
@@ -2131,7 +2131,7 @@
           <a:p>
             <a:fld id="{1C2A38D2-D57A-4E64-B95F-0826012D069A}" type="datetimeFigureOut">
               <a:rPr lang="en-GB" smtClean="0"/>
-              <a:t>02/09/2020</a:t>
+              <a:t>23/09/2020</a:t>
             </a:fld>
             <a:endParaRPr lang="en-GB" dirty="0"/>
           </a:p>
@@ -2173,7 +2173,7 @@
           <a:p>
             <a:fld id="{9D7F7A4F-C86B-4E97-8396-79EF10BBD040}" type="slidenum">
               <a:rPr lang="en-GB" smtClean="0"/>
-              <a:t>‹#›</a:t>
+              <a:t>‹N°›</a:t>
             </a:fld>
             <a:endParaRPr lang="en-GB" dirty="0"/>
           </a:p>
@@ -2384,7 +2384,7 @@
           <a:p>
             <a:fld id="{1C2A38D2-D57A-4E64-B95F-0826012D069A}" type="datetimeFigureOut">
               <a:rPr lang="en-GB" smtClean="0"/>
-              <a:t>02/09/2020</a:t>
+              <a:t>23/09/2020</a:t>
             </a:fld>
             <a:endParaRPr lang="en-GB" dirty="0"/>
           </a:p>
@@ -2426,7 +2426,7 @@
           <a:p>
             <a:fld id="{9D7F7A4F-C86B-4E97-8396-79EF10BBD040}" type="slidenum">
               <a:rPr lang="en-GB" smtClean="0"/>
-              <a:t>‹#›</a:t>
+              <a:t>‹N°›</a:t>
             </a:fld>
             <a:endParaRPr lang="en-GB" dirty="0"/>
           </a:p>
@@ -2597,7 +2597,7 @@
           <a:p>
             <a:fld id="{1C2A38D2-D57A-4E64-B95F-0826012D069A}" type="datetimeFigureOut">
               <a:rPr lang="en-GB" smtClean="0"/>
-              <a:t>02/09/2020</a:t>
+              <a:t>23/09/2020</a:t>
             </a:fld>
             <a:endParaRPr lang="en-GB" dirty="0"/>
           </a:p>
@@ -2675,7 +2675,7 @@
           <a:p>
             <a:fld id="{9D7F7A4F-C86B-4E97-8396-79EF10BBD040}" type="slidenum">
               <a:rPr lang="en-GB" smtClean="0"/>
-              <a:t>‹#›</a:t>
+              <a:t>‹N°›</a:t>
             </a:fld>
             <a:endParaRPr lang="en-GB" dirty="0"/>
           </a:p>
@@ -3050,7 +3050,7 @@
         <p:spPr>
           <a:xfrm>
             <a:off x="1874196" y="1477613"/>
-            <a:ext cx="8443609" cy="4524315"/>
+            <a:ext cx="8443609" cy="3785652"/>
           </a:xfrm>
           <a:prstGeom prst="rect">
             <a:avLst/>
@@ -3066,35 +3066,69 @@
             <a:pPr algn="ctr"/>
             <a:r>
               <a:rPr lang="fr-FR" sz="2400" dirty="0"/>
-              <a:t>Cette semaine, </a:t>
-            </a:r>
-            <a:r>
-              <a:rPr lang="en-GB" sz="2400" dirty="0"/>
-              <a:t>nous </a:t>
-            </a:r>
-            <a:r>
-              <a:rPr lang="en-GB" sz="2400" dirty="0" err="1"/>
-              <a:t>avons</a:t>
-            </a:r>
-            <a:r>
-              <a:rPr lang="en-GB" sz="2400" dirty="0"/>
-              <a:t> </a:t>
-            </a:r>
-            <a:r>
-              <a:rPr lang="en-GB" sz="2400" dirty="0" err="1"/>
-              <a:t>modifié</a:t>
-            </a:r>
-            <a:r>
-              <a:rPr lang="en-GB" sz="2400" dirty="0"/>
-              <a:t> les images qui </a:t>
-            </a:r>
-            <a:r>
-              <a:rPr lang="en-GB" sz="2400" dirty="0" err="1"/>
-              <a:t>apparaîtront</a:t>
-            </a:r>
-            <a:r>
-              <a:rPr lang="en-GB" sz="2400" dirty="0"/>
-              <a:t> sur la grille.</a:t>
+              <a:t>Cette semaine, nous avons modifié la difficulté des grilles.</a:t>
+            </a:r>
+          </a:p>
+          <a:p>
+            <a:pPr algn="ctr"/>
+            <a:endParaRPr lang="fr-FR" sz="2400" dirty="0"/>
+          </a:p>
+          <a:p>
+            <a:pPr algn="ctr"/>
+            <a:r>
+              <a:rPr lang="fr-FR" sz="2400" dirty="0"/>
+              <a:t>La modification est uniforme sur les grilles et indépendante du score cible.</a:t>
+            </a:r>
+          </a:p>
+          <a:p>
+            <a:pPr algn="ctr"/>
+            <a:endParaRPr lang="fr-FR" sz="2400" dirty="0"/>
+          </a:p>
+          <a:p>
+            <a:pPr algn="ctr"/>
+            <a:r>
+              <a:rPr lang="fr-FR" sz="2400" dirty="0"/>
+              <a:t>Vous devez répondre à</a:t>
+            </a:r>
+            <a:r>
+              <a:rPr lang="en-GB" sz="2400" dirty="0"/>
+              <a:t> la question </a:t>
+            </a:r>
+            <a:r>
+              <a:rPr lang="fr-FR" sz="2400" dirty="0"/>
+              <a:t>d’efficacité</a:t>
+            </a:r>
+            <a:r>
+              <a:rPr lang="en-GB" sz="2400" dirty="0"/>
+              <a:t> (</a:t>
+            </a:r>
+            <a:r>
+              <a:rPr lang="fr-FR" sz="2400" dirty="0"/>
+              <a:t>celle</a:t>
+            </a:r>
+            <a:r>
+              <a:rPr lang="en-GB" sz="2400" dirty="0"/>
+              <a:t> </a:t>
+            </a:r>
+            <a:r>
+              <a:rPr lang="fr-FR" sz="2400" dirty="0"/>
+              <a:t>avec la barre rouge) par rapporte à</a:t>
+            </a:r>
+            <a:r>
+              <a:rPr lang="en-GB" sz="2400" dirty="0"/>
+              <a:t> </a:t>
+            </a:r>
+            <a:r>
+              <a:rPr lang="fr-FR" sz="2400" dirty="0"/>
+              <a:t>ce nouveau niveau de </a:t>
+            </a:r>
+            <a:r>
+              <a:rPr lang="fr-FR" sz="2400" dirty="0" err="1"/>
+              <a:t>difficult</a:t>
+            </a:r>
+            <a:r>
+              <a:rPr lang="en-GB" sz="2400" dirty="0"/>
+              <a:t>é.</a:t>
             </a:r>
           </a:p>
           <a:p>
@@ -3104,71 +3138,10 @@
           <a:p>
             <a:pPr algn="ctr"/>
             <a:r>
-              <a:rPr lang="en-GB" sz="2400" dirty="0"/>
-              <a:t>Les </a:t>
-            </a:r>
-            <a:r>
-              <a:rPr lang="en-GB" sz="2400" dirty="0" err="1"/>
-              <a:t>chiffres</a:t>
-            </a:r>
-            <a:r>
-              <a:rPr lang="en-GB" sz="2400" dirty="0"/>
-              <a:t> </a:t>
-            </a:r>
-            <a:r>
-              <a:rPr lang="en-GB" sz="2400" dirty="0" err="1"/>
-              <a:t>ont</a:t>
-            </a:r>
-            <a:r>
-              <a:rPr lang="en-GB" sz="2400" dirty="0"/>
-              <a:t> </a:t>
-            </a:r>
-            <a:r>
-              <a:rPr lang="en-GB" sz="2400" dirty="0" err="1"/>
-              <a:t>été</a:t>
-            </a:r>
-            <a:r>
-              <a:rPr lang="en-GB" sz="2400" dirty="0"/>
-              <a:t> </a:t>
-            </a:r>
-            <a:r>
-              <a:rPr lang="en-GB" sz="2400" dirty="0" err="1"/>
-              <a:t>remplacés</a:t>
-            </a:r>
-            <a:r>
-              <a:rPr lang="en-GB" sz="2400" dirty="0"/>
-              <a:t> par des dessins </a:t>
-            </a:r>
-            <a:r>
-              <a:rPr lang="en-GB" sz="2400" dirty="0" err="1"/>
-              <a:t>d’animaux</a:t>
-            </a:r>
-            <a:r>
-              <a:rPr lang="en-GB" sz="2400" dirty="0"/>
-              <a:t>.</a:t>
-            </a:r>
-          </a:p>
-          <a:p>
-            <a:pPr algn="ctr"/>
-            <a:endParaRPr lang="en-GB" sz="2400" dirty="0"/>
-          </a:p>
-          <a:p>
-            <a:pPr algn="ctr"/>
-            <a:r>
               <a:rPr lang="fr-FR" sz="2400" dirty="0"/>
-              <a:t>A l'exception de ce changement, le test se déroulera exactement comme les semaines précédentes.</a:t>
-            </a:r>
-          </a:p>
-          <a:p>
-            <a:pPr algn="ctr"/>
+              <a:t>Au début, vous pourriez trouver cette question difficile. C’est normal: essayez simplement de répondre le mieux possible.</a:t>
+            </a:r>
             <a:endParaRPr lang="fr-FR" sz="2400" dirty="0"/>
-          </a:p>
-          <a:p>
-            <a:pPr algn="ctr"/>
-            <a:r>
-              <a:rPr lang="fr-FR" sz="2400" dirty="0"/>
-              <a:t>Les instructions qui suivent font toujours référence à des paires de nombres, alors rappelez-vous simplement en les lisant que ce seront des paires d'animaux qui apparaîtront à la place des nombres.</a:t>
-            </a:r>
           </a:p>
         </p:txBody>
       </p:sp>

--- a/src/Self_Efficacy/Stimuli/Instructions.pptx
+++ b/src/Self_Efficacy/Stimuli/Instructions.pptx
@@ -276,7 +276,7 @@
           <a:p>
             <a:fld id="{1C2A38D2-D57A-4E64-B95F-0826012D069A}" type="datetimeFigureOut">
               <a:rPr lang="en-GB" smtClean="0"/>
-              <a:t>23/09/2020</a:t>
+              <a:t>08/10/2020</a:t>
             </a:fld>
             <a:endParaRPr lang="en-GB" dirty="0"/>
           </a:p>
@@ -318,7 +318,7 @@
           <a:p>
             <a:fld id="{9D7F7A4F-C86B-4E97-8396-79EF10BBD040}" type="slidenum">
               <a:rPr lang="en-GB" smtClean="0"/>
-              <a:t>‹N°›</a:t>
+              <a:t>‹#›</a:t>
             </a:fld>
             <a:endParaRPr lang="en-GB" dirty="0"/>
           </a:p>
@@ -446,7 +446,7 @@
           <a:p>
             <a:fld id="{1C2A38D2-D57A-4E64-B95F-0826012D069A}" type="datetimeFigureOut">
               <a:rPr lang="en-GB" smtClean="0"/>
-              <a:t>23/09/2020</a:t>
+              <a:t>08/10/2020</a:t>
             </a:fld>
             <a:endParaRPr lang="en-GB" dirty="0"/>
           </a:p>
@@ -488,7 +488,7 @@
           <a:p>
             <a:fld id="{9D7F7A4F-C86B-4E97-8396-79EF10BBD040}" type="slidenum">
               <a:rPr lang="en-GB" smtClean="0"/>
-              <a:t>‹N°›</a:t>
+              <a:t>‹#›</a:t>
             </a:fld>
             <a:endParaRPr lang="en-GB" dirty="0"/>
           </a:p>
@@ -626,7 +626,7 @@
           <a:p>
             <a:fld id="{1C2A38D2-D57A-4E64-B95F-0826012D069A}" type="datetimeFigureOut">
               <a:rPr lang="en-GB" smtClean="0"/>
-              <a:t>23/09/2020</a:t>
+              <a:t>08/10/2020</a:t>
             </a:fld>
             <a:endParaRPr lang="en-GB" dirty="0"/>
           </a:p>
@@ -668,7 +668,7 @@
           <a:p>
             <a:fld id="{9D7F7A4F-C86B-4E97-8396-79EF10BBD040}" type="slidenum">
               <a:rPr lang="en-GB" smtClean="0"/>
-              <a:t>‹N°›</a:t>
+              <a:t>‹#›</a:t>
             </a:fld>
             <a:endParaRPr lang="en-GB" dirty="0"/>
           </a:p>
@@ -796,7 +796,7 @@
           <a:p>
             <a:fld id="{1C2A38D2-D57A-4E64-B95F-0826012D069A}" type="datetimeFigureOut">
               <a:rPr lang="en-GB" smtClean="0"/>
-              <a:t>23/09/2020</a:t>
+              <a:t>08/10/2020</a:t>
             </a:fld>
             <a:endParaRPr lang="en-GB" dirty="0"/>
           </a:p>
@@ -838,7 +838,7 @@
           <a:p>
             <a:fld id="{9D7F7A4F-C86B-4E97-8396-79EF10BBD040}" type="slidenum">
               <a:rPr lang="en-GB" smtClean="0"/>
-              <a:t>‹N°›</a:t>
+              <a:t>‹#›</a:t>
             </a:fld>
             <a:endParaRPr lang="en-GB" dirty="0"/>
           </a:p>
@@ -1042,7 +1042,7 @@
           <a:p>
             <a:fld id="{1C2A38D2-D57A-4E64-B95F-0826012D069A}" type="datetimeFigureOut">
               <a:rPr lang="en-GB" smtClean="0"/>
-              <a:t>23/09/2020</a:t>
+              <a:t>08/10/2020</a:t>
             </a:fld>
             <a:endParaRPr lang="en-GB" dirty="0"/>
           </a:p>
@@ -1084,7 +1084,7 @@
           <a:p>
             <a:fld id="{9D7F7A4F-C86B-4E97-8396-79EF10BBD040}" type="slidenum">
               <a:rPr lang="en-GB" smtClean="0"/>
-              <a:t>‹N°›</a:t>
+              <a:t>‹#›</a:t>
             </a:fld>
             <a:endParaRPr lang="en-GB" dirty="0"/>
           </a:p>
@@ -1274,7 +1274,7 @@
           <a:p>
             <a:fld id="{1C2A38D2-D57A-4E64-B95F-0826012D069A}" type="datetimeFigureOut">
               <a:rPr lang="en-GB" smtClean="0"/>
-              <a:t>23/09/2020</a:t>
+              <a:t>08/10/2020</a:t>
             </a:fld>
             <a:endParaRPr lang="en-GB" dirty="0"/>
           </a:p>
@@ -1316,7 +1316,7 @@
           <a:p>
             <a:fld id="{9D7F7A4F-C86B-4E97-8396-79EF10BBD040}" type="slidenum">
               <a:rPr lang="en-GB" smtClean="0"/>
-              <a:t>‹N°›</a:t>
+              <a:t>‹#›</a:t>
             </a:fld>
             <a:endParaRPr lang="en-GB" dirty="0"/>
           </a:p>
@@ -1641,7 +1641,7 @@
           <a:p>
             <a:fld id="{1C2A38D2-D57A-4E64-B95F-0826012D069A}" type="datetimeFigureOut">
               <a:rPr lang="en-GB" smtClean="0"/>
-              <a:t>23/09/2020</a:t>
+              <a:t>08/10/2020</a:t>
             </a:fld>
             <a:endParaRPr lang="en-GB" dirty="0"/>
           </a:p>
@@ -1683,7 +1683,7 @@
           <a:p>
             <a:fld id="{9D7F7A4F-C86B-4E97-8396-79EF10BBD040}" type="slidenum">
               <a:rPr lang="en-GB" smtClean="0"/>
-              <a:t>‹N°›</a:t>
+              <a:t>‹#›</a:t>
             </a:fld>
             <a:endParaRPr lang="en-GB" dirty="0"/>
           </a:p>
@@ -1759,7 +1759,7 @@
           <a:p>
             <a:fld id="{1C2A38D2-D57A-4E64-B95F-0826012D069A}" type="datetimeFigureOut">
               <a:rPr lang="en-GB" smtClean="0"/>
-              <a:t>23/09/2020</a:t>
+              <a:t>08/10/2020</a:t>
             </a:fld>
             <a:endParaRPr lang="en-GB" dirty="0"/>
           </a:p>
@@ -1801,7 +1801,7 @@
           <a:p>
             <a:fld id="{9D7F7A4F-C86B-4E97-8396-79EF10BBD040}" type="slidenum">
               <a:rPr lang="en-GB" smtClean="0"/>
-              <a:t>‹N°›</a:t>
+              <a:t>‹#›</a:t>
             </a:fld>
             <a:endParaRPr lang="en-GB" dirty="0"/>
           </a:p>
@@ -1854,7 +1854,7 @@
           <a:p>
             <a:fld id="{1C2A38D2-D57A-4E64-B95F-0826012D069A}" type="datetimeFigureOut">
               <a:rPr lang="en-GB" smtClean="0"/>
-              <a:t>23/09/2020</a:t>
+              <a:t>08/10/2020</a:t>
             </a:fld>
             <a:endParaRPr lang="en-GB" dirty="0"/>
           </a:p>
@@ -1896,7 +1896,7 @@
           <a:p>
             <a:fld id="{9D7F7A4F-C86B-4E97-8396-79EF10BBD040}" type="slidenum">
               <a:rPr lang="en-GB" smtClean="0"/>
-              <a:t>‹N°›</a:t>
+              <a:t>‹#›</a:t>
             </a:fld>
             <a:endParaRPr lang="en-GB" dirty="0"/>
           </a:p>
@@ -2131,7 +2131,7 @@
           <a:p>
             <a:fld id="{1C2A38D2-D57A-4E64-B95F-0826012D069A}" type="datetimeFigureOut">
               <a:rPr lang="en-GB" smtClean="0"/>
-              <a:t>23/09/2020</a:t>
+              <a:t>08/10/2020</a:t>
             </a:fld>
             <a:endParaRPr lang="en-GB" dirty="0"/>
           </a:p>
@@ -2173,7 +2173,7 @@
           <a:p>
             <a:fld id="{9D7F7A4F-C86B-4E97-8396-79EF10BBD040}" type="slidenum">
               <a:rPr lang="en-GB" smtClean="0"/>
-              <a:t>‹N°›</a:t>
+              <a:t>‹#›</a:t>
             </a:fld>
             <a:endParaRPr lang="en-GB" dirty="0"/>
           </a:p>
@@ -2384,7 +2384,7 @@
           <a:p>
             <a:fld id="{1C2A38D2-D57A-4E64-B95F-0826012D069A}" type="datetimeFigureOut">
               <a:rPr lang="en-GB" smtClean="0"/>
-              <a:t>23/09/2020</a:t>
+              <a:t>08/10/2020</a:t>
             </a:fld>
             <a:endParaRPr lang="en-GB" dirty="0"/>
           </a:p>
@@ -2426,7 +2426,7 @@
           <a:p>
             <a:fld id="{9D7F7A4F-C86B-4E97-8396-79EF10BBD040}" type="slidenum">
               <a:rPr lang="en-GB" smtClean="0"/>
-              <a:t>‹N°›</a:t>
+              <a:t>‹#›</a:t>
             </a:fld>
             <a:endParaRPr lang="en-GB" dirty="0"/>
           </a:p>
@@ -2597,7 +2597,7 @@
           <a:p>
             <a:fld id="{1C2A38D2-D57A-4E64-B95F-0826012D069A}" type="datetimeFigureOut">
               <a:rPr lang="en-GB" smtClean="0"/>
-              <a:t>23/09/2020</a:t>
+              <a:t>08/10/2020</a:t>
             </a:fld>
             <a:endParaRPr lang="en-GB" dirty="0"/>
           </a:p>
@@ -2675,7 +2675,7 @@
           <a:p>
             <a:fld id="{9D7F7A4F-C86B-4E97-8396-79EF10BBD040}" type="slidenum">
               <a:rPr lang="en-GB" smtClean="0"/>
-              <a:t>‹N°›</a:t>
+              <a:t>‹#›</a:t>
             </a:fld>
             <a:endParaRPr lang="en-GB" dirty="0"/>
           </a:p>
@@ -3018,7 +3018,12 @@
             <p:ph type="title"/>
           </p:nvPr>
         </p:nvSpPr>
-        <p:spPr/>
+        <p:spPr>
+          <a:xfrm>
+            <a:off x="838200" y="-154782"/>
+            <a:ext cx="10515600" cy="1325563"/>
+          </a:xfrm>
+        </p:spPr>
         <p:txBody>
           <a:bodyPr/>
           <a:lstStyle/>
@@ -3049,8 +3054,8 @@
         </p:nvSpPr>
         <p:spPr>
           <a:xfrm>
-            <a:off x="1874196" y="1477613"/>
-            <a:ext cx="8443609" cy="3785652"/>
+            <a:off x="1874195" y="797510"/>
+            <a:ext cx="8443609" cy="5632311"/>
           </a:xfrm>
           <a:prstGeom prst="rect">
             <a:avLst/>
@@ -3066,7 +3071,7 @@
             <a:pPr algn="ctr"/>
             <a:r>
               <a:rPr lang="fr-FR" sz="2400" dirty="0"/>
-              <a:t>Cette semaine, nous avons modifié la difficulté des grilles.</a:t>
+              <a:t>Cette semaine, nous avons modifié les paires qui afficherons.</a:t>
             </a:r>
           </a:p>
           <a:p>
@@ -3077,7 +3082,7 @@
             <a:pPr algn="ctr"/>
             <a:r>
               <a:rPr lang="fr-FR" sz="2400" dirty="0"/>
-              <a:t>La modification est uniforme sur les grilles et indépendante du score cible.</a:t>
+              <a:t>Maintenant, les paires consistent d’un numéro et d’une image d’un animal (comme ci-dessous).</a:t>
             </a:r>
           </a:p>
           <a:p>
@@ -3086,65 +3091,79 @@
           </a:p>
           <a:p>
             <a:pPr algn="ctr"/>
+            <a:endParaRPr lang="fr-FR" sz="2400" dirty="0"/>
+          </a:p>
+          <a:p>
+            <a:pPr algn="ctr"/>
+            <a:endParaRPr lang="fr-FR" sz="2400" dirty="0"/>
+          </a:p>
+          <a:p>
+            <a:pPr algn="ctr"/>
+            <a:endParaRPr lang="fr-FR" sz="2400" dirty="0"/>
+          </a:p>
+          <a:p>
+            <a:pPr algn="ctr"/>
+            <a:endParaRPr lang="fr-FR" sz="2400" dirty="0"/>
+          </a:p>
+          <a:p>
+            <a:pPr algn="ctr"/>
+            <a:endParaRPr lang="fr-FR" sz="2400" dirty="0"/>
+          </a:p>
+          <a:p>
+            <a:pPr algn="ctr"/>
+            <a:endParaRPr lang="fr-FR" sz="2400" dirty="0"/>
+          </a:p>
+          <a:p>
+            <a:pPr algn="ctr"/>
+            <a:endParaRPr lang="fr-FR" sz="2400" dirty="0"/>
+          </a:p>
+          <a:p>
+            <a:pPr algn="ctr"/>
+            <a:endParaRPr lang="fr-FR" sz="2400" dirty="0"/>
+          </a:p>
+          <a:p>
+            <a:pPr algn="ctr"/>
+            <a:endParaRPr lang="fr-FR" sz="2400" dirty="0"/>
+          </a:p>
+          <a:p>
+            <a:pPr algn="ctr"/>
             <a:r>
               <a:rPr lang="fr-FR" sz="2400" dirty="0"/>
-              <a:t>Vous devez répondre à</a:t>
-            </a:r>
-            <a:r>
-              <a:rPr lang="en-GB" sz="2400" dirty="0"/>
-              <a:t> la question </a:t>
-            </a:r>
-            <a:r>
-              <a:rPr lang="fr-FR" sz="2400" dirty="0"/>
-              <a:t>d’efficacité</a:t>
-            </a:r>
-            <a:r>
-              <a:rPr lang="en-GB" sz="2400" dirty="0"/>
-              <a:t> (</a:t>
-            </a:r>
-            <a:r>
-              <a:rPr lang="fr-FR" sz="2400" dirty="0"/>
-              <a:t>celle</a:t>
-            </a:r>
-            <a:r>
-              <a:rPr lang="en-GB" sz="2400" dirty="0"/>
-              <a:t> </a:t>
-            </a:r>
-            <a:r>
-              <a:rPr lang="fr-FR" sz="2400" dirty="0"/>
-              <a:t>avec la barre rouge) par rapporte à</a:t>
-            </a:r>
-            <a:r>
-              <a:rPr lang="en-GB" sz="2400" dirty="0"/>
-              <a:t> </a:t>
-            </a:r>
-            <a:r>
-              <a:rPr lang="fr-FR" sz="2400" dirty="0"/>
-              <a:t>ce nouveau niveau de </a:t>
-            </a:r>
-            <a:r>
-              <a:rPr lang="fr-FR" sz="2400" dirty="0" err="1"/>
-              <a:t>difficult</a:t>
-            </a:r>
-            <a:r>
-              <a:rPr lang="en-GB" sz="2400" dirty="0"/>
-              <a:t>é.</a:t>
-            </a:r>
-          </a:p>
-          <a:p>
-            <a:pPr algn="ctr"/>
-            <a:endParaRPr lang="en-GB" sz="2400" dirty="0"/>
-          </a:p>
-          <a:p>
-            <a:pPr algn="ctr"/>
-            <a:r>
-              <a:rPr lang="fr-FR" sz="2400" dirty="0"/>
-              <a:t>Au début, vous pourriez trouver cette question difficile. C’est normal: essayez simplement de répondre le mieux possible.</a:t>
-            </a:r>
-            <a:endParaRPr lang="fr-FR" sz="2400" dirty="0"/>
-          </a:p>
-        </p:txBody>
-      </p:sp>
+              <a:t>Rien d'autre n'a changé.</a:t>
+            </a:r>
+          </a:p>
+        </p:txBody>
+      </p:sp>
+      <p:pic>
+        <p:nvPicPr>
+          <p:cNvPr id="3" name="Picture 2">
+            <a:extLst>
+              <a:ext uri="{FF2B5EF4-FFF2-40B4-BE49-F238E27FC236}">
+                <a16:creationId xmlns:a16="http://schemas.microsoft.com/office/drawing/2014/main" id="{75FC4D95-597B-4022-931D-398AB2BB3645}"/>
+              </a:ext>
+            </a:extLst>
+          </p:cNvPr>
+          <p:cNvPicPr>
+            <a:picLocks noChangeAspect="1"/>
+          </p:cNvPicPr>
+          <p:nvPr/>
+        </p:nvPicPr>
+        <p:blipFill>
+          <a:blip r:embed="rId2"/>
+          <a:stretch>
+            <a:fillRect/>
+          </a:stretch>
+        </p:blipFill>
+        <p:spPr>
+          <a:xfrm>
+            <a:off x="4356445" y="2484582"/>
+            <a:ext cx="3479107" cy="3228109"/>
+          </a:xfrm>
+          <a:prstGeom prst="rect">
+            <a:avLst/>
+          </a:prstGeom>
+        </p:spPr>
+      </p:pic>
     </p:spTree>
     <p:extLst>
       <p:ext uri="{BB962C8B-B14F-4D97-AF65-F5344CB8AC3E}">

--- a/src/Self_Efficacy/Stimuli/Instructions.pptx
+++ b/src/Self_Efficacy/Stimuli/Instructions.pptx
@@ -276,7 +276,7 @@
           <a:p>
             <a:fld id="{1C2A38D2-D57A-4E64-B95F-0826012D069A}" type="datetimeFigureOut">
               <a:rPr lang="en-GB" smtClean="0"/>
-              <a:t>08/10/2020</a:t>
+              <a:t>14/10/2020</a:t>
             </a:fld>
             <a:endParaRPr lang="en-GB" dirty="0"/>
           </a:p>
@@ -446,7 +446,7 @@
           <a:p>
             <a:fld id="{1C2A38D2-D57A-4E64-B95F-0826012D069A}" type="datetimeFigureOut">
               <a:rPr lang="en-GB" smtClean="0"/>
-              <a:t>08/10/2020</a:t>
+              <a:t>14/10/2020</a:t>
             </a:fld>
             <a:endParaRPr lang="en-GB" dirty="0"/>
           </a:p>
@@ -626,7 +626,7 @@
           <a:p>
             <a:fld id="{1C2A38D2-D57A-4E64-B95F-0826012D069A}" type="datetimeFigureOut">
               <a:rPr lang="en-GB" smtClean="0"/>
-              <a:t>08/10/2020</a:t>
+              <a:t>14/10/2020</a:t>
             </a:fld>
             <a:endParaRPr lang="en-GB" dirty="0"/>
           </a:p>
@@ -796,7 +796,7 @@
           <a:p>
             <a:fld id="{1C2A38D2-D57A-4E64-B95F-0826012D069A}" type="datetimeFigureOut">
               <a:rPr lang="en-GB" smtClean="0"/>
-              <a:t>08/10/2020</a:t>
+              <a:t>14/10/2020</a:t>
             </a:fld>
             <a:endParaRPr lang="en-GB" dirty="0"/>
           </a:p>
@@ -1042,7 +1042,7 @@
           <a:p>
             <a:fld id="{1C2A38D2-D57A-4E64-B95F-0826012D069A}" type="datetimeFigureOut">
               <a:rPr lang="en-GB" smtClean="0"/>
-              <a:t>08/10/2020</a:t>
+              <a:t>14/10/2020</a:t>
             </a:fld>
             <a:endParaRPr lang="en-GB" dirty="0"/>
           </a:p>
@@ -1274,7 +1274,7 @@
           <a:p>
             <a:fld id="{1C2A38D2-D57A-4E64-B95F-0826012D069A}" type="datetimeFigureOut">
               <a:rPr lang="en-GB" smtClean="0"/>
-              <a:t>08/10/2020</a:t>
+              <a:t>14/10/2020</a:t>
             </a:fld>
             <a:endParaRPr lang="en-GB" dirty="0"/>
           </a:p>
@@ -1641,7 +1641,7 @@
           <a:p>
             <a:fld id="{1C2A38D2-D57A-4E64-B95F-0826012D069A}" type="datetimeFigureOut">
               <a:rPr lang="en-GB" smtClean="0"/>
-              <a:t>08/10/2020</a:t>
+              <a:t>14/10/2020</a:t>
             </a:fld>
             <a:endParaRPr lang="en-GB" dirty="0"/>
           </a:p>
@@ -1759,7 +1759,7 @@
           <a:p>
             <a:fld id="{1C2A38D2-D57A-4E64-B95F-0826012D069A}" type="datetimeFigureOut">
               <a:rPr lang="en-GB" smtClean="0"/>
-              <a:t>08/10/2020</a:t>
+              <a:t>14/10/2020</a:t>
             </a:fld>
             <a:endParaRPr lang="en-GB" dirty="0"/>
           </a:p>
@@ -1854,7 +1854,7 @@
           <a:p>
             <a:fld id="{1C2A38D2-D57A-4E64-B95F-0826012D069A}" type="datetimeFigureOut">
               <a:rPr lang="en-GB" smtClean="0"/>
-              <a:t>08/10/2020</a:t>
+              <a:t>14/10/2020</a:t>
             </a:fld>
             <a:endParaRPr lang="en-GB" dirty="0"/>
           </a:p>
@@ -2131,7 +2131,7 @@
           <a:p>
             <a:fld id="{1C2A38D2-D57A-4E64-B95F-0826012D069A}" type="datetimeFigureOut">
               <a:rPr lang="en-GB" smtClean="0"/>
-              <a:t>08/10/2020</a:t>
+              <a:t>14/10/2020</a:t>
             </a:fld>
             <a:endParaRPr lang="en-GB" dirty="0"/>
           </a:p>
@@ -2384,7 +2384,7 @@
           <a:p>
             <a:fld id="{1C2A38D2-D57A-4E64-B95F-0826012D069A}" type="datetimeFigureOut">
               <a:rPr lang="en-GB" smtClean="0"/>
-              <a:t>08/10/2020</a:t>
+              <a:t>14/10/2020</a:t>
             </a:fld>
             <a:endParaRPr lang="en-GB" dirty="0"/>
           </a:p>
@@ -2597,7 +2597,7 @@
           <a:p>
             <a:fld id="{1C2A38D2-D57A-4E64-B95F-0826012D069A}" type="datetimeFigureOut">
               <a:rPr lang="en-GB" smtClean="0"/>
-              <a:t>08/10/2020</a:t>
+              <a:t>14/10/2020</a:t>
             </a:fld>
             <a:endParaRPr lang="en-GB" dirty="0"/>
           </a:p>
@@ -3082,7 +3082,7 @@
             <a:pPr algn="ctr"/>
             <a:r>
               <a:rPr lang="fr-FR" sz="2400" dirty="0"/>
-              <a:t>Maintenant, les paires consistent d’un numéro et d’une image d’un animal (comme ci-dessous).</a:t>
+              <a:t>Maintenant, les paires consistent d’un numéro et d’une image d’un chien (comme ci-dessous).</a:t>
             </a:r>
           </a:p>
           <a:p>
@@ -3136,10 +3136,10 @@
       </p:sp>
       <p:pic>
         <p:nvPicPr>
-          <p:cNvPr id="3" name="Picture 2">
+          <p:cNvPr id="5" name="Picture 4">
             <a:extLst>
               <a:ext uri="{FF2B5EF4-FFF2-40B4-BE49-F238E27FC236}">
-                <a16:creationId xmlns:a16="http://schemas.microsoft.com/office/drawing/2014/main" id="{75FC4D95-597B-4022-931D-398AB2BB3645}"/>
+                <a16:creationId xmlns:a16="http://schemas.microsoft.com/office/drawing/2014/main" id="{183AF8B4-4062-41F5-8523-CF6D5BFFB93D}"/>
               </a:ext>
             </a:extLst>
           </p:cNvPr>
@@ -3156,8 +3156,8 @@
         </p:blipFill>
         <p:spPr>
           <a:xfrm>
-            <a:off x="4356445" y="2484582"/>
-            <a:ext cx="3479107" cy="3228109"/>
+            <a:off x="4407174" y="2416029"/>
+            <a:ext cx="3377652" cy="3381409"/>
           </a:xfrm>
           <a:prstGeom prst="rect">
             <a:avLst/>

--- a/src/Self_Efficacy/Stimuli/Instructions.pptx
+++ b/src/Self_Efficacy/Stimuli/Instructions.pptx
@@ -276,7 +276,7 @@
           <a:p>
             <a:fld id="{1C2A38D2-D57A-4E64-B95F-0826012D069A}" type="datetimeFigureOut">
               <a:rPr lang="en-GB" smtClean="0"/>
-              <a:t>14/10/2020</a:t>
+              <a:t>09/11/2020</a:t>
             </a:fld>
             <a:endParaRPr lang="en-GB" dirty="0"/>
           </a:p>
@@ -446,7 +446,7 @@
           <a:p>
             <a:fld id="{1C2A38D2-D57A-4E64-B95F-0826012D069A}" type="datetimeFigureOut">
               <a:rPr lang="en-GB" smtClean="0"/>
-              <a:t>14/10/2020</a:t>
+              <a:t>09/11/2020</a:t>
             </a:fld>
             <a:endParaRPr lang="en-GB" dirty="0"/>
           </a:p>
@@ -626,7 +626,7 @@
           <a:p>
             <a:fld id="{1C2A38D2-D57A-4E64-B95F-0826012D069A}" type="datetimeFigureOut">
               <a:rPr lang="en-GB" smtClean="0"/>
-              <a:t>14/10/2020</a:t>
+              <a:t>09/11/2020</a:t>
             </a:fld>
             <a:endParaRPr lang="en-GB" dirty="0"/>
           </a:p>
@@ -796,7 +796,7 @@
           <a:p>
             <a:fld id="{1C2A38D2-D57A-4E64-B95F-0826012D069A}" type="datetimeFigureOut">
               <a:rPr lang="en-GB" smtClean="0"/>
-              <a:t>14/10/2020</a:t>
+              <a:t>09/11/2020</a:t>
             </a:fld>
             <a:endParaRPr lang="en-GB" dirty="0"/>
           </a:p>
@@ -1042,7 +1042,7 @@
           <a:p>
             <a:fld id="{1C2A38D2-D57A-4E64-B95F-0826012D069A}" type="datetimeFigureOut">
               <a:rPr lang="en-GB" smtClean="0"/>
-              <a:t>14/10/2020</a:t>
+              <a:t>09/11/2020</a:t>
             </a:fld>
             <a:endParaRPr lang="en-GB" dirty="0"/>
           </a:p>
@@ -1274,7 +1274,7 @@
           <a:p>
             <a:fld id="{1C2A38D2-D57A-4E64-B95F-0826012D069A}" type="datetimeFigureOut">
               <a:rPr lang="en-GB" smtClean="0"/>
-              <a:t>14/10/2020</a:t>
+              <a:t>09/11/2020</a:t>
             </a:fld>
             <a:endParaRPr lang="en-GB" dirty="0"/>
           </a:p>
@@ -1641,7 +1641,7 @@
           <a:p>
             <a:fld id="{1C2A38D2-D57A-4E64-B95F-0826012D069A}" type="datetimeFigureOut">
               <a:rPr lang="en-GB" smtClean="0"/>
-              <a:t>14/10/2020</a:t>
+              <a:t>09/11/2020</a:t>
             </a:fld>
             <a:endParaRPr lang="en-GB" dirty="0"/>
           </a:p>
@@ -1759,7 +1759,7 @@
           <a:p>
             <a:fld id="{1C2A38D2-D57A-4E64-B95F-0826012D069A}" type="datetimeFigureOut">
               <a:rPr lang="en-GB" smtClean="0"/>
-              <a:t>14/10/2020</a:t>
+              <a:t>09/11/2020</a:t>
             </a:fld>
             <a:endParaRPr lang="en-GB" dirty="0"/>
           </a:p>
@@ -1854,7 +1854,7 @@
           <a:p>
             <a:fld id="{1C2A38D2-D57A-4E64-B95F-0826012D069A}" type="datetimeFigureOut">
               <a:rPr lang="en-GB" smtClean="0"/>
-              <a:t>14/10/2020</a:t>
+              <a:t>09/11/2020</a:t>
             </a:fld>
             <a:endParaRPr lang="en-GB" dirty="0"/>
           </a:p>
@@ -2131,7 +2131,7 @@
           <a:p>
             <a:fld id="{1C2A38D2-D57A-4E64-B95F-0826012D069A}" type="datetimeFigureOut">
               <a:rPr lang="en-GB" smtClean="0"/>
-              <a:t>14/10/2020</a:t>
+              <a:t>09/11/2020</a:t>
             </a:fld>
             <a:endParaRPr lang="en-GB" dirty="0"/>
           </a:p>
@@ -2384,7 +2384,7 @@
           <a:p>
             <a:fld id="{1C2A38D2-D57A-4E64-B95F-0826012D069A}" type="datetimeFigureOut">
               <a:rPr lang="en-GB" smtClean="0"/>
-              <a:t>14/10/2020</a:t>
+              <a:t>09/11/2020</a:t>
             </a:fld>
             <a:endParaRPr lang="en-GB" dirty="0"/>
           </a:p>
@@ -2597,7 +2597,7 @@
           <a:p>
             <a:fld id="{1C2A38D2-D57A-4E64-B95F-0826012D069A}" type="datetimeFigureOut">
               <a:rPr lang="en-GB" smtClean="0"/>
-              <a:t>14/10/2020</a:t>
+              <a:t>09/11/2020</a:t>
             </a:fld>
             <a:endParaRPr lang="en-GB" dirty="0"/>
           </a:p>
@@ -3082,7 +3082,7 @@
             <a:pPr algn="ctr"/>
             <a:r>
               <a:rPr lang="fr-FR" sz="2400" dirty="0"/>
-              <a:t>Maintenant, les paires consistent d’un numéro et d’une image d’un chien (comme ci-dessous).</a:t>
+              <a:t>Maintenant, les paires consistent d’image de chiens (comme ci-dessous).</a:t>
             </a:r>
           </a:p>
           <a:p>
@@ -3136,10 +3136,10 @@
       </p:sp>
       <p:pic>
         <p:nvPicPr>
-          <p:cNvPr id="5" name="Picture 4">
+          <p:cNvPr id="3" name="Picture 2">
             <a:extLst>
               <a:ext uri="{FF2B5EF4-FFF2-40B4-BE49-F238E27FC236}">
-                <a16:creationId xmlns:a16="http://schemas.microsoft.com/office/drawing/2014/main" id="{183AF8B4-4062-41F5-8523-CF6D5BFFB93D}"/>
+                <a16:creationId xmlns:a16="http://schemas.microsoft.com/office/drawing/2014/main" id="{829E9A02-6B17-4D31-B70B-9410C0A57833}"/>
               </a:ext>
             </a:extLst>
           </p:cNvPr>
@@ -3156,8 +3156,8 @@
         </p:blipFill>
         <p:spPr>
           <a:xfrm>
-            <a:off x="4407174" y="2416029"/>
-            <a:ext cx="3377652" cy="3381409"/>
+            <a:off x="4706698" y="2692443"/>
+            <a:ext cx="2418726" cy="2416029"/>
           </a:xfrm>
           <a:prstGeom prst="rect">
             <a:avLst/>
